--- a/Presentation/The Undertaker.pptx
+++ b/Presentation/The Undertaker.pptx
@@ -107,6 +107,11 @@
       </a:defRPr>
     </a:lvl9pPr>
   </p:defaultTextStyle>
+  <p:extLst>
+    <p:ext uri="{EFAFB233-063F-42B5-8137-9DF3F51BA10A}">
+      <p15:sldGuideLst xmlns:p15="http://schemas.microsoft.com/office/powerpoint/2012/main"/>
+    </p:ext>
+  </p:extLst>
 </p:presentation>
 </file>
 
@@ -4554,6 +4559,40 @@
           </a:prstGeom>
         </p:spPr>
       </p:pic>
+      <p:sp>
+        <p:nvSpPr>
+          <p:cNvPr id="6" name="TextBox 5"/>
+          <p:cNvSpPr txBox="1"/>
+          <p:nvPr/>
+        </p:nvSpPr>
+        <p:spPr>
+          <a:xfrm>
+            <a:off x="7494444" y="2789695"/>
+            <a:ext cx="2037014" cy="1477328"/>
+          </a:xfrm>
+          <a:prstGeom prst="rect">
+            <a:avLst/>
+          </a:prstGeom>
+          <a:noFill/>
+        </p:spPr>
+        <p:txBody>
+          <a:bodyPr wrap="square" rtlCol="0">
+            <a:spAutoFit/>
+          </a:bodyPr>
+          <a:lstStyle/>
+          <a:p>
+            <a:r>
+              <a:rPr lang="en-US" dirty="0" smtClean="0"/>
+              <a:t>Made player sprite sheet, moving and jumping, added bullets and </a:t>
+            </a:r>
+            <a:r>
+              <a:rPr lang="en-US" smtClean="0"/>
+              <a:t>basic collision,</a:t>
+            </a:r>
+            <a:endParaRPr lang="en-US"/>
+          </a:p>
+        </p:txBody>
+      </p:sp>
     </p:spTree>
     <p:extLst>
       <p:ext uri="{BB962C8B-B14F-4D97-AF65-F5344CB8AC3E}">

--- a/Presentation/The Undertaker.pptx
+++ b/Presentation/The Undertaker.pptx
@@ -3517,8 +3517,23 @@
                 </a:solidFill>
                 <a:latin typeface="Agency FB" panose="020B0503020202020204" pitchFamily="34" charset="0"/>
               </a:rPr>
-              <a:t>TEAM “NEW ORLEANS</a:t>
-            </a:r>
+              <a:t>TEAM “NEW </a:t>
+            </a:r>
+            <a:r>
+              <a:rPr lang="en-AU" sz="3000" dirty="0" smtClean="0">
+                <a:solidFill>
+                  <a:srgbClr val="FFC000"/>
+                </a:solidFill>
+                <a:latin typeface="Agency FB" panose="020B0503020202020204" pitchFamily="34" charset="0"/>
+              </a:rPr>
+              <a:t>ORLEANS“</a:t>
+            </a:r>
+            <a:endParaRPr lang="en-AU" sz="3000" dirty="0" smtClean="0">
+              <a:solidFill>
+                <a:srgbClr val="FFC000"/>
+              </a:solidFill>
+              <a:latin typeface="Agency FB" panose="020B0503020202020204" pitchFamily="34" charset="0"/>
+            </a:endParaRPr>
           </a:p>
           <a:p>
             <a:endParaRPr lang="en-AU" dirty="0"/>
@@ -3811,6 +3826,71 @@
           <a:bodyPr/>
           <a:lstStyle/>
           <a:p>
+            <a:r>
+              <a:rPr lang="en-US" dirty="0" smtClean="0"/>
+              <a:t>The Undertaker is </a:t>
+            </a:r>
+            <a:r>
+              <a:rPr lang="en-US" dirty="0"/>
+              <a:t>a </a:t>
+            </a:r>
+            <a:r>
+              <a:rPr lang="en-US" dirty="0" smtClean="0"/>
+              <a:t>GUI video game, written in Java and </a:t>
+            </a:r>
+            <a:r>
+              <a:rPr lang="en-US" dirty="0"/>
+              <a:t>developed by team </a:t>
+            </a:r>
+            <a:r>
+              <a:rPr lang="en-US" dirty="0" smtClean="0"/>
+              <a:t>New Orleans for </a:t>
+            </a:r>
+            <a:r>
+              <a:rPr lang="en-US" dirty="0"/>
+              <a:t>the </a:t>
+            </a:r>
+            <a:r>
+              <a:rPr lang="en-US" dirty="0" smtClean="0"/>
+              <a:t>Java </a:t>
+            </a:r>
+            <a:r>
+              <a:rPr lang="bg-BG" dirty="0"/>
+              <a:t>Fundamentals </a:t>
+            </a:r>
+            <a:r>
+              <a:rPr lang="en-US" dirty="0" smtClean="0"/>
+              <a:t>teamwork at </a:t>
+            </a:r>
+            <a:r>
+              <a:rPr lang="en-US" dirty="0" err="1"/>
+              <a:t>SoftUni</a:t>
+            </a:r>
+            <a:r>
+              <a:rPr lang="en-US" dirty="0"/>
+              <a:t>.</a:t>
+            </a:r>
+          </a:p>
+          <a:p>
+            <a:r>
+              <a:rPr lang="en-US" dirty="0"/>
+              <a:t>The main theme of the game is a battle between a lone </a:t>
+            </a:r>
+            <a:r>
+              <a:rPr lang="en-US" dirty="0" smtClean="0"/>
+              <a:t>soldier, </a:t>
+            </a:r>
+            <a:r>
+              <a:rPr lang="en-US" dirty="0"/>
+              <a:t>who has to fight with </a:t>
+            </a:r>
+            <a:r>
+              <a:rPr lang="en-US" dirty="0" smtClean="0"/>
+              <a:t>numerous monsters, such as dragons, dinosaurs, etc.</a:t>
+            </a:r>
+            <a:endParaRPr lang="en-US" dirty="0"/>
+          </a:p>
+          <a:p>
             <a:pPr marL="0" indent="0">
               <a:buNone/>
             </a:pPr>
@@ -3939,7 +4019,7 @@
         </p:nvSpPr>
         <p:spPr>
           <a:xfrm>
-            <a:off x="4918554" y="1322363"/>
+            <a:off x="4965169" y="1321004"/>
             <a:ext cx="2343298" cy="4206240"/>
           </a:xfrm>
           <a:prstGeom prst="rect">
@@ -3965,7 +4045,19 @@
           <a:lstStyle/>
           <a:p>
             <a:pPr algn="ctr"/>
-            <a:endParaRPr lang="en-AU"/>
+            <a:endParaRPr lang="en-AU">
+              <a:ln w="0"/>
+              <a:solidFill>
+                <a:schemeClr val="tx1"/>
+              </a:solidFill>
+              <a:effectLst>
+                <a:outerShdw blurRad="38100" dist="19050" dir="2700000" algn="tl" rotWithShape="0">
+                  <a:schemeClr val="dk1">
+                    <a:alpha val="40000"/>
+                  </a:schemeClr>
+                </a:outerShdw>
+              </a:effectLst>
+            </a:endParaRPr>
           </a:p>
         </p:txBody>
       </p:sp>
@@ -4583,13 +4675,54 @@
           <a:p>
             <a:r>
               <a:rPr lang="en-US" dirty="0" smtClean="0"/>
-              <a:t>Made player sprite sheet, moving and jumping, added bullets and </a:t>
-            </a:r>
-            <a:r>
-              <a:rPr lang="en-US" smtClean="0"/>
-              <a:t>basic collision,</a:t>
-            </a:r>
-            <a:endParaRPr lang="en-US"/>
+              <a:t>Made player sprite sheet, moving and jumping, added bullets and basic collision,</a:t>
+            </a:r>
+            <a:endParaRPr lang="en-US" dirty="0"/>
+          </a:p>
+        </p:txBody>
+      </p:sp>
+      <p:sp>
+        <p:nvSpPr>
+          <p:cNvPr id="28" name="TextBox 27"/>
+          <p:cNvSpPr txBox="1"/>
+          <p:nvPr/>
+        </p:nvSpPr>
+        <p:spPr>
+          <a:xfrm>
+            <a:off x="5076543" y="2798225"/>
+            <a:ext cx="2037014" cy="1477328"/>
+          </a:xfrm>
+          <a:prstGeom prst="rect">
+            <a:avLst/>
+          </a:prstGeom>
+          <a:noFill/>
+        </p:spPr>
+        <p:txBody>
+          <a:bodyPr wrap="square" rtlCol="0">
+            <a:spAutoFit/>
+          </a:bodyPr>
+          <a:lstStyle/>
+          <a:p>
+            <a:r>
+              <a:rPr lang="en-US" dirty="0" smtClean="0"/>
+              <a:t>-Created main menu, tutorial and game over states</a:t>
+            </a:r>
+          </a:p>
+          <a:p>
+            <a:r>
+              <a:rPr lang="en-US" dirty="0" smtClean="0"/>
+              <a:t>-Code </a:t>
+            </a:r>
+            <a:r>
+              <a:rPr lang="en-US" dirty="0"/>
+              <a:t>refactoring</a:t>
+            </a:r>
+          </a:p>
+          <a:p>
+            <a:r>
+              <a:rPr lang="en-US" dirty="0" smtClean="0"/>
+              <a:t>-Debugging</a:t>
+            </a:r>
           </a:p>
         </p:txBody>
       </p:sp>

--- a/Presentation/The Undertaker.pptx
+++ b/Presentation/The Undertaker.pptx
@@ -3517,23 +3517,8 @@
                 </a:solidFill>
                 <a:latin typeface="Agency FB" panose="020B0503020202020204" pitchFamily="34" charset="0"/>
               </a:rPr>
-              <a:t>TEAM “NEW </a:t>
-            </a:r>
-            <a:r>
-              <a:rPr lang="en-AU" sz="3000" dirty="0" smtClean="0">
-                <a:solidFill>
-                  <a:srgbClr val="FFC000"/>
-                </a:solidFill>
-                <a:latin typeface="Agency FB" panose="020B0503020202020204" pitchFamily="34" charset="0"/>
-              </a:rPr>
-              <a:t>ORLEANS“</a:t>
-            </a:r>
-            <a:endParaRPr lang="en-AU" sz="3000" dirty="0" smtClean="0">
-              <a:solidFill>
-                <a:srgbClr val="FFC000"/>
-              </a:solidFill>
-              <a:latin typeface="Agency FB" panose="020B0503020202020204" pitchFamily="34" charset="0"/>
-            </a:endParaRPr>
+              <a:t>TEAM “NEW ORLEANS“</a:t>
+            </a:r>
           </a:p>
           <a:p>
             <a:endParaRPr lang="en-AU" dirty="0"/>
@@ -4069,7 +4054,7 @@
         </p:nvSpPr>
         <p:spPr>
           <a:xfrm>
-            <a:off x="2492556" y="1321004"/>
+            <a:off x="2584871" y="1350878"/>
             <a:ext cx="2343298" cy="4206240"/>
           </a:xfrm>
           <a:prstGeom prst="rect">
@@ -4330,7 +4315,7 @@
         </p:blipFill>
         <p:spPr>
           <a:xfrm>
-            <a:off x="2565048" y="1472663"/>
+            <a:off x="2638569" y="1462876"/>
             <a:ext cx="882295" cy="679694"/>
           </a:xfrm>
           <a:prstGeom prst="rect">
@@ -4346,7 +4331,7 @@
         </p:nvSpPr>
         <p:spPr>
           <a:xfrm>
-            <a:off x="894438" y="1468216"/>
+            <a:off x="956458" y="1372048"/>
             <a:ext cx="1444305" cy="1200329"/>
           </a:xfrm>
           <a:prstGeom prst="rect">
@@ -4399,7 +4384,7 @@
         </p:nvSpPr>
         <p:spPr>
           <a:xfrm>
-            <a:off x="3370447" y="1472663"/>
+            <a:off x="3522664" y="1472662"/>
             <a:ext cx="1444305" cy="1200329"/>
           </a:xfrm>
           <a:prstGeom prst="rect">
@@ -4722,6 +4707,69 @@
             <a:r>
               <a:rPr lang="en-US" dirty="0" smtClean="0"/>
               <a:t>-Debugging</a:t>
+            </a:r>
+          </a:p>
+        </p:txBody>
+      </p:sp>
+      <p:sp>
+        <p:nvSpPr>
+          <p:cNvPr id="8" name="TextBox 7"/>
+          <p:cNvSpPr txBox="1"/>
+          <p:nvPr/>
+        </p:nvSpPr>
+        <p:spPr>
+          <a:xfrm>
+            <a:off x="153887" y="2409319"/>
+            <a:ext cx="2168640" cy="2862322"/>
+          </a:xfrm>
+          <a:prstGeom prst="rect">
+            <a:avLst/>
+          </a:prstGeom>
+          <a:noFill/>
+        </p:spPr>
+        <p:txBody>
+          <a:bodyPr wrap="square" rtlCol="0">
+            <a:spAutoFit/>
+          </a:bodyPr>
+          <a:lstStyle/>
+          <a:p>
+            <a:pPr marL="285750" indent="-285750">
+              <a:buFontTx/>
+              <a:buChar char="-"/>
+            </a:pPr>
+            <a:r>
+              <a:rPr lang="en-US" dirty="0" smtClean="0"/>
+              <a:t>Divided the code in different classes and states.</a:t>
+            </a:r>
+          </a:p>
+          <a:p>
+            <a:pPr marL="285750" indent="-285750">
+              <a:buFontTx/>
+              <a:buChar char="-"/>
+            </a:pPr>
+            <a:r>
+              <a:rPr lang="en-US" dirty="0" smtClean="0"/>
+              <a:t>Created the Display, </a:t>
+            </a:r>
+            <a:r>
+              <a:rPr lang="en-US" dirty="0" err="1" smtClean="0"/>
+              <a:t>EnemyGenerator</a:t>
+            </a:r>
+            <a:r>
+              <a:rPr lang="en-US" dirty="0" smtClean="0"/>
+              <a:t>, Game, Handler, </a:t>
+            </a:r>
+            <a:r>
+              <a:rPr lang="en-US" dirty="0" err="1" smtClean="0"/>
+              <a:t>GameObject</a:t>
+            </a:r>
+            <a:r>
+              <a:rPr lang="en-US" dirty="0" smtClean="0"/>
+              <a:t> and Leaderboard </a:t>
+            </a:r>
+            <a:r>
+              <a:rPr lang="en-US" dirty="0" smtClean="0"/>
+              <a:t>classes</a:t>
             </a:r>
           </a:p>
         </p:txBody>

--- a/Presentation/The Undertaker.pptx
+++ b/Presentation/The Undertaker.pptx
@@ -58,7 +58,7 @@
       </p:grpSpPr>
       <p:sp>
         <p:nvSpPr>
-          <p:cNvPr id="27" name="PlaceHolder 1"/>
+          <p:cNvPr id="24" name="PlaceHolder 1"/>
           <p:cNvSpPr>
             <a:spLocks noGrp="1"/>
           </p:cNvSpPr>
@@ -69,7 +69,7 @@
         <p:spPr>
           <a:xfrm>
             <a:off x="838080" y="365040"/>
-            <a:ext cx="10515240" cy="1325160"/>
+            <a:ext cx="10514880" cy="1324800"/>
           </a:xfrm>
           <a:prstGeom prst="rect">
             <a:avLst/>
@@ -78,13 +78,14 @@
         <p:txBody>
           <a:bodyPr lIns="0" rIns="0" tIns="0" bIns="0" anchor="ctr"/>
           <a:p>
-            <a:endParaRPr/>
-          </a:p>
-        </p:txBody>
-      </p:sp>
-      <p:sp>
-        <p:nvSpPr>
-          <p:cNvPr id="28" name="PlaceHolder 2"/>
+            <a:pPr algn="ctr"/>
+            <a:endParaRPr/>
+          </a:p>
+        </p:txBody>
+      </p:sp>
+      <p:sp>
+        <p:nvSpPr>
+          <p:cNvPr id="25" name="PlaceHolder 2"/>
           <p:cNvSpPr>
             <a:spLocks noGrp="1"/>
           </p:cNvSpPr>
@@ -110,7 +111,7 @@
       </p:sp>
       <p:sp>
         <p:nvSpPr>
-          <p:cNvPr id="29" name="PlaceHolder 3"/>
+          <p:cNvPr id="26" name="PlaceHolder 3"/>
           <p:cNvSpPr>
             <a:spLocks noGrp="1"/>
           </p:cNvSpPr>
@@ -158,7 +159,7 @@
       </p:grpSpPr>
       <p:sp>
         <p:nvSpPr>
-          <p:cNvPr id="30" name="PlaceHolder 1"/>
+          <p:cNvPr id="27" name="PlaceHolder 1"/>
           <p:cNvSpPr>
             <a:spLocks noGrp="1"/>
           </p:cNvSpPr>
@@ -169,7 +170,7 @@
         <p:spPr>
           <a:xfrm>
             <a:off x="838080" y="365040"/>
-            <a:ext cx="10515240" cy="1325160"/>
+            <a:ext cx="10514880" cy="1324800"/>
           </a:xfrm>
           <a:prstGeom prst="rect">
             <a:avLst/>
@@ -178,13 +179,14 @@
         <p:txBody>
           <a:bodyPr lIns="0" rIns="0" tIns="0" bIns="0" anchor="ctr"/>
           <a:p>
-            <a:endParaRPr/>
-          </a:p>
-        </p:txBody>
-      </p:sp>
-      <p:sp>
-        <p:nvSpPr>
-          <p:cNvPr id="31" name="PlaceHolder 2"/>
+            <a:pPr algn="ctr"/>
+            <a:endParaRPr/>
+          </a:p>
+        </p:txBody>
+      </p:sp>
+      <p:sp>
+        <p:nvSpPr>
+          <p:cNvPr id="28" name="PlaceHolder 2"/>
           <p:cNvSpPr>
             <a:spLocks noGrp="1"/>
           </p:cNvSpPr>
@@ -210,7 +212,7 @@
       </p:sp>
       <p:sp>
         <p:nvSpPr>
-          <p:cNvPr id="32" name="PlaceHolder 3"/>
+          <p:cNvPr id="29" name="PlaceHolder 3"/>
           <p:cNvSpPr>
             <a:spLocks noGrp="1"/>
           </p:cNvSpPr>
@@ -236,7 +238,7 @@
       </p:sp>
       <p:sp>
         <p:nvSpPr>
-          <p:cNvPr id="33" name="PlaceHolder 4"/>
+          <p:cNvPr id="30" name="PlaceHolder 4"/>
           <p:cNvSpPr>
             <a:spLocks noGrp="1"/>
           </p:cNvSpPr>
@@ -262,7 +264,7 @@
       </p:sp>
       <p:sp>
         <p:nvSpPr>
-          <p:cNvPr id="34" name="PlaceHolder 5"/>
+          <p:cNvPr id="31" name="PlaceHolder 5"/>
           <p:cNvSpPr>
             <a:spLocks noGrp="1"/>
           </p:cNvSpPr>
@@ -310,7 +312,7 @@
       </p:grpSpPr>
       <p:sp>
         <p:nvSpPr>
-          <p:cNvPr id="35" name="PlaceHolder 1"/>
+          <p:cNvPr id="32" name="PlaceHolder 1"/>
           <p:cNvSpPr>
             <a:spLocks noGrp="1"/>
           </p:cNvSpPr>
@@ -321,7 +323,7 @@
         <p:spPr>
           <a:xfrm>
             <a:off x="838080" y="365040"/>
-            <a:ext cx="10515240" cy="1325160"/>
+            <a:ext cx="10514880" cy="1324800"/>
           </a:xfrm>
           <a:prstGeom prst="rect">
             <a:avLst/>
@@ -330,13 +332,14 @@
         <p:txBody>
           <a:bodyPr lIns="0" rIns="0" tIns="0" bIns="0" anchor="ctr"/>
           <a:p>
-            <a:endParaRPr/>
-          </a:p>
-        </p:txBody>
-      </p:sp>
-      <p:sp>
-        <p:nvSpPr>
-          <p:cNvPr id="36" name="PlaceHolder 2"/>
+            <a:pPr algn="ctr"/>
+            <a:endParaRPr/>
+          </a:p>
+        </p:txBody>
+      </p:sp>
+      <p:sp>
+        <p:nvSpPr>
+          <p:cNvPr id="33" name="PlaceHolder 2"/>
           <p:cNvSpPr>
             <a:spLocks noGrp="1"/>
           </p:cNvSpPr>
@@ -362,7 +365,7 @@
       </p:sp>
       <p:sp>
         <p:nvSpPr>
-          <p:cNvPr id="37" name="PlaceHolder 3"/>
+          <p:cNvPr id="34" name="PlaceHolder 3"/>
           <p:cNvSpPr>
             <a:spLocks noGrp="1"/>
           </p:cNvSpPr>
@@ -388,7 +391,7 @@
       </p:sp>
       <p:pic>
         <p:nvPicPr>
-          <p:cNvPr id="38" name="" descr=""/>
+          <p:cNvPr id="35" name="" descr=""/>
           <p:cNvPicPr/>
           <p:nvPr/>
         </p:nvPicPr>
@@ -411,7 +414,7 @@
       </p:pic>
       <p:pic>
         <p:nvPicPr>
-          <p:cNvPr id="39" name="" descr=""/>
+          <p:cNvPr id="36" name="" descr=""/>
           <p:cNvPicPr/>
           <p:nvPr/>
         </p:nvPicPr>
@@ -478,7 +481,7 @@
       </p:grpSpPr>
       <p:sp>
         <p:nvSpPr>
-          <p:cNvPr id="45" name="PlaceHolder 1"/>
+          <p:cNvPr id="39" name="PlaceHolder 1"/>
           <p:cNvSpPr>
             <a:spLocks noGrp="1"/>
           </p:cNvSpPr>
@@ -489,7 +492,7 @@
         <p:spPr>
           <a:xfrm>
             <a:off x="838080" y="365040"/>
-            <a:ext cx="10515240" cy="1325160"/>
+            <a:ext cx="10514880" cy="1324800"/>
           </a:xfrm>
           <a:prstGeom prst="rect">
             <a:avLst/>
@@ -498,13 +501,14 @@
         <p:txBody>
           <a:bodyPr lIns="0" rIns="0" tIns="0" bIns="0" anchor="ctr"/>
           <a:p>
-            <a:endParaRPr/>
-          </a:p>
-        </p:txBody>
-      </p:sp>
-      <p:sp>
-        <p:nvSpPr>
-          <p:cNvPr id="46" name="PlaceHolder 2"/>
+            <a:pPr algn="ctr"/>
+            <a:endParaRPr/>
+          </a:p>
+        </p:txBody>
+      </p:sp>
+      <p:sp>
+        <p:nvSpPr>
+          <p:cNvPr id="40" name="PlaceHolder 2"/>
           <p:cNvSpPr>
             <a:spLocks noGrp="1"/>
           </p:cNvSpPr>
@@ -553,7 +557,7 @@
       </p:grpSpPr>
       <p:sp>
         <p:nvSpPr>
-          <p:cNvPr id="47" name="PlaceHolder 1"/>
+          <p:cNvPr id="41" name="PlaceHolder 1"/>
           <p:cNvSpPr>
             <a:spLocks noGrp="1"/>
           </p:cNvSpPr>
@@ -564,7 +568,7 @@
         <p:spPr>
           <a:xfrm>
             <a:off x="838080" y="365040"/>
-            <a:ext cx="10515240" cy="1325160"/>
+            <a:ext cx="10514880" cy="1324800"/>
           </a:xfrm>
           <a:prstGeom prst="rect">
             <a:avLst/>
@@ -573,13 +577,14 @@
         <p:txBody>
           <a:bodyPr lIns="0" rIns="0" tIns="0" bIns="0" anchor="ctr"/>
           <a:p>
-            <a:endParaRPr/>
-          </a:p>
-        </p:txBody>
-      </p:sp>
-      <p:sp>
-        <p:nvSpPr>
-          <p:cNvPr id="48" name="PlaceHolder 2"/>
+            <a:pPr algn="ctr"/>
+            <a:endParaRPr/>
+          </a:p>
+        </p:txBody>
+      </p:sp>
+      <p:sp>
+        <p:nvSpPr>
+          <p:cNvPr id="42" name="PlaceHolder 2"/>
           <p:cNvSpPr>
             <a:spLocks noGrp="1"/>
           </p:cNvSpPr>
@@ -627,7 +632,7 @@
       </p:grpSpPr>
       <p:sp>
         <p:nvSpPr>
-          <p:cNvPr id="49" name="PlaceHolder 1"/>
+          <p:cNvPr id="43" name="PlaceHolder 1"/>
           <p:cNvSpPr>
             <a:spLocks noGrp="1"/>
           </p:cNvSpPr>
@@ -638,7 +643,7 @@
         <p:spPr>
           <a:xfrm>
             <a:off x="838080" y="365040"/>
-            <a:ext cx="10515240" cy="1325160"/>
+            <a:ext cx="10514880" cy="1324800"/>
           </a:xfrm>
           <a:prstGeom prst="rect">
             <a:avLst/>
@@ -647,13 +652,14 @@
         <p:txBody>
           <a:bodyPr lIns="0" rIns="0" tIns="0" bIns="0" anchor="ctr"/>
           <a:p>
-            <a:endParaRPr/>
-          </a:p>
-        </p:txBody>
-      </p:sp>
-      <p:sp>
-        <p:nvSpPr>
-          <p:cNvPr id="50" name="PlaceHolder 2"/>
+            <a:pPr algn="ctr"/>
+            <a:endParaRPr/>
+          </a:p>
+        </p:txBody>
+      </p:sp>
+      <p:sp>
+        <p:nvSpPr>
+          <p:cNvPr id="44" name="PlaceHolder 2"/>
           <p:cNvSpPr>
             <a:spLocks noGrp="1"/>
           </p:cNvSpPr>
@@ -679,7 +685,7 @@
       </p:sp>
       <p:sp>
         <p:nvSpPr>
-          <p:cNvPr id="51" name="PlaceHolder 3"/>
+          <p:cNvPr id="45" name="PlaceHolder 3"/>
           <p:cNvSpPr>
             <a:spLocks noGrp="1"/>
           </p:cNvSpPr>
@@ -727,7 +733,7 @@
       </p:grpSpPr>
       <p:sp>
         <p:nvSpPr>
-          <p:cNvPr id="52" name="PlaceHolder 1"/>
+          <p:cNvPr id="46" name="PlaceHolder 1"/>
           <p:cNvSpPr>
             <a:spLocks noGrp="1"/>
           </p:cNvSpPr>
@@ -738,7 +744,7 @@
         <p:spPr>
           <a:xfrm>
             <a:off x="838080" y="365040"/>
-            <a:ext cx="10515240" cy="1325160"/>
+            <a:ext cx="10514880" cy="1324800"/>
           </a:xfrm>
           <a:prstGeom prst="rect">
             <a:avLst/>
@@ -747,6 +753,7 @@
         <p:txBody>
           <a:bodyPr lIns="0" rIns="0" tIns="0" bIns="0" anchor="ctr"/>
           <a:p>
+            <a:pPr algn="ctr"/>
             <a:endParaRPr/>
           </a:p>
         </p:txBody>
@@ -775,7 +782,7 @@
       </p:grpSpPr>
       <p:sp>
         <p:nvSpPr>
-          <p:cNvPr id="53" name="PlaceHolder 1"/>
+          <p:cNvPr id="47" name="PlaceHolder 1"/>
           <p:cNvSpPr>
             <a:spLocks noGrp="1"/>
           </p:cNvSpPr>
@@ -786,7 +793,7 @@
         <p:spPr>
           <a:xfrm>
             <a:off x="838080" y="365040"/>
-            <a:ext cx="10515240" cy="6144120"/>
+            <a:ext cx="10514880" cy="6142320"/>
           </a:xfrm>
           <a:prstGeom prst="rect">
             <a:avLst/>
@@ -824,7 +831,7 @@
       </p:grpSpPr>
       <p:sp>
         <p:nvSpPr>
-          <p:cNvPr id="54" name="PlaceHolder 1"/>
+          <p:cNvPr id="48" name="PlaceHolder 1"/>
           <p:cNvSpPr>
             <a:spLocks noGrp="1"/>
           </p:cNvSpPr>
@@ -835,7 +842,7 @@
         <p:spPr>
           <a:xfrm>
             <a:off x="838080" y="365040"/>
-            <a:ext cx="10515240" cy="1325160"/>
+            <a:ext cx="10514880" cy="1324800"/>
           </a:xfrm>
           <a:prstGeom prst="rect">
             <a:avLst/>
@@ -844,13 +851,14 @@
         <p:txBody>
           <a:bodyPr lIns="0" rIns="0" tIns="0" bIns="0" anchor="ctr"/>
           <a:p>
-            <a:endParaRPr/>
-          </a:p>
-        </p:txBody>
-      </p:sp>
-      <p:sp>
-        <p:nvSpPr>
-          <p:cNvPr id="55" name="PlaceHolder 2"/>
+            <a:pPr algn="ctr"/>
+            <a:endParaRPr/>
+          </a:p>
+        </p:txBody>
+      </p:sp>
+      <p:sp>
+        <p:nvSpPr>
+          <p:cNvPr id="49" name="PlaceHolder 2"/>
           <p:cNvSpPr>
             <a:spLocks noGrp="1"/>
           </p:cNvSpPr>
@@ -876,7 +884,7 @@
       </p:sp>
       <p:sp>
         <p:nvSpPr>
-          <p:cNvPr id="56" name="PlaceHolder 3"/>
+          <p:cNvPr id="50" name="PlaceHolder 3"/>
           <p:cNvSpPr>
             <a:spLocks noGrp="1"/>
           </p:cNvSpPr>
@@ -902,7 +910,7 @@
       </p:sp>
       <p:sp>
         <p:nvSpPr>
-          <p:cNvPr id="57" name="PlaceHolder 4"/>
+          <p:cNvPr id="51" name="PlaceHolder 4"/>
           <p:cNvSpPr>
             <a:spLocks noGrp="1"/>
           </p:cNvSpPr>
@@ -950,7 +958,7 @@
       </p:grpSpPr>
       <p:sp>
         <p:nvSpPr>
-          <p:cNvPr id="6" name="PlaceHolder 1"/>
+          <p:cNvPr id="3" name="PlaceHolder 1"/>
           <p:cNvSpPr>
             <a:spLocks noGrp="1"/>
           </p:cNvSpPr>
@@ -961,7 +969,7 @@
         <p:spPr>
           <a:xfrm>
             <a:off x="838080" y="365040"/>
-            <a:ext cx="10515240" cy="1325160"/>
+            <a:ext cx="10514880" cy="1324800"/>
           </a:xfrm>
           <a:prstGeom prst="rect">
             <a:avLst/>
@@ -970,13 +978,14 @@
         <p:txBody>
           <a:bodyPr lIns="0" rIns="0" tIns="0" bIns="0" anchor="ctr"/>
           <a:p>
-            <a:endParaRPr/>
-          </a:p>
-        </p:txBody>
-      </p:sp>
-      <p:sp>
-        <p:nvSpPr>
-          <p:cNvPr id="7" name="PlaceHolder 2"/>
+            <a:pPr algn="ctr"/>
+            <a:endParaRPr/>
+          </a:p>
+        </p:txBody>
+      </p:sp>
+      <p:sp>
+        <p:nvSpPr>
+          <p:cNvPr id="4" name="PlaceHolder 2"/>
           <p:cNvSpPr>
             <a:spLocks noGrp="1"/>
           </p:cNvSpPr>
@@ -1025,7 +1034,7 @@
       </p:grpSpPr>
       <p:sp>
         <p:nvSpPr>
-          <p:cNvPr id="58" name="PlaceHolder 1"/>
+          <p:cNvPr id="52" name="PlaceHolder 1"/>
           <p:cNvSpPr>
             <a:spLocks noGrp="1"/>
           </p:cNvSpPr>
@@ -1036,7 +1045,7 @@
         <p:spPr>
           <a:xfrm>
             <a:off x="838080" y="365040"/>
-            <a:ext cx="10515240" cy="1325160"/>
+            <a:ext cx="10514880" cy="1324800"/>
           </a:xfrm>
           <a:prstGeom prst="rect">
             <a:avLst/>
@@ -1045,13 +1054,14 @@
         <p:txBody>
           <a:bodyPr lIns="0" rIns="0" tIns="0" bIns="0" anchor="ctr"/>
           <a:p>
-            <a:endParaRPr/>
-          </a:p>
-        </p:txBody>
-      </p:sp>
-      <p:sp>
-        <p:nvSpPr>
-          <p:cNvPr id="59" name="PlaceHolder 2"/>
+            <a:pPr algn="ctr"/>
+            <a:endParaRPr/>
+          </a:p>
+        </p:txBody>
+      </p:sp>
+      <p:sp>
+        <p:nvSpPr>
+          <p:cNvPr id="53" name="PlaceHolder 2"/>
           <p:cNvSpPr>
             <a:spLocks noGrp="1"/>
           </p:cNvSpPr>
@@ -1077,7 +1087,7 @@
       </p:sp>
       <p:sp>
         <p:nvSpPr>
-          <p:cNvPr id="60" name="PlaceHolder 3"/>
+          <p:cNvPr id="54" name="PlaceHolder 3"/>
           <p:cNvSpPr>
             <a:spLocks noGrp="1"/>
           </p:cNvSpPr>
@@ -1103,7 +1113,7 @@
       </p:sp>
       <p:sp>
         <p:nvSpPr>
-          <p:cNvPr id="61" name="PlaceHolder 4"/>
+          <p:cNvPr id="55" name="PlaceHolder 4"/>
           <p:cNvSpPr>
             <a:spLocks noGrp="1"/>
           </p:cNvSpPr>
@@ -1151,7 +1161,7 @@
       </p:grpSpPr>
       <p:sp>
         <p:nvSpPr>
-          <p:cNvPr id="62" name="PlaceHolder 1"/>
+          <p:cNvPr id="56" name="PlaceHolder 1"/>
           <p:cNvSpPr>
             <a:spLocks noGrp="1"/>
           </p:cNvSpPr>
@@ -1162,7 +1172,7 @@
         <p:spPr>
           <a:xfrm>
             <a:off x="838080" y="365040"/>
-            <a:ext cx="10515240" cy="1325160"/>
+            <a:ext cx="10514880" cy="1324800"/>
           </a:xfrm>
           <a:prstGeom prst="rect">
             <a:avLst/>
@@ -1171,13 +1181,14 @@
         <p:txBody>
           <a:bodyPr lIns="0" rIns="0" tIns="0" bIns="0" anchor="ctr"/>
           <a:p>
-            <a:endParaRPr/>
-          </a:p>
-        </p:txBody>
-      </p:sp>
-      <p:sp>
-        <p:nvSpPr>
-          <p:cNvPr id="63" name="PlaceHolder 2"/>
+            <a:pPr algn="ctr"/>
+            <a:endParaRPr/>
+          </a:p>
+        </p:txBody>
+      </p:sp>
+      <p:sp>
+        <p:nvSpPr>
+          <p:cNvPr id="57" name="PlaceHolder 2"/>
           <p:cNvSpPr>
             <a:spLocks noGrp="1"/>
           </p:cNvSpPr>
@@ -1203,7 +1214,7 @@
       </p:sp>
       <p:sp>
         <p:nvSpPr>
-          <p:cNvPr id="64" name="PlaceHolder 3"/>
+          <p:cNvPr id="58" name="PlaceHolder 3"/>
           <p:cNvSpPr>
             <a:spLocks noGrp="1"/>
           </p:cNvSpPr>
@@ -1229,7 +1240,7 @@
       </p:sp>
       <p:sp>
         <p:nvSpPr>
-          <p:cNvPr id="65" name="PlaceHolder 4"/>
+          <p:cNvPr id="59" name="PlaceHolder 4"/>
           <p:cNvSpPr>
             <a:spLocks noGrp="1"/>
           </p:cNvSpPr>
@@ -1277,7 +1288,7 @@
       </p:grpSpPr>
       <p:sp>
         <p:nvSpPr>
-          <p:cNvPr id="66" name="PlaceHolder 1"/>
+          <p:cNvPr id="60" name="PlaceHolder 1"/>
           <p:cNvSpPr>
             <a:spLocks noGrp="1"/>
           </p:cNvSpPr>
@@ -1288,7 +1299,7 @@
         <p:spPr>
           <a:xfrm>
             <a:off x="838080" y="365040"/>
-            <a:ext cx="10515240" cy="1325160"/>
+            <a:ext cx="10514880" cy="1324800"/>
           </a:xfrm>
           <a:prstGeom prst="rect">
             <a:avLst/>
@@ -1297,13 +1308,14 @@
         <p:txBody>
           <a:bodyPr lIns="0" rIns="0" tIns="0" bIns="0" anchor="ctr"/>
           <a:p>
-            <a:endParaRPr/>
-          </a:p>
-        </p:txBody>
-      </p:sp>
-      <p:sp>
-        <p:nvSpPr>
-          <p:cNvPr id="67" name="PlaceHolder 2"/>
+            <a:pPr algn="ctr"/>
+            <a:endParaRPr/>
+          </a:p>
+        </p:txBody>
+      </p:sp>
+      <p:sp>
+        <p:nvSpPr>
+          <p:cNvPr id="61" name="PlaceHolder 2"/>
           <p:cNvSpPr>
             <a:spLocks noGrp="1"/>
           </p:cNvSpPr>
@@ -1329,7 +1341,7 @@
       </p:sp>
       <p:sp>
         <p:nvSpPr>
-          <p:cNvPr id="68" name="PlaceHolder 3"/>
+          <p:cNvPr id="62" name="PlaceHolder 3"/>
           <p:cNvSpPr>
             <a:spLocks noGrp="1"/>
           </p:cNvSpPr>
@@ -1377,7 +1389,7 @@
       </p:grpSpPr>
       <p:sp>
         <p:nvSpPr>
-          <p:cNvPr id="69" name="PlaceHolder 1"/>
+          <p:cNvPr id="63" name="PlaceHolder 1"/>
           <p:cNvSpPr>
             <a:spLocks noGrp="1"/>
           </p:cNvSpPr>
@@ -1388,7 +1400,7 @@
         <p:spPr>
           <a:xfrm>
             <a:off x="838080" y="365040"/>
-            <a:ext cx="10515240" cy="1325160"/>
+            <a:ext cx="10514880" cy="1324800"/>
           </a:xfrm>
           <a:prstGeom prst="rect">
             <a:avLst/>
@@ -1397,13 +1409,14 @@
         <p:txBody>
           <a:bodyPr lIns="0" rIns="0" tIns="0" bIns="0" anchor="ctr"/>
           <a:p>
-            <a:endParaRPr/>
-          </a:p>
-        </p:txBody>
-      </p:sp>
-      <p:sp>
-        <p:nvSpPr>
-          <p:cNvPr id="70" name="PlaceHolder 2"/>
+            <a:pPr algn="ctr"/>
+            <a:endParaRPr/>
+          </a:p>
+        </p:txBody>
+      </p:sp>
+      <p:sp>
+        <p:nvSpPr>
+          <p:cNvPr id="64" name="PlaceHolder 2"/>
           <p:cNvSpPr>
             <a:spLocks noGrp="1"/>
           </p:cNvSpPr>
@@ -1429,7 +1442,7 @@
       </p:sp>
       <p:sp>
         <p:nvSpPr>
-          <p:cNvPr id="71" name="PlaceHolder 3"/>
+          <p:cNvPr id="65" name="PlaceHolder 3"/>
           <p:cNvSpPr>
             <a:spLocks noGrp="1"/>
           </p:cNvSpPr>
@@ -1455,7 +1468,7 @@
       </p:sp>
       <p:sp>
         <p:nvSpPr>
-          <p:cNvPr id="72" name="PlaceHolder 4"/>
+          <p:cNvPr id="66" name="PlaceHolder 4"/>
           <p:cNvSpPr>
             <a:spLocks noGrp="1"/>
           </p:cNvSpPr>
@@ -1481,7 +1494,7 @@
       </p:sp>
       <p:sp>
         <p:nvSpPr>
-          <p:cNvPr id="73" name="PlaceHolder 5"/>
+          <p:cNvPr id="67" name="PlaceHolder 5"/>
           <p:cNvSpPr>
             <a:spLocks noGrp="1"/>
           </p:cNvSpPr>
@@ -1529,7 +1542,7 @@
       </p:grpSpPr>
       <p:sp>
         <p:nvSpPr>
-          <p:cNvPr id="74" name="PlaceHolder 1"/>
+          <p:cNvPr id="68" name="PlaceHolder 1"/>
           <p:cNvSpPr>
             <a:spLocks noGrp="1"/>
           </p:cNvSpPr>
@@ -1540,7 +1553,7 @@
         <p:spPr>
           <a:xfrm>
             <a:off x="838080" y="365040"/>
-            <a:ext cx="10515240" cy="1325160"/>
+            <a:ext cx="10514880" cy="1324800"/>
           </a:xfrm>
           <a:prstGeom prst="rect">
             <a:avLst/>
@@ -1549,13 +1562,14 @@
         <p:txBody>
           <a:bodyPr lIns="0" rIns="0" tIns="0" bIns="0" anchor="ctr"/>
           <a:p>
-            <a:endParaRPr/>
-          </a:p>
-        </p:txBody>
-      </p:sp>
-      <p:sp>
-        <p:nvSpPr>
-          <p:cNvPr id="75" name="PlaceHolder 2"/>
+            <a:pPr algn="ctr"/>
+            <a:endParaRPr/>
+          </a:p>
+        </p:txBody>
+      </p:sp>
+      <p:sp>
+        <p:nvSpPr>
+          <p:cNvPr id="69" name="PlaceHolder 2"/>
           <p:cNvSpPr>
             <a:spLocks noGrp="1"/>
           </p:cNvSpPr>
@@ -1581,7 +1595,7 @@
       </p:sp>
       <p:sp>
         <p:nvSpPr>
-          <p:cNvPr id="76" name="PlaceHolder 3"/>
+          <p:cNvPr id="70" name="PlaceHolder 3"/>
           <p:cNvSpPr>
             <a:spLocks noGrp="1"/>
           </p:cNvSpPr>
@@ -1607,7 +1621,7 @@
       </p:sp>
       <p:pic>
         <p:nvPicPr>
-          <p:cNvPr id="77" name="" descr=""/>
+          <p:cNvPr id="71" name="" descr=""/>
           <p:cNvPicPr/>
           <p:nvPr/>
         </p:nvPicPr>
@@ -1630,7 +1644,7 @@
       </p:pic>
       <p:pic>
         <p:nvPicPr>
-          <p:cNvPr id="78" name="" descr=""/>
+          <p:cNvPr id="72" name="" descr=""/>
           <p:cNvPicPr/>
           <p:nvPr/>
         </p:nvPicPr>
@@ -1697,7 +1711,7 @@
       </p:grpSpPr>
       <p:sp>
         <p:nvSpPr>
-          <p:cNvPr id="84" name="PlaceHolder 1"/>
+          <p:cNvPr id="75" name="PlaceHolder 1"/>
           <p:cNvSpPr>
             <a:spLocks noGrp="1"/>
           </p:cNvSpPr>
@@ -1708,7 +1722,7 @@
         <p:spPr>
           <a:xfrm>
             <a:off x="838080" y="365040"/>
-            <a:ext cx="10515240" cy="1325160"/>
+            <a:ext cx="10514880" cy="1324800"/>
           </a:xfrm>
           <a:prstGeom prst="rect">
             <a:avLst/>
@@ -1717,13 +1731,14 @@
         <p:txBody>
           <a:bodyPr lIns="0" rIns="0" tIns="0" bIns="0" anchor="ctr"/>
           <a:p>
-            <a:endParaRPr/>
-          </a:p>
-        </p:txBody>
-      </p:sp>
-      <p:sp>
-        <p:nvSpPr>
-          <p:cNvPr id="85" name="PlaceHolder 2"/>
+            <a:pPr algn="ctr"/>
+            <a:endParaRPr/>
+          </a:p>
+        </p:txBody>
+      </p:sp>
+      <p:sp>
+        <p:nvSpPr>
+          <p:cNvPr id="76" name="PlaceHolder 2"/>
           <p:cNvSpPr>
             <a:spLocks noGrp="1"/>
           </p:cNvSpPr>
@@ -1772,7 +1787,7 @@
       </p:grpSpPr>
       <p:sp>
         <p:nvSpPr>
-          <p:cNvPr id="86" name="PlaceHolder 1"/>
+          <p:cNvPr id="77" name="PlaceHolder 1"/>
           <p:cNvSpPr>
             <a:spLocks noGrp="1"/>
           </p:cNvSpPr>
@@ -1783,7 +1798,7 @@
         <p:spPr>
           <a:xfrm>
             <a:off x="838080" y="365040"/>
-            <a:ext cx="10515240" cy="1325160"/>
+            <a:ext cx="10514880" cy="1324800"/>
           </a:xfrm>
           <a:prstGeom prst="rect">
             <a:avLst/>
@@ -1792,13 +1807,14 @@
         <p:txBody>
           <a:bodyPr lIns="0" rIns="0" tIns="0" bIns="0" anchor="ctr"/>
           <a:p>
-            <a:endParaRPr/>
-          </a:p>
-        </p:txBody>
-      </p:sp>
-      <p:sp>
-        <p:nvSpPr>
-          <p:cNvPr id="87" name="PlaceHolder 2"/>
+            <a:pPr algn="ctr"/>
+            <a:endParaRPr/>
+          </a:p>
+        </p:txBody>
+      </p:sp>
+      <p:sp>
+        <p:nvSpPr>
+          <p:cNvPr id="78" name="PlaceHolder 2"/>
           <p:cNvSpPr>
             <a:spLocks noGrp="1"/>
           </p:cNvSpPr>
@@ -1846,7 +1862,7 @@
       </p:grpSpPr>
       <p:sp>
         <p:nvSpPr>
-          <p:cNvPr id="88" name="PlaceHolder 1"/>
+          <p:cNvPr id="79" name="PlaceHolder 1"/>
           <p:cNvSpPr>
             <a:spLocks noGrp="1"/>
           </p:cNvSpPr>
@@ -1857,7 +1873,7 @@
         <p:spPr>
           <a:xfrm>
             <a:off x="838080" y="365040"/>
-            <a:ext cx="10515240" cy="1325160"/>
+            <a:ext cx="10514880" cy="1324800"/>
           </a:xfrm>
           <a:prstGeom prst="rect">
             <a:avLst/>
@@ -1866,13 +1882,14 @@
         <p:txBody>
           <a:bodyPr lIns="0" rIns="0" tIns="0" bIns="0" anchor="ctr"/>
           <a:p>
-            <a:endParaRPr/>
-          </a:p>
-        </p:txBody>
-      </p:sp>
-      <p:sp>
-        <p:nvSpPr>
-          <p:cNvPr id="89" name="PlaceHolder 2"/>
+            <a:pPr algn="ctr"/>
+            <a:endParaRPr/>
+          </a:p>
+        </p:txBody>
+      </p:sp>
+      <p:sp>
+        <p:nvSpPr>
+          <p:cNvPr id="80" name="PlaceHolder 2"/>
           <p:cNvSpPr>
             <a:spLocks noGrp="1"/>
           </p:cNvSpPr>
@@ -1898,7 +1915,7 @@
       </p:sp>
       <p:sp>
         <p:nvSpPr>
-          <p:cNvPr id="90" name="PlaceHolder 3"/>
+          <p:cNvPr id="81" name="PlaceHolder 3"/>
           <p:cNvSpPr>
             <a:spLocks noGrp="1"/>
           </p:cNvSpPr>
@@ -1946,7 +1963,7 @@
       </p:grpSpPr>
       <p:sp>
         <p:nvSpPr>
-          <p:cNvPr id="91" name="PlaceHolder 1"/>
+          <p:cNvPr id="82" name="PlaceHolder 1"/>
           <p:cNvSpPr>
             <a:spLocks noGrp="1"/>
           </p:cNvSpPr>
@@ -1957,7 +1974,7 @@
         <p:spPr>
           <a:xfrm>
             <a:off x="838080" y="365040"/>
-            <a:ext cx="10515240" cy="1325160"/>
+            <a:ext cx="10514880" cy="1324800"/>
           </a:xfrm>
           <a:prstGeom prst="rect">
             <a:avLst/>
@@ -1966,6 +1983,7 @@
         <p:txBody>
           <a:bodyPr lIns="0" rIns="0" tIns="0" bIns="0" anchor="ctr"/>
           <a:p>
+            <a:pPr algn="ctr"/>
             <a:endParaRPr/>
           </a:p>
         </p:txBody>
@@ -1994,7 +2012,7 @@
       </p:grpSpPr>
       <p:sp>
         <p:nvSpPr>
-          <p:cNvPr id="8" name="PlaceHolder 1"/>
+          <p:cNvPr id="5" name="PlaceHolder 1"/>
           <p:cNvSpPr>
             <a:spLocks noGrp="1"/>
           </p:cNvSpPr>
@@ -2005,7 +2023,7 @@
         <p:spPr>
           <a:xfrm>
             <a:off x="838080" y="365040"/>
-            <a:ext cx="10515240" cy="1325160"/>
+            <a:ext cx="10514880" cy="1324800"/>
           </a:xfrm>
           <a:prstGeom prst="rect">
             <a:avLst/>
@@ -2014,13 +2032,14 @@
         <p:txBody>
           <a:bodyPr lIns="0" rIns="0" tIns="0" bIns="0" anchor="ctr"/>
           <a:p>
-            <a:endParaRPr/>
-          </a:p>
-        </p:txBody>
-      </p:sp>
-      <p:sp>
-        <p:nvSpPr>
-          <p:cNvPr id="9" name="PlaceHolder 2"/>
+            <a:pPr algn="ctr"/>
+            <a:endParaRPr/>
+          </a:p>
+        </p:txBody>
+      </p:sp>
+      <p:sp>
+        <p:nvSpPr>
+          <p:cNvPr id="6" name="PlaceHolder 2"/>
           <p:cNvSpPr>
             <a:spLocks noGrp="1"/>
           </p:cNvSpPr>
@@ -2068,7 +2087,7 @@
       </p:grpSpPr>
       <p:sp>
         <p:nvSpPr>
-          <p:cNvPr id="92" name="PlaceHolder 1"/>
+          <p:cNvPr id="83" name="PlaceHolder 1"/>
           <p:cNvSpPr>
             <a:spLocks noGrp="1"/>
           </p:cNvSpPr>
@@ -2079,7 +2098,7 @@
         <p:spPr>
           <a:xfrm>
             <a:off x="838080" y="365040"/>
-            <a:ext cx="10515240" cy="6144120"/>
+            <a:ext cx="10514880" cy="6142320"/>
           </a:xfrm>
           <a:prstGeom prst="rect">
             <a:avLst/>
@@ -2117,7 +2136,7 @@
       </p:grpSpPr>
       <p:sp>
         <p:nvSpPr>
-          <p:cNvPr id="93" name="PlaceHolder 1"/>
+          <p:cNvPr id="84" name="PlaceHolder 1"/>
           <p:cNvSpPr>
             <a:spLocks noGrp="1"/>
           </p:cNvSpPr>
@@ -2128,7 +2147,7 @@
         <p:spPr>
           <a:xfrm>
             <a:off x="838080" y="365040"/>
-            <a:ext cx="10515240" cy="1325160"/>
+            <a:ext cx="10514880" cy="1324800"/>
           </a:xfrm>
           <a:prstGeom prst="rect">
             <a:avLst/>
@@ -2137,13 +2156,14 @@
         <p:txBody>
           <a:bodyPr lIns="0" rIns="0" tIns="0" bIns="0" anchor="ctr"/>
           <a:p>
-            <a:endParaRPr/>
-          </a:p>
-        </p:txBody>
-      </p:sp>
-      <p:sp>
-        <p:nvSpPr>
-          <p:cNvPr id="94" name="PlaceHolder 2"/>
+            <a:pPr algn="ctr"/>
+            <a:endParaRPr/>
+          </a:p>
+        </p:txBody>
+      </p:sp>
+      <p:sp>
+        <p:nvSpPr>
+          <p:cNvPr id="85" name="PlaceHolder 2"/>
           <p:cNvSpPr>
             <a:spLocks noGrp="1"/>
           </p:cNvSpPr>
@@ -2169,7 +2189,7 @@
       </p:sp>
       <p:sp>
         <p:nvSpPr>
-          <p:cNvPr id="95" name="PlaceHolder 3"/>
+          <p:cNvPr id="86" name="PlaceHolder 3"/>
           <p:cNvSpPr>
             <a:spLocks noGrp="1"/>
           </p:cNvSpPr>
@@ -2195,7 +2215,7 @@
       </p:sp>
       <p:sp>
         <p:nvSpPr>
-          <p:cNvPr id="96" name="PlaceHolder 4"/>
+          <p:cNvPr id="87" name="PlaceHolder 4"/>
           <p:cNvSpPr>
             <a:spLocks noGrp="1"/>
           </p:cNvSpPr>
@@ -2243,7 +2263,7 @@
       </p:grpSpPr>
       <p:sp>
         <p:nvSpPr>
-          <p:cNvPr id="97" name="PlaceHolder 1"/>
+          <p:cNvPr id="88" name="PlaceHolder 1"/>
           <p:cNvSpPr>
             <a:spLocks noGrp="1"/>
           </p:cNvSpPr>
@@ -2254,7 +2274,7 @@
         <p:spPr>
           <a:xfrm>
             <a:off x="838080" y="365040"/>
-            <a:ext cx="10515240" cy="1325160"/>
+            <a:ext cx="10514880" cy="1324800"/>
           </a:xfrm>
           <a:prstGeom prst="rect">
             <a:avLst/>
@@ -2263,13 +2283,14 @@
         <p:txBody>
           <a:bodyPr lIns="0" rIns="0" tIns="0" bIns="0" anchor="ctr"/>
           <a:p>
-            <a:endParaRPr/>
-          </a:p>
-        </p:txBody>
-      </p:sp>
-      <p:sp>
-        <p:nvSpPr>
-          <p:cNvPr id="98" name="PlaceHolder 2"/>
+            <a:pPr algn="ctr"/>
+            <a:endParaRPr/>
+          </a:p>
+        </p:txBody>
+      </p:sp>
+      <p:sp>
+        <p:nvSpPr>
+          <p:cNvPr id="89" name="PlaceHolder 2"/>
           <p:cNvSpPr>
             <a:spLocks noGrp="1"/>
           </p:cNvSpPr>
@@ -2295,7 +2316,7 @@
       </p:sp>
       <p:sp>
         <p:nvSpPr>
-          <p:cNvPr id="99" name="PlaceHolder 3"/>
+          <p:cNvPr id="90" name="PlaceHolder 3"/>
           <p:cNvSpPr>
             <a:spLocks noGrp="1"/>
           </p:cNvSpPr>
@@ -2321,7 +2342,7 @@
       </p:sp>
       <p:sp>
         <p:nvSpPr>
-          <p:cNvPr id="100" name="PlaceHolder 4"/>
+          <p:cNvPr id="91" name="PlaceHolder 4"/>
           <p:cNvSpPr>
             <a:spLocks noGrp="1"/>
           </p:cNvSpPr>
@@ -2369,7 +2390,7 @@
       </p:grpSpPr>
       <p:sp>
         <p:nvSpPr>
-          <p:cNvPr id="101" name="PlaceHolder 1"/>
+          <p:cNvPr id="92" name="PlaceHolder 1"/>
           <p:cNvSpPr>
             <a:spLocks noGrp="1"/>
           </p:cNvSpPr>
@@ -2380,7 +2401,7 @@
         <p:spPr>
           <a:xfrm>
             <a:off x="838080" y="365040"/>
-            <a:ext cx="10515240" cy="1325160"/>
+            <a:ext cx="10514880" cy="1324800"/>
           </a:xfrm>
           <a:prstGeom prst="rect">
             <a:avLst/>
@@ -2389,13 +2410,14 @@
         <p:txBody>
           <a:bodyPr lIns="0" rIns="0" tIns="0" bIns="0" anchor="ctr"/>
           <a:p>
-            <a:endParaRPr/>
-          </a:p>
-        </p:txBody>
-      </p:sp>
-      <p:sp>
-        <p:nvSpPr>
-          <p:cNvPr id="102" name="PlaceHolder 2"/>
+            <a:pPr algn="ctr"/>
+            <a:endParaRPr/>
+          </a:p>
+        </p:txBody>
+      </p:sp>
+      <p:sp>
+        <p:nvSpPr>
+          <p:cNvPr id="93" name="PlaceHolder 2"/>
           <p:cNvSpPr>
             <a:spLocks noGrp="1"/>
           </p:cNvSpPr>
@@ -2421,7 +2443,7 @@
       </p:sp>
       <p:sp>
         <p:nvSpPr>
-          <p:cNvPr id="103" name="PlaceHolder 3"/>
+          <p:cNvPr id="94" name="PlaceHolder 3"/>
           <p:cNvSpPr>
             <a:spLocks noGrp="1"/>
           </p:cNvSpPr>
@@ -2447,7 +2469,7 @@
       </p:sp>
       <p:sp>
         <p:nvSpPr>
-          <p:cNvPr id="104" name="PlaceHolder 4"/>
+          <p:cNvPr id="95" name="PlaceHolder 4"/>
           <p:cNvSpPr>
             <a:spLocks noGrp="1"/>
           </p:cNvSpPr>
@@ -2495,7 +2517,7 @@
       </p:grpSpPr>
       <p:sp>
         <p:nvSpPr>
-          <p:cNvPr id="105" name="PlaceHolder 1"/>
+          <p:cNvPr id="96" name="PlaceHolder 1"/>
           <p:cNvSpPr>
             <a:spLocks noGrp="1"/>
           </p:cNvSpPr>
@@ -2506,7 +2528,7 @@
         <p:spPr>
           <a:xfrm>
             <a:off x="838080" y="365040"/>
-            <a:ext cx="10515240" cy="1325160"/>
+            <a:ext cx="10514880" cy="1324800"/>
           </a:xfrm>
           <a:prstGeom prst="rect">
             <a:avLst/>
@@ -2515,13 +2537,14 @@
         <p:txBody>
           <a:bodyPr lIns="0" rIns="0" tIns="0" bIns="0" anchor="ctr"/>
           <a:p>
-            <a:endParaRPr/>
-          </a:p>
-        </p:txBody>
-      </p:sp>
-      <p:sp>
-        <p:nvSpPr>
-          <p:cNvPr id="106" name="PlaceHolder 2"/>
+            <a:pPr algn="ctr"/>
+            <a:endParaRPr/>
+          </a:p>
+        </p:txBody>
+      </p:sp>
+      <p:sp>
+        <p:nvSpPr>
+          <p:cNvPr id="97" name="PlaceHolder 2"/>
           <p:cNvSpPr>
             <a:spLocks noGrp="1"/>
           </p:cNvSpPr>
@@ -2547,7 +2570,7 @@
       </p:sp>
       <p:sp>
         <p:nvSpPr>
-          <p:cNvPr id="107" name="PlaceHolder 3"/>
+          <p:cNvPr id="98" name="PlaceHolder 3"/>
           <p:cNvSpPr>
             <a:spLocks noGrp="1"/>
           </p:cNvSpPr>
@@ -2595,7 +2618,7 @@
       </p:grpSpPr>
       <p:sp>
         <p:nvSpPr>
-          <p:cNvPr id="108" name="PlaceHolder 1"/>
+          <p:cNvPr id="99" name="PlaceHolder 1"/>
           <p:cNvSpPr>
             <a:spLocks noGrp="1"/>
           </p:cNvSpPr>
@@ -2606,7 +2629,7 @@
         <p:spPr>
           <a:xfrm>
             <a:off x="838080" y="365040"/>
-            <a:ext cx="10515240" cy="1325160"/>
+            <a:ext cx="10514880" cy="1324800"/>
           </a:xfrm>
           <a:prstGeom prst="rect">
             <a:avLst/>
@@ -2615,13 +2638,14 @@
         <p:txBody>
           <a:bodyPr lIns="0" rIns="0" tIns="0" bIns="0" anchor="ctr"/>
           <a:p>
-            <a:endParaRPr/>
-          </a:p>
-        </p:txBody>
-      </p:sp>
-      <p:sp>
-        <p:nvSpPr>
-          <p:cNvPr id="109" name="PlaceHolder 2"/>
+            <a:pPr algn="ctr"/>
+            <a:endParaRPr/>
+          </a:p>
+        </p:txBody>
+      </p:sp>
+      <p:sp>
+        <p:nvSpPr>
+          <p:cNvPr id="100" name="PlaceHolder 2"/>
           <p:cNvSpPr>
             <a:spLocks noGrp="1"/>
           </p:cNvSpPr>
@@ -2647,7 +2671,7 @@
       </p:sp>
       <p:sp>
         <p:nvSpPr>
-          <p:cNvPr id="110" name="PlaceHolder 3"/>
+          <p:cNvPr id="101" name="PlaceHolder 3"/>
           <p:cNvSpPr>
             <a:spLocks noGrp="1"/>
           </p:cNvSpPr>
@@ -2673,7 +2697,7 @@
       </p:sp>
       <p:sp>
         <p:nvSpPr>
-          <p:cNvPr id="111" name="PlaceHolder 4"/>
+          <p:cNvPr id="102" name="PlaceHolder 4"/>
           <p:cNvSpPr>
             <a:spLocks noGrp="1"/>
           </p:cNvSpPr>
@@ -2699,7 +2723,7 @@
       </p:sp>
       <p:sp>
         <p:nvSpPr>
-          <p:cNvPr id="112" name="PlaceHolder 5"/>
+          <p:cNvPr id="103" name="PlaceHolder 5"/>
           <p:cNvSpPr>
             <a:spLocks noGrp="1"/>
           </p:cNvSpPr>
@@ -2747,7 +2771,7 @@
       </p:grpSpPr>
       <p:sp>
         <p:nvSpPr>
-          <p:cNvPr id="113" name="PlaceHolder 1"/>
+          <p:cNvPr id="104" name="PlaceHolder 1"/>
           <p:cNvSpPr>
             <a:spLocks noGrp="1"/>
           </p:cNvSpPr>
@@ -2758,7 +2782,7 @@
         <p:spPr>
           <a:xfrm>
             <a:off x="838080" y="365040"/>
-            <a:ext cx="10515240" cy="1325160"/>
+            <a:ext cx="10514880" cy="1324800"/>
           </a:xfrm>
           <a:prstGeom prst="rect">
             <a:avLst/>
@@ -2767,13 +2791,14 @@
         <p:txBody>
           <a:bodyPr lIns="0" rIns="0" tIns="0" bIns="0" anchor="ctr"/>
           <a:p>
-            <a:endParaRPr/>
-          </a:p>
-        </p:txBody>
-      </p:sp>
-      <p:sp>
-        <p:nvSpPr>
-          <p:cNvPr id="114" name="PlaceHolder 2"/>
+            <a:pPr algn="ctr"/>
+            <a:endParaRPr/>
+          </a:p>
+        </p:txBody>
+      </p:sp>
+      <p:sp>
+        <p:nvSpPr>
+          <p:cNvPr id="105" name="PlaceHolder 2"/>
           <p:cNvSpPr>
             <a:spLocks noGrp="1"/>
           </p:cNvSpPr>
@@ -2799,7 +2824,7 @@
       </p:sp>
       <p:sp>
         <p:nvSpPr>
-          <p:cNvPr id="115" name="PlaceHolder 3"/>
+          <p:cNvPr id="106" name="PlaceHolder 3"/>
           <p:cNvSpPr>
             <a:spLocks noGrp="1"/>
           </p:cNvSpPr>
@@ -2825,7 +2850,7 @@
       </p:sp>
       <p:pic>
         <p:nvPicPr>
-          <p:cNvPr id="116" name="" descr=""/>
+          <p:cNvPr id="107" name="" descr=""/>
           <p:cNvPicPr/>
           <p:nvPr/>
         </p:nvPicPr>
@@ -2848,7 +2873,7 @@
       </p:pic>
       <p:pic>
         <p:nvPicPr>
-          <p:cNvPr id="117" name="" descr=""/>
+          <p:cNvPr id="108" name="" descr=""/>
           <p:cNvPicPr/>
           <p:nvPr/>
         </p:nvPicPr>
@@ -2893,7 +2918,7 @@
       </p:grpSpPr>
       <p:sp>
         <p:nvSpPr>
-          <p:cNvPr id="10" name="PlaceHolder 1"/>
+          <p:cNvPr id="7" name="PlaceHolder 1"/>
           <p:cNvSpPr>
             <a:spLocks noGrp="1"/>
           </p:cNvSpPr>
@@ -2904,7 +2929,7 @@
         <p:spPr>
           <a:xfrm>
             <a:off x="838080" y="365040"/>
-            <a:ext cx="10515240" cy="1325160"/>
+            <a:ext cx="10514880" cy="1324800"/>
           </a:xfrm>
           <a:prstGeom prst="rect">
             <a:avLst/>
@@ -2913,13 +2938,14 @@
         <p:txBody>
           <a:bodyPr lIns="0" rIns="0" tIns="0" bIns="0" anchor="ctr"/>
           <a:p>
-            <a:endParaRPr/>
-          </a:p>
-        </p:txBody>
-      </p:sp>
-      <p:sp>
-        <p:nvSpPr>
-          <p:cNvPr id="11" name="PlaceHolder 2"/>
+            <a:pPr algn="ctr"/>
+            <a:endParaRPr/>
+          </a:p>
+        </p:txBody>
+      </p:sp>
+      <p:sp>
+        <p:nvSpPr>
+          <p:cNvPr id="8" name="PlaceHolder 2"/>
           <p:cNvSpPr>
             <a:spLocks noGrp="1"/>
           </p:cNvSpPr>
@@ -2945,7 +2971,7 @@
       </p:sp>
       <p:sp>
         <p:nvSpPr>
-          <p:cNvPr id="12" name="PlaceHolder 3"/>
+          <p:cNvPr id="9" name="PlaceHolder 3"/>
           <p:cNvSpPr>
             <a:spLocks noGrp="1"/>
           </p:cNvSpPr>
@@ -2993,7 +3019,7 @@
       </p:grpSpPr>
       <p:sp>
         <p:nvSpPr>
-          <p:cNvPr id="13" name="PlaceHolder 1"/>
+          <p:cNvPr id="10" name="PlaceHolder 1"/>
           <p:cNvSpPr>
             <a:spLocks noGrp="1"/>
           </p:cNvSpPr>
@@ -3004,7 +3030,7 @@
         <p:spPr>
           <a:xfrm>
             <a:off x="838080" y="365040"/>
-            <a:ext cx="10515240" cy="1325160"/>
+            <a:ext cx="10514880" cy="1324800"/>
           </a:xfrm>
           <a:prstGeom prst="rect">
             <a:avLst/>
@@ -3013,6 +3039,7 @@
         <p:txBody>
           <a:bodyPr lIns="0" rIns="0" tIns="0" bIns="0" anchor="ctr"/>
           <a:p>
+            <a:pPr algn="ctr"/>
             <a:endParaRPr/>
           </a:p>
         </p:txBody>
@@ -3041,7 +3068,7 @@
       </p:grpSpPr>
       <p:sp>
         <p:nvSpPr>
-          <p:cNvPr id="14" name="PlaceHolder 1"/>
+          <p:cNvPr id="11" name="PlaceHolder 1"/>
           <p:cNvSpPr>
             <a:spLocks noGrp="1"/>
           </p:cNvSpPr>
@@ -3052,7 +3079,7 @@
         <p:spPr>
           <a:xfrm>
             <a:off x="838080" y="365040"/>
-            <a:ext cx="10515240" cy="6144120"/>
+            <a:ext cx="10514880" cy="6142320"/>
           </a:xfrm>
           <a:prstGeom prst="rect">
             <a:avLst/>
@@ -3090,7 +3117,7 @@
       </p:grpSpPr>
       <p:sp>
         <p:nvSpPr>
-          <p:cNvPr id="15" name="PlaceHolder 1"/>
+          <p:cNvPr id="12" name="PlaceHolder 1"/>
           <p:cNvSpPr>
             <a:spLocks noGrp="1"/>
           </p:cNvSpPr>
@@ -3101,7 +3128,7 @@
         <p:spPr>
           <a:xfrm>
             <a:off x="838080" y="365040"/>
-            <a:ext cx="10515240" cy="1325160"/>
+            <a:ext cx="10514880" cy="1324800"/>
           </a:xfrm>
           <a:prstGeom prst="rect">
             <a:avLst/>
@@ -3110,13 +3137,14 @@
         <p:txBody>
           <a:bodyPr lIns="0" rIns="0" tIns="0" bIns="0" anchor="ctr"/>
           <a:p>
-            <a:endParaRPr/>
-          </a:p>
-        </p:txBody>
-      </p:sp>
-      <p:sp>
-        <p:nvSpPr>
-          <p:cNvPr id="16" name="PlaceHolder 2"/>
+            <a:pPr algn="ctr"/>
+            <a:endParaRPr/>
+          </a:p>
+        </p:txBody>
+      </p:sp>
+      <p:sp>
+        <p:nvSpPr>
+          <p:cNvPr id="13" name="PlaceHolder 2"/>
           <p:cNvSpPr>
             <a:spLocks noGrp="1"/>
           </p:cNvSpPr>
@@ -3142,7 +3170,7 @@
       </p:sp>
       <p:sp>
         <p:nvSpPr>
-          <p:cNvPr id="17" name="PlaceHolder 3"/>
+          <p:cNvPr id="14" name="PlaceHolder 3"/>
           <p:cNvSpPr>
             <a:spLocks noGrp="1"/>
           </p:cNvSpPr>
@@ -3168,7 +3196,7 @@
       </p:sp>
       <p:sp>
         <p:nvSpPr>
-          <p:cNvPr id="18" name="PlaceHolder 4"/>
+          <p:cNvPr id="15" name="PlaceHolder 4"/>
           <p:cNvSpPr>
             <a:spLocks noGrp="1"/>
           </p:cNvSpPr>
@@ -3216,7 +3244,7 @@
       </p:grpSpPr>
       <p:sp>
         <p:nvSpPr>
-          <p:cNvPr id="19" name="PlaceHolder 1"/>
+          <p:cNvPr id="16" name="PlaceHolder 1"/>
           <p:cNvSpPr>
             <a:spLocks noGrp="1"/>
           </p:cNvSpPr>
@@ -3227,7 +3255,7 @@
         <p:spPr>
           <a:xfrm>
             <a:off x="838080" y="365040"/>
-            <a:ext cx="10515240" cy="1325160"/>
+            <a:ext cx="10514880" cy="1324800"/>
           </a:xfrm>
           <a:prstGeom prst="rect">
             <a:avLst/>
@@ -3236,13 +3264,14 @@
         <p:txBody>
           <a:bodyPr lIns="0" rIns="0" tIns="0" bIns="0" anchor="ctr"/>
           <a:p>
-            <a:endParaRPr/>
-          </a:p>
-        </p:txBody>
-      </p:sp>
-      <p:sp>
-        <p:nvSpPr>
-          <p:cNvPr id="20" name="PlaceHolder 2"/>
+            <a:pPr algn="ctr"/>
+            <a:endParaRPr/>
+          </a:p>
+        </p:txBody>
+      </p:sp>
+      <p:sp>
+        <p:nvSpPr>
+          <p:cNvPr id="17" name="PlaceHolder 2"/>
           <p:cNvSpPr>
             <a:spLocks noGrp="1"/>
           </p:cNvSpPr>
@@ -3268,7 +3297,7 @@
       </p:sp>
       <p:sp>
         <p:nvSpPr>
-          <p:cNvPr id="21" name="PlaceHolder 3"/>
+          <p:cNvPr id="18" name="PlaceHolder 3"/>
           <p:cNvSpPr>
             <a:spLocks noGrp="1"/>
           </p:cNvSpPr>
@@ -3294,7 +3323,7 @@
       </p:sp>
       <p:sp>
         <p:nvSpPr>
-          <p:cNvPr id="22" name="PlaceHolder 4"/>
+          <p:cNvPr id="19" name="PlaceHolder 4"/>
           <p:cNvSpPr>
             <a:spLocks noGrp="1"/>
           </p:cNvSpPr>
@@ -3342,7 +3371,7 @@
       </p:grpSpPr>
       <p:sp>
         <p:nvSpPr>
-          <p:cNvPr id="23" name="PlaceHolder 1"/>
+          <p:cNvPr id="20" name="PlaceHolder 1"/>
           <p:cNvSpPr>
             <a:spLocks noGrp="1"/>
           </p:cNvSpPr>
@@ -3353,7 +3382,7 @@
         <p:spPr>
           <a:xfrm>
             <a:off x="838080" y="365040"/>
-            <a:ext cx="10515240" cy="1325160"/>
+            <a:ext cx="10514880" cy="1324800"/>
           </a:xfrm>
           <a:prstGeom prst="rect">
             <a:avLst/>
@@ -3362,13 +3391,14 @@
         <p:txBody>
           <a:bodyPr lIns="0" rIns="0" tIns="0" bIns="0" anchor="ctr"/>
           <a:p>
-            <a:endParaRPr/>
-          </a:p>
-        </p:txBody>
-      </p:sp>
-      <p:sp>
-        <p:nvSpPr>
-          <p:cNvPr id="24" name="PlaceHolder 2"/>
+            <a:pPr algn="ctr"/>
+            <a:endParaRPr/>
+          </a:p>
+        </p:txBody>
+      </p:sp>
+      <p:sp>
+        <p:nvSpPr>
+          <p:cNvPr id="21" name="PlaceHolder 2"/>
           <p:cNvSpPr>
             <a:spLocks noGrp="1"/>
           </p:cNvSpPr>
@@ -3394,7 +3424,7 @@
       </p:sp>
       <p:sp>
         <p:nvSpPr>
-          <p:cNvPr id="25" name="PlaceHolder 3"/>
+          <p:cNvPr id="22" name="PlaceHolder 3"/>
           <p:cNvSpPr>
             <a:spLocks noGrp="1"/>
           </p:cNvSpPr>
@@ -3420,7 +3450,7 @@
       </p:sp>
       <p:sp>
         <p:nvSpPr>
-          <p:cNvPr id="26" name="PlaceHolder 4"/>
+          <p:cNvPr id="23" name="PlaceHolder 4"/>
           <p:cNvSpPr>
             <a:spLocks noGrp="1"/>
           </p:cNvSpPr>
@@ -3485,35 +3515,17 @@
         </p:nvSpPr>
         <p:spPr>
           <a:xfrm>
-            <a:off x="1523880" y="1122480"/>
-            <a:ext cx="9143640" cy="2387160"/>
-          </a:xfrm>
-          <a:prstGeom prst="rect">
-            <a:avLst/>
-          </a:prstGeom>
-        </p:spPr>
-        <p:txBody>
-          <a:bodyPr anchor="b"/>
-          <a:p>
-            <a:pPr algn="ctr">
-              <a:lnSpc>
-                <a:spcPct val="100000"/>
-              </a:lnSpc>
-            </a:pPr>
-            <a:r>
-              <a:rPr lang="en-US" sz="6000" spc="-1" strike="noStrike">
-                <a:solidFill>
-                  <a:srgbClr val="000000"/>
-                </a:solidFill>
-                <a:uFill>
-                  <a:solidFill>
-                    <a:srgbClr val="ffffff"/>
-                  </a:solidFill>
-                </a:uFill>
-                <a:latin typeface="Calibri Light"/>
-              </a:rPr>
-              <a:t>Click to edit Master title style</a:t>
-            </a:r>
+            <a:off x="838080" y="365040"/>
+            <a:ext cx="10514880" cy="1324800"/>
+          </a:xfrm>
+          <a:prstGeom prst="rect">
+            <a:avLst/>
+          </a:prstGeom>
+        </p:spPr>
+        <p:txBody>
+          <a:bodyPr lIns="0" rIns="0" tIns="0" bIns="0" anchor="ctr"/>
+          <a:p>
+            <a:pPr algn="ctr"/>
             <a:endParaRPr/>
           </a:p>
         </p:txBody>
@@ -3530,35 +3542,17 @@
         </p:nvSpPr>
         <p:spPr>
           <a:xfrm>
-            <a:off x="1523880" y="3602160"/>
-            <a:ext cx="9143640" cy="1655280"/>
-          </a:xfrm>
-          <a:prstGeom prst="rect">
-            <a:avLst/>
-          </a:prstGeom>
-        </p:spPr>
-        <p:txBody>
-          <a:bodyPr/>
-          <a:p>
-            <a:pPr algn="ctr">
-              <a:lnSpc>
-                <a:spcPct val="100000"/>
-              </a:lnSpc>
-            </a:pPr>
-            <a:r>
-              <a:rPr lang="en-US" sz="2400" spc="-1" strike="noStrike">
-                <a:solidFill>
-                  <a:srgbClr val="000000"/>
-                </a:solidFill>
-                <a:uFill>
-                  <a:solidFill>
-                    <a:srgbClr val="ffffff"/>
-                  </a:solidFill>
-                </a:uFill>
-                <a:latin typeface="Calibri"/>
-              </a:rPr>
-              <a:t>Click to edit Master subtitle style</a:t>
-            </a:r>
+            <a:off x="609480" y="1604520"/>
+            <a:ext cx="10972080" cy="3976560"/>
+          </a:xfrm>
+          <a:prstGeom prst="rect">
+            <a:avLst/>
+          </a:prstGeom>
+        </p:spPr>
+        <p:txBody>
+          <a:bodyPr lIns="0" rIns="0" tIns="0" bIns="0" anchor="ctr"/>
+          <a:p>
+            <a:pPr algn="ctr"/>
             <a:endParaRPr/>
           </a:p>
         </p:txBody>
@@ -3566,122 +3560,6 @@
       <p:sp>
         <p:nvSpPr>
           <p:cNvPr id="2" name="PlaceHolder 3"/>
-          <p:cNvSpPr>
-            <a:spLocks noGrp="1"/>
-          </p:cNvSpPr>
-          <p:nvPr>
-            <p:ph type="dt"/>
-          </p:nvPr>
-        </p:nvSpPr>
-        <p:spPr>
-          <a:xfrm>
-            <a:off x="838080" y="6356520"/>
-            <a:ext cx="2742840" cy="364680"/>
-          </a:xfrm>
-          <a:prstGeom prst="rect">
-            <a:avLst/>
-          </a:prstGeom>
-        </p:spPr>
-        <p:txBody>
-          <a:bodyPr anchor="ctr"/>
-          <a:p>
-            <a:pPr>
-              <a:lnSpc>
-                <a:spcPct val="100000"/>
-              </a:lnSpc>
-            </a:pPr>
-            <a:r>
-              <a:rPr lang="en-US" sz="1200" spc="-1" strike="noStrike">
-                <a:solidFill>
-                  <a:srgbClr val="8b8b8b"/>
-                </a:solidFill>
-                <a:uFill>
-                  <a:solidFill>
-                    <a:srgbClr val="ffffff"/>
-                  </a:solidFill>
-                </a:uFill>
-                <a:latin typeface="Calibri"/>
-              </a:rPr>
-              <a:t>11/11/15</a:t>
-            </a:r>
-            <a:endParaRPr/>
-          </a:p>
-        </p:txBody>
-      </p:sp>
-      <p:sp>
-        <p:nvSpPr>
-          <p:cNvPr id="3" name="PlaceHolder 4"/>
-          <p:cNvSpPr>
-            <a:spLocks noGrp="1"/>
-          </p:cNvSpPr>
-          <p:nvPr>
-            <p:ph type="ftr"/>
-          </p:nvPr>
-        </p:nvSpPr>
-        <p:spPr>
-          <a:xfrm>
-            <a:off x="4038480" y="6356520"/>
-            <a:ext cx="4114440" cy="364680"/>
-          </a:xfrm>
-          <a:prstGeom prst="rect">
-            <a:avLst/>
-          </a:prstGeom>
-        </p:spPr>
-        <p:txBody>
-          <a:bodyPr anchor="ctr"/>
-          <a:p>
-            <a:endParaRPr/>
-          </a:p>
-        </p:txBody>
-      </p:sp>
-      <p:sp>
-        <p:nvSpPr>
-          <p:cNvPr id="4" name="PlaceHolder 5"/>
-          <p:cNvSpPr>
-            <a:spLocks noGrp="1"/>
-          </p:cNvSpPr>
-          <p:nvPr>
-            <p:ph type="sldNum"/>
-          </p:nvPr>
-        </p:nvSpPr>
-        <p:spPr>
-          <a:xfrm>
-            <a:off x="8610480" y="6356520"/>
-            <a:ext cx="2742840" cy="364680"/>
-          </a:xfrm>
-          <a:prstGeom prst="rect">
-            <a:avLst/>
-          </a:prstGeom>
-        </p:spPr>
-        <p:txBody>
-          <a:bodyPr anchor="ctr"/>
-          <a:p>
-            <a:pPr algn="r">
-              <a:lnSpc>
-                <a:spcPct val="100000"/>
-              </a:lnSpc>
-            </a:pPr>
-            <a:fld id="{F1D38B8D-C9D5-4919-A8FC-A7B99CC17CC2}" type="slidenum">
-              <a:rPr lang="en-US" sz="1200" spc="-1" strike="noStrike">
-                <a:solidFill>
-                  <a:srgbClr val="8b8b8b"/>
-                </a:solidFill>
-                <a:uFill>
-                  <a:solidFill>
-                    <a:srgbClr val="ffffff"/>
-                  </a:solidFill>
-                </a:uFill>
-                <a:latin typeface="Calibri"/>
-              </a:rPr>
-              <a:t>&lt;number&gt;</a:t>
-            </a:fld>
-            <a:endParaRPr/>
-          </a:p>
-        </p:txBody>
-      </p:sp>
-      <p:sp>
-        <p:nvSpPr>
-          <p:cNvPr id="5" name="PlaceHolder 6"/>
           <p:cNvSpPr>
             <a:spLocks noGrp="1"/>
           </p:cNvSpPr>
@@ -3710,8 +3588,8 @@
               <a:buChar char=""/>
             </a:pPr>
             <a:r>
-              <a:rPr lang="en-US" sz="2800" spc="-1">
-                <a:latin typeface="Calibri"/>
+              <a:rPr lang="en-US" sz="3200" spc="-1">
+                <a:latin typeface="Arial"/>
               </a:rPr>
               <a:t>Click to edit the outline text format</a:t>
             </a:r>
@@ -3727,8 +3605,8 @@
               <a:buChar char=""/>
             </a:pPr>
             <a:r>
-              <a:rPr lang="en-US" sz="2000" spc="-1">
-                <a:latin typeface="Calibri"/>
+              <a:rPr lang="en-US" sz="2800" spc="-1">
+                <a:latin typeface="Arial"/>
               </a:rPr>
               <a:t>Second Outline Level</a:t>
             </a:r>
@@ -3744,8 +3622,8 @@
               <a:buChar char=""/>
             </a:pPr>
             <a:r>
-              <a:rPr lang="en-US" sz="1800" spc="-1">
-                <a:latin typeface="Calibri"/>
+              <a:rPr lang="en-US" sz="2400" spc="-1">
+                <a:latin typeface="Arial"/>
               </a:rPr>
               <a:t>Third Outline Level</a:t>
             </a:r>
@@ -3761,8 +3639,8 @@
               <a:buChar char=""/>
             </a:pPr>
             <a:r>
-              <a:rPr lang="en-US" sz="1800" spc="-1">
-                <a:latin typeface="Calibri"/>
+              <a:rPr lang="en-US" sz="2000" spc="-1">
+                <a:latin typeface="Arial"/>
               </a:rPr>
               <a:t>Fourth Outline Level</a:t>
             </a:r>
@@ -3779,7 +3657,7 @@
             </a:pPr>
             <a:r>
               <a:rPr lang="en-US" sz="2000" spc="-1">
-                <a:latin typeface="Calibri"/>
+                <a:latin typeface="Arial"/>
               </a:rPr>
               <a:t>Fifth Outline Level</a:t>
             </a:r>
@@ -3796,7 +3674,7 @@
             </a:pPr>
             <a:r>
               <a:rPr lang="en-US" sz="2000" spc="-1">
-                <a:latin typeface="Calibri"/>
+                <a:latin typeface="Arial"/>
               </a:rPr>
               <a:t>Sixth Outline Level</a:t>
             </a:r>
@@ -3813,7 +3691,7 @@
             </a:pPr>
             <a:r>
               <a:rPr lang="en-US" sz="2000" spc="-1">
-                <a:latin typeface="Calibri"/>
+                <a:latin typeface="Arial"/>
               </a:rPr>
               <a:t>Seventh Outline Level</a:t>
             </a:r>
@@ -3867,7 +3745,7 @@
       </p:grpSpPr>
       <p:sp>
         <p:nvSpPr>
-          <p:cNvPr id="40" name="PlaceHolder 1"/>
+          <p:cNvPr id="37" name="PlaceHolder 1"/>
           <p:cNvSpPr>
             <a:spLocks noGrp="1"/>
           </p:cNvSpPr>
@@ -3877,34 +3755,22 @@
         </p:nvSpPr>
         <p:spPr>
           <a:xfrm>
-            <a:off x="838080" y="365040"/>
-            <a:ext cx="10515240" cy="1325160"/>
-          </a:xfrm>
-          <a:prstGeom prst="rect">
-            <a:avLst/>
-          </a:prstGeom>
-        </p:spPr>
-        <p:txBody>
-          <a:bodyPr anchor="ctr"/>
-          <a:p>
-            <a:pPr>
-              <a:lnSpc>
-                <a:spcPct val="90000"/>
-              </a:lnSpc>
-            </a:pPr>
+            <a:off x="609480" y="273600"/>
+            <a:ext cx="10972440" cy="1144800"/>
+          </a:xfrm>
+          <a:prstGeom prst="rect">
+            <a:avLst/>
+          </a:prstGeom>
+        </p:spPr>
+        <p:txBody>
+          <a:bodyPr lIns="0" rIns="0" tIns="0" bIns="0" anchor="ctr"/>
+          <a:p>
+            <a:pPr algn="ctr"/>
             <a:r>
-              <a:rPr lang="en-US" sz="4400" spc="-1" strike="noStrike">
-                <a:solidFill>
-                  <a:srgbClr val="000000"/>
-                </a:solidFill>
-                <a:uFill>
-                  <a:solidFill>
-                    <a:srgbClr val="ffffff"/>
-                  </a:solidFill>
-                </a:uFill>
-                <a:latin typeface="Calibri Light"/>
+              <a:rPr lang="en-US" sz="4400" spc="-1">
+                <a:latin typeface="Arial"/>
               </a:rPr>
-              <a:t>Click to edit Master title style</a:t>
+              <a:t>Click to edit the title text format</a:t>
             </a:r>
             <a:endParaRPr/>
           </a:p>
@@ -3912,7 +3778,7 @@
       </p:sp>
       <p:sp>
         <p:nvSpPr>
-          <p:cNvPr id="41" name="PlaceHolder 2"/>
+          <p:cNvPr id="38" name="PlaceHolder 2"/>
           <p:cNvSpPr>
             <a:spLocks noGrp="1"/>
           </p:cNvSpPr>
@@ -3922,15 +3788,15 @@
         </p:nvSpPr>
         <p:spPr>
           <a:xfrm>
-            <a:off x="838080" y="1825560"/>
-            <a:ext cx="10515240" cy="4350960"/>
-          </a:xfrm>
-          <a:prstGeom prst="rect">
-            <a:avLst/>
-          </a:prstGeom>
-        </p:spPr>
-        <p:txBody>
-          <a:bodyPr/>
+            <a:off x="609480" y="1604520"/>
+            <a:ext cx="10972440" cy="3976920"/>
+          </a:xfrm>
+          <a:prstGeom prst="rect">
+            <a:avLst/>
+          </a:prstGeom>
+        </p:spPr>
+        <p:txBody>
+          <a:bodyPr lIns="0" rIns="0" tIns="0" bIns="0"/>
           <a:p>
             <a:pPr marL="432000" indent="-324000">
               <a:buClr>
@@ -3941,16 +3807,8 @@
               <a:buChar char=""/>
             </a:pPr>
             <a:r>
-              <a:rPr lang="en-US" sz="2800" spc="-1" strike="noStrike">
-                <a:solidFill>
-                  <a:srgbClr val="000000"/>
-                </a:solidFill>
-                <a:uFill>
-                  <a:solidFill>
-                    <a:srgbClr val="ffffff"/>
-                  </a:solidFill>
-                </a:uFill>
-                <a:latin typeface="Calibri"/>
+              <a:rPr lang="en-US" sz="3200" spc="-1">
+                <a:latin typeface="Arial"/>
               </a:rPr>
               <a:t>Click to edit the outline text format</a:t>
             </a:r>
@@ -3966,16 +3824,8 @@
               <a:buChar char=""/>
             </a:pPr>
             <a:r>
-              <a:rPr lang="en-US" sz="2800" spc="-1" strike="noStrike">
-                <a:solidFill>
-                  <a:srgbClr val="000000"/>
-                </a:solidFill>
-                <a:uFill>
-                  <a:solidFill>
-                    <a:srgbClr val="ffffff"/>
-                  </a:solidFill>
-                </a:uFill>
-                <a:latin typeface="Calibri"/>
+              <a:rPr lang="en-US" sz="2800" spc="-1">
+                <a:latin typeface="Arial"/>
               </a:rPr>
               <a:t>Second Outline Level</a:t>
             </a:r>
@@ -3991,16 +3841,8 @@
               <a:buChar char=""/>
             </a:pPr>
             <a:r>
-              <a:rPr lang="en-US" sz="2800" spc="-1" strike="noStrike">
-                <a:solidFill>
-                  <a:srgbClr val="000000"/>
-                </a:solidFill>
-                <a:uFill>
-                  <a:solidFill>
-                    <a:srgbClr val="ffffff"/>
-                  </a:solidFill>
-                </a:uFill>
-                <a:latin typeface="Calibri"/>
+              <a:rPr lang="en-US" sz="2400" spc="-1">
+                <a:latin typeface="Arial"/>
               </a:rPr>
               <a:t>Third Outline Level</a:t>
             </a:r>
@@ -4016,16 +3858,8 @@
               <a:buChar char=""/>
             </a:pPr>
             <a:r>
-              <a:rPr lang="en-US" sz="2800" spc="-1" strike="noStrike">
-                <a:solidFill>
-                  <a:srgbClr val="000000"/>
-                </a:solidFill>
-                <a:uFill>
-                  <a:solidFill>
-                    <a:srgbClr val="ffffff"/>
-                  </a:solidFill>
-                </a:uFill>
-                <a:latin typeface="Calibri"/>
+              <a:rPr lang="en-US" sz="2000" spc="-1">
+                <a:latin typeface="Arial"/>
               </a:rPr>
               <a:t>Fourth Outline Level</a:t>
             </a:r>
@@ -4041,16 +3875,8 @@
               <a:buChar char=""/>
             </a:pPr>
             <a:r>
-              <a:rPr lang="en-US" sz="2800" spc="-1" strike="noStrike">
-                <a:solidFill>
-                  <a:srgbClr val="000000"/>
-                </a:solidFill>
-                <a:uFill>
-                  <a:solidFill>
-                    <a:srgbClr val="ffffff"/>
-                  </a:solidFill>
-                </a:uFill>
-                <a:latin typeface="Calibri"/>
+              <a:rPr lang="en-US" sz="2000" spc="-1">
+                <a:latin typeface="Arial"/>
               </a:rPr>
               <a:t>Fifth Outline Level</a:t>
             </a:r>
@@ -4066,255 +3892,28 @@
               <a:buChar char=""/>
             </a:pPr>
             <a:r>
-              <a:rPr lang="en-US" sz="2800" spc="-1" strike="noStrike">
-                <a:solidFill>
-                  <a:srgbClr val="000000"/>
-                </a:solidFill>
-                <a:uFill>
-                  <a:solidFill>
-                    <a:srgbClr val="ffffff"/>
-                  </a:solidFill>
-                </a:uFill>
-                <a:latin typeface="Calibri"/>
+              <a:rPr lang="en-US" sz="2000" spc="-1">
+                <a:latin typeface="Arial"/>
               </a:rPr>
               <a:t>Sixth Outline Level</a:t>
             </a:r>
             <a:endParaRPr/>
           </a:p>
           <a:p>
-            <a:pPr marL="228600" indent="-228240">
-              <a:lnSpc>
-                <a:spcPct val="100000"/>
-              </a:lnSpc>
-              <a:buFont typeface="Arial"/>
-              <a:buChar char="•"/>
+            <a:pPr lvl="6" marL="3024000" indent="-216000">
+              <a:buClr>
+                <a:srgbClr val="ffffff"/>
+              </a:buClr>
+              <a:buSzPct val="45000"/>
+              <a:buFont typeface="Wingdings" charset="2"/>
+              <a:buChar char=""/>
             </a:pPr>
             <a:r>
-              <a:rPr lang="en-US" sz="2800" spc="-1" strike="noStrike">
-                <a:solidFill>
-                  <a:srgbClr val="000000"/>
-                </a:solidFill>
-                <a:uFill>
-                  <a:solidFill>
-                    <a:srgbClr val="ffffff"/>
-                  </a:solidFill>
-                </a:uFill>
-                <a:latin typeface="Calibri"/>
+              <a:rPr lang="en-US" sz="2000" spc="-1">
+                <a:latin typeface="Arial"/>
               </a:rPr>
-              <a:t>Seventh Outline LevelClick to edit Master text styles</a:t>
+              <a:t>Seventh Outline Level</a:t>
             </a:r>
-            <a:endParaRPr/>
-          </a:p>
-          <a:p>
-            <a:pPr lvl="1" marL="685800" indent="-228240">
-              <a:lnSpc>
-                <a:spcPct val="100000"/>
-              </a:lnSpc>
-              <a:buFont typeface="Arial"/>
-              <a:buChar char="•"/>
-            </a:pPr>
-            <a:r>
-              <a:rPr lang="en-US" sz="2400" spc="-1" strike="noStrike">
-                <a:solidFill>
-                  <a:srgbClr val="000000"/>
-                </a:solidFill>
-                <a:uFill>
-                  <a:solidFill>
-                    <a:srgbClr val="ffffff"/>
-                  </a:solidFill>
-                </a:uFill>
-                <a:latin typeface="Calibri"/>
-              </a:rPr>
-              <a:t>Second level</a:t>
-            </a:r>
-            <a:endParaRPr/>
-          </a:p>
-          <a:p>
-            <a:pPr lvl="2" marL="1143000" indent="-228240">
-              <a:lnSpc>
-                <a:spcPct val="100000"/>
-              </a:lnSpc>
-              <a:buFont typeface="Arial"/>
-              <a:buChar char="•"/>
-            </a:pPr>
-            <a:r>
-              <a:rPr lang="en-US" sz="2000" spc="-1" strike="noStrike">
-                <a:solidFill>
-                  <a:srgbClr val="000000"/>
-                </a:solidFill>
-                <a:uFill>
-                  <a:solidFill>
-                    <a:srgbClr val="ffffff"/>
-                  </a:solidFill>
-                </a:uFill>
-                <a:latin typeface="Calibri"/>
-              </a:rPr>
-              <a:t>Third level</a:t>
-            </a:r>
-            <a:endParaRPr/>
-          </a:p>
-          <a:p>
-            <a:pPr lvl="3" marL="1600200" indent="-228240">
-              <a:lnSpc>
-                <a:spcPct val="100000"/>
-              </a:lnSpc>
-              <a:buFont typeface="Arial"/>
-              <a:buChar char="•"/>
-            </a:pPr>
-            <a:r>
-              <a:rPr lang="en-US" sz="1800" spc="-1" strike="noStrike">
-                <a:solidFill>
-                  <a:srgbClr val="000000"/>
-                </a:solidFill>
-                <a:uFill>
-                  <a:solidFill>
-                    <a:srgbClr val="ffffff"/>
-                  </a:solidFill>
-                </a:uFill>
-                <a:latin typeface="Calibri"/>
-              </a:rPr>
-              <a:t>Fourth level</a:t>
-            </a:r>
-            <a:endParaRPr/>
-          </a:p>
-          <a:p>
-            <a:pPr lvl="4" marL="2057400" indent="-228240">
-              <a:lnSpc>
-                <a:spcPct val="100000"/>
-              </a:lnSpc>
-              <a:buFont typeface="Arial"/>
-              <a:buChar char="•"/>
-            </a:pPr>
-            <a:r>
-              <a:rPr lang="en-US" sz="1800" spc="-1" strike="noStrike">
-                <a:solidFill>
-                  <a:srgbClr val="000000"/>
-                </a:solidFill>
-                <a:uFill>
-                  <a:solidFill>
-                    <a:srgbClr val="ffffff"/>
-                  </a:solidFill>
-                </a:uFill>
-                <a:latin typeface="Calibri"/>
-              </a:rPr>
-              <a:t>Fifth level</a:t>
-            </a:r>
-            <a:endParaRPr/>
-          </a:p>
-        </p:txBody>
-      </p:sp>
-      <p:sp>
-        <p:nvSpPr>
-          <p:cNvPr id="42" name="PlaceHolder 3"/>
-          <p:cNvSpPr>
-            <a:spLocks noGrp="1"/>
-          </p:cNvSpPr>
-          <p:nvPr>
-            <p:ph type="dt"/>
-          </p:nvPr>
-        </p:nvSpPr>
-        <p:spPr>
-          <a:xfrm>
-            <a:off x="838080" y="6356520"/>
-            <a:ext cx="2742840" cy="364680"/>
-          </a:xfrm>
-          <a:prstGeom prst="rect">
-            <a:avLst/>
-          </a:prstGeom>
-        </p:spPr>
-        <p:txBody>
-          <a:bodyPr anchor="ctr"/>
-          <a:p>
-            <a:pPr>
-              <a:lnSpc>
-                <a:spcPct val="100000"/>
-              </a:lnSpc>
-            </a:pPr>
-            <a:r>
-              <a:rPr lang="en-US" sz="1200" spc="-1" strike="noStrike">
-                <a:solidFill>
-                  <a:srgbClr val="8b8b8b"/>
-                </a:solidFill>
-                <a:uFill>
-                  <a:solidFill>
-                    <a:srgbClr val="ffffff"/>
-                  </a:solidFill>
-                </a:uFill>
-                <a:latin typeface="Calibri"/>
-              </a:rPr>
-              <a:t>11/11/15</a:t>
-            </a:r>
-            <a:endParaRPr/>
-          </a:p>
-        </p:txBody>
-      </p:sp>
-      <p:sp>
-        <p:nvSpPr>
-          <p:cNvPr id="43" name="PlaceHolder 4"/>
-          <p:cNvSpPr>
-            <a:spLocks noGrp="1"/>
-          </p:cNvSpPr>
-          <p:nvPr>
-            <p:ph type="ftr"/>
-          </p:nvPr>
-        </p:nvSpPr>
-        <p:spPr>
-          <a:xfrm>
-            <a:off x="4038480" y="6356520"/>
-            <a:ext cx="4114440" cy="364680"/>
-          </a:xfrm>
-          <a:prstGeom prst="rect">
-            <a:avLst/>
-          </a:prstGeom>
-        </p:spPr>
-        <p:txBody>
-          <a:bodyPr anchor="ctr"/>
-          <a:p>
-            <a:endParaRPr/>
-          </a:p>
-        </p:txBody>
-      </p:sp>
-      <p:sp>
-        <p:nvSpPr>
-          <p:cNvPr id="44" name="PlaceHolder 5"/>
-          <p:cNvSpPr>
-            <a:spLocks noGrp="1"/>
-          </p:cNvSpPr>
-          <p:nvPr>
-            <p:ph type="sldNum"/>
-          </p:nvPr>
-        </p:nvSpPr>
-        <p:spPr>
-          <a:xfrm>
-            <a:off x="8610480" y="6356520"/>
-            <a:ext cx="2742840" cy="364680"/>
-          </a:xfrm>
-          <a:prstGeom prst="rect">
-            <a:avLst/>
-          </a:prstGeom>
-        </p:spPr>
-        <p:txBody>
-          <a:bodyPr anchor="ctr"/>
-          <a:p>
-            <a:pPr algn="r">
-              <a:lnSpc>
-                <a:spcPct val="100000"/>
-              </a:lnSpc>
-            </a:pPr>
-            <a:fld id="{95B574A9-B71B-43F6-AC49-7E710FA10D30}" type="slidenum">
-              <a:rPr lang="en-US" sz="1200" spc="-1" strike="noStrike">
-                <a:solidFill>
-                  <a:srgbClr val="8b8b8b"/>
-                </a:solidFill>
-                <a:uFill>
-                  <a:solidFill>
-                    <a:srgbClr val="ffffff"/>
-                  </a:solidFill>
-                </a:uFill>
-                <a:latin typeface="Calibri"/>
-              </a:rPr>
-              <a:t>&lt;number&gt;</a:t>
-            </a:fld>
             <a:endParaRPr/>
           </a:p>
         </p:txBody>
@@ -4365,7 +3964,7 @@
       </p:grpSpPr>
       <p:sp>
         <p:nvSpPr>
-          <p:cNvPr id="79" name="PlaceHolder 1"/>
+          <p:cNvPr id="73" name="PlaceHolder 1"/>
           <p:cNvSpPr>
             <a:spLocks noGrp="1"/>
           </p:cNvSpPr>
@@ -4376,157 +3975,23 @@
         <p:spPr>
           <a:xfrm>
             <a:off x="838080" y="365040"/>
-            <a:ext cx="10515240" cy="1325160"/>
-          </a:xfrm>
-          <a:prstGeom prst="rect">
-            <a:avLst/>
-          </a:prstGeom>
-        </p:spPr>
-        <p:txBody>
-          <a:bodyPr anchor="ctr"/>
-          <a:p>
-            <a:pPr>
-              <a:lnSpc>
-                <a:spcPct val="90000"/>
-              </a:lnSpc>
-            </a:pPr>
-            <a:r>
-              <a:rPr lang="en-US" sz="4400" spc="-1" strike="noStrike">
-                <a:solidFill>
-                  <a:srgbClr val="000000"/>
-                </a:solidFill>
-                <a:uFill>
-                  <a:solidFill>
-                    <a:srgbClr val="ffffff"/>
-                  </a:solidFill>
-                </a:uFill>
-                <a:latin typeface="Calibri Light"/>
-              </a:rPr>
-              <a:t>Click to edit Master title style</a:t>
-            </a:r>
-            <a:endParaRPr/>
-          </a:p>
-        </p:txBody>
-      </p:sp>
-      <p:sp>
-        <p:nvSpPr>
-          <p:cNvPr id="80" name="PlaceHolder 2"/>
-          <p:cNvSpPr>
-            <a:spLocks noGrp="1"/>
-          </p:cNvSpPr>
-          <p:nvPr>
-            <p:ph type="dt"/>
-          </p:nvPr>
-        </p:nvSpPr>
-        <p:spPr>
-          <a:xfrm>
-            <a:off x="838080" y="6356520"/>
-            <a:ext cx="2742840" cy="364680"/>
-          </a:xfrm>
-          <a:prstGeom prst="rect">
-            <a:avLst/>
-          </a:prstGeom>
-        </p:spPr>
-        <p:txBody>
-          <a:bodyPr anchor="ctr"/>
-          <a:p>
-            <a:pPr>
-              <a:lnSpc>
-                <a:spcPct val="100000"/>
-              </a:lnSpc>
-            </a:pPr>
-            <a:r>
-              <a:rPr lang="en-US" sz="1200" spc="-1" strike="noStrike">
-                <a:solidFill>
-                  <a:srgbClr val="8b8b8b"/>
-                </a:solidFill>
-                <a:uFill>
-                  <a:solidFill>
-                    <a:srgbClr val="ffffff"/>
-                  </a:solidFill>
-                </a:uFill>
-                <a:latin typeface="Calibri"/>
-              </a:rPr>
-              <a:t>11/11/15</a:t>
-            </a:r>
-            <a:endParaRPr/>
-          </a:p>
-        </p:txBody>
-      </p:sp>
-      <p:sp>
-        <p:nvSpPr>
-          <p:cNvPr id="81" name="PlaceHolder 3"/>
-          <p:cNvSpPr>
-            <a:spLocks noGrp="1"/>
-          </p:cNvSpPr>
-          <p:nvPr>
-            <p:ph type="ftr"/>
-          </p:nvPr>
-        </p:nvSpPr>
-        <p:spPr>
-          <a:xfrm>
-            <a:off x="4038480" y="6356520"/>
-            <a:ext cx="4114440" cy="364680"/>
-          </a:xfrm>
-          <a:prstGeom prst="rect">
-            <a:avLst/>
-          </a:prstGeom>
-        </p:spPr>
-        <p:txBody>
-          <a:bodyPr anchor="ctr"/>
-          <a:p>
-            <a:endParaRPr/>
-          </a:p>
-        </p:txBody>
-      </p:sp>
-      <p:sp>
-        <p:nvSpPr>
-          <p:cNvPr id="82" name="PlaceHolder 4"/>
-          <p:cNvSpPr>
-            <a:spLocks noGrp="1"/>
-          </p:cNvSpPr>
-          <p:nvPr>
-            <p:ph type="sldNum"/>
-          </p:nvPr>
-        </p:nvSpPr>
-        <p:spPr>
-          <a:xfrm>
-            <a:off x="8610480" y="6356520"/>
-            <a:ext cx="2742840" cy="364680"/>
-          </a:xfrm>
-          <a:prstGeom prst="rect">
-            <a:avLst/>
-          </a:prstGeom>
-        </p:spPr>
-        <p:txBody>
-          <a:bodyPr anchor="ctr"/>
-          <a:p>
-            <a:pPr algn="r">
-              <a:lnSpc>
-                <a:spcPct val="100000"/>
-              </a:lnSpc>
-            </a:pPr>
-            <a:fld id="{527155CD-AF0D-4B5F-AC60-37052AE3296D}" type="slidenum">
-              <a:rPr lang="en-US" sz="1200" spc="-1" strike="noStrike">
-                <a:solidFill>
-                  <a:srgbClr val="8b8b8b"/>
-                </a:solidFill>
-                <a:uFill>
-                  <a:solidFill>
-                    <a:srgbClr val="ffffff"/>
-                  </a:solidFill>
-                </a:uFill>
-                <a:latin typeface="Calibri"/>
-              </a:rPr>
-              <a:t>&lt;number&gt;</a:t>
-            </a:fld>
-            <a:endParaRPr/>
-          </a:p>
-        </p:txBody>
-      </p:sp>
-      <p:sp>
-        <p:nvSpPr>
-          <p:cNvPr id="83" name="PlaceHolder 5"/>
+            <a:ext cx="10514880" cy="1324800"/>
+          </a:xfrm>
+          <a:prstGeom prst="rect">
+            <a:avLst/>
+          </a:prstGeom>
+        </p:spPr>
+        <p:txBody>
+          <a:bodyPr lIns="0" rIns="0" tIns="0" bIns="0" anchor="ctr"/>
+          <a:p>
+            <a:pPr algn="ctr"/>
+            <a:endParaRPr/>
+          </a:p>
+        </p:txBody>
+      </p:sp>
+      <p:sp>
+        <p:nvSpPr>
+          <p:cNvPr id="74" name="PlaceHolder 2"/>
           <p:cNvSpPr>
             <a:spLocks noGrp="1"/>
           </p:cNvSpPr>
@@ -4555,8 +4020,8 @@
               <a:buChar char=""/>
             </a:pPr>
             <a:r>
-              <a:rPr lang="en-US" sz="2800" spc="-1">
-                <a:latin typeface="Calibri"/>
+              <a:rPr lang="en-US" sz="3200" spc="-1">
+                <a:latin typeface="Arial"/>
               </a:rPr>
               <a:t>Click to edit the outline text format</a:t>
             </a:r>
@@ -4572,8 +4037,8 @@
               <a:buChar char=""/>
             </a:pPr>
             <a:r>
-              <a:rPr lang="en-US" sz="2000" spc="-1">
-                <a:latin typeface="Calibri"/>
+              <a:rPr lang="en-US" sz="2800" spc="-1">
+                <a:latin typeface="Arial"/>
               </a:rPr>
               <a:t>Second Outline Level</a:t>
             </a:r>
@@ -4589,8 +4054,8 @@
               <a:buChar char=""/>
             </a:pPr>
             <a:r>
-              <a:rPr lang="en-US" sz="1800" spc="-1">
-                <a:latin typeface="Calibri"/>
+              <a:rPr lang="en-US" sz="2400" spc="-1">
+                <a:latin typeface="Arial"/>
               </a:rPr>
               <a:t>Third Outline Level</a:t>
             </a:r>
@@ -4606,8 +4071,8 @@
               <a:buChar char=""/>
             </a:pPr>
             <a:r>
-              <a:rPr lang="en-US" sz="1800" spc="-1">
-                <a:latin typeface="Calibri"/>
+              <a:rPr lang="en-US" sz="2000" spc="-1">
+                <a:latin typeface="Arial"/>
               </a:rPr>
               <a:t>Fourth Outline Level</a:t>
             </a:r>
@@ -4624,7 +4089,7 @@
             </a:pPr>
             <a:r>
               <a:rPr lang="en-US" sz="2000" spc="-1">
-                <a:latin typeface="Calibri"/>
+                <a:latin typeface="Arial"/>
               </a:rPr>
               <a:t>Fifth Outline Level</a:t>
             </a:r>
@@ -4641,7 +4106,7 @@
             </a:pPr>
             <a:r>
               <a:rPr lang="en-US" sz="2000" spc="-1">
-                <a:latin typeface="Calibri"/>
+                <a:latin typeface="Arial"/>
               </a:rPr>
               <a:t>Sixth Outline Level</a:t>
             </a:r>
@@ -4658,7 +4123,7 @@
             </a:pPr>
             <a:r>
               <a:rPr lang="en-US" sz="2000" spc="-1">
-                <a:latin typeface="Calibri"/>
+                <a:latin typeface="Arial"/>
               </a:rPr>
               <a:t>Seventh Outline Level</a:t>
             </a:r>
@@ -4715,14 +4180,14 @@
       </p:grpSpPr>
       <p:sp>
         <p:nvSpPr>
-          <p:cNvPr id="118" name="TextShape 1"/>
-          <p:cNvSpPr txBox="1"/>
+          <p:cNvPr id="109" name="CustomShape 1"/>
+          <p:cNvSpPr/>
           <p:nvPr/>
         </p:nvSpPr>
         <p:spPr>
           <a:xfrm>
             <a:off x="1378800" y="1420920"/>
-            <a:ext cx="9289080" cy="1230480"/>
+            <a:ext cx="9288720" cy="1230120"/>
           </a:xfrm>
           <a:prstGeom prst="rect">
             <a:avLst/>
@@ -4732,8 +4197,14 @@
             <a:noFill/>
           </a:ln>
         </p:spPr>
-        <p:txBody>
-          <a:bodyPr anchor="b"/>
+        <p:style>
+          <a:lnRef idx="0"/>
+          <a:fillRef idx="0"/>
+          <a:effectRef idx="0"/>
+          <a:fontRef idx="minor"/>
+        </p:style>
+        <p:txBody>
+          <a:bodyPr lIns="90000" rIns="90000" tIns="45000" bIns="45000" anchor="b"/>
           <a:p>
             <a:pPr algn="ctr">
               <a:lnSpc>
@@ -4760,14 +4231,14 @@
       </p:sp>
       <p:sp>
         <p:nvSpPr>
-          <p:cNvPr id="119" name="TextShape 2"/>
-          <p:cNvSpPr txBox="1"/>
+          <p:cNvPr id="110" name="CustomShape 2"/>
+          <p:cNvSpPr/>
           <p:nvPr/>
         </p:nvSpPr>
         <p:spPr>
           <a:xfrm>
             <a:off x="2902680" y="3527640"/>
-            <a:ext cx="5603400" cy="478080"/>
+            <a:ext cx="5603040" cy="477720"/>
           </a:xfrm>
           <a:prstGeom prst="rect">
             <a:avLst/>
@@ -4777,8 +4248,14 @@
             <a:noFill/>
           </a:ln>
         </p:spPr>
-        <p:txBody>
-          <a:bodyPr/>
+        <p:style>
+          <a:lnRef idx="0"/>
+          <a:fillRef idx="0"/>
+          <a:effectRef idx="0"/>
+          <a:fontRef idx="minor"/>
+        </p:style>
+        <p:txBody>
+          <a:bodyPr lIns="90000" rIns="90000" tIns="45000" bIns="45000"/>
           <a:p>
             <a:pPr algn="ctr">
               <a:lnSpc>
@@ -4813,7 +4290,7 @@
       </p:sp>
       <p:pic>
         <p:nvPicPr>
-          <p:cNvPr id="120" name="Picture 3" descr=""/>
+          <p:cNvPr id="111" name="Picture 3" descr=""/>
           <p:cNvPicPr/>
           <p:nvPr/>
         </p:nvPicPr>
@@ -4824,7 +4301,7 @@
         <p:spPr>
           <a:xfrm>
             <a:off x="475200" y="5257800"/>
-            <a:ext cx="920520" cy="1312200"/>
+            <a:ext cx="920160" cy="1311840"/>
           </a:xfrm>
           <a:prstGeom prst="rect">
             <a:avLst/>
@@ -4836,7 +4313,7 @@
       </p:pic>
       <p:pic>
         <p:nvPicPr>
-          <p:cNvPr id="121" name="Picture 4" descr=""/>
+          <p:cNvPr id="112" name="Picture 4" descr=""/>
           <p:cNvPicPr/>
           <p:nvPr/>
         </p:nvPicPr>
@@ -4847,7 +4324,7 @@
         <p:spPr>
           <a:xfrm>
             <a:off x="7235640" y="5359680"/>
-            <a:ext cx="468720" cy="140400"/>
+            <a:ext cx="468360" cy="140040"/>
           </a:xfrm>
           <a:prstGeom prst="rect">
             <a:avLst/>
@@ -4859,14 +4336,14 @@
       </p:pic>
       <p:sp>
         <p:nvSpPr>
-          <p:cNvPr id="122" name="CustomShape 3"/>
+          <p:cNvPr id="113" name="CustomShape 3"/>
           <p:cNvSpPr/>
           <p:nvPr/>
         </p:nvSpPr>
         <p:spPr>
           <a:xfrm>
             <a:off x="2900160" y="4087800"/>
-            <a:ext cx="5603400" cy="478080"/>
+            <a:ext cx="5603040" cy="477720"/>
           </a:xfrm>
           <a:prstGeom prst="rect">
             <a:avLst/>
@@ -4883,7 +4360,7 @@
           <a:fontRef idx="minor"/>
         </p:style>
         <p:txBody>
-          <a:bodyPr/>
+          <a:bodyPr lIns="90000" rIns="90000" tIns="45000" bIns="45000"/>
           <a:p>
             <a:pPr algn="ctr">
               <a:lnSpc>
@@ -4901,6 +4378,7 @@
                   </a:solidFill>
                 </a:uFill>
                 <a:latin typeface="Agency FB"/>
+                <a:ea typeface="DejaVu Sans"/>
               </a:rPr>
               <a:t>TUTORIAL</a:t>
             </a:r>
@@ -4918,14 +4396,14 @@
       </p:sp>
       <p:sp>
         <p:nvSpPr>
-          <p:cNvPr id="123" name="CustomShape 4"/>
+          <p:cNvPr id="114" name="CustomShape 4"/>
           <p:cNvSpPr/>
           <p:nvPr/>
         </p:nvSpPr>
         <p:spPr>
           <a:xfrm>
             <a:off x="2900160" y="4566240"/>
-            <a:ext cx="5603400" cy="554040"/>
+            <a:ext cx="5603040" cy="553680"/>
           </a:xfrm>
           <a:prstGeom prst="rect">
             <a:avLst/>
@@ -4942,7 +4420,7 @@
           <a:fontRef idx="minor"/>
         </p:style>
         <p:txBody>
-          <a:bodyPr/>
+          <a:bodyPr lIns="90000" rIns="90000" tIns="45000" bIns="45000"/>
           <a:p>
             <a:pPr algn="ctr">
               <a:lnSpc>
@@ -4960,6 +4438,7 @@
                   </a:solidFill>
                 </a:uFill>
                 <a:latin typeface="Agency FB"/>
+                <a:ea typeface="DejaVu Sans"/>
               </a:rPr>
               <a:t>TEAM “NEW ORLEANS“</a:t>
             </a:r>
@@ -4977,14 +4456,14 @@
       </p:sp>
       <p:sp>
         <p:nvSpPr>
-          <p:cNvPr id="124" name="CustomShape 5"/>
+          <p:cNvPr id="115" name="CustomShape 5"/>
           <p:cNvSpPr/>
           <p:nvPr/>
         </p:nvSpPr>
         <p:spPr>
           <a:xfrm>
             <a:off x="2900160" y="5126400"/>
-            <a:ext cx="5603400" cy="612720"/>
+            <a:ext cx="5603040" cy="612360"/>
           </a:xfrm>
           <a:prstGeom prst="rect">
             <a:avLst/>
@@ -5001,7 +4480,7 @@
           <a:fontRef idx="minor"/>
         </p:style>
         <p:txBody>
-          <a:bodyPr/>
+          <a:bodyPr lIns="90000" rIns="90000" tIns="45000" bIns="45000"/>
           <a:p>
             <a:pPr algn="ctr">
               <a:lnSpc>
@@ -5019,6 +4498,7 @@
                   </a:solidFill>
                 </a:uFill>
                 <a:latin typeface="Agency FB"/>
+                <a:ea typeface="DejaVu Sans"/>
               </a:rPr>
               <a:t>LEADER BOARD</a:t>
             </a:r>
@@ -5085,14 +4565,14 @@
       </p:grpSpPr>
       <p:sp>
         <p:nvSpPr>
-          <p:cNvPr id="125" name="TextShape 1"/>
-          <p:cNvSpPr txBox="1"/>
+          <p:cNvPr id="116" name="CustomShape 1"/>
+          <p:cNvSpPr/>
           <p:nvPr/>
         </p:nvSpPr>
         <p:spPr>
           <a:xfrm>
             <a:off x="838080" y="365040"/>
-            <a:ext cx="10515240" cy="1325160"/>
+            <a:ext cx="10514880" cy="1324800"/>
           </a:xfrm>
           <a:prstGeom prst="rect">
             <a:avLst/>
@@ -5102,8 +4582,14 @@
             <a:noFill/>
           </a:ln>
         </p:spPr>
-        <p:txBody>
-          <a:bodyPr anchor="ctr"/>
+        <p:style>
+          <a:lnRef idx="0"/>
+          <a:fillRef idx="0"/>
+          <a:effectRef idx="0"/>
+          <a:fontRef idx="minor"/>
+        </p:style>
+        <p:txBody>
+          <a:bodyPr lIns="90000" rIns="90000" tIns="45000" bIns="45000" anchor="ctr"/>
           <a:p>
             <a:pPr>
               <a:lnSpc>
@@ -5130,14 +4616,14 @@
       </p:sp>
       <p:sp>
         <p:nvSpPr>
-          <p:cNvPr id="126" name="TextShape 2"/>
-          <p:cNvSpPr txBox="1"/>
+          <p:cNvPr id="117" name="CustomShape 2"/>
+          <p:cNvSpPr/>
           <p:nvPr/>
         </p:nvSpPr>
         <p:spPr>
           <a:xfrm>
             <a:off x="838080" y="1825560"/>
-            <a:ext cx="10515240" cy="4350960"/>
+            <a:ext cx="10514880" cy="4350600"/>
           </a:xfrm>
           <a:prstGeom prst="rect">
             <a:avLst/>
@@ -5147,10 +4633,16 @@
             <a:noFill/>
           </a:ln>
         </p:spPr>
-        <p:txBody>
-          <a:bodyPr/>
-          <a:p>
-            <a:pPr marL="228600" indent="-228240">
+        <p:style>
+          <a:lnRef idx="0"/>
+          <a:fillRef idx="0"/>
+          <a:effectRef idx="0"/>
+          <a:fontRef idx="minor"/>
+        </p:style>
+        <p:txBody>
+          <a:bodyPr lIns="90000" rIns="90000" tIns="45000" bIns="45000"/>
+          <a:p>
+            <a:pPr marL="228600" indent="-227880">
               <a:lnSpc>
                 <a:spcPct val="90000"/>
               </a:lnSpc>
@@ -5174,7 +4666,7 @@
             <a:endParaRPr/>
           </a:p>
           <a:p>
-            <a:pPr marL="228600" indent="-228240">
+            <a:pPr marL="228600" indent="-227880">
               <a:lnSpc>
                 <a:spcPct val="90000"/>
               </a:lnSpc>
@@ -5258,19 +4750,21 @@
       </p:grpSpPr>
       <p:sp>
         <p:nvSpPr>
-          <p:cNvPr id="127" name="CustomShape 1"/>
+          <p:cNvPr id="118" name="CustomShape 1"/>
           <p:cNvSpPr/>
           <p:nvPr/>
         </p:nvSpPr>
         <p:spPr>
           <a:xfrm>
             <a:off x="9782280" y="1322280"/>
-            <a:ext cx="2342880" cy="4205880"/>
-          </a:xfrm>
-          <a:prstGeom prst="rect">
-            <a:avLst/>
-          </a:prstGeom>
-          <a:ln/>
+            <a:ext cx="2342520" cy="4205520"/>
+          </a:xfrm>
+          <a:prstGeom prst="rect">
+            <a:avLst/>
+          </a:prstGeom>
+          <a:ln>
+            <a:round/>
+          </a:ln>
         </p:spPr>
         <p:style>
           <a:lnRef idx="2">
@@ -5288,8 +4782,17 @@
           <a:bodyPr lIns="90000" rIns="90000" tIns="45000" bIns="45000" anchor="ctr"/>
           <a:p>
             <a:r>
-              <a:rPr lang="en-US" sz="1800" spc="-1">
+              <a:rPr lang="en-US" sz="1800" spc="-1" strike="noStrike">
+                <a:solidFill>
+                  <a:srgbClr val="000000"/>
+                </a:solidFill>
+                <a:uFill>
+                  <a:solidFill>
+                    <a:srgbClr val="ffffff"/>
+                  </a:solidFill>
+                </a:uFill>
                 <a:latin typeface="Arial"/>
+                <a:ea typeface="DejaVu Sans"/>
               </a:rPr>
               <a:t>- created the health class</a:t>
             </a:r>
@@ -5297,10 +4800,19 @@
           </a:p>
           <a:p>
             <a:r>
-              <a:rPr lang="en-US" sz="1800" spc="-1">
+              <a:rPr lang="en-US" sz="1800" spc="-1" strike="noStrike">
+                <a:solidFill>
+                  <a:srgbClr val="000000"/>
+                </a:solidFill>
+                <a:uFill>
+                  <a:solidFill>
+                    <a:srgbClr val="ffffff"/>
+                  </a:solidFill>
+                </a:uFill>
                 <a:latin typeface="Arial"/>
+                <a:ea typeface="DejaVu Sans"/>
               </a:rPr>
-              <a:t>- created the scoring</a:t>
+              <a:t>- created the scoring </a:t>
             </a:r>
             <a:endParaRPr/>
           </a:p>
@@ -5308,19 +4820,21 @@
       </p:sp>
       <p:sp>
         <p:nvSpPr>
-          <p:cNvPr id="128" name="CustomShape 2"/>
+          <p:cNvPr id="119" name="CustomShape 2"/>
           <p:cNvSpPr/>
           <p:nvPr/>
         </p:nvSpPr>
         <p:spPr>
           <a:xfrm>
             <a:off x="7344720" y="1322280"/>
-            <a:ext cx="2342880" cy="4205880"/>
-          </a:xfrm>
-          <a:prstGeom prst="rect">
-            <a:avLst/>
-          </a:prstGeom>
-          <a:ln/>
+            <a:ext cx="2342520" cy="4205520"/>
+          </a:xfrm>
+          <a:prstGeom prst="rect">
+            <a:avLst/>
+          </a:prstGeom>
+          <a:ln>
+            <a:round/>
+          </a:ln>
         </p:spPr>
         <p:style>
           <a:lnRef idx="2">
@@ -5337,19 +4851,21 @@
       </p:sp>
       <p:sp>
         <p:nvSpPr>
-          <p:cNvPr id="129" name="CustomShape 3"/>
+          <p:cNvPr id="120" name="CustomShape 3"/>
           <p:cNvSpPr/>
           <p:nvPr/>
         </p:nvSpPr>
         <p:spPr>
           <a:xfrm>
             <a:off x="4965120" y="1320840"/>
-            <a:ext cx="2342880" cy="4205880"/>
-          </a:xfrm>
-          <a:prstGeom prst="rect">
-            <a:avLst/>
-          </a:prstGeom>
-          <a:ln/>
+            <a:ext cx="2342520" cy="4205520"/>
+          </a:xfrm>
+          <a:prstGeom prst="rect">
+            <a:avLst/>
+          </a:prstGeom>
+          <a:ln>
+            <a:round/>
+          </a:ln>
         </p:spPr>
         <p:style>
           <a:lnRef idx="2">
@@ -5366,19 +4882,21 @@
       </p:sp>
       <p:sp>
         <p:nvSpPr>
-          <p:cNvPr id="130" name="CustomShape 4"/>
+          <p:cNvPr id="121" name="CustomShape 4"/>
           <p:cNvSpPr/>
           <p:nvPr/>
         </p:nvSpPr>
         <p:spPr>
           <a:xfrm>
             <a:off x="2584800" y="1350720"/>
-            <a:ext cx="2342880" cy="4205880"/>
-          </a:xfrm>
-          <a:prstGeom prst="rect">
-            <a:avLst/>
-          </a:prstGeom>
-          <a:ln/>
+            <a:ext cx="2342520" cy="4205520"/>
+          </a:xfrm>
+          <a:prstGeom prst="rect">
+            <a:avLst/>
+          </a:prstGeom>
+          <a:ln>
+            <a:round/>
+          </a:ln>
         </p:spPr>
         <p:style>
           <a:lnRef idx="2">
@@ -5395,19 +4913,21 @@
       </p:sp>
       <p:sp>
         <p:nvSpPr>
-          <p:cNvPr id="131" name="CustomShape 5"/>
+          <p:cNvPr id="122" name="CustomShape 5"/>
           <p:cNvSpPr/>
           <p:nvPr/>
         </p:nvSpPr>
         <p:spPr>
           <a:xfrm>
             <a:off x="66600" y="1322280"/>
-            <a:ext cx="2342880" cy="4205880"/>
-          </a:xfrm>
-          <a:prstGeom prst="rect">
-            <a:avLst/>
-          </a:prstGeom>
-          <a:ln/>
+            <a:ext cx="2342520" cy="4205520"/>
+          </a:xfrm>
+          <a:prstGeom prst="rect">
+            <a:avLst/>
+          </a:prstGeom>
+          <a:ln>
+            <a:round/>
+          </a:ln>
         </p:spPr>
         <p:style>
           <a:lnRef idx="2">
@@ -5424,14 +4944,14 @@
       </p:sp>
       <p:sp>
         <p:nvSpPr>
-          <p:cNvPr id="132" name="TextShape 6"/>
-          <p:cNvSpPr txBox="1"/>
+          <p:cNvPr id="123" name="CustomShape 6"/>
+          <p:cNvSpPr/>
           <p:nvPr/>
         </p:nvSpPr>
         <p:spPr>
           <a:xfrm>
             <a:off x="838080" y="365040"/>
-            <a:ext cx="10515240" cy="1325160"/>
+            <a:ext cx="10514880" cy="1324800"/>
           </a:xfrm>
           <a:prstGeom prst="rect">
             <a:avLst/>
@@ -5441,8 +4961,14 @@
             <a:noFill/>
           </a:ln>
         </p:spPr>
-        <p:txBody>
-          <a:bodyPr anchor="ctr"/>
+        <p:style>
+          <a:lnRef idx="0"/>
+          <a:fillRef idx="0"/>
+          <a:effectRef idx="0"/>
+          <a:fontRef idx="minor"/>
+        </p:style>
+        <p:txBody>
+          <a:bodyPr lIns="90000" rIns="90000" tIns="45000" bIns="45000" anchor="ctr"/>
           <a:p>
             <a:pPr>
               <a:lnSpc>
@@ -5469,7 +4995,7 @@
       </p:sp>
       <p:pic>
         <p:nvPicPr>
-          <p:cNvPr id="133" name="Picture 2" descr=""/>
+          <p:cNvPr id="124" name="Picture 2" descr=""/>
           <p:cNvPicPr/>
           <p:nvPr/>
         </p:nvPicPr>
@@ -5480,7 +5006,7 @@
         <p:spPr>
           <a:xfrm>
             <a:off x="-308160" y="5657400"/>
-            <a:ext cx="4057920" cy="1085760"/>
+            <a:ext cx="4057560" cy="1085400"/>
           </a:xfrm>
           <a:prstGeom prst="rect">
             <a:avLst/>
@@ -5492,7 +5018,7 @@
       </p:pic>
       <p:pic>
         <p:nvPicPr>
-          <p:cNvPr id="134" name="Picture 3" descr=""/>
+          <p:cNvPr id="125" name="Picture 3" descr=""/>
           <p:cNvPicPr/>
           <p:nvPr/>
         </p:nvPicPr>
@@ -5503,7 +5029,7 @@
         <p:spPr>
           <a:xfrm>
             <a:off x="3750120" y="5657400"/>
-            <a:ext cx="4057920" cy="1085760"/>
+            <a:ext cx="4057560" cy="1085400"/>
           </a:xfrm>
           <a:prstGeom prst="rect">
             <a:avLst/>
@@ -5515,7 +5041,7 @@
       </p:pic>
       <p:pic>
         <p:nvPicPr>
-          <p:cNvPr id="135" name="Picture 4" descr=""/>
+          <p:cNvPr id="126" name="Picture 4" descr=""/>
           <p:cNvPicPr/>
           <p:nvPr/>
         </p:nvPicPr>
@@ -5526,7 +5052,7 @@
         <p:spPr>
           <a:xfrm>
             <a:off x="7988400" y="5657400"/>
-            <a:ext cx="4057920" cy="1085760"/>
+            <a:ext cx="4057560" cy="1085400"/>
           </a:xfrm>
           <a:prstGeom prst="rect">
             <a:avLst/>
@@ -5538,7 +5064,7 @@
       </p:pic>
       <p:pic>
         <p:nvPicPr>
-          <p:cNvPr id="136" name="Picture 6" descr=""/>
+          <p:cNvPr id="127" name="Picture 6" descr=""/>
           <p:cNvPicPr/>
           <p:nvPr/>
         </p:nvPicPr>
@@ -5549,7 +5075,7 @@
         <p:spPr>
           <a:xfrm>
             <a:off x="170280" y="1360800"/>
-            <a:ext cx="678240" cy="791280"/>
+            <a:ext cx="677880" cy="790920"/>
           </a:xfrm>
           <a:prstGeom prst="rect">
             <a:avLst/>
@@ -5561,7 +5087,7 @@
       </p:pic>
       <p:pic>
         <p:nvPicPr>
-          <p:cNvPr id="137" name="Picture 13" descr=""/>
+          <p:cNvPr id="128" name="Picture 13" descr=""/>
           <p:cNvPicPr/>
           <p:nvPr/>
         </p:nvPicPr>
@@ -5572,7 +5098,7 @@
         <p:spPr>
           <a:xfrm>
             <a:off x="4965120" y="1360800"/>
-            <a:ext cx="1129680" cy="803880"/>
+            <a:ext cx="1129320" cy="803520"/>
           </a:xfrm>
           <a:prstGeom prst="rect">
             <a:avLst/>
@@ -5584,7 +5110,7 @@
       </p:pic>
       <p:pic>
         <p:nvPicPr>
-          <p:cNvPr id="138" name="Picture 14" descr=""/>
+          <p:cNvPr id="129" name="Picture 14" descr=""/>
           <p:cNvPicPr/>
           <p:nvPr/>
         </p:nvPicPr>
@@ -5595,7 +5121,7 @@
         <p:spPr>
           <a:xfrm>
             <a:off x="2638440" y="1463040"/>
-            <a:ext cx="882000" cy="679320"/>
+            <a:ext cx="881640" cy="678960"/>
           </a:xfrm>
           <a:prstGeom prst="rect">
             <a:avLst/>
@@ -5607,14 +5133,14 @@
       </p:pic>
       <p:sp>
         <p:nvSpPr>
-          <p:cNvPr id="139" name="CustomShape 7"/>
+          <p:cNvPr id="130" name="CustomShape 7"/>
           <p:cNvSpPr/>
           <p:nvPr/>
         </p:nvSpPr>
         <p:spPr>
           <a:xfrm>
             <a:off x="956520" y="1371960"/>
-            <a:ext cx="1443960" cy="1552680"/>
+            <a:ext cx="1443600" cy="1552320"/>
           </a:xfrm>
           <a:prstGeom prst="rect">
             <a:avLst/>
@@ -5649,6 +5175,7 @@
                   </a:solidFill>
                 </a:uFill>
                 <a:latin typeface="Agency FB"/>
+                <a:ea typeface="DejaVu Sans"/>
               </a:rPr>
               <a:t>SIMEON</a:t>
             </a:r>
@@ -5671,6 +5198,7 @@
                   </a:solidFill>
                 </a:uFill>
                 <a:latin typeface="Agency FB"/>
+                <a:ea typeface="DejaVu Sans"/>
               </a:rPr>
               <a:t>VANOV</a:t>
             </a:r>
@@ -5688,14 +5216,14 @@
       </p:sp>
       <p:sp>
         <p:nvSpPr>
-          <p:cNvPr id="140" name="CustomShape 8"/>
+          <p:cNvPr id="131" name="CustomShape 8"/>
           <p:cNvSpPr/>
           <p:nvPr/>
         </p:nvSpPr>
         <p:spPr>
           <a:xfrm>
             <a:off x="3522600" y="1472760"/>
-            <a:ext cx="1443960" cy="1918440"/>
+            <a:ext cx="1443600" cy="1918080"/>
           </a:xfrm>
           <a:prstGeom prst="rect">
             <a:avLst/>
@@ -5730,6 +5258,7 @@
                   </a:solidFill>
                 </a:uFill>
                 <a:latin typeface="Agency FB"/>
+                <a:ea typeface="DejaVu Sans"/>
               </a:rPr>
               <a:t>VIKTORIA</a:t>
             </a:r>
@@ -5752,6 +5281,7 @@
                   </a:solidFill>
                 </a:uFill>
                 <a:latin typeface="Agency FB"/>
+                <a:ea typeface="DejaVu Sans"/>
               </a:rPr>
               <a:t>TENEVA</a:t>
             </a:r>
@@ -5769,14 +5299,14 @@
       </p:sp>
       <p:sp>
         <p:nvSpPr>
-          <p:cNvPr id="141" name="CustomShape 9"/>
+          <p:cNvPr id="132" name="CustomShape 9"/>
           <p:cNvSpPr/>
           <p:nvPr/>
         </p:nvSpPr>
         <p:spPr>
           <a:xfrm>
             <a:off x="6050160" y="1472760"/>
-            <a:ext cx="1443960" cy="1918440"/>
+            <a:ext cx="1443600" cy="1918080"/>
           </a:xfrm>
           <a:prstGeom prst="rect">
             <a:avLst/>
@@ -5811,6 +5341,7 @@
                   </a:solidFill>
                 </a:uFill>
                 <a:latin typeface="Agency FB"/>
+                <a:ea typeface="DejaVu Sans"/>
               </a:rPr>
               <a:t>EDWARD</a:t>
             </a:r>
@@ -5833,6 +5364,7 @@
                   </a:solidFill>
                 </a:uFill>
                 <a:latin typeface="Agency FB"/>
+                <a:ea typeface="DejaVu Sans"/>
               </a:rPr>
               <a:t>SLAVOV</a:t>
             </a:r>
@@ -5850,14 +5382,14 @@
       </p:sp>
       <p:sp>
         <p:nvSpPr>
-          <p:cNvPr id="142" name="CustomShape 10"/>
+          <p:cNvPr id="133" name="CustomShape 10"/>
           <p:cNvSpPr/>
           <p:nvPr/>
         </p:nvSpPr>
         <p:spPr>
           <a:xfrm>
             <a:off x="8216280" y="1472760"/>
-            <a:ext cx="1443960" cy="1918440"/>
+            <a:ext cx="1443600" cy="1918080"/>
           </a:xfrm>
           <a:prstGeom prst="rect">
             <a:avLst/>
@@ -5892,6 +5424,7 @@
                   </a:solidFill>
                 </a:uFill>
                 <a:latin typeface="Agency FB"/>
+                <a:ea typeface="DejaVu Sans"/>
               </a:rPr>
               <a:t>VIKTOR</a:t>
             </a:r>
@@ -5914,6 +5447,7 @@
                   </a:solidFill>
                 </a:uFill>
                 <a:latin typeface="Agency FB"/>
+                <a:ea typeface="DejaVu Sans"/>
               </a:rPr>
               <a:t>MARINOV</a:t>
             </a:r>
@@ -5931,14 +5465,14 @@
       </p:sp>
       <p:sp>
         <p:nvSpPr>
-          <p:cNvPr id="143" name="CustomShape 11"/>
+          <p:cNvPr id="134" name="CustomShape 11"/>
           <p:cNvSpPr/>
           <p:nvPr/>
         </p:nvSpPr>
         <p:spPr>
           <a:xfrm>
             <a:off x="10603440" y="1417680"/>
-            <a:ext cx="1443960" cy="1552680"/>
+            <a:ext cx="1443600" cy="1552320"/>
           </a:xfrm>
           <a:prstGeom prst="rect">
             <a:avLst/>
@@ -5973,6 +5507,7 @@
                   </a:solidFill>
                 </a:uFill>
                 <a:latin typeface="Agency FB"/>
+                <a:ea typeface="DejaVu Sans"/>
               </a:rPr>
               <a:t>KIRIL</a:t>
             </a:r>
@@ -5995,6 +5530,7 @@
                   </a:solidFill>
                 </a:uFill>
                 <a:latin typeface="Agency FB"/>
+                <a:ea typeface="DejaVu Sans"/>
               </a:rPr>
               <a:t>TODOROV</a:t>
             </a:r>
@@ -6012,7 +5548,7 @@
       </p:sp>
       <p:pic>
         <p:nvPicPr>
-          <p:cNvPr id="144" name="Picture 31" descr=""/>
+          <p:cNvPr id="135" name="Picture 31" descr=""/>
           <p:cNvPicPr/>
           <p:nvPr/>
         </p:nvPicPr>
@@ -6023,7 +5559,7 @@
         <p:spPr>
           <a:xfrm>
             <a:off x="7392960" y="1389600"/>
-            <a:ext cx="813600" cy="813600"/>
+            <a:ext cx="813240" cy="813240"/>
           </a:xfrm>
           <a:prstGeom prst="rect">
             <a:avLst/>
@@ -6035,7 +5571,7 @@
       </p:pic>
       <p:pic>
         <p:nvPicPr>
-          <p:cNvPr id="145" name="Picture 32" descr=""/>
+          <p:cNvPr id="136" name="Picture 32" descr=""/>
           <p:cNvPicPr/>
           <p:nvPr/>
         </p:nvPicPr>
@@ -6046,7 +5582,7 @@
         <p:spPr>
           <a:xfrm>
             <a:off x="9820080" y="1463040"/>
-            <a:ext cx="783000" cy="734040"/>
+            <a:ext cx="782640" cy="733680"/>
           </a:xfrm>
           <a:prstGeom prst="rect">
             <a:avLst/>
@@ -6058,14 +5594,14 @@
       </p:pic>
       <p:sp>
         <p:nvSpPr>
-          <p:cNvPr id="146" name="CustomShape 12"/>
+          <p:cNvPr id="137" name="CustomShape 12"/>
           <p:cNvSpPr/>
           <p:nvPr/>
         </p:nvSpPr>
         <p:spPr>
           <a:xfrm>
             <a:off x="7494480" y="2789640"/>
-            <a:ext cx="2036520" cy="1461960"/>
+            <a:ext cx="2036160" cy="1461600"/>
           </a:xfrm>
           <a:prstGeom prst="rect">
             <a:avLst/>
@@ -6100,6 +5636,7 @@
                   </a:solidFill>
                 </a:uFill>
                 <a:latin typeface="Calibri"/>
+                <a:ea typeface="DejaVu Sans"/>
               </a:rPr>
               <a:t>Made player sprite sheet, moving and jumping, added bullets and basic collision,</a:t>
             </a:r>
@@ -6109,14 +5646,14 @@
       </p:sp>
       <p:sp>
         <p:nvSpPr>
-          <p:cNvPr id="147" name="CustomShape 13"/>
+          <p:cNvPr id="138" name="CustomShape 13"/>
           <p:cNvSpPr/>
           <p:nvPr/>
         </p:nvSpPr>
         <p:spPr>
           <a:xfrm>
             <a:off x="5076720" y="2798280"/>
-            <a:ext cx="2036520" cy="1461960"/>
+            <a:ext cx="2036160" cy="1461600"/>
           </a:xfrm>
           <a:prstGeom prst="rect">
             <a:avLst/>
@@ -6151,6 +5688,7 @@
                   </a:solidFill>
                 </a:uFill>
                 <a:latin typeface="Calibri"/>
+                <a:ea typeface="DejaVu Sans"/>
               </a:rPr>
               <a:t>-Created main menu, tutorial and game over states</a:t>
             </a:r>
@@ -6173,6 +5711,7 @@
                   </a:solidFill>
                 </a:uFill>
                 <a:latin typeface="Calibri"/>
+                <a:ea typeface="DejaVu Sans"/>
               </a:rPr>
               <a:t>-Code refactoring</a:t>
             </a:r>
@@ -6195,6 +5734,7 @@
                   </a:solidFill>
                 </a:uFill>
                 <a:latin typeface="Calibri"/>
+                <a:ea typeface="DejaVu Sans"/>
               </a:rPr>
               <a:t>-Debugging</a:t>
             </a:r>
@@ -6204,14 +5744,14 @@
       </p:sp>
       <p:sp>
         <p:nvSpPr>
-          <p:cNvPr id="148" name="CustomShape 14"/>
+          <p:cNvPr id="139" name="CustomShape 14"/>
           <p:cNvSpPr/>
           <p:nvPr/>
         </p:nvSpPr>
         <p:spPr>
           <a:xfrm>
             <a:off x="153720" y="2409480"/>
-            <a:ext cx="2168280" cy="2833560"/>
+            <a:ext cx="2167920" cy="2833200"/>
           </a:xfrm>
           <a:prstGeom prst="rect">
             <a:avLst/>
@@ -6230,7 +5770,7 @@
         <p:txBody>
           <a:bodyPr lIns="90000" rIns="90000" tIns="45000" bIns="45000"/>
           <a:p>
-            <a:pPr marL="285840" indent="-285480">
+            <a:pPr marL="285840" indent="-285120">
               <a:lnSpc>
                 <a:spcPct val="100000"/>
               </a:lnSpc>
@@ -6248,13 +5788,14 @@
                   </a:solidFill>
                 </a:uFill>
                 <a:latin typeface="Calibri"/>
+                <a:ea typeface="DejaVu Sans"/>
               </a:rPr>
               <a:t>Divided the code in different classes and states.</a:t>
             </a:r>
             <a:endParaRPr/>
           </a:p>
           <a:p>
-            <a:pPr marL="285840" indent="-285480">
+            <a:pPr marL="285840" indent="-285120">
               <a:lnSpc>
                 <a:spcPct val="100000"/>
               </a:lnSpc>
@@ -6272,6 +5813,7 @@
                   </a:solidFill>
                 </a:uFill>
                 <a:latin typeface="Calibri"/>
+                <a:ea typeface="DejaVu Sans"/>
               </a:rPr>
               <a:t>Created the Display, EnemyGenerator, Game, Handler, GameObject and Leaderboard classes</a:t>
             </a:r>
@@ -6340,7 +5882,7 @@
       </p:grpSpPr>
       <p:pic>
         <p:nvPicPr>
-          <p:cNvPr id="149" name="Picture 2" descr=""/>
+          <p:cNvPr id="140" name="Picture 2" descr=""/>
           <p:cNvPicPr/>
           <p:nvPr/>
         </p:nvPicPr>
@@ -6351,7 +5893,7 @@
         <p:spPr>
           <a:xfrm>
             <a:off x="3809520" y="1337760"/>
-            <a:ext cx="4391640" cy="4391640"/>
+            <a:ext cx="4391280" cy="4391280"/>
           </a:xfrm>
           <a:prstGeom prst="rect">
             <a:avLst/>
@@ -6363,14 +5905,14 @@
       </p:pic>
       <p:sp>
         <p:nvSpPr>
-          <p:cNvPr id="150" name="CustomShape 1"/>
+          <p:cNvPr id="141" name="CustomShape 1"/>
           <p:cNvSpPr/>
           <p:nvPr/>
         </p:nvSpPr>
         <p:spPr>
           <a:xfrm>
             <a:off x="948240" y="5331600"/>
-            <a:ext cx="10411920" cy="699840"/>
+            <a:ext cx="10411560" cy="699480"/>
           </a:xfrm>
           <a:prstGeom prst="rect">
             <a:avLst/>
@@ -6405,6 +5947,7 @@
                   </a:solidFill>
                 </a:uFill>
                 <a:latin typeface="Agency FB"/>
+                <a:ea typeface="DejaVu Sans"/>
               </a:rPr>
               <a:t>AND THANK YOU FOR YOUR ATTENTION!</a:t>
             </a:r>

--- a/Presentation/The Undertaker.pptx
+++ b/Presentation/The Undertaker.pptx
@@ -1,24 +1,124 @@
 
 <file path=ppt/presentation.xml><?xml version="1.0" encoding="utf-8"?>
-<p:presentation xmlns:a="http://schemas.openxmlformats.org/drawingml/2006/main" xmlns:p="http://schemas.openxmlformats.org/presentationml/2006/main" xmlns:r="http://schemas.openxmlformats.org/officeDocument/2006/relationships">
+<p:presentation xmlns:a="http://schemas.openxmlformats.org/drawingml/2006/main" xmlns:r="http://schemas.openxmlformats.org/officeDocument/2006/relationships" xmlns:p="http://schemas.openxmlformats.org/presentationml/2006/main">
   <p:sldMasterIdLst>
-    <p:sldMasterId id="2147483648" r:id="rId2"/>
-    <p:sldMasterId id="2147483661" r:id="rId3"/>
-    <p:sldMasterId id="2147483674" r:id="rId4"/>
+    <p:sldMasterId id="2147483648" r:id="rId1"/>
+    <p:sldMasterId id="2147483661" r:id="rId2"/>
+    <p:sldMasterId id="2147483674" r:id="rId3"/>
   </p:sldMasterIdLst>
   <p:sldIdLst>
-    <p:sldId id="256" r:id="rId5"/>
-    <p:sldId id="257" r:id="rId6"/>
-    <p:sldId id="258" r:id="rId7"/>
-    <p:sldId id="259" r:id="rId8"/>
+    <p:sldId id="256" r:id="rId4"/>
+    <p:sldId id="257" r:id="rId5"/>
+    <p:sldId id="258" r:id="rId6"/>
+    <p:sldId id="259" r:id="rId7"/>
   </p:sldIdLst>
   <p:sldSz cx="12192000" cy="6858000"/>
   <p:notesSz cx="7772400" cy="10058400"/>
+  <p:defaultTextStyle>
+    <a:defPPr>
+      <a:defRPr lang="en-US"/>
+    </a:defPPr>
+    <a:lvl1pPr marL="0" algn="l" defTabSz="914400" rtl="0" eaLnBrk="1" latinLnBrk="0" hangingPunct="1">
+      <a:defRPr sz="1800" kern="1200">
+        <a:solidFill>
+          <a:schemeClr val="tx1"/>
+        </a:solidFill>
+        <a:latin typeface="+mn-lt"/>
+        <a:ea typeface="+mn-ea"/>
+        <a:cs typeface="+mn-cs"/>
+      </a:defRPr>
+    </a:lvl1pPr>
+    <a:lvl2pPr marL="457200" algn="l" defTabSz="914400" rtl="0" eaLnBrk="1" latinLnBrk="0" hangingPunct="1">
+      <a:defRPr sz="1800" kern="1200">
+        <a:solidFill>
+          <a:schemeClr val="tx1"/>
+        </a:solidFill>
+        <a:latin typeface="+mn-lt"/>
+        <a:ea typeface="+mn-ea"/>
+        <a:cs typeface="+mn-cs"/>
+      </a:defRPr>
+    </a:lvl2pPr>
+    <a:lvl3pPr marL="914400" algn="l" defTabSz="914400" rtl="0" eaLnBrk="1" latinLnBrk="0" hangingPunct="1">
+      <a:defRPr sz="1800" kern="1200">
+        <a:solidFill>
+          <a:schemeClr val="tx1"/>
+        </a:solidFill>
+        <a:latin typeface="+mn-lt"/>
+        <a:ea typeface="+mn-ea"/>
+        <a:cs typeface="+mn-cs"/>
+      </a:defRPr>
+    </a:lvl3pPr>
+    <a:lvl4pPr marL="1371600" algn="l" defTabSz="914400" rtl="0" eaLnBrk="1" latinLnBrk="0" hangingPunct="1">
+      <a:defRPr sz="1800" kern="1200">
+        <a:solidFill>
+          <a:schemeClr val="tx1"/>
+        </a:solidFill>
+        <a:latin typeface="+mn-lt"/>
+        <a:ea typeface="+mn-ea"/>
+        <a:cs typeface="+mn-cs"/>
+      </a:defRPr>
+    </a:lvl4pPr>
+    <a:lvl5pPr marL="1828800" algn="l" defTabSz="914400" rtl="0" eaLnBrk="1" latinLnBrk="0" hangingPunct="1">
+      <a:defRPr sz="1800" kern="1200">
+        <a:solidFill>
+          <a:schemeClr val="tx1"/>
+        </a:solidFill>
+        <a:latin typeface="+mn-lt"/>
+        <a:ea typeface="+mn-ea"/>
+        <a:cs typeface="+mn-cs"/>
+      </a:defRPr>
+    </a:lvl5pPr>
+    <a:lvl6pPr marL="2286000" algn="l" defTabSz="914400" rtl="0" eaLnBrk="1" latinLnBrk="0" hangingPunct="1">
+      <a:defRPr sz="1800" kern="1200">
+        <a:solidFill>
+          <a:schemeClr val="tx1"/>
+        </a:solidFill>
+        <a:latin typeface="+mn-lt"/>
+        <a:ea typeface="+mn-ea"/>
+        <a:cs typeface="+mn-cs"/>
+      </a:defRPr>
+    </a:lvl6pPr>
+    <a:lvl7pPr marL="2743200" algn="l" defTabSz="914400" rtl="0" eaLnBrk="1" latinLnBrk="0" hangingPunct="1">
+      <a:defRPr sz="1800" kern="1200">
+        <a:solidFill>
+          <a:schemeClr val="tx1"/>
+        </a:solidFill>
+        <a:latin typeface="+mn-lt"/>
+        <a:ea typeface="+mn-ea"/>
+        <a:cs typeface="+mn-cs"/>
+      </a:defRPr>
+    </a:lvl7pPr>
+    <a:lvl8pPr marL="3200400" algn="l" defTabSz="914400" rtl="0" eaLnBrk="1" latinLnBrk="0" hangingPunct="1">
+      <a:defRPr sz="1800" kern="1200">
+        <a:solidFill>
+          <a:schemeClr val="tx1"/>
+        </a:solidFill>
+        <a:latin typeface="+mn-lt"/>
+        <a:ea typeface="+mn-ea"/>
+        <a:cs typeface="+mn-cs"/>
+      </a:defRPr>
+    </a:lvl8pPr>
+    <a:lvl9pPr marL="3657600" algn="l" defTabSz="914400" rtl="0" eaLnBrk="1" latinLnBrk="0" hangingPunct="1">
+      <a:defRPr sz="1800" kern="1200">
+        <a:solidFill>
+          <a:schemeClr val="tx1"/>
+        </a:solidFill>
+        <a:latin typeface="+mn-lt"/>
+        <a:ea typeface="+mn-ea"/>
+        <a:cs typeface="+mn-cs"/>
+      </a:defRPr>
+    </a:lvl9pPr>
+  </p:defaultTextStyle>
+  <p:extLst>
+    <p:ext uri="{EFAFB233-063F-42B5-8137-9DF3F51BA10A}">
+      <p15:sldGuideLst xmlns:p15="http://schemas.microsoft.com/office/powerpoint/2012/main"/>
+    </p:ext>
+  </p:extLst>
 </p:presentation>
 </file>
 
 <file path=ppt/slideLayouts/slideLayout1.xml><?xml version="1.0" encoding="utf-8"?>
-<p:sldLayout xmlns:a="http://schemas.openxmlformats.org/drawingml/2006/main" xmlns:p="http://schemas.openxmlformats.org/presentationml/2006/main" xmlns:r="http://schemas.openxmlformats.org/officeDocument/2006/relationships" type="blank" preserve="1">
+<p:sldLayout xmlns:a="http://schemas.openxmlformats.org/drawingml/2006/main" xmlns:r="http://schemas.openxmlformats.org/officeDocument/2006/relationships" xmlns:p="http://schemas.openxmlformats.org/presentationml/2006/main" type="blank" preserve="1">
   <p:cSld name="Blank Slide">
     <p:spTree>
       <p:nvGrpSpPr>
@@ -36,11 +136,14 @@
       </p:grpSpPr>
     </p:spTree>
   </p:cSld>
+  <p:clrMapOvr>
+    <a:masterClrMapping/>
+  </p:clrMapOvr>
 </p:sldLayout>
 </file>
 
 <file path=ppt/slideLayouts/slideLayout10.xml><?xml version="1.0" encoding="utf-8"?>
-<p:sldLayout xmlns:a="http://schemas.openxmlformats.org/drawingml/2006/main" xmlns:p="http://schemas.openxmlformats.org/presentationml/2006/main" xmlns:r="http://schemas.openxmlformats.org/officeDocument/2006/relationships" type="objOverTx" preserve="1">
+<p:sldLayout xmlns:a="http://schemas.openxmlformats.org/drawingml/2006/main" xmlns:r="http://schemas.openxmlformats.org/officeDocument/2006/relationships" xmlns:p="http://schemas.openxmlformats.org/presentationml/2006/main" type="objOverTx" preserve="1">
   <p:cSld name="Title, Content over Content">
     <p:spTree>
       <p:nvGrpSpPr>
@@ -76,7 +179,8 @@
           </a:prstGeom>
         </p:spPr>
         <p:txBody>
-          <a:bodyPr lIns="0" rIns="0" tIns="0" bIns="0" anchor="ctr"/>
+          <a:bodyPr lIns="0" tIns="0" rIns="0" bIns="0" anchor="ctr"/>
+          <a:lstStyle/>
           <a:p>
             <a:pPr algn="ctr"/>
             <a:endParaRPr/>
@@ -103,7 +207,8 @@
           </a:prstGeom>
         </p:spPr>
         <p:txBody>
-          <a:bodyPr lIns="0" rIns="0" tIns="0" bIns="0"/>
+          <a:bodyPr lIns="0" tIns="0" rIns="0" bIns="0"/>
+          <a:lstStyle/>
           <a:p>
             <a:endParaRPr/>
           </a:p>
@@ -129,7 +234,8 @@
           </a:prstGeom>
         </p:spPr>
         <p:txBody>
-          <a:bodyPr lIns="0" rIns="0" tIns="0" bIns="0"/>
+          <a:bodyPr lIns="0" tIns="0" rIns="0" bIns="0"/>
+          <a:lstStyle/>
           <a:p>
             <a:endParaRPr/>
           </a:p>
@@ -137,11 +243,14 @@
       </p:sp>
     </p:spTree>
   </p:cSld>
+  <p:clrMapOvr>
+    <a:masterClrMapping/>
+  </p:clrMapOvr>
 </p:sldLayout>
 </file>
 
 <file path=ppt/slideLayouts/slideLayout11.xml><?xml version="1.0" encoding="utf-8"?>
-<p:sldLayout xmlns:a="http://schemas.openxmlformats.org/drawingml/2006/main" xmlns:p="http://schemas.openxmlformats.org/presentationml/2006/main" xmlns:r="http://schemas.openxmlformats.org/officeDocument/2006/relationships" type="fourObj" preserve="1">
+<p:sldLayout xmlns:a="http://schemas.openxmlformats.org/drawingml/2006/main" xmlns:r="http://schemas.openxmlformats.org/officeDocument/2006/relationships" xmlns:p="http://schemas.openxmlformats.org/presentationml/2006/main" type="fourObj" preserve="1">
   <p:cSld name="Title, 4 Content">
     <p:spTree>
       <p:nvGrpSpPr>
@@ -177,7 +286,8 @@
           </a:prstGeom>
         </p:spPr>
         <p:txBody>
-          <a:bodyPr lIns="0" rIns="0" tIns="0" bIns="0" anchor="ctr"/>
+          <a:bodyPr lIns="0" tIns="0" rIns="0" bIns="0" anchor="ctr"/>
+          <a:lstStyle/>
           <a:p>
             <a:pPr algn="ctr"/>
             <a:endParaRPr/>
@@ -204,7 +314,8 @@
           </a:prstGeom>
         </p:spPr>
         <p:txBody>
-          <a:bodyPr lIns="0" rIns="0" tIns="0" bIns="0"/>
+          <a:bodyPr lIns="0" tIns="0" rIns="0" bIns="0"/>
+          <a:lstStyle/>
           <a:p>
             <a:endParaRPr/>
           </a:p>
@@ -230,7 +341,8 @@
           </a:prstGeom>
         </p:spPr>
         <p:txBody>
-          <a:bodyPr lIns="0" rIns="0" tIns="0" bIns="0"/>
+          <a:bodyPr lIns="0" tIns="0" rIns="0" bIns="0"/>
+          <a:lstStyle/>
           <a:p>
             <a:endParaRPr/>
           </a:p>
@@ -256,7 +368,8 @@
           </a:prstGeom>
         </p:spPr>
         <p:txBody>
-          <a:bodyPr lIns="0" rIns="0" tIns="0" bIns="0"/>
+          <a:bodyPr lIns="0" tIns="0" rIns="0" bIns="0"/>
+          <a:lstStyle/>
           <a:p>
             <a:endParaRPr/>
           </a:p>
@@ -282,7 +395,8 @@
           </a:prstGeom>
         </p:spPr>
         <p:txBody>
-          <a:bodyPr lIns="0" rIns="0" tIns="0" bIns="0"/>
+          <a:bodyPr lIns="0" tIns="0" rIns="0" bIns="0"/>
+          <a:lstStyle/>
           <a:p>
             <a:endParaRPr/>
           </a:p>
@@ -290,11 +404,14 @@
       </p:sp>
     </p:spTree>
   </p:cSld>
+  <p:clrMapOvr>
+    <a:masterClrMapping/>
+  </p:clrMapOvr>
 </p:sldLayout>
 </file>
 
 <file path=ppt/slideLayouts/slideLayout12.xml><?xml version="1.0" encoding="utf-8"?>
-<p:sldLayout xmlns:a="http://schemas.openxmlformats.org/drawingml/2006/main" xmlns:p="http://schemas.openxmlformats.org/presentationml/2006/main" xmlns:r="http://schemas.openxmlformats.org/officeDocument/2006/relationships" type="blank" preserve="1">
+<p:sldLayout xmlns:a="http://schemas.openxmlformats.org/drawingml/2006/main" xmlns:r="http://schemas.openxmlformats.org/officeDocument/2006/relationships" xmlns:p="http://schemas.openxmlformats.org/presentationml/2006/main" type="blank" preserve="1">
   <p:cSld name="Title, 6 Content">
     <p:spTree>
       <p:nvGrpSpPr>
@@ -330,7 +447,8 @@
           </a:prstGeom>
         </p:spPr>
         <p:txBody>
-          <a:bodyPr lIns="0" rIns="0" tIns="0" bIns="0" anchor="ctr"/>
+          <a:bodyPr lIns="0" tIns="0" rIns="0" bIns="0" anchor="ctr"/>
+          <a:lstStyle/>
           <a:p>
             <a:pPr algn="ctr"/>
             <a:endParaRPr/>
@@ -357,7 +475,8 @@
           </a:prstGeom>
         </p:spPr>
         <p:txBody>
-          <a:bodyPr lIns="0" rIns="0" tIns="0" bIns="0"/>
+          <a:bodyPr lIns="0" tIns="0" rIns="0" bIns="0"/>
+          <a:lstStyle/>
           <a:p>
             <a:endParaRPr/>
           </a:p>
@@ -383,7 +502,8 @@
           </a:prstGeom>
         </p:spPr>
         <p:txBody>
-          <a:bodyPr lIns="0" rIns="0" tIns="0" bIns="0"/>
+          <a:bodyPr lIns="0" tIns="0" rIns="0" bIns="0"/>
+          <a:lstStyle/>
           <a:p>
             <a:endParaRPr/>
           </a:p>
@@ -391,7 +511,7 @@
       </p:sp>
       <p:pic>
         <p:nvPicPr>
-          <p:cNvPr id="35" name="" descr=""/>
+          <p:cNvPr id="35" name="Picture 34"/>
           <p:cNvPicPr/>
           <p:nvPr/>
         </p:nvPicPr>
@@ -414,12 +534,12 @@
       </p:pic>
       <p:pic>
         <p:nvPicPr>
-          <p:cNvPr id="36" name="" descr=""/>
+          <p:cNvPr id="36" name="Picture 35"/>
           <p:cNvPicPr/>
           <p:nvPr/>
         </p:nvPicPr>
         <p:blipFill>
-          <a:blip r:embed="rId3"/>
+          <a:blip r:embed="rId2"/>
           <a:stretch/>
         </p:blipFill>
         <p:spPr>
@@ -437,11 +557,14 @@
       </p:pic>
     </p:spTree>
   </p:cSld>
+  <p:clrMapOvr>
+    <a:masterClrMapping/>
+  </p:clrMapOvr>
 </p:sldLayout>
 </file>
 
 <file path=ppt/slideLayouts/slideLayout13.xml><?xml version="1.0" encoding="utf-8"?>
-<p:sldLayout xmlns:a="http://schemas.openxmlformats.org/drawingml/2006/main" xmlns:p="http://schemas.openxmlformats.org/presentationml/2006/main" xmlns:r="http://schemas.openxmlformats.org/officeDocument/2006/relationships" type="blank" preserve="1">
+<p:sldLayout xmlns:a="http://schemas.openxmlformats.org/drawingml/2006/main" xmlns:r="http://schemas.openxmlformats.org/officeDocument/2006/relationships" xmlns:p="http://schemas.openxmlformats.org/presentationml/2006/main" type="blank" preserve="1">
   <p:cSld name="Blank Slide">
     <p:spTree>
       <p:nvGrpSpPr>
@@ -459,11 +582,14 @@
       </p:grpSpPr>
     </p:spTree>
   </p:cSld>
+  <p:clrMapOvr>
+    <a:masterClrMapping/>
+  </p:clrMapOvr>
 </p:sldLayout>
 </file>
 
 <file path=ppt/slideLayouts/slideLayout14.xml><?xml version="1.0" encoding="utf-8"?>
-<p:sldLayout xmlns:a="http://schemas.openxmlformats.org/drawingml/2006/main" xmlns:p="http://schemas.openxmlformats.org/presentationml/2006/main" xmlns:r="http://schemas.openxmlformats.org/officeDocument/2006/relationships" type="tx" preserve="1">
+<p:sldLayout xmlns:a="http://schemas.openxmlformats.org/drawingml/2006/main" xmlns:r="http://schemas.openxmlformats.org/officeDocument/2006/relationships" xmlns:p="http://schemas.openxmlformats.org/presentationml/2006/main" type="tx" preserve="1">
   <p:cSld name="Title Slide">
     <p:spTree>
       <p:nvGrpSpPr>
@@ -499,7 +625,8 @@
           </a:prstGeom>
         </p:spPr>
         <p:txBody>
-          <a:bodyPr lIns="0" rIns="0" tIns="0" bIns="0" anchor="ctr"/>
+          <a:bodyPr lIns="0" tIns="0" rIns="0" bIns="0" anchor="ctr"/>
+          <a:lstStyle/>
           <a:p>
             <a:pPr algn="ctr"/>
             <a:endParaRPr/>
@@ -526,7 +653,8 @@
           </a:prstGeom>
         </p:spPr>
         <p:txBody>
-          <a:bodyPr lIns="0" rIns="0" tIns="0" bIns="0" anchor="ctr"/>
+          <a:bodyPr lIns="0" tIns="0" rIns="0" bIns="0" anchor="ctr"/>
+          <a:lstStyle/>
           <a:p>
             <a:pPr algn="ctr"/>
             <a:endParaRPr/>
@@ -535,11 +663,14 @@
       </p:sp>
     </p:spTree>
   </p:cSld>
+  <p:clrMapOvr>
+    <a:masterClrMapping/>
+  </p:clrMapOvr>
 </p:sldLayout>
 </file>
 
 <file path=ppt/slideLayouts/slideLayout15.xml><?xml version="1.0" encoding="utf-8"?>
-<p:sldLayout xmlns:a="http://schemas.openxmlformats.org/drawingml/2006/main" xmlns:p="http://schemas.openxmlformats.org/presentationml/2006/main" xmlns:r="http://schemas.openxmlformats.org/officeDocument/2006/relationships" type="obj" preserve="1">
+<p:sldLayout xmlns:a="http://schemas.openxmlformats.org/drawingml/2006/main" xmlns:r="http://schemas.openxmlformats.org/officeDocument/2006/relationships" xmlns:p="http://schemas.openxmlformats.org/presentationml/2006/main" type="obj" preserve="1">
   <p:cSld name="Title, Content">
     <p:spTree>
       <p:nvGrpSpPr>
@@ -575,7 +706,8 @@
           </a:prstGeom>
         </p:spPr>
         <p:txBody>
-          <a:bodyPr lIns="0" rIns="0" tIns="0" bIns="0" anchor="ctr"/>
+          <a:bodyPr lIns="0" tIns="0" rIns="0" bIns="0" anchor="ctr"/>
+          <a:lstStyle/>
           <a:p>
             <a:pPr algn="ctr"/>
             <a:endParaRPr/>
@@ -602,7 +734,8 @@
           </a:prstGeom>
         </p:spPr>
         <p:txBody>
-          <a:bodyPr lIns="0" rIns="0" tIns="0" bIns="0"/>
+          <a:bodyPr lIns="0" tIns="0" rIns="0" bIns="0"/>
+          <a:lstStyle/>
           <a:p>
             <a:endParaRPr/>
           </a:p>
@@ -610,11 +743,14 @@
       </p:sp>
     </p:spTree>
   </p:cSld>
+  <p:clrMapOvr>
+    <a:masterClrMapping/>
+  </p:clrMapOvr>
 </p:sldLayout>
 </file>
 
 <file path=ppt/slideLayouts/slideLayout16.xml><?xml version="1.0" encoding="utf-8"?>
-<p:sldLayout xmlns:a="http://schemas.openxmlformats.org/drawingml/2006/main" xmlns:p="http://schemas.openxmlformats.org/presentationml/2006/main" xmlns:r="http://schemas.openxmlformats.org/officeDocument/2006/relationships" type="twoObj" preserve="1">
+<p:sldLayout xmlns:a="http://schemas.openxmlformats.org/drawingml/2006/main" xmlns:r="http://schemas.openxmlformats.org/officeDocument/2006/relationships" xmlns:p="http://schemas.openxmlformats.org/presentationml/2006/main" type="twoObj" preserve="1">
   <p:cSld name="Title, 2 Content">
     <p:spTree>
       <p:nvGrpSpPr>
@@ -650,7 +786,8 @@
           </a:prstGeom>
         </p:spPr>
         <p:txBody>
-          <a:bodyPr lIns="0" rIns="0" tIns="0" bIns="0" anchor="ctr"/>
+          <a:bodyPr lIns="0" tIns="0" rIns="0" bIns="0" anchor="ctr"/>
+          <a:lstStyle/>
           <a:p>
             <a:pPr algn="ctr"/>
             <a:endParaRPr/>
@@ -677,7 +814,8 @@
           </a:prstGeom>
         </p:spPr>
         <p:txBody>
-          <a:bodyPr lIns="0" rIns="0" tIns="0" bIns="0"/>
+          <a:bodyPr lIns="0" tIns="0" rIns="0" bIns="0"/>
+          <a:lstStyle/>
           <a:p>
             <a:endParaRPr/>
           </a:p>
@@ -703,7 +841,8 @@
           </a:prstGeom>
         </p:spPr>
         <p:txBody>
-          <a:bodyPr lIns="0" rIns="0" tIns="0" bIns="0"/>
+          <a:bodyPr lIns="0" tIns="0" rIns="0" bIns="0"/>
+          <a:lstStyle/>
           <a:p>
             <a:endParaRPr/>
           </a:p>
@@ -711,11 +850,14 @@
       </p:sp>
     </p:spTree>
   </p:cSld>
+  <p:clrMapOvr>
+    <a:masterClrMapping/>
+  </p:clrMapOvr>
 </p:sldLayout>
 </file>
 
 <file path=ppt/slideLayouts/slideLayout17.xml><?xml version="1.0" encoding="utf-8"?>
-<p:sldLayout xmlns:a="http://schemas.openxmlformats.org/drawingml/2006/main" xmlns:p="http://schemas.openxmlformats.org/presentationml/2006/main" xmlns:r="http://schemas.openxmlformats.org/officeDocument/2006/relationships" type="titleOnly" preserve="1">
+<p:sldLayout xmlns:a="http://schemas.openxmlformats.org/drawingml/2006/main" xmlns:r="http://schemas.openxmlformats.org/officeDocument/2006/relationships" xmlns:p="http://schemas.openxmlformats.org/presentationml/2006/main" type="titleOnly" preserve="1">
   <p:cSld name="Title Only">
     <p:spTree>
       <p:nvGrpSpPr>
@@ -751,7 +893,8 @@
           </a:prstGeom>
         </p:spPr>
         <p:txBody>
-          <a:bodyPr lIns="0" rIns="0" tIns="0" bIns="0" anchor="ctr"/>
+          <a:bodyPr lIns="0" tIns="0" rIns="0" bIns="0" anchor="ctr"/>
+          <a:lstStyle/>
           <a:p>
             <a:pPr algn="ctr"/>
             <a:endParaRPr/>
@@ -760,11 +903,14 @@
       </p:sp>
     </p:spTree>
   </p:cSld>
+  <p:clrMapOvr>
+    <a:masterClrMapping/>
+  </p:clrMapOvr>
 </p:sldLayout>
 </file>
 
 <file path=ppt/slideLayouts/slideLayout18.xml><?xml version="1.0" encoding="utf-8"?>
-<p:sldLayout xmlns:a="http://schemas.openxmlformats.org/drawingml/2006/main" xmlns:p="http://schemas.openxmlformats.org/presentationml/2006/main" xmlns:r="http://schemas.openxmlformats.org/officeDocument/2006/relationships" type="objOnly" preserve="1">
+<p:sldLayout xmlns:a="http://schemas.openxmlformats.org/drawingml/2006/main" xmlns:r="http://schemas.openxmlformats.org/officeDocument/2006/relationships" xmlns:p="http://schemas.openxmlformats.org/presentationml/2006/main" type="objOnly" preserve="1">
   <p:cSld name="Centered Text">
     <p:spTree>
       <p:nvGrpSpPr>
@@ -800,7 +946,8 @@
           </a:prstGeom>
         </p:spPr>
         <p:txBody>
-          <a:bodyPr lIns="0" rIns="0" tIns="0" bIns="0" anchor="ctr"/>
+          <a:bodyPr lIns="0" tIns="0" rIns="0" bIns="0" anchor="ctr"/>
+          <a:lstStyle/>
           <a:p>
             <a:pPr algn="ctr"/>
             <a:endParaRPr/>
@@ -809,11 +956,14 @@
       </p:sp>
     </p:spTree>
   </p:cSld>
+  <p:clrMapOvr>
+    <a:masterClrMapping/>
+  </p:clrMapOvr>
 </p:sldLayout>
 </file>
 
 <file path=ppt/slideLayouts/slideLayout19.xml><?xml version="1.0" encoding="utf-8"?>
-<p:sldLayout xmlns:a="http://schemas.openxmlformats.org/drawingml/2006/main" xmlns:p="http://schemas.openxmlformats.org/presentationml/2006/main" xmlns:r="http://schemas.openxmlformats.org/officeDocument/2006/relationships" type="twoObjAndObj" preserve="1">
+<p:sldLayout xmlns:a="http://schemas.openxmlformats.org/drawingml/2006/main" xmlns:r="http://schemas.openxmlformats.org/officeDocument/2006/relationships" xmlns:p="http://schemas.openxmlformats.org/presentationml/2006/main" type="twoObjAndObj" preserve="1">
   <p:cSld name="Title, 2 Content and Content">
     <p:spTree>
       <p:nvGrpSpPr>
@@ -849,7 +999,8 @@
           </a:prstGeom>
         </p:spPr>
         <p:txBody>
-          <a:bodyPr lIns="0" rIns="0" tIns="0" bIns="0" anchor="ctr"/>
+          <a:bodyPr lIns="0" tIns="0" rIns="0" bIns="0" anchor="ctr"/>
+          <a:lstStyle/>
           <a:p>
             <a:pPr algn="ctr"/>
             <a:endParaRPr/>
@@ -876,7 +1027,8 @@
           </a:prstGeom>
         </p:spPr>
         <p:txBody>
-          <a:bodyPr lIns="0" rIns="0" tIns="0" bIns="0"/>
+          <a:bodyPr lIns="0" tIns="0" rIns="0" bIns="0"/>
+          <a:lstStyle/>
           <a:p>
             <a:endParaRPr/>
           </a:p>
@@ -902,7 +1054,8 @@
           </a:prstGeom>
         </p:spPr>
         <p:txBody>
-          <a:bodyPr lIns="0" rIns="0" tIns="0" bIns="0"/>
+          <a:bodyPr lIns="0" tIns="0" rIns="0" bIns="0"/>
+          <a:lstStyle/>
           <a:p>
             <a:endParaRPr/>
           </a:p>
@@ -928,7 +1081,8 @@
           </a:prstGeom>
         </p:spPr>
         <p:txBody>
-          <a:bodyPr lIns="0" rIns="0" tIns="0" bIns="0"/>
+          <a:bodyPr lIns="0" tIns="0" rIns="0" bIns="0"/>
+          <a:lstStyle/>
           <a:p>
             <a:endParaRPr/>
           </a:p>
@@ -936,11 +1090,14 @@
       </p:sp>
     </p:spTree>
   </p:cSld>
+  <p:clrMapOvr>
+    <a:masterClrMapping/>
+  </p:clrMapOvr>
 </p:sldLayout>
 </file>
 
 <file path=ppt/slideLayouts/slideLayout2.xml><?xml version="1.0" encoding="utf-8"?>
-<p:sldLayout xmlns:a="http://schemas.openxmlformats.org/drawingml/2006/main" xmlns:p="http://schemas.openxmlformats.org/presentationml/2006/main" xmlns:r="http://schemas.openxmlformats.org/officeDocument/2006/relationships" type="tx" preserve="1">
+<p:sldLayout xmlns:a="http://schemas.openxmlformats.org/drawingml/2006/main" xmlns:r="http://schemas.openxmlformats.org/officeDocument/2006/relationships" xmlns:p="http://schemas.openxmlformats.org/presentationml/2006/main" type="tx" preserve="1">
   <p:cSld name="Title Slide">
     <p:spTree>
       <p:nvGrpSpPr>
@@ -976,7 +1133,8 @@
           </a:prstGeom>
         </p:spPr>
         <p:txBody>
-          <a:bodyPr lIns="0" rIns="0" tIns="0" bIns="0" anchor="ctr"/>
+          <a:bodyPr lIns="0" tIns="0" rIns="0" bIns="0" anchor="ctr"/>
+          <a:lstStyle/>
           <a:p>
             <a:pPr algn="ctr"/>
             <a:endParaRPr/>
@@ -1003,7 +1161,8 @@
           </a:prstGeom>
         </p:spPr>
         <p:txBody>
-          <a:bodyPr lIns="0" rIns="0" tIns="0" bIns="0" anchor="ctr"/>
+          <a:bodyPr lIns="0" tIns="0" rIns="0" bIns="0" anchor="ctr"/>
+          <a:lstStyle/>
           <a:p>
             <a:pPr algn="ctr"/>
             <a:endParaRPr/>
@@ -1012,11 +1171,14 @@
       </p:sp>
     </p:spTree>
   </p:cSld>
+  <p:clrMapOvr>
+    <a:masterClrMapping/>
+  </p:clrMapOvr>
 </p:sldLayout>
 </file>
 
 <file path=ppt/slideLayouts/slideLayout20.xml><?xml version="1.0" encoding="utf-8"?>
-<p:sldLayout xmlns:a="http://schemas.openxmlformats.org/drawingml/2006/main" xmlns:p="http://schemas.openxmlformats.org/presentationml/2006/main" xmlns:r="http://schemas.openxmlformats.org/officeDocument/2006/relationships" type="objAndTwoObj" preserve="1">
+<p:sldLayout xmlns:a="http://schemas.openxmlformats.org/drawingml/2006/main" xmlns:r="http://schemas.openxmlformats.org/officeDocument/2006/relationships" xmlns:p="http://schemas.openxmlformats.org/presentationml/2006/main" type="objAndTwoObj" preserve="1">
   <p:cSld name="Title Content and 2 Content">
     <p:spTree>
       <p:nvGrpSpPr>
@@ -1052,7 +1214,8 @@
           </a:prstGeom>
         </p:spPr>
         <p:txBody>
-          <a:bodyPr lIns="0" rIns="0" tIns="0" bIns="0" anchor="ctr"/>
+          <a:bodyPr lIns="0" tIns="0" rIns="0" bIns="0" anchor="ctr"/>
+          <a:lstStyle/>
           <a:p>
             <a:pPr algn="ctr"/>
             <a:endParaRPr/>
@@ -1079,7 +1242,8 @@
           </a:prstGeom>
         </p:spPr>
         <p:txBody>
-          <a:bodyPr lIns="0" rIns="0" tIns="0" bIns="0"/>
+          <a:bodyPr lIns="0" tIns="0" rIns="0" bIns="0"/>
+          <a:lstStyle/>
           <a:p>
             <a:endParaRPr/>
           </a:p>
@@ -1105,7 +1269,8 @@
           </a:prstGeom>
         </p:spPr>
         <p:txBody>
-          <a:bodyPr lIns="0" rIns="0" tIns="0" bIns="0"/>
+          <a:bodyPr lIns="0" tIns="0" rIns="0" bIns="0"/>
+          <a:lstStyle/>
           <a:p>
             <a:endParaRPr/>
           </a:p>
@@ -1131,7 +1296,8 @@
           </a:prstGeom>
         </p:spPr>
         <p:txBody>
-          <a:bodyPr lIns="0" rIns="0" tIns="0" bIns="0"/>
+          <a:bodyPr lIns="0" tIns="0" rIns="0" bIns="0"/>
+          <a:lstStyle/>
           <a:p>
             <a:endParaRPr/>
           </a:p>
@@ -1139,11 +1305,14 @@
       </p:sp>
     </p:spTree>
   </p:cSld>
+  <p:clrMapOvr>
+    <a:masterClrMapping/>
+  </p:clrMapOvr>
 </p:sldLayout>
 </file>
 
 <file path=ppt/slideLayouts/slideLayout21.xml><?xml version="1.0" encoding="utf-8"?>
-<p:sldLayout xmlns:a="http://schemas.openxmlformats.org/drawingml/2006/main" xmlns:p="http://schemas.openxmlformats.org/presentationml/2006/main" xmlns:r="http://schemas.openxmlformats.org/officeDocument/2006/relationships" type="twoObjOverTx" preserve="1">
+<p:sldLayout xmlns:a="http://schemas.openxmlformats.org/drawingml/2006/main" xmlns:r="http://schemas.openxmlformats.org/officeDocument/2006/relationships" xmlns:p="http://schemas.openxmlformats.org/presentationml/2006/main" type="twoObjOverTx" preserve="1">
   <p:cSld name="Title, 2 Content over Content">
     <p:spTree>
       <p:nvGrpSpPr>
@@ -1179,7 +1348,8 @@
           </a:prstGeom>
         </p:spPr>
         <p:txBody>
-          <a:bodyPr lIns="0" rIns="0" tIns="0" bIns="0" anchor="ctr"/>
+          <a:bodyPr lIns="0" tIns="0" rIns="0" bIns="0" anchor="ctr"/>
+          <a:lstStyle/>
           <a:p>
             <a:pPr algn="ctr"/>
             <a:endParaRPr/>
@@ -1206,7 +1376,8 @@
           </a:prstGeom>
         </p:spPr>
         <p:txBody>
-          <a:bodyPr lIns="0" rIns="0" tIns="0" bIns="0"/>
+          <a:bodyPr lIns="0" tIns="0" rIns="0" bIns="0"/>
+          <a:lstStyle/>
           <a:p>
             <a:endParaRPr/>
           </a:p>
@@ -1232,7 +1403,8 @@
           </a:prstGeom>
         </p:spPr>
         <p:txBody>
-          <a:bodyPr lIns="0" rIns="0" tIns="0" bIns="0"/>
+          <a:bodyPr lIns="0" tIns="0" rIns="0" bIns="0"/>
+          <a:lstStyle/>
           <a:p>
             <a:endParaRPr/>
           </a:p>
@@ -1258,7 +1430,8 @@
           </a:prstGeom>
         </p:spPr>
         <p:txBody>
-          <a:bodyPr lIns="0" rIns="0" tIns="0" bIns="0"/>
+          <a:bodyPr lIns="0" tIns="0" rIns="0" bIns="0"/>
+          <a:lstStyle/>
           <a:p>
             <a:endParaRPr/>
           </a:p>
@@ -1266,11 +1439,14 @@
       </p:sp>
     </p:spTree>
   </p:cSld>
+  <p:clrMapOvr>
+    <a:masterClrMapping/>
+  </p:clrMapOvr>
 </p:sldLayout>
 </file>
 
 <file path=ppt/slideLayouts/slideLayout22.xml><?xml version="1.0" encoding="utf-8"?>
-<p:sldLayout xmlns:a="http://schemas.openxmlformats.org/drawingml/2006/main" xmlns:p="http://schemas.openxmlformats.org/presentationml/2006/main" xmlns:r="http://schemas.openxmlformats.org/officeDocument/2006/relationships" type="objOverTx" preserve="1">
+<p:sldLayout xmlns:a="http://schemas.openxmlformats.org/drawingml/2006/main" xmlns:r="http://schemas.openxmlformats.org/officeDocument/2006/relationships" xmlns:p="http://schemas.openxmlformats.org/presentationml/2006/main" type="objOverTx" preserve="1">
   <p:cSld name="Title, Content over Content">
     <p:spTree>
       <p:nvGrpSpPr>
@@ -1306,7 +1482,8 @@
           </a:prstGeom>
         </p:spPr>
         <p:txBody>
-          <a:bodyPr lIns="0" rIns="0" tIns="0" bIns="0" anchor="ctr"/>
+          <a:bodyPr lIns="0" tIns="0" rIns="0" bIns="0" anchor="ctr"/>
+          <a:lstStyle/>
           <a:p>
             <a:pPr algn="ctr"/>
             <a:endParaRPr/>
@@ -1333,7 +1510,8 @@
           </a:prstGeom>
         </p:spPr>
         <p:txBody>
-          <a:bodyPr lIns="0" rIns="0" tIns="0" bIns="0"/>
+          <a:bodyPr lIns="0" tIns="0" rIns="0" bIns="0"/>
+          <a:lstStyle/>
           <a:p>
             <a:endParaRPr/>
           </a:p>
@@ -1359,7 +1537,8 @@
           </a:prstGeom>
         </p:spPr>
         <p:txBody>
-          <a:bodyPr lIns="0" rIns="0" tIns="0" bIns="0"/>
+          <a:bodyPr lIns="0" tIns="0" rIns="0" bIns="0"/>
+          <a:lstStyle/>
           <a:p>
             <a:endParaRPr/>
           </a:p>
@@ -1367,11 +1546,14 @@
       </p:sp>
     </p:spTree>
   </p:cSld>
+  <p:clrMapOvr>
+    <a:masterClrMapping/>
+  </p:clrMapOvr>
 </p:sldLayout>
 </file>
 
 <file path=ppt/slideLayouts/slideLayout23.xml><?xml version="1.0" encoding="utf-8"?>
-<p:sldLayout xmlns:a="http://schemas.openxmlformats.org/drawingml/2006/main" xmlns:p="http://schemas.openxmlformats.org/presentationml/2006/main" xmlns:r="http://schemas.openxmlformats.org/officeDocument/2006/relationships" type="fourObj" preserve="1">
+<p:sldLayout xmlns:a="http://schemas.openxmlformats.org/drawingml/2006/main" xmlns:r="http://schemas.openxmlformats.org/officeDocument/2006/relationships" xmlns:p="http://schemas.openxmlformats.org/presentationml/2006/main" type="fourObj" preserve="1">
   <p:cSld name="Title, 4 Content">
     <p:spTree>
       <p:nvGrpSpPr>
@@ -1407,7 +1589,8 @@
           </a:prstGeom>
         </p:spPr>
         <p:txBody>
-          <a:bodyPr lIns="0" rIns="0" tIns="0" bIns="0" anchor="ctr"/>
+          <a:bodyPr lIns="0" tIns="0" rIns="0" bIns="0" anchor="ctr"/>
+          <a:lstStyle/>
           <a:p>
             <a:pPr algn="ctr"/>
             <a:endParaRPr/>
@@ -1434,7 +1617,8 @@
           </a:prstGeom>
         </p:spPr>
         <p:txBody>
-          <a:bodyPr lIns="0" rIns="0" tIns="0" bIns="0"/>
+          <a:bodyPr lIns="0" tIns="0" rIns="0" bIns="0"/>
+          <a:lstStyle/>
           <a:p>
             <a:endParaRPr/>
           </a:p>
@@ -1460,7 +1644,8 @@
           </a:prstGeom>
         </p:spPr>
         <p:txBody>
-          <a:bodyPr lIns="0" rIns="0" tIns="0" bIns="0"/>
+          <a:bodyPr lIns="0" tIns="0" rIns="0" bIns="0"/>
+          <a:lstStyle/>
           <a:p>
             <a:endParaRPr/>
           </a:p>
@@ -1486,7 +1671,8 @@
           </a:prstGeom>
         </p:spPr>
         <p:txBody>
-          <a:bodyPr lIns="0" rIns="0" tIns="0" bIns="0"/>
+          <a:bodyPr lIns="0" tIns="0" rIns="0" bIns="0"/>
+          <a:lstStyle/>
           <a:p>
             <a:endParaRPr/>
           </a:p>
@@ -1512,7 +1698,8 @@
           </a:prstGeom>
         </p:spPr>
         <p:txBody>
-          <a:bodyPr lIns="0" rIns="0" tIns="0" bIns="0"/>
+          <a:bodyPr lIns="0" tIns="0" rIns="0" bIns="0"/>
+          <a:lstStyle/>
           <a:p>
             <a:endParaRPr/>
           </a:p>
@@ -1520,11 +1707,14 @@
       </p:sp>
     </p:spTree>
   </p:cSld>
+  <p:clrMapOvr>
+    <a:masterClrMapping/>
+  </p:clrMapOvr>
 </p:sldLayout>
 </file>
 
 <file path=ppt/slideLayouts/slideLayout24.xml><?xml version="1.0" encoding="utf-8"?>
-<p:sldLayout xmlns:a="http://schemas.openxmlformats.org/drawingml/2006/main" xmlns:p="http://schemas.openxmlformats.org/presentationml/2006/main" xmlns:r="http://schemas.openxmlformats.org/officeDocument/2006/relationships" type="blank" preserve="1">
+<p:sldLayout xmlns:a="http://schemas.openxmlformats.org/drawingml/2006/main" xmlns:r="http://schemas.openxmlformats.org/officeDocument/2006/relationships" xmlns:p="http://schemas.openxmlformats.org/presentationml/2006/main" type="blank" preserve="1">
   <p:cSld name="Title, 6 Content">
     <p:spTree>
       <p:nvGrpSpPr>
@@ -1560,7 +1750,8 @@
           </a:prstGeom>
         </p:spPr>
         <p:txBody>
-          <a:bodyPr lIns="0" rIns="0" tIns="0" bIns="0" anchor="ctr"/>
+          <a:bodyPr lIns="0" tIns="0" rIns="0" bIns="0" anchor="ctr"/>
+          <a:lstStyle/>
           <a:p>
             <a:pPr algn="ctr"/>
             <a:endParaRPr/>
@@ -1587,7 +1778,8 @@
           </a:prstGeom>
         </p:spPr>
         <p:txBody>
-          <a:bodyPr lIns="0" rIns="0" tIns="0" bIns="0"/>
+          <a:bodyPr lIns="0" tIns="0" rIns="0" bIns="0"/>
+          <a:lstStyle/>
           <a:p>
             <a:endParaRPr/>
           </a:p>
@@ -1613,7 +1805,8 @@
           </a:prstGeom>
         </p:spPr>
         <p:txBody>
-          <a:bodyPr lIns="0" rIns="0" tIns="0" bIns="0"/>
+          <a:bodyPr lIns="0" tIns="0" rIns="0" bIns="0"/>
+          <a:lstStyle/>
           <a:p>
             <a:endParaRPr/>
           </a:p>
@@ -1621,7 +1814,7 @@
       </p:sp>
       <p:pic>
         <p:nvPicPr>
-          <p:cNvPr id="71" name="" descr=""/>
+          <p:cNvPr id="71" name="Picture 70"/>
           <p:cNvPicPr/>
           <p:nvPr/>
         </p:nvPicPr>
@@ -1644,12 +1837,12 @@
       </p:pic>
       <p:pic>
         <p:nvPicPr>
-          <p:cNvPr id="72" name="" descr=""/>
+          <p:cNvPr id="72" name="Picture 71"/>
           <p:cNvPicPr/>
           <p:nvPr/>
         </p:nvPicPr>
         <p:blipFill>
-          <a:blip r:embed="rId3"/>
+          <a:blip r:embed="rId2"/>
           <a:stretch/>
         </p:blipFill>
         <p:spPr>
@@ -1667,11 +1860,14 @@
       </p:pic>
     </p:spTree>
   </p:cSld>
+  <p:clrMapOvr>
+    <a:masterClrMapping/>
+  </p:clrMapOvr>
 </p:sldLayout>
 </file>
 
 <file path=ppt/slideLayouts/slideLayout25.xml><?xml version="1.0" encoding="utf-8"?>
-<p:sldLayout xmlns:a="http://schemas.openxmlformats.org/drawingml/2006/main" xmlns:p="http://schemas.openxmlformats.org/presentationml/2006/main" xmlns:r="http://schemas.openxmlformats.org/officeDocument/2006/relationships" type="blank" preserve="1">
+<p:sldLayout xmlns:a="http://schemas.openxmlformats.org/drawingml/2006/main" xmlns:r="http://schemas.openxmlformats.org/officeDocument/2006/relationships" xmlns:p="http://schemas.openxmlformats.org/presentationml/2006/main" type="blank" preserve="1">
   <p:cSld name="Blank Slide">
     <p:spTree>
       <p:nvGrpSpPr>
@@ -1689,11 +1885,14 @@
       </p:grpSpPr>
     </p:spTree>
   </p:cSld>
+  <p:clrMapOvr>
+    <a:masterClrMapping/>
+  </p:clrMapOvr>
 </p:sldLayout>
 </file>
 
 <file path=ppt/slideLayouts/slideLayout26.xml><?xml version="1.0" encoding="utf-8"?>
-<p:sldLayout xmlns:a="http://schemas.openxmlformats.org/drawingml/2006/main" xmlns:p="http://schemas.openxmlformats.org/presentationml/2006/main" xmlns:r="http://schemas.openxmlformats.org/officeDocument/2006/relationships" type="tx" preserve="1">
+<p:sldLayout xmlns:a="http://schemas.openxmlformats.org/drawingml/2006/main" xmlns:r="http://schemas.openxmlformats.org/officeDocument/2006/relationships" xmlns:p="http://schemas.openxmlformats.org/presentationml/2006/main" type="tx" preserve="1">
   <p:cSld name="Title Slide">
     <p:spTree>
       <p:nvGrpSpPr>
@@ -1729,7 +1928,8 @@
           </a:prstGeom>
         </p:spPr>
         <p:txBody>
-          <a:bodyPr lIns="0" rIns="0" tIns="0" bIns="0" anchor="ctr"/>
+          <a:bodyPr lIns="0" tIns="0" rIns="0" bIns="0" anchor="ctr"/>
+          <a:lstStyle/>
           <a:p>
             <a:pPr algn="ctr"/>
             <a:endParaRPr/>
@@ -1756,7 +1956,8 @@
           </a:prstGeom>
         </p:spPr>
         <p:txBody>
-          <a:bodyPr lIns="0" rIns="0" tIns="0" bIns="0" anchor="ctr"/>
+          <a:bodyPr lIns="0" tIns="0" rIns="0" bIns="0" anchor="ctr"/>
+          <a:lstStyle/>
           <a:p>
             <a:pPr algn="ctr"/>
             <a:endParaRPr/>
@@ -1765,11 +1966,14 @@
       </p:sp>
     </p:spTree>
   </p:cSld>
+  <p:clrMapOvr>
+    <a:masterClrMapping/>
+  </p:clrMapOvr>
 </p:sldLayout>
 </file>
 
 <file path=ppt/slideLayouts/slideLayout27.xml><?xml version="1.0" encoding="utf-8"?>
-<p:sldLayout xmlns:a="http://schemas.openxmlformats.org/drawingml/2006/main" xmlns:p="http://schemas.openxmlformats.org/presentationml/2006/main" xmlns:r="http://schemas.openxmlformats.org/officeDocument/2006/relationships" type="obj" preserve="1">
+<p:sldLayout xmlns:a="http://schemas.openxmlformats.org/drawingml/2006/main" xmlns:r="http://schemas.openxmlformats.org/officeDocument/2006/relationships" xmlns:p="http://schemas.openxmlformats.org/presentationml/2006/main" type="obj" preserve="1">
   <p:cSld name="Title, Content">
     <p:spTree>
       <p:nvGrpSpPr>
@@ -1805,7 +2009,8 @@
           </a:prstGeom>
         </p:spPr>
         <p:txBody>
-          <a:bodyPr lIns="0" rIns="0" tIns="0" bIns="0" anchor="ctr"/>
+          <a:bodyPr lIns="0" tIns="0" rIns="0" bIns="0" anchor="ctr"/>
+          <a:lstStyle/>
           <a:p>
             <a:pPr algn="ctr"/>
             <a:endParaRPr/>
@@ -1832,7 +2037,8 @@
           </a:prstGeom>
         </p:spPr>
         <p:txBody>
-          <a:bodyPr lIns="0" rIns="0" tIns="0" bIns="0"/>
+          <a:bodyPr lIns="0" tIns="0" rIns="0" bIns="0"/>
+          <a:lstStyle/>
           <a:p>
             <a:endParaRPr/>
           </a:p>
@@ -1840,11 +2046,14 @@
       </p:sp>
     </p:spTree>
   </p:cSld>
+  <p:clrMapOvr>
+    <a:masterClrMapping/>
+  </p:clrMapOvr>
 </p:sldLayout>
 </file>
 
 <file path=ppt/slideLayouts/slideLayout28.xml><?xml version="1.0" encoding="utf-8"?>
-<p:sldLayout xmlns:a="http://schemas.openxmlformats.org/drawingml/2006/main" xmlns:p="http://schemas.openxmlformats.org/presentationml/2006/main" xmlns:r="http://schemas.openxmlformats.org/officeDocument/2006/relationships" type="twoObj" preserve="1">
+<p:sldLayout xmlns:a="http://schemas.openxmlformats.org/drawingml/2006/main" xmlns:r="http://schemas.openxmlformats.org/officeDocument/2006/relationships" xmlns:p="http://schemas.openxmlformats.org/presentationml/2006/main" type="twoObj" preserve="1">
   <p:cSld name="Title, 2 Content">
     <p:spTree>
       <p:nvGrpSpPr>
@@ -1880,7 +2089,8 @@
           </a:prstGeom>
         </p:spPr>
         <p:txBody>
-          <a:bodyPr lIns="0" rIns="0" tIns="0" bIns="0" anchor="ctr"/>
+          <a:bodyPr lIns="0" tIns="0" rIns="0" bIns="0" anchor="ctr"/>
+          <a:lstStyle/>
           <a:p>
             <a:pPr algn="ctr"/>
             <a:endParaRPr/>
@@ -1907,7 +2117,8 @@
           </a:prstGeom>
         </p:spPr>
         <p:txBody>
-          <a:bodyPr lIns="0" rIns="0" tIns="0" bIns="0"/>
+          <a:bodyPr lIns="0" tIns="0" rIns="0" bIns="0"/>
+          <a:lstStyle/>
           <a:p>
             <a:endParaRPr/>
           </a:p>
@@ -1933,7 +2144,8 @@
           </a:prstGeom>
         </p:spPr>
         <p:txBody>
-          <a:bodyPr lIns="0" rIns="0" tIns="0" bIns="0"/>
+          <a:bodyPr lIns="0" tIns="0" rIns="0" bIns="0"/>
+          <a:lstStyle/>
           <a:p>
             <a:endParaRPr/>
           </a:p>
@@ -1941,11 +2153,14 @@
       </p:sp>
     </p:spTree>
   </p:cSld>
+  <p:clrMapOvr>
+    <a:masterClrMapping/>
+  </p:clrMapOvr>
 </p:sldLayout>
 </file>
 
 <file path=ppt/slideLayouts/slideLayout29.xml><?xml version="1.0" encoding="utf-8"?>
-<p:sldLayout xmlns:a="http://schemas.openxmlformats.org/drawingml/2006/main" xmlns:p="http://schemas.openxmlformats.org/presentationml/2006/main" xmlns:r="http://schemas.openxmlformats.org/officeDocument/2006/relationships" type="titleOnly" preserve="1">
+<p:sldLayout xmlns:a="http://schemas.openxmlformats.org/drawingml/2006/main" xmlns:r="http://schemas.openxmlformats.org/officeDocument/2006/relationships" xmlns:p="http://schemas.openxmlformats.org/presentationml/2006/main" type="titleOnly" preserve="1">
   <p:cSld name="Title Only">
     <p:spTree>
       <p:nvGrpSpPr>
@@ -1981,7 +2196,8 @@
           </a:prstGeom>
         </p:spPr>
         <p:txBody>
-          <a:bodyPr lIns="0" rIns="0" tIns="0" bIns="0" anchor="ctr"/>
+          <a:bodyPr lIns="0" tIns="0" rIns="0" bIns="0" anchor="ctr"/>
+          <a:lstStyle/>
           <a:p>
             <a:pPr algn="ctr"/>
             <a:endParaRPr/>
@@ -1990,11 +2206,14 @@
       </p:sp>
     </p:spTree>
   </p:cSld>
+  <p:clrMapOvr>
+    <a:masterClrMapping/>
+  </p:clrMapOvr>
 </p:sldLayout>
 </file>
 
 <file path=ppt/slideLayouts/slideLayout3.xml><?xml version="1.0" encoding="utf-8"?>
-<p:sldLayout xmlns:a="http://schemas.openxmlformats.org/drawingml/2006/main" xmlns:p="http://schemas.openxmlformats.org/presentationml/2006/main" xmlns:r="http://schemas.openxmlformats.org/officeDocument/2006/relationships" type="obj" preserve="1">
+<p:sldLayout xmlns:a="http://schemas.openxmlformats.org/drawingml/2006/main" xmlns:r="http://schemas.openxmlformats.org/officeDocument/2006/relationships" xmlns:p="http://schemas.openxmlformats.org/presentationml/2006/main" type="obj" preserve="1">
   <p:cSld name="Title, Content">
     <p:spTree>
       <p:nvGrpSpPr>
@@ -2030,7 +2249,8 @@
           </a:prstGeom>
         </p:spPr>
         <p:txBody>
-          <a:bodyPr lIns="0" rIns="0" tIns="0" bIns="0" anchor="ctr"/>
+          <a:bodyPr lIns="0" tIns="0" rIns="0" bIns="0" anchor="ctr"/>
+          <a:lstStyle/>
           <a:p>
             <a:pPr algn="ctr"/>
             <a:endParaRPr/>
@@ -2057,7 +2277,8 @@
           </a:prstGeom>
         </p:spPr>
         <p:txBody>
-          <a:bodyPr lIns="0" rIns="0" tIns="0" bIns="0"/>
+          <a:bodyPr lIns="0" tIns="0" rIns="0" bIns="0"/>
+          <a:lstStyle/>
           <a:p>
             <a:endParaRPr/>
           </a:p>
@@ -2065,11 +2286,14 @@
       </p:sp>
     </p:spTree>
   </p:cSld>
+  <p:clrMapOvr>
+    <a:masterClrMapping/>
+  </p:clrMapOvr>
 </p:sldLayout>
 </file>
 
 <file path=ppt/slideLayouts/slideLayout30.xml><?xml version="1.0" encoding="utf-8"?>
-<p:sldLayout xmlns:a="http://schemas.openxmlformats.org/drawingml/2006/main" xmlns:p="http://schemas.openxmlformats.org/presentationml/2006/main" xmlns:r="http://schemas.openxmlformats.org/officeDocument/2006/relationships" type="objOnly" preserve="1">
+<p:sldLayout xmlns:a="http://schemas.openxmlformats.org/drawingml/2006/main" xmlns:r="http://schemas.openxmlformats.org/officeDocument/2006/relationships" xmlns:p="http://schemas.openxmlformats.org/presentationml/2006/main" type="objOnly" preserve="1">
   <p:cSld name="Centered Text">
     <p:spTree>
       <p:nvGrpSpPr>
@@ -2105,7 +2329,8 @@
           </a:prstGeom>
         </p:spPr>
         <p:txBody>
-          <a:bodyPr lIns="0" rIns="0" tIns="0" bIns="0" anchor="ctr"/>
+          <a:bodyPr lIns="0" tIns="0" rIns="0" bIns="0" anchor="ctr"/>
+          <a:lstStyle/>
           <a:p>
             <a:pPr algn="ctr"/>
             <a:endParaRPr/>
@@ -2114,11 +2339,14 @@
       </p:sp>
     </p:spTree>
   </p:cSld>
+  <p:clrMapOvr>
+    <a:masterClrMapping/>
+  </p:clrMapOvr>
 </p:sldLayout>
 </file>
 
 <file path=ppt/slideLayouts/slideLayout31.xml><?xml version="1.0" encoding="utf-8"?>
-<p:sldLayout xmlns:a="http://schemas.openxmlformats.org/drawingml/2006/main" xmlns:p="http://schemas.openxmlformats.org/presentationml/2006/main" xmlns:r="http://schemas.openxmlformats.org/officeDocument/2006/relationships" type="twoObjAndObj" preserve="1">
+<p:sldLayout xmlns:a="http://schemas.openxmlformats.org/drawingml/2006/main" xmlns:r="http://schemas.openxmlformats.org/officeDocument/2006/relationships" xmlns:p="http://schemas.openxmlformats.org/presentationml/2006/main" type="twoObjAndObj" preserve="1">
   <p:cSld name="Title, 2 Content and Content">
     <p:spTree>
       <p:nvGrpSpPr>
@@ -2154,7 +2382,8 @@
           </a:prstGeom>
         </p:spPr>
         <p:txBody>
-          <a:bodyPr lIns="0" rIns="0" tIns="0" bIns="0" anchor="ctr"/>
+          <a:bodyPr lIns="0" tIns="0" rIns="0" bIns="0" anchor="ctr"/>
+          <a:lstStyle/>
           <a:p>
             <a:pPr algn="ctr"/>
             <a:endParaRPr/>
@@ -2181,7 +2410,8 @@
           </a:prstGeom>
         </p:spPr>
         <p:txBody>
-          <a:bodyPr lIns="0" rIns="0" tIns="0" bIns="0"/>
+          <a:bodyPr lIns="0" tIns="0" rIns="0" bIns="0"/>
+          <a:lstStyle/>
           <a:p>
             <a:endParaRPr/>
           </a:p>
@@ -2207,7 +2437,8 @@
           </a:prstGeom>
         </p:spPr>
         <p:txBody>
-          <a:bodyPr lIns="0" rIns="0" tIns="0" bIns="0"/>
+          <a:bodyPr lIns="0" tIns="0" rIns="0" bIns="0"/>
+          <a:lstStyle/>
           <a:p>
             <a:endParaRPr/>
           </a:p>
@@ -2233,7 +2464,8 @@
           </a:prstGeom>
         </p:spPr>
         <p:txBody>
-          <a:bodyPr lIns="0" rIns="0" tIns="0" bIns="0"/>
+          <a:bodyPr lIns="0" tIns="0" rIns="0" bIns="0"/>
+          <a:lstStyle/>
           <a:p>
             <a:endParaRPr/>
           </a:p>
@@ -2241,11 +2473,14 @@
       </p:sp>
     </p:spTree>
   </p:cSld>
+  <p:clrMapOvr>
+    <a:masterClrMapping/>
+  </p:clrMapOvr>
 </p:sldLayout>
 </file>
 
 <file path=ppt/slideLayouts/slideLayout32.xml><?xml version="1.0" encoding="utf-8"?>
-<p:sldLayout xmlns:a="http://schemas.openxmlformats.org/drawingml/2006/main" xmlns:p="http://schemas.openxmlformats.org/presentationml/2006/main" xmlns:r="http://schemas.openxmlformats.org/officeDocument/2006/relationships" type="objAndTwoObj" preserve="1">
+<p:sldLayout xmlns:a="http://schemas.openxmlformats.org/drawingml/2006/main" xmlns:r="http://schemas.openxmlformats.org/officeDocument/2006/relationships" xmlns:p="http://schemas.openxmlformats.org/presentationml/2006/main" type="objAndTwoObj" preserve="1">
   <p:cSld name="Title Content and 2 Content">
     <p:spTree>
       <p:nvGrpSpPr>
@@ -2281,7 +2516,8 @@
           </a:prstGeom>
         </p:spPr>
         <p:txBody>
-          <a:bodyPr lIns="0" rIns="0" tIns="0" bIns="0" anchor="ctr"/>
+          <a:bodyPr lIns="0" tIns="0" rIns="0" bIns="0" anchor="ctr"/>
+          <a:lstStyle/>
           <a:p>
             <a:pPr algn="ctr"/>
             <a:endParaRPr/>
@@ -2308,7 +2544,8 @@
           </a:prstGeom>
         </p:spPr>
         <p:txBody>
-          <a:bodyPr lIns="0" rIns="0" tIns="0" bIns="0"/>
+          <a:bodyPr lIns="0" tIns="0" rIns="0" bIns="0"/>
+          <a:lstStyle/>
           <a:p>
             <a:endParaRPr/>
           </a:p>
@@ -2334,7 +2571,8 @@
           </a:prstGeom>
         </p:spPr>
         <p:txBody>
-          <a:bodyPr lIns="0" rIns="0" tIns="0" bIns="0"/>
+          <a:bodyPr lIns="0" tIns="0" rIns="0" bIns="0"/>
+          <a:lstStyle/>
           <a:p>
             <a:endParaRPr/>
           </a:p>
@@ -2360,7 +2598,8 @@
           </a:prstGeom>
         </p:spPr>
         <p:txBody>
-          <a:bodyPr lIns="0" rIns="0" tIns="0" bIns="0"/>
+          <a:bodyPr lIns="0" tIns="0" rIns="0" bIns="0"/>
+          <a:lstStyle/>
           <a:p>
             <a:endParaRPr/>
           </a:p>
@@ -2368,11 +2607,14 @@
       </p:sp>
     </p:spTree>
   </p:cSld>
+  <p:clrMapOvr>
+    <a:masterClrMapping/>
+  </p:clrMapOvr>
 </p:sldLayout>
 </file>
 
 <file path=ppt/slideLayouts/slideLayout33.xml><?xml version="1.0" encoding="utf-8"?>
-<p:sldLayout xmlns:a="http://schemas.openxmlformats.org/drawingml/2006/main" xmlns:p="http://schemas.openxmlformats.org/presentationml/2006/main" xmlns:r="http://schemas.openxmlformats.org/officeDocument/2006/relationships" type="twoObjOverTx" preserve="1">
+<p:sldLayout xmlns:a="http://schemas.openxmlformats.org/drawingml/2006/main" xmlns:r="http://schemas.openxmlformats.org/officeDocument/2006/relationships" xmlns:p="http://schemas.openxmlformats.org/presentationml/2006/main" type="twoObjOverTx" preserve="1">
   <p:cSld name="Title, 2 Content over Content">
     <p:spTree>
       <p:nvGrpSpPr>
@@ -2408,7 +2650,8 @@
           </a:prstGeom>
         </p:spPr>
         <p:txBody>
-          <a:bodyPr lIns="0" rIns="0" tIns="0" bIns="0" anchor="ctr"/>
+          <a:bodyPr lIns="0" tIns="0" rIns="0" bIns="0" anchor="ctr"/>
+          <a:lstStyle/>
           <a:p>
             <a:pPr algn="ctr"/>
             <a:endParaRPr/>
@@ -2435,7 +2678,8 @@
           </a:prstGeom>
         </p:spPr>
         <p:txBody>
-          <a:bodyPr lIns="0" rIns="0" tIns="0" bIns="0"/>
+          <a:bodyPr lIns="0" tIns="0" rIns="0" bIns="0"/>
+          <a:lstStyle/>
           <a:p>
             <a:endParaRPr/>
           </a:p>
@@ -2461,7 +2705,8 @@
           </a:prstGeom>
         </p:spPr>
         <p:txBody>
-          <a:bodyPr lIns="0" rIns="0" tIns="0" bIns="0"/>
+          <a:bodyPr lIns="0" tIns="0" rIns="0" bIns="0"/>
+          <a:lstStyle/>
           <a:p>
             <a:endParaRPr/>
           </a:p>
@@ -2487,7 +2732,8 @@
           </a:prstGeom>
         </p:spPr>
         <p:txBody>
-          <a:bodyPr lIns="0" rIns="0" tIns="0" bIns="0"/>
+          <a:bodyPr lIns="0" tIns="0" rIns="0" bIns="0"/>
+          <a:lstStyle/>
           <a:p>
             <a:endParaRPr/>
           </a:p>
@@ -2495,11 +2741,14 @@
       </p:sp>
     </p:spTree>
   </p:cSld>
+  <p:clrMapOvr>
+    <a:masterClrMapping/>
+  </p:clrMapOvr>
 </p:sldLayout>
 </file>
 
 <file path=ppt/slideLayouts/slideLayout34.xml><?xml version="1.0" encoding="utf-8"?>
-<p:sldLayout xmlns:a="http://schemas.openxmlformats.org/drawingml/2006/main" xmlns:p="http://schemas.openxmlformats.org/presentationml/2006/main" xmlns:r="http://schemas.openxmlformats.org/officeDocument/2006/relationships" type="objOverTx" preserve="1">
+<p:sldLayout xmlns:a="http://schemas.openxmlformats.org/drawingml/2006/main" xmlns:r="http://schemas.openxmlformats.org/officeDocument/2006/relationships" xmlns:p="http://schemas.openxmlformats.org/presentationml/2006/main" type="objOverTx" preserve="1">
   <p:cSld name="Title, Content over Content">
     <p:spTree>
       <p:nvGrpSpPr>
@@ -2535,7 +2784,8 @@
           </a:prstGeom>
         </p:spPr>
         <p:txBody>
-          <a:bodyPr lIns="0" rIns="0" tIns="0" bIns="0" anchor="ctr"/>
+          <a:bodyPr lIns="0" tIns="0" rIns="0" bIns="0" anchor="ctr"/>
+          <a:lstStyle/>
           <a:p>
             <a:pPr algn="ctr"/>
             <a:endParaRPr/>
@@ -2562,7 +2812,8 @@
           </a:prstGeom>
         </p:spPr>
         <p:txBody>
-          <a:bodyPr lIns="0" rIns="0" tIns="0" bIns="0"/>
+          <a:bodyPr lIns="0" tIns="0" rIns="0" bIns="0"/>
+          <a:lstStyle/>
           <a:p>
             <a:endParaRPr/>
           </a:p>
@@ -2588,7 +2839,8 @@
           </a:prstGeom>
         </p:spPr>
         <p:txBody>
-          <a:bodyPr lIns="0" rIns="0" tIns="0" bIns="0"/>
+          <a:bodyPr lIns="0" tIns="0" rIns="0" bIns="0"/>
+          <a:lstStyle/>
           <a:p>
             <a:endParaRPr/>
           </a:p>
@@ -2596,11 +2848,14 @@
       </p:sp>
     </p:spTree>
   </p:cSld>
+  <p:clrMapOvr>
+    <a:masterClrMapping/>
+  </p:clrMapOvr>
 </p:sldLayout>
 </file>
 
 <file path=ppt/slideLayouts/slideLayout35.xml><?xml version="1.0" encoding="utf-8"?>
-<p:sldLayout xmlns:a="http://schemas.openxmlformats.org/drawingml/2006/main" xmlns:p="http://schemas.openxmlformats.org/presentationml/2006/main" xmlns:r="http://schemas.openxmlformats.org/officeDocument/2006/relationships" type="fourObj" preserve="1">
+<p:sldLayout xmlns:a="http://schemas.openxmlformats.org/drawingml/2006/main" xmlns:r="http://schemas.openxmlformats.org/officeDocument/2006/relationships" xmlns:p="http://schemas.openxmlformats.org/presentationml/2006/main" type="fourObj" preserve="1">
   <p:cSld name="Title, 4 Content">
     <p:spTree>
       <p:nvGrpSpPr>
@@ -2636,7 +2891,8 @@
           </a:prstGeom>
         </p:spPr>
         <p:txBody>
-          <a:bodyPr lIns="0" rIns="0" tIns="0" bIns="0" anchor="ctr"/>
+          <a:bodyPr lIns="0" tIns="0" rIns="0" bIns="0" anchor="ctr"/>
+          <a:lstStyle/>
           <a:p>
             <a:pPr algn="ctr"/>
             <a:endParaRPr/>
@@ -2663,7 +2919,8 @@
           </a:prstGeom>
         </p:spPr>
         <p:txBody>
-          <a:bodyPr lIns="0" rIns="0" tIns="0" bIns="0"/>
+          <a:bodyPr lIns="0" tIns="0" rIns="0" bIns="0"/>
+          <a:lstStyle/>
           <a:p>
             <a:endParaRPr/>
           </a:p>
@@ -2689,7 +2946,8 @@
           </a:prstGeom>
         </p:spPr>
         <p:txBody>
-          <a:bodyPr lIns="0" rIns="0" tIns="0" bIns="0"/>
+          <a:bodyPr lIns="0" tIns="0" rIns="0" bIns="0"/>
+          <a:lstStyle/>
           <a:p>
             <a:endParaRPr/>
           </a:p>
@@ -2715,7 +2973,8 @@
           </a:prstGeom>
         </p:spPr>
         <p:txBody>
-          <a:bodyPr lIns="0" rIns="0" tIns="0" bIns="0"/>
+          <a:bodyPr lIns="0" tIns="0" rIns="0" bIns="0"/>
+          <a:lstStyle/>
           <a:p>
             <a:endParaRPr/>
           </a:p>
@@ -2741,7 +3000,8 @@
           </a:prstGeom>
         </p:spPr>
         <p:txBody>
-          <a:bodyPr lIns="0" rIns="0" tIns="0" bIns="0"/>
+          <a:bodyPr lIns="0" tIns="0" rIns="0" bIns="0"/>
+          <a:lstStyle/>
           <a:p>
             <a:endParaRPr/>
           </a:p>
@@ -2749,11 +3009,14 @@
       </p:sp>
     </p:spTree>
   </p:cSld>
+  <p:clrMapOvr>
+    <a:masterClrMapping/>
+  </p:clrMapOvr>
 </p:sldLayout>
 </file>
 
 <file path=ppt/slideLayouts/slideLayout36.xml><?xml version="1.0" encoding="utf-8"?>
-<p:sldLayout xmlns:a="http://schemas.openxmlformats.org/drawingml/2006/main" xmlns:p="http://schemas.openxmlformats.org/presentationml/2006/main" xmlns:r="http://schemas.openxmlformats.org/officeDocument/2006/relationships" type="blank" preserve="1">
+<p:sldLayout xmlns:a="http://schemas.openxmlformats.org/drawingml/2006/main" xmlns:r="http://schemas.openxmlformats.org/officeDocument/2006/relationships" xmlns:p="http://schemas.openxmlformats.org/presentationml/2006/main" type="blank" preserve="1">
   <p:cSld name="Title, 6 Content">
     <p:spTree>
       <p:nvGrpSpPr>
@@ -2789,7 +3052,8 @@
           </a:prstGeom>
         </p:spPr>
         <p:txBody>
-          <a:bodyPr lIns="0" rIns="0" tIns="0" bIns="0" anchor="ctr"/>
+          <a:bodyPr lIns="0" tIns="0" rIns="0" bIns="0" anchor="ctr"/>
+          <a:lstStyle/>
           <a:p>
             <a:pPr algn="ctr"/>
             <a:endParaRPr/>
@@ -2816,7 +3080,8 @@
           </a:prstGeom>
         </p:spPr>
         <p:txBody>
-          <a:bodyPr lIns="0" rIns="0" tIns="0" bIns="0"/>
+          <a:bodyPr lIns="0" tIns="0" rIns="0" bIns="0"/>
+          <a:lstStyle/>
           <a:p>
             <a:endParaRPr/>
           </a:p>
@@ -2842,7 +3107,8 @@
           </a:prstGeom>
         </p:spPr>
         <p:txBody>
-          <a:bodyPr lIns="0" rIns="0" tIns="0" bIns="0"/>
+          <a:bodyPr lIns="0" tIns="0" rIns="0" bIns="0"/>
+          <a:lstStyle/>
           <a:p>
             <a:endParaRPr/>
           </a:p>
@@ -2850,7 +3116,7 @@
       </p:sp>
       <p:pic>
         <p:nvPicPr>
-          <p:cNvPr id="107" name="" descr=""/>
+          <p:cNvPr id="107" name="Picture 106"/>
           <p:cNvPicPr/>
           <p:nvPr/>
         </p:nvPicPr>
@@ -2873,12 +3139,12 @@
       </p:pic>
       <p:pic>
         <p:nvPicPr>
-          <p:cNvPr id="108" name="" descr=""/>
+          <p:cNvPr id="108" name="Picture 107"/>
           <p:cNvPicPr/>
           <p:nvPr/>
         </p:nvPicPr>
         <p:blipFill>
-          <a:blip r:embed="rId3"/>
+          <a:blip r:embed="rId2"/>
           <a:stretch/>
         </p:blipFill>
         <p:spPr>
@@ -2896,11 +3162,14 @@
       </p:pic>
     </p:spTree>
   </p:cSld>
+  <p:clrMapOvr>
+    <a:masterClrMapping/>
+  </p:clrMapOvr>
 </p:sldLayout>
 </file>
 
 <file path=ppt/slideLayouts/slideLayout4.xml><?xml version="1.0" encoding="utf-8"?>
-<p:sldLayout xmlns:a="http://schemas.openxmlformats.org/drawingml/2006/main" xmlns:p="http://schemas.openxmlformats.org/presentationml/2006/main" xmlns:r="http://schemas.openxmlformats.org/officeDocument/2006/relationships" type="twoObj" preserve="1">
+<p:sldLayout xmlns:a="http://schemas.openxmlformats.org/drawingml/2006/main" xmlns:r="http://schemas.openxmlformats.org/officeDocument/2006/relationships" xmlns:p="http://schemas.openxmlformats.org/presentationml/2006/main" type="twoObj" preserve="1">
   <p:cSld name="Title, 2 Content">
     <p:spTree>
       <p:nvGrpSpPr>
@@ -2936,7 +3205,8 @@
           </a:prstGeom>
         </p:spPr>
         <p:txBody>
-          <a:bodyPr lIns="0" rIns="0" tIns="0" bIns="0" anchor="ctr"/>
+          <a:bodyPr lIns="0" tIns="0" rIns="0" bIns="0" anchor="ctr"/>
+          <a:lstStyle/>
           <a:p>
             <a:pPr algn="ctr"/>
             <a:endParaRPr/>
@@ -2963,7 +3233,8 @@
           </a:prstGeom>
         </p:spPr>
         <p:txBody>
-          <a:bodyPr lIns="0" rIns="0" tIns="0" bIns="0"/>
+          <a:bodyPr lIns="0" tIns="0" rIns="0" bIns="0"/>
+          <a:lstStyle/>
           <a:p>
             <a:endParaRPr/>
           </a:p>
@@ -2989,7 +3260,8 @@
           </a:prstGeom>
         </p:spPr>
         <p:txBody>
-          <a:bodyPr lIns="0" rIns="0" tIns="0" bIns="0"/>
+          <a:bodyPr lIns="0" tIns="0" rIns="0" bIns="0"/>
+          <a:lstStyle/>
           <a:p>
             <a:endParaRPr/>
           </a:p>
@@ -2997,11 +3269,14 @@
       </p:sp>
     </p:spTree>
   </p:cSld>
+  <p:clrMapOvr>
+    <a:masterClrMapping/>
+  </p:clrMapOvr>
 </p:sldLayout>
 </file>
 
 <file path=ppt/slideLayouts/slideLayout5.xml><?xml version="1.0" encoding="utf-8"?>
-<p:sldLayout xmlns:a="http://schemas.openxmlformats.org/drawingml/2006/main" xmlns:p="http://schemas.openxmlformats.org/presentationml/2006/main" xmlns:r="http://schemas.openxmlformats.org/officeDocument/2006/relationships" type="titleOnly" preserve="1">
+<p:sldLayout xmlns:a="http://schemas.openxmlformats.org/drawingml/2006/main" xmlns:r="http://schemas.openxmlformats.org/officeDocument/2006/relationships" xmlns:p="http://schemas.openxmlformats.org/presentationml/2006/main" type="titleOnly" preserve="1">
   <p:cSld name="Title Only">
     <p:spTree>
       <p:nvGrpSpPr>
@@ -3037,7 +3312,8 @@
           </a:prstGeom>
         </p:spPr>
         <p:txBody>
-          <a:bodyPr lIns="0" rIns="0" tIns="0" bIns="0" anchor="ctr"/>
+          <a:bodyPr lIns="0" tIns="0" rIns="0" bIns="0" anchor="ctr"/>
+          <a:lstStyle/>
           <a:p>
             <a:pPr algn="ctr"/>
             <a:endParaRPr/>
@@ -3046,11 +3322,14 @@
       </p:sp>
     </p:spTree>
   </p:cSld>
+  <p:clrMapOvr>
+    <a:masterClrMapping/>
+  </p:clrMapOvr>
 </p:sldLayout>
 </file>
 
 <file path=ppt/slideLayouts/slideLayout6.xml><?xml version="1.0" encoding="utf-8"?>
-<p:sldLayout xmlns:a="http://schemas.openxmlformats.org/drawingml/2006/main" xmlns:p="http://schemas.openxmlformats.org/presentationml/2006/main" xmlns:r="http://schemas.openxmlformats.org/officeDocument/2006/relationships" type="objOnly" preserve="1">
+<p:sldLayout xmlns:a="http://schemas.openxmlformats.org/drawingml/2006/main" xmlns:r="http://schemas.openxmlformats.org/officeDocument/2006/relationships" xmlns:p="http://schemas.openxmlformats.org/presentationml/2006/main" type="objOnly" preserve="1">
   <p:cSld name="Centered Text">
     <p:spTree>
       <p:nvGrpSpPr>
@@ -3086,7 +3365,8 @@
           </a:prstGeom>
         </p:spPr>
         <p:txBody>
-          <a:bodyPr lIns="0" rIns="0" tIns="0" bIns="0" anchor="ctr"/>
+          <a:bodyPr lIns="0" tIns="0" rIns="0" bIns="0" anchor="ctr"/>
+          <a:lstStyle/>
           <a:p>
             <a:pPr algn="ctr"/>
             <a:endParaRPr/>
@@ -3095,11 +3375,14 @@
       </p:sp>
     </p:spTree>
   </p:cSld>
+  <p:clrMapOvr>
+    <a:masterClrMapping/>
+  </p:clrMapOvr>
 </p:sldLayout>
 </file>
 
 <file path=ppt/slideLayouts/slideLayout7.xml><?xml version="1.0" encoding="utf-8"?>
-<p:sldLayout xmlns:a="http://schemas.openxmlformats.org/drawingml/2006/main" xmlns:p="http://schemas.openxmlformats.org/presentationml/2006/main" xmlns:r="http://schemas.openxmlformats.org/officeDocument/2006/relationships" type="twoObjAndObj" preserve="1">
+<p:sldLayout xmlns:a="http://schemas.openxmlformats.org/drawingml/2006/main" xmlns:r="http://schemas.openxmlformats.org/officeDocument/2006/relationships" xmlns:p="http://schemas.openxmlformats.org/presentationml/2006/main" type="twoObjAndObj" preserve="1">
   <p:cSld name="Title, 2 Content and Content">
     <p:spTree>
       <p:nvGrpSpPr>
@@ -3135,7 +3418,8 @@
           </a:prstGeom>
         </p:spPr>
         <p:txBody>
-          <a:bodyPr lIns="0" rIns="0" tIns="0" bIns="0" anchor="ctr"/>
+          <a:bodyPr lIns="0" tIns="0" rIns="0" bIns="0" anchor="ctr"/>
+          <a:lstStyle/>
           <a:p>
             <a:pPr algn="ctr"/>
             <a:endParaRPr/>
@@ -3162,7 +3446,8 @@
           </a:prstGeom>
         </p:spPr>
         <p:txBody>
-          <a:bodyPr lIns="0" rIns="0" tIns="0" bIns="0"/>
+          <a:bodyPr lIns="0" tIns="0" rIns="0" bIns="0"/>
+          <a:lstStyle/>
           <a:p>
             <a:endParaRPr/>
           </a:p>
@@ -3188,7 +3473,8 @@
           </a:prstGeom>
         </p:spPr>
         <p:txBody>
-          <a:bodyPr lIns="0" rIns="0" tIns="0" bIns="0"/>
+          <a:bodyPr lIns="0" tIns="0" rIns="0" bIns="0"/>
+          <a:lstStyle/>
           <a:p>
             <a:endParaRPr/>
           </a:p>
@@ -3214,7 +3500,8 @@
           </a:prstGeom>
         </p:spPr>
         <p:txBody>
-          <a:bodyPr lIns="0" rIns="0" tIns="0" bIns="0"/>
+          <a:bodyPr lIns="0" tIns="0" rIns="0" bIns="0"/>
+          <a:lstStyle/>
           <a:p>
             <a:endParaRPr/>
           </a:p>
@@ -3222,11 +3509,14 @@
       </p:sp>
     </p:spTree>
   </p:cSld>
+  <p:clrMapOvr>
+    <a:masterClrMapping/>
+  </p:clrMapOvr>
 </p:sldLayout>
 </file>
 
 <file path=ppt/slideLayouts/slideLayout8.xml><?xml version="1.0" encoding="utf-8"?>
-<p:sldLayout xmlns:a="http://schemas.openxmlformats.org/drawingml/2006/main" xmlns:p="http://schemas.openxmlformats.org/presentationml/2006/main" xmlns:r="http://schemas.openxmlformats.org/officeDocument/2006/relationships" type="objAndTwoObj" preserve="1">
+<p:sldLayout xmlns:a="http://schemas.openxmlformats.org/drawingml/2006/main" xmlns:r="http://schemas.openxmlformats.org/officeDocument/2006/relationships" xmlns:p="http://schemas.openxmlformats.org/presentationml/2006/main" type="objAndTwoObj" preserve="1">
   <p:cSld name="Title Content and 2 Content">
     <p:spTree>
       <p:nvGrpSpPr>
@@ -3262,7 +3552,8 @@
           </a:prstGeom>
         </p:spPr>
         <p:txBody>
-          <a:bodyPr lIns="0" rIns="0" tIns="0" bIns="0" anchor="ctr"/>
+          <a:bodyPr lIns="0" tIns="0" rIns="0" bIns="0" anchor="ctr"/>
+          <a:lstStyle/>
           <a:p>
             <a:pPr algn="ctr"/>
             <a:endParaRPr/>
@@ -3289,7 +3580,8 @@
           </a:prstGeom>
         </p:spPr>
         <p:txBody>
-          <a:bodyPr lIns="0" rIns="0" tIns="0" bIns="0"/>
+          <a:bodyPr lIns="0" tIns="0" rIns="0" bIns="0"/>
+          <a:lstStyle/>
           <a:p>
             <a:endParaRPr/>
           </a:p>
@@ -3315,7 +3607,8 @@
           </a:prstGeom>
         </p:spPr>
         <p:txBody>
-          <a:bodyPr lIns="0" rIns="0" tIns="0" bIns="0"/>
+          <a:bodyPr lIns="0" tIns="0" rIns="0" bIns="0"/>
+          <a:lstStyle/>
           <a:p>
             <a:endParaRPr/>
           </a:p>
@@ -3341,7 +3634,8 @@
           </a:prstGeom>
         </p:spPr>
         <p:txBody>
-          <a:bodyPr lIns="0" rIns="0" tIns="0" bIns="0"/>
+          <a:bodyPr lIns="0" tIns="0" rIns="0" bIns="0"/>
+          <a:lstStyle/>
           <a:p>
             <a:endParaRPr/>
           </a:p>
@@ -3349,11 +3643,14 @@
       </p:sp>
     </p:spTree>
   </p:cSld>
+  <p:clrMapOvr>
+    <a:masterClrMapping/>
+  </p:clrMapOvr>
 </p:sldLayout>
 </file>
 
 <file path=ppt/slideLayouts/slideLayout9.xml><?xml version="1.0" encoding="utf-8"?>
-<p:sldLayout xmlns:a="http://schemas.openxmlformats.org/drawingml/2006/main" xmlns:p="http://schemas.openxmlformats.org/presentationml/2006/main" xmlns:r="http://schemas.openxmlformats.org/officeDocument/2006/relationships" type="twoObjOverTx" preserve="1">
+<p:sldLayout xmlns:a="http://schemas.openxmlformats.org/drawingml/2006/main" xmlns:r="http://schemas.openxmlformats.org/officeDocument/2006/relationships" xmlns:p="http://schemas.openxmlformats.org/presentationml/2006/main" type="twoObjOverTx" preserve="1">
   <p:cSld name="Title, 2 Content over Content">
     <p:spTree>
       <p:nvGrpSpPr>
@@ -3389,7 +3686,8 @@
           </a:prstGeom>
         </p:spPr>
         <p:txBody>
-          <a:bodyPr lIns="0" rIns="0" tIns="0" bIns="0" anchor="ctr"/>
+          <a:bodyPr lIns="0" tIns="0" rIns="0" bIns="0" anchor="ctr"/>
+          <a:lstStyle/>
           <a:p>
             <a:pPr algn="ctr"/>
             <a:endParaRPr/>
@@ -3416,7 +3714,8 @@
           </a:prstGeom>
         </p:spPr>
         <p:txBody>
-          <a:bodyPr lIns="0" rIns="0" tIns="0" bIns="0"/>
+          <a:bodyPr lIns="0" tIns="0" rIns="0" bIns="0"/>
+          <a:lstStyle/>
           <a:p>
             <a:endParaRPr/>
           </a:p>
@@ -3442,7 +3741,8 @@
           </a:prstGeom>
         </p:spPr>
         <p:txBody>
-          <a:bodyPr lIns="0" rIns="0" tIns="0" bIns="0"/>
+          <a:bodyPr lIns="0" tIns="0" rIns="0" bIns="0"/>
+          <a:lstStyle/>
           <a:p>
             <a:endParaRPr/>
           </a:p>
@@ -3468,7 +3768,8 @@
           </a:prstGeom>
         </p:spPr>
         <p:txBody>
-          <a:bodyPr lIns="0" rIns="0" tIns="0" bIns="0"/>
+          <a:bodyPr lIns="0" tIns="0" rIns="0" bIns="0"/>
+          <a:lstStyle/>
           <a:p>
             <a:endParaRPr/>
           </a:p>
@@ -3476,17 +3777,557 @@
       </p:sp>
     </p:spTree>
   </p:cSld>
+  <p:clrMapOvr>
+    <a:masterClrMapping/>
+  </p:clrMapOvr>
 </p:sldLayout>
 </file>
 
 <file path=ppt/slideMasters/slideMaster1.xml><?xml version="1.0" encoding="utf-8"?>
-<p:sldMaster xmlns:a="http://schemas.openxmlformats.org/drawingml/2006/main" xmlns:p="http://schemas.openxmlformats.org/presentationml/2006/main" xmlns:r="http://schemas.openxmlformats.org/officeDocument/2006/relationships">
+<p:sldMaster xmlns:a="http://schemas.openxmlformats.org/drawingml/2006/main" xmlns:r="http://schemas.openxmlformats.org/officeDocument/2006/relationships" xmlns:p="http://schemas.openxmlformats.org/presentationml/2006/main">
+  <p:cSld>
+    <p:bg>
+      <p:bgRef idx="1001">
+        <a:schemeClr val="bg1"/>
+      </p:bgRef>
+    </p:bg>
+    <p:spTree>
+      <p:nvGrpSpPr>
+        <p:cNvPr id="1" name=""/>
+        <p:cNvGrpSpPr/>
+        <p:nvPr/>
+      </p:nvGrpSpPr>
+      <p:grpSpPr>
+        <a:xfrm>
+          <a:off x="0" y="0"/>
+          <a:ext cx="0" cy="0"/>
+          <a:chOff x="0" y="0"/>
+          <a:chExt cx="0" cy="0"/>
+        </a:xfrm>
+      </p:grpSpPr>
+      <p:sp>
+        <p:nvSpPr>
+          <p:cNvPr id="2" name="Title Placeholder 1"/>
+          <p:cNvSpPr>
+            <a:spLocks noGrp="1"/>
+          </p:cNvSpPr>
+          <p:nvPr>
+            <p:ph type="title"/>
+          </p:nvPr>
+        </p:nvSpPr>
+        <p:spPr>
+          <a:xfrm>
+            <a:off x="838200" y="365125"/>
+            <a:ext cx="10515600" cy="1325563"/>
+          </a:xfrm>
+          <a:prstGeom prst="rect">
+            <a:avLst/>
+          </a:prstGeom>
+        </p:spPr>
+        <p:txBody>
+          <a:bodyPr vert="horz" lIns="91440" tIns="45720" rIns="91440" bIns="45720" rtlCol="0" anchor="ctr">
+            <a:normAutofit/>
+          </a:bodyPr>
+          <a:lstStyle/>
+          <a:p>
+            <a:r>
+              <a:rPr lang="en-US" smtClean="0"/>
+              <a:t>Click to edit Master title style</a:t>
+            </a:r>
+            <a:endParaRPr lang="en-AU"/>
+          </a:p>
+        </p:txBody>
+      </p:sp>
+      <p:sp>
+        <p:nvSpPr>
+          <p:cNvPr id="3" name="Text Placeholder 2"/>
+          <p:cNvSpPr>
+            <a:spLocks noGrp="1"/>
+          </p:cNvSpPr>
+          <p:nvPr>
+            <p:ph type="body" idx="1"/>
+          </p:nvPr>
+        </p:nvSpPr>
+        <p:spPr>
+          <a:xfrm>
+            <a:off x="838200" y="1825625"/>
+            <a:ext cx="10515600" cy="4351338"/>
+          </a:xfrm>
+          <a:prstGeom prst="rect">
+            <a:avLst/>
+          </a:prstGeom>
+        </p:spPr>
+        <p:txBody>
+          <a:bodyPr vert="horz" lIns="91440" tIns="45720" rIns="91440" bIns="45720" rtlCol="0">
+            <a:normAutofit/>
+          </a:bodyPr>
+          <a:lstStyle/>
+          <a:p>
+            <a:pPr lvl="0"/>
+            <a:r>
+              <a:rPr lang="en-US" smtClean="0"/>
+              <a:t>Click to edit Master text styles</a:t>
+            </a:r>
+          </a:p>
+          <a:p>
+            <a:pPr lvl="1"/>
+            <a:r>
+              <a:rPr lang="en-US" smtClean="0"/>
+              <a:t>Second level</a:t>
+            </a:r>
+          </a:p>
+          <a:p>
+            <a:pPr lvl="2"/>
+            <a:r>
+              <a:rPr lang="en-US" smtClean="0"/>
+              <a:t>Third level</a:t>
+            </a:r>
+          </a:p>
+          <a:p>
+            <a:pPr lvl="3"/>
+            <a:r>
+              <a:rPr lang="en-US" smtClean="0"/>
+              <a:t>Fourth level</a:t>
+            </a:r>
+          </a:p>
+          <a:p>
+            <a:pPr lvl="4"/>
+            <a:r>
+              <a:rPr lang="en-US" smtClean="0"/>
+              <a:t>Fifth level</a:t>
+            </a:r>
+            <a:endParaRPr lang="en-AU"/>
+          </a:p>
+        </p:txBody>
+      </p:sp>
+      <p:sp>
+        <p:nvSpPr>
+          <p:cNvPr id="4" name="Date Placeholder 3"/>
+          <p:cNvSpPr>
+            <a:spLocks noGrp="1"/>
+          </p:cNvSpPr>
+          <p:nvPr>
+            <p:ph type="dt" sz="half" idx="2"/>
+          </p:nvPr>
+        </p:nvSpPr>
+        <p:spPr>
+          <a:xfrm>
+            <a:off x="838200" y="6356350"/>
+            <a:ext cx="2743200" cy="365125"/>
+          </a:xfrm>
+          <a:prstGeom prst="rect">
+            <a:avLst/>
+          </a:prstGeom>
+        </p:spPr>
+        <p:txBody>
+          <a:bodyPr vert="horz" lIns="91440" tIns="45720" rIns="91440" bIns="45720" rtlCol="0" anchor="ctr"/>
+          <a:lstStyle>
+            <a:lvl1pPr algn="l">
+              <a:defRPr sz="1200">
+                <a:solidFill>
+                  <a:schemeClr val="tx1">
+                    <a:tint val="75000"/>
+                  </a:schemeClr>
+                </a:solidFill>
+              </a:defRPr>
+            </a:lvl1pPr>
+          </a:lstStyle>
+          <a:p>
+            <a:fld id="{CF55EB8E-6EAC-4474-8D5E-21E595A11C04}" type="datetimeFigureOut">
+              <a:rPr lang="en-AU" smtClean="0"/>
+              <a:t>12/11/2015</a:t>
+            </a:fld>
+            <a:endParaRPr lang="en-AU"/>
+          </a:p>
+        </p:txBody>
+      </p:sp>
+      <p:sp>
+        <p:nvSpPr>
+          <p:cNvPr id="5" name="Footer Placeholder 4"/>
+          <p:cNvSpPr>
+            <a:spLocks noGrp="1"/>
+          </p:cNvSpPr>
+          <p:nvPr>
+            <p:ph type="ftr" sz="quarter" idx="3"/>
+          </p:nvPr>
+        </p:nvSpPr>
+        <p:spPr>
+          <a:xfrm>
+            <a:off x="4038600" y="6356350"/>
+            <a:ext cx="4114800" cy="365125"/>
+          </a:xfrm>
+          <a:prstGeom prst="rect">
+            <a:avLst/>
+          </a:prstGeom>
+        </p:spPr>
+        <p:txBody>
+          <a:bodyPr vert="horz" lIns="91440" tIns="45720" rIns="91440" bIns="45720" rtlCol="0" anchor="ctr"/>
+          <a:lstStyle>
+            <a:lvl1pPr algn="ctr">
+              <a:defRPr sz="1200">
+                <a:solidFill>
+                  <a:schemeClr val="tx1">
+                    <a:tint val="75000"/>
+                  </a:schemeClr>
+                </a:solidFill>
+              </a:defRPr>
+            </a:lvl1pPr>
+          </a:lstStyle>
+          <a:p>
+            <a:endParaRPr lang="en-AU"/>
+          </a:p>
+        </p:txBody>
+      </p:sp>
+      <p:sp>
+        <p:nvSpPr>
+          <p:cNvPr id="6" name="Slide Number Placeholder 5"/>
+          <p:cNvSpPr>
+            <a:spLocks noGrp="1"/>
+          </p:cNvSpPr>
+          <p:nvPr>
+            <p:ph type="sldNum" sz="quarter" idx="4"/>
+          </p:nvPr>
+        </p:nvSpPr>
+        <p:spPr>
+          <a:xfrm>
+            <a:off x="8610600" y="6356350"/>
+            <a:ext cx="2743200" cy="365125"/>
+          </a:xfrm>
+          <a:prstGeom prst="rect">
+            <a:avLst/>
+          </a:prstGeom>
+        </p:spPr>
+        <p:txBody>
+          <a:bodyPr vert="horz" lIns="91440" tIns="45720" rIns="91440" bIns="45720" rtlCol="0" anchor="ctr"/>
+          <a:lstStyle>
+            <a:lvl1pPr algn="r">
+              <a:defRPr sz="1200">
+                <a:solidFill>
+                  <a:schemeClr val="tx1">
+                    <a:tint val="75000"/>
+                  </a:schemeClr>
+                </a:solidFill>
+              </a:defRPr>
+            </a:lvl1pPr>
+          </a:lstStyle>
+          <a:p>
+            <a:fld id="{80AE9DE6-95C7-41CC-9D9D-3855E78792B0}" type="slidenum">
+              <a:rPr lang="en-AU" smtClean="0"/>
+              <a:t>‹#›</a:t>
+            </a:fld>
+            <a:endParaRPr lang="en-AU"/>
+          </a:p>
+        </p:txBody>
+      </p:sp>
+    </p:spTree>
+  </p:cSld>
+  <p:clrMap bg1="lt1" tx1="dk1" bg2="lt2" tx2="dk2" accent1="accent1" accent2="accent2" accent3="accent3" accent4="accent4" accent5="accent5" accent6="accent6" hlink="hlink" folHlink="folHlink"/>
+  <p:sldLayoutIdLst>
+    <p:sldLayoutId id="2147483649" r:id="rId1"/>
+    <p:sldLayoutId id="2147483650" r:id="rId2"/>
+    <p:sldLayoutId id="2147483651" r:id="rId3"/>
+    <p:sldLayoutId id="2147483652" r:id="rId4"/>
+    <p:sldLayoutId id="2147483653" r:id="rId5"/>
+    <p:sldLayoutId id="2147483654" r:id="rId6"/>
+    <p:sldLayoutId id="2147483655" r:id="rId7"/>
+    <p:sldLayoutId id="2147483656" r:id="rId8"/>
+    <p:sldLayoutId id="2147483657" r:id="rId9"/>
+    <p:sldLayoutId id="2147483658" r:id="rId10"/>
+    <p:sldLayoutId id="2147483659" r:id="rId11"/>
+    <p:sldLayoutId id="2147483660" r:id="rId12"/>
+  </p:sldLayoutIdLst>
+  <p:txStyles>
+    <p:titleStyle>
+      <a:lvl1pPr algn="l" defTabSz="914400" rtl="0" eaLnBrk="1" latinLnBrk="0" hangingPunct="1">
+        <a:lnSpc>
+          <a:spcPct val="90000"/>
+        </a:lnSpc>
+        <a:spcBef>
+          <a:spcPct val="0"/>
+        </a:spcBef>
+        <a:buNone/>
+        <a:defRPr sz="4400" kern="1200">
+          <a:solidFill>
+            <a:schemeClr val="tx1"/>
+          </a:solidFill>
+          <a:latin typeface="+mj-lt"/>
+          <a:ea typeface="+mj-ea"/>
+          <a:cs typeface="+mj-cs"/>
+        </a:defRPr>
+      </a:lvl1pPr>
+    </p:titleStyle>
+    <p:bodyStyle>
+      <a:lvl1pPr marL="228600" indent="-228600" algn="l" defTabSz="914400" rtl="0" eaLnBrk="1" latinLnBrk="0" hangingPunct="1">
+        <a:lnSpc>
+          <a:spcPct val="90000"/>
+        </a:lnSpc>
+        <a:spcBef>
+          <a:spcPts val="1000"/>
+        </a:spcBef>
+        <a:buFont typeface="Arial" panose="020B0604020202020204" pitchFamily="34" charset="0"/>
+        <a:buChar char="•"/>
+        <a:defRPr sz="2800" kern="1200">
+          <a:solidFill>
+            <a:schemeClr val="tx1"/>
+          </a:solidFill>
+          <a:latin typeface="+mn-lt"/>
+          <a:ea typeface="+mn-ea"/>
+          <a:cs typeface="+mn-cs"/>
+        </a:defRPr>
+      </a:lvl1pPr>
+      <a:lvl2pPr marL="685800" indent="-228600" algn="l" defTabSz="914400" rtl="0" eaLnBrk="1" latinLnBrk="0" hangingPunct="1">
+        <a:lnSpc>
+          <a:spcPct val="90000"/>
+        </a:lnSpc>
+        <a:spcBef>
+          <a:spcPts val="500"/>
+        </a:spcBef>
+        <a:buFont typeface="Arial" panose="020B0604020202020204" pitchFamily="34" charset="0"/>
+        <a:buChar char="•"/>
+        <a:defRPr sz="2400" kern="1200">
+          <a:solidFill>
+            <a:schemeClr val="tx1"/>
+          </a:solidFill>
+          <a:latin typeface="+mn-lt"/>
+          <a:ea typeface="+mn-ea"/>
+          <a:cs typeface="+mn-cs"/>
+        </a:defRPr>
+      </a:lvl2pPr>
+      <a:lvl3pPr marL="1143000" indent="-228600" algn="l" defTabSz="914400" rtl="0" eaLnBrk="1" latinLnBrk="0" hangingPunct="1">
+        <a:lnSpc>
+          <a:spcPct val="90000"/>
+        </a:lnSpc>
+        <a:spcBef>
+          <a:spcPts val="500"/>
+        </a:spcBef>
+        <a:buFont typeface="Arial" panose="020B0604020202020204" pitchFamily="34" charset="0"/>
+        <a:buChar char="•"/>
+        <a:defRPr sz="2000" kern="1200">
+          <a:solidFill>
+            <a:schemeClr val="tx1"/>
+          </a:solidFill>
+          <a:latin typeface="+mn-lt"/>
+          <a:ea typeface="+mn-ea"/>
+          <a:cs typeface="+mn-cs"/>
+        </a:defRPr>
+      </a:lvl3pPr>
+      <a:lvl4pPr marL="1600200" indent="-228600" algn="l" defTabSz="914400" rtl="0" eaLnBrk="1" latinLnBrk="0" hangingPunct="1">
+        <a:lnSpc>
+          <a:spcPct val="90000"/>
+        </a:lnSpc>
+        <a:spcBef>
+          <a:spcPts val="500"/>
+        </a:spcBef>
+        <a:buFont typeface="Arial" panose="020B0604020202020204" pitchFamily="34" charset="0"/>
+        <a:buChar char="•"/>
+        <a:defRPr sz="1800" kern="1200">
+          <a:solidFill>
+            <a:schemeClr val="tx1"/>
+          </a:solidFill>
+          <a:latin typeface="+mn-lt"/>
+          <a:ea typeface="+mn-ea"/>
+          <a:cs typeface="+mn-cs"/>
+        </a:defRPr>
+      </a:lvl4pPr>
+      <a:lvl5pPr marL="2057400" indent="-228600" algn="l" defTabSz="914400" rtl="0" eaLnBrk="1" latinLnBrk="0" hangingPunct="1">
+        <a:lnSpc>
+          <a:spcPct val="90000"/>
+        </a:lnSpc>
+        <a:spcBef>
+          <a:spcPts val="500"/>
+        </a:spcBef>
+        <a:buFont typeface="Arial" panose="020B0604020202020204" pitchFamily="34" charset="0"/>
+        <a:buChar char="•"/>
+        <a:defRPr sz="1800" kern="1200">
+          <a:solidFill>
+            <a:schemeClr val="tx1"/>
+          </a:solidFill>
+          <a:latin typeface="+mn-lt"/>
+          <a:ea typeface="+mn-ea"/>
+          <a:cs typeface="+mn-cs"/>
+        </a:defRPr>
+      </a:lvl5pPr>
+      <a:lvl6pPr marL="2514600" indent="-228600" algn="l" defTabSz="914400" rtl="0" eaLnBrk="1" latinLnBrk="0" hangingPunct="1">
+        <a:lnSpc>
+          <a:spcPct val="90000"/>
+        </a:lnSpc>
+        <a:spcBef>
+          <a:spcPts val="500"/>
+        </a:spcBef>
+        <a:buFont typeface="Arial" panose="020B0604020202020204" pitchFamily="34" charset="0"/>
+        <a:buChar char="•"/>
+        <a:defRPr sz="1800" kern="1200">
+          <a:solidFill>
+            <a:schemeClr val="tx1"/>
+          </a:solidFill>
+          <a:latin typeface="+mn-lt"/>
+          <a:ea typeface="+mn-ea"/>
+          <a:cs typeface="+mn-cs"/>
+        </a:defRPr>
+      </a:lvl6pPr>
+      <a:lvl7pPr marL="2971800" indent="-228600" algn="l" defTabSz="914400" rtl="0" eaLnBrk="1" latinLnBrk="0" hangingPunct="1">
+        <a:lnSpc>
+          <a:spcPct val="90000"/>
+        </a:lnSpc>
+        <a:spcBef>
+          <a:spcPts val="500"/>
+        </a:spcBef>
+        <a:buFont typeface="Arial" panose="020B0604020202020204" pitchFamily="34" charset="0"/>
+        <a:buChar char="•"/>
+        <a:defRPr sz="1800" kern="1200">
+          <a:solidFill>
+            <a:schemeClr val="tx1"/>
+          </a:solidFill>
+          <a:latin typeface="+mn-lt"/>
+          <a:ea typeface="+mn-ea"/>
+          <a:cs typeface="+mn-cs"/>
+        </a:defRPr>
+      </a:lvl7pPr>
+      <a:lvl8pPr marL="3429000" indent="-228600" algn="l" defTabSz="914400" rtl="0" eaLnBrk="1" latinLnBrk="0" hangingPunct="1">
+        <a:lnSpc>
+          <a:spcPct val="90000"/>
+        </a:lnSpc>
+        <a:spcBef>
+          <a:spcPts val="500"/>
+        </a:spcBef>
+        <a:buFont typeface="Arial" panose="020B0604020202020204" pitchFamily="34" charset="0"/>
+        <a:buChar char="•"/>
+        <a:defRPr sz="1800" kern="1200">
+          <a:solidFill>
+            <a:schemeClr val="tx1"/>
+          </a:solidFill>
+          <a:latin typeface="+mn-lt"/>
+          <a:ea typeface="+mn-ea"/>
+          <a:cs typeface="+mn-cs"/>
+        </a:defRPr>
+      </a:lvl8pPr>
+      <a:lvl9pPr marL="3886200" indent="-228600" algn="l" defTabSz="914400" rtl="0" eaLnBrk="1" latinLnBrk="0" hangingPunct="1">
+        <a:lnSpc>
+          <a:spcPct val="90000"/>
+        </a:lnSpc>
+        <a:spcBef>
+          <a:spcPts val="500"/>
+        </a:spcBef>
+        <a:buFont typeface="Arial" panose="020B0604020202020204" pitchFamily="34" charset="0"/>
+        <a:buChar char="•"/>
+        <a:defRPr sz="1800" kern="1200">
+          <a:solidFill>
+            <a:schemeClr val="tx1"/>
+          </a:solidFill>
+          <a:latin typeface="+mn-lt"/>
+          <a:ea typeface="+mn-ea"/>
+          <a:cs typeface="+mn-cs"/>
+        </a:defRPr>
+      </a:lvl9pPr>
+    </p:bodyStyle>
+    <p:otherStyle>
+      <a:defPPr>
+        <a:defRPr lang="en-US"/>
+      </a:defPPr>
+      <a:lvl1pPr marL="0" algn="l" defTabSz="914400" rtl="0" eaLnBrk="1" latinLnBrk="0" hangingPunct="1">
+        <a:defRPr sz="1800" kern="1200">
+          <a:solidFill>
+            <a:schemeClr val="tx1"/>
+          </a:solidFill>
+          <a:latin typeface="+mn-lt"/>
+          <a:ea typeface="+mn-ea"/>
+          <a:cs typeface="+mn-cs"/>
+        </a:defRPr>
+      </a:lvl1pPr>
+      <a:lvl2pPr marL="457200" algn="l" defTabSz="914400" rtl="0" eaLnBrk="1" latinLnBrk="0" hangingPunct="1">
+        <a:defRPr sz="1800" kern="1200">
+          <a:solidFill>
+            <a:schemeClr val="tx1"/>
+          </a:solidFill>
+          <a:latin typeface="+mn-lt"/>
+          <a:ea typeface="+mn-ea"/>
+          <a:cs typeface="+mn-cs"/>
+        </a:defRPr>
+      </a:lvl2pPr>
+      <a:lvl3pPr marL="914400" algn="l" defTabSz="914400" rtl="0" eaLnBrk="1" latinLnBrk="0" hangingPunct="1">
+        <a:defRPr sz="1800" kern="1200">
+          <a:solidFill>
+            <a:schemeClr val="tx1"/>
+          </a:solidFill>
+          <a:latin typeface="+mn-lt"/>
+          <a:ea typeface="+mn-ea"/>
+          <a:cs typeface="+mn-cs"/>
+        </a:defRPr>
+      </a:lvl3pPr>
+      <a:lvl4pPr marL="1371600" algn="l" defTabSz="914400" rtl="0" eaLnBrk="1" latinLnBrk="0" hangingPunct="1">
+        <a:defRPr sz="1800" kern="1200">
+          <a:solidFill>
+            <a:schemeClr val="tx1"/>
+          </a:solidFill>
+          <a:latin typeface="+mn-lt"/>
+          <a:ea typeface="+mn-ea"/>
+          <a:cs typeface="+mn-cs"/>
+        </a:defRPr>
+      </a:lvl4pPr>
+      <a:lvl5pPr marL="1828800" algn="l" defTabSz="914400" rtl="0" eaLnBrk="1" latinLnBrk="0" hangingPunct="1">
+        <a:defRPr sz="1800" kern="1200">
+          <a:solidFill>
+            <a:schemeClr val="tx1"/>
+          </a:solidFill>
+          <a:latin typeface="+mn-lt"/>
+          <a:ea typeface="+mn-ea"/>
+          <a:cs typeface="+mn-cs"/>
+        </a:defRPr>
+      </a:lvl5pPr>
+      <a:lvl6pPr marL="2286000" algn="l" defTabSz="914400" rtl="0" eaLnBrk="1" latinLnBrk="0" hangingPunct="1">
+        <a:defRPr sz="1800" kern="1200">
+          <a:solidFill>
+            <a:schemeClr val="tx1"/>
+          </a:solidFill>
+          <a:latin typeface="+mn-lt"/>
+          <a:ea typeface="+mn-ea"/>
+          <a:cs typeface="+mn-cs"/>
+        </a:defRPr>
+      </a:lvl6pPr>
+      <a:lvl7pPr marL="2743200" algn="l" defTabSz="914400" rtl="0" eaLnBrk="1" latinLnBrk="0" hangingPunct="1">
+        <a:defRPr sz="1800" kern="1200">
+          <a:solidFill>
+            <a:schemeClr val="tx1"/>
+          </a:solidFill>
+          <a:latin typeface="+mn-lt"/>
+          <a:ea typeface="+mn-ea"/>
+          <a:cs typeface="+mn-cs"/>
+        </a:defRPr>
+      </a:lvl7pPr>
+      <a:lvl8pPr marL="3200400" algn="l" defTabSz="914400" rtl="0" eaLnBrk="1" latinLnBrk="0" hangingPunct="1">
+        <a:defRPr sz="1800" kern="1200">
+          <a:solidFill>
+            <a:schemeClr val="tx1"/>
+          </a:solidFill>
+          <a:latin typeface="+mn-lt"/>
+          <a:ea typeface="+mn-ea"/>
+          <a:cs typeface="+mn-cs"/>
+        </a:defRPr>
+      </a:lvl8pPr>
+      <a:lvl9pPr marL="3657600" algn="l" defTabSz="914400" rtl="0" eaLnBrk="1" latinLnBrk="0" hangingPunct="1">
+        <a:defRPr sz="1800" kern="1200">
+          <a:solidFill>
+            <a:schemeClr val="tx1"/>
+          </a:solidFill>
+          <a:latin typeface="+mn-lt"/>
+          <a:ea typeface="+mn-ea"/>
+          <a:cs typeface="+mn-cs"/>
+        </a:defRPr>
+      </a:lvl9pPr>
+    </p:otherStyle>
+  </p:txStyles>
+</p:sldMaster>
+</file>
+
+<file path=ppt/slideMasters/slideMaster2.xml><?xml version="1.0" encoding="utf-8"?>
+<p:sldMaster xmlns:a="http://schemas.openxmlformats.org/drawingml/2006/main" xmlns:r="http://schemas.openxmlformats.org/officeDocument/2006/relationships" xmlns:p="http://schemas.openxmlformats.org/presentationml/2006/main">
   <p:cSld>
     <p:bg>
       <p:bgPr>
         <a:solidFill>
-          <a:srgbClr val="ffffff"/>
+          <a:srgbClr val="FFFFFF"/>
         </a:solidFill>
+        <a:effectLst/>
       </p:bgPr>
     </p:bg>
     <p:spTree>
@@ -3505,7 +4346,7 @@
       </p:grpSpPr>
       <p:sp>
         <p:nvSpPr>
-          <p:cNvPr id="0" name="PlaceHolder 1"/>
+          <p:cNvPr id="37" name="PlaceHolder 1"/>
           <p:cNvSpPr>
             <a:spLocks noGrp="1"/>
           </p:cNvSpPr>
@@ -3515,51 +4356,31 @@
         </p:nvSpPr>
         <p:spPr>
           <a:xfrm>
-            <a:off x="838080" y="365040"/>
-            <a:ext cx="10514880" cy="1324800"/>
-          </a:xfrm>
-          <a:prstGeom prst="rect">
-            <a:avLst/>
-          </a:prstGeom>
-        </p:spPr>
-        <p:txBody>
-          <a:bodyPr lIns="0" rIns="0" tIns="0" bIns="0" anchor="ctr"/>
+            <a:off x="609480" y="273600"/>
+            <a:ext cx="10972440" cy="1144800"/>
+          </a:xfrm>
+          <a:prstGeom prst="rect">
+            <a:avLst/>
+          </a:prstGeom>
+        </p:spPr>
+        <p:txBody>
+          <a:bodyPr lIns="0" tIns="0" rIns="0" bIns="0" anchor="ctr"/>
+          <a:lstStyle/>
           <a:p>
             <a:pPr algn="ctr"/>
-            <a:endParaRPr/>
-          </a:p>
-        </p:txBody>
-      </p:sp>
-      <p:sp>
-        <p:nvSpPr>
-          <p:cNvPr id="1" name="PlaceHolder 2"/>
-          <p:cNvSpPr>
-            <a:spLocks noGrp="1"/>
-          </p:cNvSpPr>
-          <p:nvPr>
-            <p:ph type="subTitle"/>
-          </p:nvPr>
-        </p:nvSpPr>
-        <p:spPr>
-          <a:xfrm>
-            <a:off x="609480" y="1604520"/>
-            <a:ext cx="10972080" cy="3976560"/>
-          </a:xfrm>
-          <a:prstGeom prst="rect">
-            <a:avLst/>
-          </a:prstGeom>
-        </p:spPr>
-        <p:txBody>
-          <a:bodyPr lIns="0" rIns="0" tIns="0" bIns="0" anchor="ctr"/>
-          <a:p>
-            <a:pPr algn="ctr"/>
-            <a:endParaRPr/>
-          </a:p>
-        </p:txBody>
-      </p:sp>
-      <p:sp>
-        <p:nvSpPr>
-          <p:cNvPr id="2" name="PlaceHolder 3"/>
+            <a:r>
+              <a:rPr lang="en-US" sz="4400" spc="-1">
+                <a:latin typeface="Arial"/>
+              </a:rPr>
+              <a:t>Click to edit the title text format</a:t>
+            </a:r>
+            <a:endParaRPr/>
+          </a:p>
+        </p:txBody>
+      </p:sp>
+      <p:sp>
+        <p:nvSpPr>
+          <p:cNvPr id="38" name="PlaceHolder 2"/>
           <p:cNvSpPr>
             <a:spLocks noGrp="1"/>
           </p:cNvSpPr>
@@ -3577,11 +4398,12 @@
           </a:prstGeom>
         </p:spPr>
         <p:txBody>
-          <a:bodyPr lIns="0" rIns="0" tIns="0" bIns="0"/>
+          <a:bodyPr lIns="0" tIns="0" rIns="0" bIns="0"/>
+          <a:lstStyle/>
           <a:p>
             <a:pPr marL="432000" indent="-324000">
               <a:buClr>
-                <a:srgbClr val="ffffff"/>
+                <a:srgbClr val="FFFFFF"/>
               </a:buClr>
               <a:buSzPct val="45000"/>
               <a:buFont typeface="Wingdings" charset="2"/>
@@ -3596,9 +4418,9 @@
             <a:endParaRPr/>
           </a:p>
           <a:p>
-            <a:pPr lvl="1" marL="864000" indent="-324000">
+            <a:pPr marL="864000" lvl="1" indent="-324000">
               <a:buClr>
-                <a:srgbClr val="ffffff"/>
+                <a:srgbClr val="FFFFFF"/>
               </a:buClr>
               <a:buSzPct val="75000"/>
               <a:buFont typeface="Symbol" charset="2"/>
@@ -3613,9 +4435,9 @@
             <a:endParaRPr/>
           </a:p>
           <a:p>
-            <a:pPr lvl="2" marL="1296000" indent="-288000">
+            <a:pPr marL="1296000" lvl="2" indent="-288000">
               <a:buClr>
-                <a:srgbClr val="ffffff"/>
+                <a:srgbClr val="FFFFFF"/>
               </a:buClr>
               <a:buSzPct val="45000"/>
               <a:buFont typeface="Wingdings" charset="2"/>
@@ -3630,9 +4452,9 @@
             <a:endParaRPr/>
           </a:p>
           <a:p>
-            <a:pPr lvl="3" marL="1728000" indent="-216000">
+            <a:pPr marL="1728000" lvl="3" indent="-216000">
               <a:buClr>
-                <a:srgbClr val="ffffff"/>
+                <a:srgbClr val="FFFFFF"/>
               </a:buClr>
               <a:buSzPct val="75000"/>
               <a:buFont typeface="Symbol" charset="2"/>
@@ -3647,9 +4469,9 @@
             <a:endParaRPr/>
           </a:p>
           <a:p>
-            <a:pPr lvl="4" marL="2160000" indent="-216000">
+            <a:pPr marL="2160000" lvl="4" indent="-216000">
               <a:buClr>
-                <a:srgbClr val="ffffff"/>
+                <a:srgbClr val="FFFFFF"/>
               </a:buClr>
               <a:buSzPct val="45000"/>
               <a:buFont typeface="Wingdings" charset="2"/>
@@ -3664,9 +4486,9 @@
             <a:endParaRPr/>
           </a:p>
           <a:p>
-            <a:pPr lvl="5" marL="2592000" indent="-216000">
+            <a:pPr marL="2592000" lvl="5" indent="-216000">
               <a:buClr>
-                <a:srgbClr val="ffffff"/>
+                <a:srgbClr val="FFFFFF"/>
               </a:buClr>
               <a:buSzPct val="45000"/>
               <a:buFont typeface="Wingdings" charset="2"/>
@@ -3681,9 +4503,9 @@
             <a:endParaRPr/>
           </a:p>
           <a:p>
-            <a:pPr lvl="6" marL="3024000" indent="-216000">
+            <a:pPr marL="3024000" lvl="6" indent="-216000">
               <a:buClr>
-                <a:srgbClr val="ffffff"/>
+                <a:srgbClr val="FFFFFF"/>
               </a:buClr>
               <a:buSzPct val="45000"/>
               <a:buFont typeface="Wingdings" charset="2"/>
@@ -3701,32 +4523,313 @@
       </p:sp>
     </p:spTree>
   </p:cSld>
-  <p:clrMap bg1="lt1" bg2="lt2" tx1="dk1" tx2="dk2" accent1="accent1" accent2="accent2" accent3="accent3" accent4="accent4" accent5="accent5" accent6="accent6" hlink="hlink" folHlink="folHlink"/>
+  <p:clrMap bg1="lt1" tx1="dk1" bg2="lt2" tx2="dk2" accent1="accent1" accent2="accent2" accent3="accent3" accent4="accent4" accent5="accent5" accent6="accent6" hlink="hlink" folHlink="folHlink"/>
   <p:sldLayoutIdLst>
-    <p:sldLayoutId id="2147483649" r:id="rId2"/>
-    <p:sldLayoutId id="2147483650" r:id="rId3"/>
-    <p:sldLayoutId id="2147483651" r:id="rId4"/>
-    <p:sldLayoutId id="2147483652" r:id="rId5"/>
-    <p:sldLayoutId id="2147483653" r:id="rId6"/>
-    <p:sldLayoutId id="2147483654" r:id="rId7"/>
-    <p:sldLayoutId id="2147483655" r:id="rId8"/>
-    <p:sldLayoutId id="2147483656" r:id="rId9"/>
-    <p:sldLayoutId id="2147483657" r:id="rId10"/>
-    <p:sldLayoutId id="2147483658" r:id="rId11"/>
-    <p:sldLayoutId id="2147483659" r:id="rId12"/>
-    <p:sldLayoutId id="2147483660" r:id="rId13"/>
+    <p:sldLayoutId id="2147483662" r:id="rId1"/>
+    <p:sldLayoutId id="2147483663" r:id="rId2"/>
+    <p:sldLayoutId id="2147483664" r:id="rId3"/>
+    <p:sldLayoutId id="2147483665" r:id="rId4"/>
+    <p:sldLayoutId id="2147483666" r:id="rId5"/>
+    <p:sldLayoutId id="2147483667" r:id="rId6"/>
+    <p:sldLayoutId id="2147483668" r:id="rId7"/>
+    <p:sldLayoutId id="2147483669" r:id="rId8"/>
+    <p:sldLayoutId id="2147483670" r:id="rId9"/>
+    <p:sldLayoutId id="2147483671" r:id="rId10"/>
+    <p:sldLayoutId id="2147483672" r:id="rId11"/>
+    <p:sldLayoutId id="2147483673" r:id="rId12"/>
   </p:sldLayoutIdLst>
+  <p:txStyles>
+    <p:titleStyle>
+      <a:lvl1pPr algn="l" defTabSz="914400" rtl="0" eaLnBrk="1" latinLnBrk="0" hangingPunct="1">
+        <a:lnSpc>
+          <a:spcPct val="90000"/>
+        </a:lnSpc>
+        <a:spcBef>
+          <a:spcPct val="0"/>
+        </a:spcBef>
+        <a:buNone/>
+        <a:defRPr sz="4400" kern="1200">
+          <a:solidFill>
+            <a:schemeClr val="tx1"/>
+          </a:solidFill>
+          <a:latin typeface="+mj-lt"/>
+          <a:ea typeface="+mj-ea"/>
+          <a:cs typeface="+mj-cs"/>
+        </a:defRPr>
+      </a:lvl1pPr>
+    </p:titleStyle>
+    <p:bodyStyle>
+      <a:lvl1pPr marL="228600" indent="-228600" algn="l" defTabSz="914400" rtl="0" eaLnBrk="1" latinLnBrk="0" hangingPunct="1">
+        <a:lnSpc>
+          <a:spcPct val="90000"/>
+        </a:lnSpc>
+        <a:spcBef>
+          <a:spcPts val="1000"/>
+        </a:spcBef>
+        <a:buFont typeface="Arial" panose="020B0604020202020204" pitchFamily="34" charset="0"/>
+        <a:buChar char="•"/>
+        <a:defRPr sz="2800" kern="1200">
+          <a:solidFill>
+            <a:schemeClr val="tx1"/>
+          </a:solidFill>
+          <a:latin typeface="+mn-lt"/>
+          <a:ea typeface="+mn-ea"/>
+          <a:cs typeface="+mn-cs"/>
+        </a:defRPr>
+      </a:lvl1pPr>
+      <a:lvl2pPr marL="685800" indent="-228600" algn="l" defTabSz="914400" rtl="0" eaLnBrk="1" latinLnBrk="0" hangingPunct="1">
+        <a:lnSpc>
+          <a:spcPct val="90000"/>
+        </a:lnSpc>
+        <a:spcBef>
+          <a:spcPts val="500"/>
+        </a:spcBef>
+        <a:buFont typeface="Arial" panose="020B0604020202020204" pitchFamily="34" charset="0"/>
+        <a:buChar char="•"/>
+        <a:defRPr sz="2400" kern="1200">
+          <a:solidFill>
+            <a:schemeClr val="tx1"/>
+          </a:solidFill>
+          <a:latin typeface="+mn-lt"/>
+          <a:ea typeface="+mn-ea"/>
+          <a:cs typeface="+mn-cs"/>
+        </a:defRPr>
+      </a:lvl2pPr>
+      <a:lvl3pPr marL="1143000" indent="-228600" algn="l" defTabSz="914400" rtl="0" eaLnBrk="1" latinLnBrk="0" hangingPunct="1">
+        <a:lnSpc>
+          <a:spcPct val="90000"/>
+        </a:lnSpc>
+        <a:spcBef>
+          <a:spcPts val="500"/>
+        </a:spcBef>
+        <a:buFont typeface="Arial" panose="020B0604020202020204" pitchFamily="34" charset="0"/>
+        <a:buChar char="•"/>
+        <a:defRPr sz="2000" kern="1200">
+          <a:solidFill>
+            <a:schemeClr val="tx1"/>
+          </a:solidFill>
+          <a:latin typeface="+mn-lt"/>
+          <a:ea typeface="+mn-ea"/>
+          <a:cs typeface="+mn-cs"/>
+        </a:defRPr>
+      </a:lvl3pPr>
+      <a:lvl4pPr marL="1600200" indent="-228600" algn="l" defTabSz="914400" rtl="0" eaLnBrk="1" latinLnBrk="0" hangingPunct="1">
+        <a:lnSpc>
+          <a:spcPct val="90000"/>
+        </a:lnSpc>
+        <a:spcBef>
+          <a:spcPts val="500"/>
+        </a:spcBef>
+        <a:buFont typeface="Arial" panose="020B0604020202020204" pitchFamily="34" charset="0"/>
+        <a:buChar char="•"/>
+        <a:defRPr sz="1800" kern="1200">
+          <a:solidFill>
+            <a:schemeClr val="tx1"/>
+          </a:solidFill>
+          <a:latin typeface="+mn-lt"/>
+          <a:ea typeface="+mn-ea"/>
+          <a:cs typeface="+mn-cs"/>
+        </a:defRPr>
+      </a:lvl4pPr>
+      <a:lvl5pPr marL="2057400" indent="-228600" algn="l" defTabSz="914400" rtl="0" eaLnBrk="1" latinLnBrk="0" hangingPunct="1">
+        <a:lnSpc>
+          <a:spcPct val="90000"/>
+        </a:lnSpc>
+        <a:spcBef>
+          <a:spcPts val="500"/>
+        </a:spcBef>
+        <a:buFont typeface="Arial" panose="020B0604020202020204" pitchFamily="34" charset="0"/>
+        <a:buChar char="•"/>
+        <a:defRPr sz="1800" kern="1200">
+          <a:solidFill>
+            <a:schemeClr val="tx1"/>
+          </a:solidFill>
+          <a:latin typeface="+mn-lt"/>
+          <a:ea typeface="+mn-ea"/>
+          <a:cs typeface="+mn-cs"/>
+        </a:defRPr>
+      </a:lvl5pPr>
+      <a:lvl6pPr marL="2514600" indent="-228600" algn="l" defTabSz="914400" rtl="0" eaLnBrk="1" latinLnBrk="0" hangingPunct="1">
+        <a:lnSpc>
+          <a:spcPct val="90000"/>
+        </a:lnSpc>
+        <a:spcBef>
+          <a:spcPts val="500"/>
+        </a:spcBef>
+        <a:buFont typeface="Arial" panose="020B0604020202020204" pitchFamily="34" charset="0"/>
+        <a:buChar char="•"/>
+        <a:defRPr sz="1800" kern="1200">
+          <a:solidFill>
+            <a:schemeClr val="tx1"/>
+          </a:solidFill>
+          <a:latin typeface="+mn-lt"/>
+          <a:ea typeface="+mn-ea"/>
+          <a:cs typeface="+mn-cs"/>
+        </a:defRPr>
+      </a:lvl6pPr>
+      <a:lvl7pPr marL="2971800" indent="-228600" algn="l" defTabSz="914400" rtl="0" eaLnBrk="1" latinLnBrk="0" hangingPunct="1">
+        <a:lnSpc>
+          <a:spcPct val="90000"/>
+        </a:lnSpc>
+        <a:spcBef>
+          <a:spcPts val="500"/>
+        </a:spcBef>
+        <a:buFont typeface="Arial" panose="020B0604020202020204" pitchFamily="34" charset="0"/>
+        <a:buChar char="•"/>
+        <a:defRPr sz="1800" kern="1200">
+          <a:solidFill>
+            <a:schemeClr val="tx1"/>
+          </a:solidFill>
+          <a:latin typeface="+mn-lt"/>
+          <a:ea typeface="+mn-ea"/>
+          <a:cs typeface="+mn-cs"/>
+        </a:defRPr>
+      </a:lvl7pPr>
+      <a:lvl8pPr marL="3429000" indent="-228600" algn="l" defTabSz="914400" rtl="0" eaLnBrk="1" latinLnBrk="0" hangingPunct="1">
+        <a:lnSpc>
+          <a:spcPct val="90000"/>
+        </a:lnSpc>
+        <a:spcBef>
+          <a:spcPts val="500"/>
+        </a:spcBef>
+        <a:buFont typeface="Arial" panose="020B0604020202020204" pitchFamily="34" charset="0"/>
+        <a:buChar char="•"/>
+        <a:defRPr sz="1800" kern="1200">
+          <a:solidFill>
+            <a:schemeClr val="tx1"/>
+          </a:solidFill>
+          <a:latin typeface="+mn-lt"/>
+          <a:ea typeface="+mn-ea"/>
+          <a:cs typeface="+mn-cs"/>
+        </a:defRPr>
+      </a:lvl8pPr>
+      <a:lvl9pPr marL="3886200" indent="-228600" algn="l" defTabSz="914400" rtl="0" eaLnBrk="1" latinLnBrk="0" hangingPunct="1">
+        <a:lnSpc>
+          <a:spcPct val="90000"/>
+        </a:lnSpc>
+        <a:spcBef>
+          <a:spcPts val="500"/>
+        </a:spcBef>
+        <a:buFont typeface="Arial" panose="020B0604020202020204" pitchFamily="34" charset="0"/>
+        <a:buChar char="•"/>
+        <a:defRPr sz="1800" kern="1200">
+          <a:solidFill>
+            <a:schemeClr val="tx1"/>
+          </a:solidFill>
+          <a:latin typeface="+mn-lt"/>
+          <a:ea typeface="+mn-ea"/>
+          <a:cs typeface="+mn-cs"/>
+        </a:defRPr>
+      </a:lvl9pPr>
+    </p:bodyStyle>
+    <p:otherStyle>
+      <a:defPPr>
+        <a:defRPr lang="en-US"/>
+      </a:defPPr>
+      <a:lvl1pPr marL="0" algn="l" defTabSz="914400" rtl="0" eaLnBrk="1" latinLnBrk="0" hangingPunct="1">
+        <a:defRPr sz="1800" kern="1200">
+          <a:solidFill>
+            <a:schemeClr val="tx1"/>
+          </a:solidFill>
+          <a:latin typeface="+mn-lt"/>
+          <a:ea typeface="+mn-ea"/>
+          <a:cs typeface="+mn-cs"/>
+        </a:defRPr>
+      </a:lvl1pPr>
+      <a:lvl2pPr marL="457200" algn="l" defTabSz="914400" rtl="0" eaLnBrk="1" latinLnBrk="0" hangingPunct="1">
+        <a:defRPr sz="1800" kern="1200">
+          <a:solidFill>
+            <a:schemeClr val="tx1"/>
+          </a:solidFill>
+          <a:latin typeface="+mn-lt"/>
+          <a:ea typeface="+mn-ea"/>
+          <a:cs typeface="+mn-cs"/>
+        </a:defRPr>
+      </a:lvl2pPr>
+      <a:lvl3pPr marL="914400" algn="l" defTabSz="914400" rtl="0" eaLnBrk="1" latinLnBrk="0" hangingPunct="1">
+        <a:defRPr sz="1800" kern="1200">
+          <a:solidFill>
+            <a:schemeClr val="tx1"/>
+          </a:solidFill>
+          <a:latin typeface="+mn-lt"/>
+          <a:ea typeface="+mn-ea"/>
+          <a:cs typeface="+mn-cs"/>
+        </a:defRPr>
+      </a:lvl3pPr>
+      <a:lvl4pPr marL="1371600" algn="l" defTabSz="914400" rtl="0" eaLnBrk="1" latinLnBrk="0" hangingPunct="1">
+        <a:defRPr sz="1800" kern="1200">
+          <a:solidFill>
+            <a:schemeClr val="tx1"/>
+          </a:solidFill>
+          <a:latin typeface="+mn-lt"/>
+          <a:ea typeface="+mn-ea"/>
+          <a:cs typeface="+mn-cs"/>
+        </a:defRPr>
+      </a:lvl4pPr>
+      <a:lvl5pPr marL="1828800" algn="l" defTabSz="914400" rtl="0" eaLnBrk="1" latinLnBrk="0" hangingPunct="1">
+        <a:defRPr sz="1800" kern="1200">
+          <a:solidFill>
+            <a:schemeClr val="tx1"/>
+          </a:solidFill>
+          <a:latin typeface="+mn-lt"/>
+          <a:ea typeface="+mn-ea"/>
+          <a:cs typeface="+mn-cs"/>
+        </a:defRPr>
+      </a:lvl5pPr>
+      <a:lvl6pPr marL="2286000" algn="l" defTabSz="914400" rtl="0" eaLnBrk="1" latinLnBrk="0" hangingPunct="1">
+        <a:defRPr sz="1800" kern="1200">
+          <a:solidFill>
+            <a:schemeClr val="tx1"/>
+          </a:solidFill>
+          <a:latin typeface="+mn-lt"/>
+          <a:ea typeface="+mn-ea"/>
+          <a:cs typeface="+mn-cs"/>
+        </a:defRPr>
+      </a:lvl6pPr>
+      <a:lvl7pPr marL="2743200" algn="l" defTabSz="914400" rtl="0" eaLnBrk="1" latinLnBrk="0" hangingPunct="1">
+        <a:defRPr sz="1800" kern="1200">
+          <a:solidFill>
+            <a:schemeClr val="tx1"/>
+          </a:solidFill>
+          <a:latin typeface="+mn-lt"/>
+          <a:ea typeface="+mn-ea"/>
+          <a:cs typeface="+mn-cs"/>
+        </a:defRPr>
+      </a:lvl7pPr>
+      <a:lvl8pPr marL="3200400" algn="l" defTabSz="914400" rtl="0" eaLnBrk="1" latinLnBrk="0" hangingPunct="1">
+        <a:defRPr sz="1800" kern="1200">
+          <a:solidFill>
+            <a:schemeClr val="tx1"/>
+          </a:solidFill>
+          <a:latin typeface="+mn-lt"/>
+          <a:ea typeface="+mn-ea"/>
+          <a:cs typeface="+mn-cs"/>
+        </a:defRPr>
+      </a:lvl8pPr>
+      <a:lvl9pPr marL="3657600" algn="l" defTabSz="914400" rtl="0" eaLnBrk="1" latinLnBrk="0" hangingPunct="1">
+        <a:defRPr sz="1800" kern="1200">
+          <a:solidFill>
+            <a:schemeClr val="tx1"/>
+          </a:solidFill>
+          <a:latin typeface="+mn-lt"/>
+          <a:ea typeface="+mn-ea"/>
+          <a:cs typeface="+mn-cs"/>
+        </a:defRPr>
+      </a:lvl9pPr>
+    </p:otherStyle>
+  </p:txStyles>
 </p:sldMaster>
 </file>
 
-<file path=ppt/slideMasters/slideMaster2.xml><?xml version="1.0" encoding="utf-8"?>
-<p:sldMaster xmlns:a="http://schemas.openxmlformats.org/drawingml/2006/main" xmlns:p="http://schemas.openxmlformats.org/presentationml/2006/main" xmlns:r="http://schemas.openxmlformats.org/officeDocument/2006/relationships">
+<file path=ppt/slideMasters/slideMaster3.xml><?xml version="1.0" encoding="utf-8"?>
+<p:sldMaster xmlns:a="http://schemas.openxmlformats.org/drawingml/2006/main" xmlns:r="http://schemas.openxmlformats.org/officeDocument/2006/relationships" xmlns:p="http://schemas.openxmlformats.org/presentationml/2006/main">
   <p:cSld>
     <p:bg>
       <p:bgPr>
         <a:solidFill>
-          <a:srgbClr val="ffffff"/>
+          <a:srgbClr val="FFFFFF"/>
         </a:solidFill>
+        <a:effectLst/>
       </p:bgPr>
     </p:bg>
     <p:spTree>
@@ -3745,7 +4848,7 @@
       </p:grpSpPr>
       <p:sp>
         <p:nvSpPr>
-          <p:cNvPr id="37" name="PlaceHolder 1"/>
+          <p:cNvPr id="73" name="PlaceHolder 1"/>
           <p:cNvSpPr>
             <a:spLocks noGrp="1"/>
           </p:cNvSpPr>
@@ -3755,30 +4858,25 @@
         </p:nvSpPr>
         <p:spPr>
           <a:xfrm>
-            <a:off x="609480" y="273600"/>
-            <a:ext cx="10972440" cy="1144800"/>
-          </a:xfrm>
-          <a:prstGeom prst="rect">
-            <a:avLst/>
-          </a:prstGeom>
-        </p:spPr>
-        <p:txBody>
-          <a:bodyPr lIns="0" rIns="0" tIns="0" bIns="0" anchor="ctr"/>
+            <a:off x="838080" y="365040"/>
+            <a:ext cx="10514880" cy="1324800"/>
+          </a:xfrm>
+          <a:prstGeom prst="rect">
+            <a:avLst/>
+          </a:prstGeom>
+        </p:spPr>
+        <p:txBody>
+          <a:bodyPr lIns="0" tIns="0" rIns="0" bIns="0" anchor="ctr"/>
+          <a:lstStyle/>
           <a:p>
             <a:pPr algn="ctr"/>
-            <a:r>
-              <a:rPr lang="en-US" sz="4400" spc="-1">
-                <a:latin typeface="Arial"/>
-              </a:rPr>
-              <a:t>Click to edit the title text format</a:t>
-            </a:r>
-            <a:endParaRPr/>
-          </a:p>
-        </p:txBody>
-      </p:sp>
-      <p:sp>
-        <p:nvSpPr>
-          <p:cNvPr id="38" name="PlaceHolder 2"/>
+            <a:endParaRPr/>
+          </a:p>
+        </p:txBody>
+      </p:sp>
+      <p:sp>
+        <p:nvSpPr>
+          <p:cNvPr id="74" name="PlaceHolder 2"/>
           <p:cNvSpPr>
             <a:spLocks noGrp="1"/>
           </p:cNvSpPr>
@@ -3796,11 +4894,12 @@
           </a:prstGeom>
         </p:spPr>
         <p:txBody>
-          <a:bodyPr lIns="0" rIns="0" tIns="0" bIns="0"/>
+          <a:bodyPr lIns="0" tIns="0" rIns="0" bIns="0"/>
+          <a:lstStyle/>
           <a:p>
             <a:pPr marL="432000" indent="-324000">
               <a:buClr>
-                <a:srgbClr val="ffffff"/>
+                <a:srgbClr val="FFFFFF"/>
               </a:buClr>
               <a:buSzPct val="45000"/>
               <a:buFont typeface="Wingdings" charset="2"/>
@@ -3815,9 +4914,9 @@
             <a:endParaRPr/>
           </a:p>
           <a:p>
-            <a:pPr lvl="1" marL="864000" indent="-324000">
+            <a:pPr marL="864000" lvl="1" indent="-324000">
               <a:buClr>
-                <a:srgbClr val="ffffff"/>
+                <a:srgbClr val="FFFFFF"/>
               </a:buClr>
               <a:buSzPct val="75000"/>
               <a:buFont typeface="Symbol" charset="2"/>
@@ -3832,9 +4931,9 @@
             <a:endParaRPr/>
           </a:p>
           <a:p>
-            <a:pPr lvl="2" marL="1296000" indent="-288000">
+            <a:pPr marL="1296000" lvl="2" indent="-288000">
               <a:buClr>
-                <a:srgbClr val="ffffff"/>
+                <a:srgbClr val="FFFFFF"/>
               </a:buClr>
               <a:buSzPct val="45000"/>
               <a:buFont typeface="Wingdings" charset="2"/>
@@ -3849,9 +4948,9 @@
             <a:endParaRPr/>
           </a:p>
           <a:p>
-            <a:pPr lvl="3" marL="1728000" indent="-216000">
+            <a:pPr marL="1728000" lvl="3" indent="-216000">
               <a:buClr>
-                <a:srgbClr val="ffffff"/>
+                <a:srgbClr val="FFFFFF"/>
               </a:buClr>
               <a:buSzPct val="75000"/>
               <a:buFont typeface="Symbol" charset="2"/>
@@ -3866,9 +4965,9 @@
             <a:endParaRPr/>
           </a:p>
           <a:p>
-            <a:pPr lvl="4" marL="2160000" indent="-216000">
+            <a:pPr marL="2160000" lvl="4" indent="-216000">
               <a:buClr>
-                <a:srgbClr val="ffffff"/>
+                <a:srgbClr val="FFFFFF"/>
               </a:buClr>
               <a:buSzPct val="45000"/>
               <a:buFont typeface="Wingdings" charset="2"/>
@@ -3883,9 +4982,9 @@
             <a:endParaRPr/>
           </a:p>
           <a:p>
-            <a:pPr lvl="5" marL="2592000" indent="-216000">
+            <a:pPr marL="2592000" lvl="5" indent="-216000">
               <a:buClr>
-                <a:srgbClr val="ffffff"/>
+                <a:srgbClr val="FFFFFF"/>
               </a:buClr>
               <a:buSzPct val="45000"/>
               <a:buFont typeface="Wingdings" charset="2"/>
@@ -3900,9 +4999,9 @@
             <a:endParaRPr/>
           </a:p>
           <a:p>
-            <a:pPr lvl="6" marL="3024000" indent="-216000">
+            <a:pPr marL="3024000" lvl="6" indent="-216000">
               <a:buClr>
-                <a:srgbClr val="ffffff"/>
+                <a:srgbClr val="FFFFFF"/>
               </a:buClr>
               <a:buSzPct val="45000"/>
               <a:buFont typeface="Wingdings" charset="2"/>
@@ -3920,32 +5019,316 @@
       </p:sp>
     </p:spTree>
   </p:cSld>
-  <p:clrMap bg1="lt1" bg2="lt2" tx1="dk1" tx2="dk2" accent1="accent1" accent2="accent2" accent3="accent3" accent4="accent4" accent5="accent5" accent6="accent6" hlink="hlink" folHlink="folHlink"/>
+  <p:clrMap bg1="lt1" tx1="dk1" bg2="lt2" tx2="dk2" accent1="accent1" accent2="accent2" accent3="accent3" accent4="accent4" accent5="accent5" accent6="accent6" hlink="hlink" folHlink="folHlink"/>
   <p:sldLayoutIdLst>
-    <p:sldLayoutId id="2147483662" r:id="rId2"/>
-    <p:sldLayoutId id="2147483663" r:id="rId3"/>
-    <p:sldLayoutId id="2147483664" r:id="rId4"/>
-    <p:sldLayoutId id="2147483665" r:id="rId5"/>
-    <p:sldLayoutId id="2147483666" r:id="rId6"/>
-    <p:sldLayoutId id="2147483667" r:id="rId7"/>
-    <p:sldLayoutId id="2147483668" r:id="rId8"/>
-    <p:sldLayoutId id="2147483669" r:id="rId9"/>
-    <p:sldLayoutId id="2147483670" r:id="rId10"/>
-    <p:sldLayoutId id="2147483671" r:id="rId11"/>
-    <p:sldLayoutId id="2147483672" r:id="rId12"/>
-    <p:sldLayoutId id="2147483673" r:id="rId13"/>
+    <p:sldLayoutId id="2147483675" r:id="rId1"/>
+    <p:sldLayoutId id="2147483676" r:id="rId2"/>
+    <p:sldLayoutId id="2147483677" r:id="rId3"/>
+    <p:sldLayoutId id="2147483678" r:id="rId4"/>
+    <p:sldLayoutId id="2147483679" r:id="rId5"/>
+    <p:sldLayoutId id="2147483680" r:id="rId6"/>
+    <p:sldLayoutId id="2147483681" r:id="rId7"/>
+    <p:sldLayoutId id="2147483682" r:id="rId8"/>
+    <p:sldLayoutId id="2147483683" r:id="rId9"/>
+    <p:sldLayoutId id="2147483684" r:id="rId10"/>
+    <p:sldLayoutId id="2147483685" r:id="rId11"/>
+    <p:sldLayoutId id="2147483686" r:id="rId12"/>
   </p:sldLayoutIdLst>
+  <p:txStyles>
+    <p:titleStyle>
+      <a:lvl1pPr algn="l" defTabSz="914400" rtl="0" eaLnBrk="1" latinLnBrk="0" hangingPunct="1">
+        <a:lnSpc>
+          <a:spcPct val="90000"/>
+        </a:lnSpc>
+        <a:spcBef>
+          <a:spcPct val="0"/>
+        </a:spcBef>
+        <a:buNone/>
+        <a:defRPr sz="4400" kern="1200">
+          <a:solidFill>
+            <a:schemeClr val="tx1"/>
+          </a:solidFill>
+          <a:latin typeface="+mj-lt"/>
+          <a:ea typeface="+mj-ea"/>
+          <a:cs typeface="+mj-cs"/>
+        </a:defRPr>
+      </a:lvl1pPr>
+    </p:titleStyle>
+    <p:bodyStyle>
+      <a:lvl1pPr marL="228600" indent="-228600" algn="l" defTabSz="914400" rtl="0" eaLnBrk="1" latinLnBrk="0" hangingPunct="1">
+        <a:lnSpc>
+          <a:spcPct val="90000"/>
+        </a:lnSpc>
+        <a:spcBef>
+          <a:spcPts val="1000"/>
+        </a:spcBef>
+        <a:buFont typeface="Arial" panose="020B0604020202020204" pitchFamily="34" charset="0"/>
+        <a:buChar char="•"/>
+        <a:defRPr sz="2800" kern="1200">
+          <a:solidFill>
+            <a:schemeClr val="tx1"/>
+          </a:solidFill>
+          <a:latin typeface="+mn-lt"/>
+          <a:ea typeface="+mn-ea"/>
+          <a:cs typeface="+mn-cs"/>
+        </a:defRPr>
+      </a:lvl1pPr>
+      <a:lvl2pPr marL="685800" indent="-228600" algn="l" defTabSz="914400" rtl="0" eaLnBrk="1" latinLnBrk="0" hangingPunct="1">
+        <a:lnSpc>
+          <a:spcPct val="90000"/>
+        </a:lnSpc>
+        <a:spcBef>
+          <a:spcPts val="500"/>
+        </a:spcBef>
+        <a:buFont typeface="Arial" panose="020B0604020202020204" pitchFamily="34" charset="0"/>
+        <a:buChar char="•"/>
+        <a:defRPr sz="2400" kern="1200">
+          <a:solidFill>
+            <a:schemeClr val="tx1"/>
+          </a:solidFill>
+          <a:latin typeface="+mn-lt"/>
+          <a:ea typeface="+mn-ea"/>
+          <a:cs typeface="+mn-cs"/>
+        </a:defRPr>
+      </a:lvl2pPr>
+      <a:lvl3pPr marL="1143000" indent="-228600" algn="l" defTabSz="914400" rtl="0" eaLnBrk="1" latinLnBrk="0" hangingPunct="1">
+        <a:lnSpc>
+          <a:spcPct val="90000"/>
+        </a:lnSpc>
+        <a:spcBef>
+          <a:spcPts val="500"/>
+        </a:spcBef>
+        <a:buFont typeface="Arial" panose="020B0604020202020204" pitchFamily="34" charset="0"/>
+        <a:buChar char="•"/>
+        <a:defRPr sz="2000" kern="1200">
+          <a:solidFill>
+            <a:schemeClr val="tx1"/>
+          </a:solidFill>
+          <a:latin typeface="+mn-lt"/>
+          <a:ea typeface="+mn-ea"/>
+          <a:cs typeface="+mn-cs"/>
+        </a:defRPr>
+      </a:lvl3pPr>
+      <a:lvl4pPr marL="1600200" indent="-228600" algn="l" defTabSz="914400" rtl="0" eaLnBrk="1" latinLnBrk="0" hangingPunct="1">
+        <a:lnSpc>
+          <a:spcPct val="90000"/>
+        </a:lnSpc>
+        <a:spcBef>
+          <a:spcPts val="500"/>
+        </a:spcBef>
+        <a:buFont typeface="Arial" panose="020B0604020202020204" pitchFamily="34" charset="0"/>
+        <a:buChar char="•"/>
+        <a:defRPr sz="1800" kern="1200">
+          <a:solidFill>
+            <a:schemeClr val="tx1"/>
+          </a:solidFill>
+          <a:latin typeface="+mn-lt"/>
+          <a:ea typeface="+mn-ea"/>
+          <a:cs typeface="+mn-cs"/>
+        </a:defRPr>
+      </a:lvl4pPr>
+      <a:lvl5pPr marL="2057400" indent="-228600" algn="l" defTabSz="914400" rtl="0" eaLnBrk="1" latinLnBrk="0" hangingPunct="1">
+        <a:lnSpc>
+          <a:spcPct val="90000"/>
+        </a:lnSpc>
+        <a:spcBef>
+          <a:spcPts val="500"/>
+        </a:spcBef>
+        <a:buFont typeface="Arial" panose="020B0604020202020204" pitchFamily="34" charset="0"/>
+        <a:buChar char="•"/>
+        <a:defRPr sz="1800" kern="1200">
+          <a:solidFill>
+            <a:schemeClr val="tx1"/>
+          </a:solidFill>
+          <a:latin typeface="+mn-lt"/>
+          <a:ea typeface="+mn-ea"/>
+          <a:cs typeface="+mn-cs"/>
+        </a:defRPr>
+      </a:lvl5pPr>
+      <a:lvl6pPr marL="2514600" indent="-228600" algn="l" defTabSz="914400" rtl="0" eaLnBrk="1" latinLnBrk="0" hangingPunct="1">
+        <a:lnSpc>
+          <a:spcPct val="90000"/>
+        </a:lnSpc>
+        <a:spcBef>
+          <a:spcPts val="500"/>
+        </a:spcBef>
+        <a:buFont typeface="Arial" panose="020B0604020202020204" pitchFamily="34" charset="0"/>
+        <a:buChar char="•"/>
+        <a:defRPr sz="1800" kern="1200">
+          <a:solidFill>
+            <a:schemeClr val="tx1"/>
+          </a:solidFill>
+          <a:latin typeface="+mn-lt"/>
+          <a:ea typeface="+mn-ea"/>
+          <a:cs typeface="+mn-cs"/>
+        </a:defRPr>
+      </a:lvl6pPr>
+      <a:lvl7pPr marL="2971800" indent="-228600" algn="l" defTabSz="914400" rtl="0" eaLnBrk="1" latinLnBrk="0" hangingPunct="1">
+        <a:lnSpc>
+          <a:spcPct val="90000"/>
+        </a:lnSpc>
+        <a:spcBef>
+          <a:spcPts val="500"/>
+        </a:spcBef>
+        <a:buFont typeface="Arial" panose="020B0604020202020204" pitchFamily="34" charset="0"/>
+        <a:buChar char="•"/>
+        <a:defRPr sz="1800" kern="1200">
+          <a:solidFill>
+            <a:schemeClr val="tx1"/>
+          </a:solidFill>
+          <a:latin typeface="+mn-lt"/>
+          <a:ea typeface="+mn-ea"/>
+          <a:cs typeface="+mn-cs"/>
+        </a:defRPr>
+      </a:lvl7pPr>
+      <a:lvl8pPr marL="3429000" indent="-228600" algn="l" defTabSz="914400" rtl="0" eaLnBrk="1" latinLnBrk="0" hangingPunct="1">
+        <a:lnSpc>
+          <a:spcPct val="90000"/>
+        </a:lnSpc>
+        <a:spcBef>
+          <a:spcPts val="500"/>
+        </a:spcBef>
+        <a:buFont typeface="Arial" panose="020B0604020202020204" pitchFamily="34" charset="0"/>
+        <a:buChar char="•"/>
+        <a:defRPr sz="1800" kern="1200">
+          <a:solidFill>
+            <a:schemeClr val="tx1"/>
+          </a:solidFill>
+          <a:latin typeface="+mn-lt"/>
+          <a:ea typeface="+mn-ea"/>
+          <a:cs typeface="+mn-cs"/>
+        </a:defRPr>
+      </a:lvl8pPr>
+      <a:lvl9pPr marL="3886200" indent="-228600" algn="l" defTabSz="914400" rtl="0" eaLnBrk="1" latinLnBrk="0" hangingPunct="1">
+        <a:lnSpc>
+          <a:spcPct val="90000"/>
+        </a:lnSpc>
+        <a:spcBef>
+          <a:spcPts val="500"/>
+        </a:spcBef>
+        <a:buFont typeface="Arial" panose="020B0604020202020204" pitchFamily="34" charset="0"/>
+        <a:buChar char="•"/>
+        <a:defRPr sz="1800" kern="1200">
+          <a:solidFill>
+            <a:schemeClr val="tx1"/>
+          </a:solidFill>
+          <a:latin typeface="+mn-lt"/>
+          <a:ea typeface="+mn-ea"/>
+          <a:cs typeface="+mn-cs"/>
+        </a:defRPr>
+      </a:lvl9pPr>
+    </p:bodyStyle>
+    <p:otherStyle>
+      <a:defPPr>
+        <a:defRPr lang="en-US"/>
+      </a:defPPr>
+      <a:lvl1pPr marL="0" algn="l" defTabSz="914400" rtl="0" eaLnBrk="1" latinLnBrk="0" hangingPunct="1">
+        <a:defRPr sz="1800" kern="1200">
+          <a:solidFill>
+            <a:schemeClr val="tx1"/>
+          </a:solidFill>
+          <a:latin typeface="+mn-lt"/>
+          <a:ea typeface="+mn-ea"/>
+          <a:cs typeface="+mn-cs"/>
+        </a:defRPr>
+      </a:lvl1pPr>
+      <a:lvl2pPr marL="457200" algn="l" defTabSz="914400" rtl="0" eaLnBrk="1" latinLnBrk="0" hangingPunct="1">
+        <a:defRPr sz="1800" kern="1200">
+          <a:solidFill>
+            <a:schemeClr val="tx1"/>
+          </a:solidFill>
+          <a:latin typeface="+mn-lt"/>
+          <a:ea typeface="+mn-ea"/>
+          <a:cs typeface="+mn-cs"/>
+        </a:defRPr>
+      </a:lvl2pPr>
+      <a:lvl3pPr marL="914400" algn="l" defTabSz="914400" rtl="0" eaLnBrk="1" latinLnBrk="0" hangingPunct="1">
+        <a:defRPr sz="1800" kern="1200">
+          <a:solidFill>
+            <a:schemeClr val="tx1"/>
+          </a:solidFill>
+          <a:latin typeface="+mn-lt"/>
+          <a:ea typeface="+mn-ea"/>
+          <a:cs typeface="+mn-cs"/>
+        </a:defRPr>
+      </a:lvl3pPr>
+      <a:lvl4pPr marL="1371600" algn="l" defTabSz="914400" rtl="0" eaLnBrk="1" latinLnBrk="0" hangingPunct="1">
+        <a:defRPr sz="1800" kern="1200">
+          <a:solidFill>
+            <a:schemeClr val="tx1"/>
+          </a:solidFill>
+          <a:latin typeface="+mn-lt"/>
+          <a:ea typeface="+mn-ea"/>
+          <a:cs typeface="+mn-cs"/>
+        </a:defRPr>
+      </a:lvl4pPr>
+      <a:lvl5pPr marL="1828800" algn="l" defTabSz="914400" rtl="0" eaLnBrk="1" latinLnBrk="0" hangingPunct="1">
+        <a:defRPr sz="1800" kern="1200">
+          <a:solidFill>
+            <a:schemeClr val="tx1"/>
+          </a:solidFill>
+          <a:latin typeface="+mn-lt"/>
+          <a:ea typeface="+mn-ea"/>
+          <a:cs typeface="+mn-cs"/>
+        </a:defRPr>
+      </a:lvl5pPr>
+      <a:lvl6pPr marL="2286000" algn="l" defTabSz="914400" rtl="0" eaLnBrk="1" latinLnBrk="0" hangingPunct="1">
+        <a:defRPr sz="1800" kern="1200">
+          <a:solidFill>
+            <a:schemeClr val="tx1"/>
+          </a:solidFill>
+          <a:latin typeface="+mn-lt"/>
+          <a:ea typeface="+mn-ea"/>
+          <a:cs typeface="+mn-cs"/>
+        </a:defRPr>
+      </a:lvl6pPr>
+      <a:lvl7pPr marL="2743200" algn="l" defTabSz="914400" rtl="0" eaLnBrk="1" latinLnBrk="0" hangingPunct="1">
+        <a:defRPr sz="1800" kern="1200">
+          <a:solidFill>
+            <a:schemeClr val="tx1"/>
+          </a:solidFill>
+          <a:latin typeface="+mn-lt"/>
+          <a:ea typeface="+mn-ea"/>
+          <a:cs typeface="+mn-cs"/>
+        </a:defRPr>
+      </a:lvl7pPr>
+      <a:lvl8pPr marL="3200400" algn="l" defTabSz="914400" rtl="0" eaLnBrk="1" latinLnBrk="0" hangingPunct="1">
+        <a:defRPr sz="1800" kern="1200">
+          <a:solidFill>
+            <a:schemeClr val="tx1"/>
+          </a:solidFill>
+          <a:latin typeface="+mn-lt"/>
+          <a:ea typeface="+mn-ea"/>
+          <a:cs typeface="+mn-cs"/>
+        </a:defRPr>
+      </a:lvl8pPr>
+      <a:lvl9pPr marL="3657600" algn="l" defTabSz="914400" rtl="0" eaLnBrk="1" latinLnBrk="0" hangingPunct="1">
+        <a:defRPr sz="1800" kern="1200">
+          <a:solidFill>
+            <a:schemeClr val="tx1"/>
+          </a:solidFill>
+          <a:latin typeface="+mn-lt"/>
+          <a:ea typeface="+mn-ea"/>
+          <a:cs typeface="+mn-cs"/>
+        </a:defRPr>
+      </a:lvl9pPr>
+    </p:otherStyle>
+  </p:txStyles>
 </p:sldMaster>
 </file>
 
-<file path=ppt/slideMasters/slideMaster3.xml><?xml version="1.0" encoding="utf-8"?>
-<p:sldMaster xmlns:a="http://schemas.openxmlformats.org/drawingml/2006/main" xmlns:p="http://schemas.openxmlformats.org/presentationml/2006/main" xmlns:r="http://schemas.openxmlformats.org/officeDocument/2006/relationships">
+<file path=ppt/slides/slide1.xml><?xml version="1.0" encoding="utf-8"?>
+<p:sld xmlns:a="http://schemas.openxmlformats.org/drawingml/2006/main" xmlns:r="http://schemas.openxmlformats.org/officeDocument/2006/relationships" xmlns:p="http://schemas.openxmlformats.org/presentationml/2006/main">
   <p:cSld>
     <p:bg>
       <p:bgPr>
-        <a:solidFill>
-          <a:srgbClr val="ffffff"/>
-        </a:solidFill>
+        <a:blipFill>
+          <a:blip r:embed="rId2"/>
+          <a:stretch>
+            <a:fillRect/>
+          </a:stretch>
+        </a:blipFill>
+        <a:effectLst/>
       </p:bgPr>
     </p:bg>
     <p:spTree>
@@ -3964,222 +5347,6 @@
       </p:grpSpPr>
       <p:sp>
         <p:nvSpPr>
-          <p:cNvPr id="73" name="PlaceHolder 1"/>
-          <p:cNvSpPr>
-            <a:spLocks noGrp="1"/>
-          </p:cNvSpPr>
-          <p:nvPr>
-            <p:ph type="title"/>
-          </p:nvPr>
-        </p:nvSpPr>
-        <p:spPr>
-          <a:xfrm>
-            <a:off x="838080" y="365040"/>
-            <a:ext cx="10514880" cy="1324800"/>
-          </a:xfrm>
-          <a:prstGeom prst="rect">
-            <a:avLst/>
-          </a:prstGeom>
-        </p:spPr>
-        <p:txBody>
-          <a:bodyPr lIns="0" rIns="0" tIns="0" bIns="0" anchor="ctr"/>
-          <a:p>
-            <a:pPr algn="ctr"/>
-            <a:endParaRPr/>
-          </a:p>
-        </p:txBody>
-      </p:sp>
-      <p:sp>
-        <p:nvSpPr>
-          <p:cNvPr id="74" name="PlaceHolder 2"/>
-          <p:cNvSpPr>
-            <a:spLocks noGrp="1"/>
-          </p:cNvSpPr>
-          <p:nvPr>
-            <p:ph type="body"/>
-          </p:nvPr>
-        </p:nvSpPr>
-        <p:spPr>
-          <a:xfrm>
-            <a:off x="609480" y="1604520"/>
-            <a:ext cx="10972440" cy="3976920"/>
-          </a:xfrm>
-          <a:prstGeom prst="rect">
-            <a:avLst/>
-          </a:prstGeom>
-        </p:spPr>
-        <p:txBody>
-          <a:bodyPr lIns="0" rIns="0" tIns="0" bIns="0"/>
-          <a:p>
-            <a:pPr marL="432000" indent="-324000">
-              <a:buClr>
-                <a:srgbClr val="ffffff"/>
-              </a:buClr>
-              <a:buSzPct val="45000"/>
-              <a:buFont typeface="Wingdings" charset="2"/>
-              <a:buChar char=""/>
-            </a:pPr>
-            <a:r>
-              <a:rPr lang="en-US" sz="3200" spc="-1">
-                <a:latin typeface="Arial"/>
-              </a:rPr>
-              <a:t>Click to edit the outline text format</a:t>
-            </a:r>
-            <a:endParaRPr/>
-          </a:p>
-          <a:p>
-            <a:pPr lvl="1" marL="864000" indent="-324000">
-              <a:buClr>
-                <a:srgbClr val="ffffff"/>
-              </a:buClr>
-              <a:buSzPct val="75000"/>
-              <a:buFont typeface="Symbol" charset="2"/>
-              <a:buChar char=""/>
-            </a:pPr>
-            <a:r>
-              <a:rPr lang="en-US" sz="2800" spc="-1">
-                <a:latin typeface="Arial"/>
-              </a:rPr>
-              <a:t>Second Outline Level</a:t>
-            </a:r>
-            <a:endParaRPr/>
-          </a:p>
-          <a:p>
-            <a:pPr lvl="2" marL="1296000" indent="-288000">
-              <a:buClr>
-                <a:srgbClr val="ffffff"/>
-              </a:buClr>
-              <a:buSzPct val="45000"/>
-              <a:buFont typeface="Wingdings" charset="2"/>
-              <a:buChar char=""/>
-            </a:pPr>
-            <a:r>
-              <a:rPr lang="en-US" sz="2400" spc="-1">
-                <a:latin typeface="Arial"/>
-              </a:rPr>
-              <a:t>Third Outline Level</a:t>
-            </a:r>
-            <a:endParaRPr/>
-          </a:p>
-          <a:p>
-            <a:pPr lvl="3" marL="1728000" indent="-216000">
-              <a:buClr>
-                <a:srgbClr val="ffffff"/>
-              </a:buClr>
-              <a:buSzPct val="75000"/>
-              <a:buFont typeface="Symbol" charset="2"/>
-              <a:buChar char=""/>
-            </a:pPr>
-            <a:r>
-              <a:rPr lang="en-US" sz="2000" spc="-1">
-                <a:latin typeface="Arial"/>
-              </a:rPr>
-              <a:t>Fourth Outline Level</a:t>
-            </a:r>
-            <a:endParaRPr/>
-          </a:p>
-          <a:p>
-            <a:pPr lvl="4" marL="2160000" indent="-216000">
-              <a:buClr>
-                <a:srgbClr val="ffffff"/>
-              </a:buClr>
-              <a:buSzPct val="45000"/>
-              <a:buFont typeface="Wingdings" charset="2"/>
-              <a:buChar char=""/>
-            </a:pPr>
-            <a:r>
-              <a:rPr lang="en-US" sz="2000" spc="-1">
-                <a:latin typeface="Arial"/>
-              </a:rPr>
-              <a:t>Fifth Outline Level</a:t>
-            </a:r>
-            <a:endParaRPr/>
-          </a:p>
-          <a:p>
-            <a:pPr lvl="5" marL="2592000" indent="-216000">
-              <a:buClr>
-                <a:srgbClr val="ffffff"/>
-              </a:buClr>
-              <a:buSzPct val="45000"/>
-              <a:buFont typeface="Wingdings" charset="2"/>
-              <a:buChar char=""/>
-            </a:pPr>
-            <a:r>
-              <a:rPr lang="en-US" sz="2000" spc="-1">
-                <a:latin typeface="Arial"/>
-              </a:rPr>
-              <a:t>Sixth Outline Level</a:t>
-            </a:r>
-            <a:endParaRPr/>
-          </a:p>
-          <a:p>
-            <a:pPr lvl="6" marL="3024000" indent="-216000">
-              <a:buClr>
-                <a:srgbClr val="ffffff"/>
-              </a:buClr>
-              <a:buSzPct val="45000"/>
-              <a:buFont typeface="Wingdings" charset="2"/>
-              <a:buChar char=""/>
-            </a:pPr>
-            <a:r>
-              <a:rPr lang="en-US" sz="2000" spc="-1">
-                <a:latin typeface="Arial"/>
-              </a:rPr>
-              <a:t>Seventh Outline Level</a:t>
-            </a:r>
-            <a:endParaRPr/>
-          </a:p>
-        </p:txBody>
-      </p:sp>
-    </p:spTree>
-  </p:cSld>
-  <p:clrMap bg1="lt1" bg2="lt2" tx1="dk1" tx2="dk2" accent1="accent1" accent2="accent2" accent3="accent3" accent4="accent4" accent5="accent5" accent6="accent6" hlink="hlink" folHlink="folHlink"/>
-  <p:sldLayoutIdLst>
-    <p:sldLayoutId id="2147483675" r:id="rId2"/>
-    <p:sldLayoutId id="2147483676" r:id="rId3"/>
-    <p:sldLayoutId id="2147483677" r:id="rId4"/>
-    <p:sldLayoutId id="2147483678" r:id="rId5"/>
-    <p:sldLayoutId id="2147483679" r:id="rId6"/>
-    <p:sldLayoutId id="2147483680" r:id="rId7"/>
-    <p:sldLayoutId id="2147483681" r:id="rId8"/>
-    <p:sldLayoutId id="2147483682" r:id="rId9"/>
-    <p:sldLayoutId id="2147483683" r:id="rId10"/>
-    <p:sldLayoutId id="2147483684" r:id="rId11"/>
-    <p:sldLayoutId id="2147483685" r:id="rId12"/>
-    <p:sldLayoutId id="2147483686" r:id="rId13"/>
-  </p:sldLayoutIdLst>
-</p:sldMaster>
-</file>
-
-<file path=ppt/slides/slide1.xml><?xml version="1.0" encoding="utf-8"?>
-<p:sld xmlns:a="http://schemas.openxmlformats.org/drawingml/2006/main" xmlns:p="http://schemas.openxmlformats.org/presentationml/2006/main" xmlns:r="http://schemas.openxmlformats.org/officeDocument/2006/relationships">
-  <p:cSld>
-    <p:bg>
-      <p:bgPr>
-        <a:blipFill>
-          <a:blip r:embed="rId1"/>
-          <a:stretch>
-            <a:fillRect/>
-          </a:stretch>
-        </a:blipFill>
-      </p:bgPr>
-    </p:bg>
-    <p:spTree>
-      <p:nvGrpSpPr>
-        <p:cNvPr id="1" name=""/>
-        <p:cNvGrpSpPr/>
-        <p:nvPr/>
-      </p:nvGrpSpPr>
-      <p:grpSpPr>
-        <a:xfrm>
-          <a:off x="0" y="0"/>
-          <a:ext cx="0" cy="0"/>
-          <a:chOff x="0" y="0"/>
-          <a:chExt cx="0" cy="0"/>
-        </a:xfrm>
-      </p:grpSpPr>
-      <p:sp>
-        <p:nvSpPr>
           <p:cNvPr id="109" name="CustomShape 1"/>
           <p:cNvSpPr/>
           <p:nvPr/>
@@ -4198,13 +5365,20 @@
           </a:ln>
         </p:spPr>
         <p:style>
-          <a:lnRef idx="0"/>
-          <a:fillRef idx="0"/>
-          <a:effectRef idx="0"/>
+          <a:lnRef idx="0">
+            <a:scrgbClr r="0" g="0" b="0"/>
+          </a:lnRef>
+          <a:fillRef idx="0">
+            <a:scrgbClr r="0" g="0" b="0"/>
+          </a:fillRef>
+          <a:effectRef idx="0">
+            <a:scrgbClr r="0" g="0" b="0"/>
+          </a:effectRef>
           <a:fontRef idx="minor"/>
         </p:style>
         <p:txBody>
-          <a:bodyPr lIns="90000" rIns="90000" tIns="45000" bIns="45000" anchor="b"/>
+          <a:bodyPr lIns="90000" tIns="45000" rIns="90000" bIns="45000" anchor="b"/>
+          <a:lstStyle/>
           <a:p>
             <a:pPr algn="ctr">
               <a:lnSpc>
@@ -4212,20 +5386,20 @@
               </a:lnSpc>
             </a:pPr>
             <a:r>
-              <a:rPr lang="en-US" sz="8000" spc="-1" strike="noStrike">
+              <a:rPr lang="en-US" sz="8000" strike="noStrike" spc="-1" dirty="0">
                 <a:solidFill>
-                  <a:srgbClr val="ffffff"/>
+                  <a:srgbClr val="FFFFFF"/>
                 </a:solidFill>
                 <a:uFill>
                   <a:solidFill>
-                    <a:srgbClr val="ffffff"/>
+                    <a:srgbClr val="FFFFFF"/>
                   </a:solidFill>
                 </a:uFill>
                 <a:latin typeface="Agency FB"/>
               </a:rPr>
               <a:t>The Undertaker</a:t>
             </a:r>
-            <a:endParaRPr/>
+            <a:endParaRPr dirty="0"/>
           </a:p>
         </p:txBody>
       </p:sp>
@@ -4237,7 +5411,7 @@
         </p:nvSpPr>
         <p:spPr>
           <a:xfrm>
-            <a:off x="2902680" y="3527640"/>
+            <a:off x="3221640" y="3529080"/>
             <a:ext cx="5603040" cy="477720"/>
           </a:xfrm>
           <a:prstGeom prst="rect">
@@ -4249,13 +5423,20 @@
           </a:ln>
         </p:spPr>
         <p:style>
-          <a:lnRef idx="0"/>
-          <a:fillRef idx="0"/>
-          <a:effectRef idx="0"/>
+          <a:lnRef idx="0">
+            <a:scrgbClr r="0" g="0" b="0"/>
+          </a:lnRef>
+          <a:fillRef idx="0">
+            <a:scrgbClr r="0" g="0" b="0"/>
+          </a:fillRef>
+          <a:effectRef idx="0">
+            <a:scrgbClr r="0" g="0" b="0"/>
+          </a:effectRef>
           <a:fontRef idx="minor"/>
         </p:style>
         <p:txBody>
-          <a:bodyPr lIns="90000" rIns="90000" tIns="45000" bIns="45000"/>
+          <a:bodyPr lIns="90000" tIns="45000" rIns="90000" bIns="45000"/>
+          <a:lstStyle/>
           <a:p>
             <a:pPr algn="ctr">
               <a:lnSpc>
@@ -4263,20 +5444,20 @@
               </a:lnSpc>
             </a:pPr>
             <a:r>
-              <a:rPr lang="en-US" sz="3000" spc="-1" strike="noStrike">
+              <a:rPr lang="en-US" sz="3000" strike="noStrike" spc="-1" dirty="0">
                 <a:solidFill>
-                  <a:srgbClr val="ffffff"/>
+                  <a:srgbClr val="FFFFFF"/>
                 </a:solidFill>
                 <a:uFill>
                   <a:solidFill>
-                    <a:srgbClr val="ffffff"/>
+                    <a:srgbClr val="FFFFFF"/>
                   </a:solidFill>
                 </a:uFill>
                 <a:latin typeface="Agency FB"/>
               </a:rPr>
               <a:t>NEW GAME</a:t>
             </a:r>
-            <a:endParaRPr/>
+            <a:endParaRPr dirty="0"/>
           </a:p>
           <a:p>
             <a:pPr algn="ctr">
@@ -4284,36 +5465,13 @@
                 <a:spcPct val="100000"/>
               </a:lnSpc>
             </a:pPr>
-            <a:endParaRPr/>
+            <a:endParaRPr dirty="0"/>
           </a:p>
         </p:txBody>
       </p:sp>
       <p:pic>
         <p:nvPicPr>
-          <p:cNvPr id="111" name="Picture 3" descr=""/>
-          <p:cNvPicPr/>
-          <p:nvPr/>
-        </p:nvPicPr>
-        <p:blipFill>
-          <a:blip r:embed="rId2"/>
-          <a:stretch/>
-        </p:blipFill>
-        <p:spPr>
-          <a:xfrm>
-            <a:off x="475200" y="5257800"/>
-            <a:ext cx="920160" cy="1311840"/>
-          </a:xfrm>
-          <a:prstGeom prst="rect">
-            <a:avLst/>
-          </a:prstGeom>
-          <a:ln>
-            <a:noFill/>
-          </a:ln>
-        </p:spPr>
-      </p:pic>
-      <p:pic>
-        <p:nvPicPr>
-          <p:cNvPr id="112" name="Picture 4" descr=""/>
+          <p:cNvPr id="111" name="Picture 3"/>
           <p:cNvPicPr/>
           <p:nvPr/>
         </p:nvPicPr>
@@ -4323,8 +5481,8 @@
         </p:blipFill>
         <p:spPr>
           <a:xfrm>
-            <a:off x="7235640" y="5359680"/>
-            <a:ext cx="468360" cy="140040"/>
+            <a:off x="458640" y="4773780"/>
+            <a:ext cx="920160" cy="1311840"/>
           </a:xfrm>
           <a:prstGeom prst="rect">
             <a:avLst/>
@@ -4334,6 +5492,29 @@
           </a:ln>
         </p:spPr>
       </p:pic>
+      <p:pic>
+        <p:nvPicPr>
+          <p:cNvPr id="112" name="Picture 4"/>
+          <p:cNvPicPr/>
+          <p:nvPr/>
+        </p:nvPicPr>
+        <p:blipFill>
+          <a:blip r:embed="rId4"/>
+          <a:stretch/>
+        </p:blipFill>
+        <p:spPr>
+          <a:xfrm>
+            <a:off x="8480240" y="4794120"/>
+            <a:ext cx="468360" cy="140040"/>
+          </a:xfrm>
+          <a:prstGeom prst="rect">
+            <a:avLst/>
+          </a:prstGeom>
+          <a:ln>
+            <a:noFill/>
+          </a:ln>
+        </p:spPr>
+      </p:pic>
       <p:sp>
         <p:nvSpPr>
           <p:cNvPr id="113" name="CustomShape 3"/>
@@ -4342,7 +5523,7 @@
         </p:nvSpPr>
         <p:spPr>
           <a:xfrm>
-            <a:off x="2900160" y="4087800"/>
+            <a:off x="3221640" y="4193450"/>
             <a:ext cx="5603040" cy="477720"/>
           </a:xfrm>
           <a:prstGeom prst="rect">
@@ -4354,13 +5535,20 @@
           </a:ln>
         </p:spPr>
         <p:style>
-          <a:lnRef idx="0"/>
-          <a:fillRef idx="0"/>
-          <a:effectRef idx="0"/>
+          <a:lnRef idx="0">
+            <a:scrgbClr r="0" g="0" b="0"/>
+          </a:lnRef>
+          <a:fillRef idx="0">
+            <a:scrgbClr r="0" g="0" b="0"/>
+          </a:fillRef>
+          <a:effectRef idx="0">
+            <a:scrgbClr r="0" g="0" b="0"/>
+          </a:effectRef>
           <a:fontRef idx="minor"/>
         </p:style>
         <p:txBody>
-          <a:bodyPr lIns="90000" rIns="90000" tIns="45000" bIns="45000"/>
+          <a:bodyPr lIns="90000" tIns="45000" rIns="90000" bIns="45000"/>
+          <a:lstStyle/>
           <a:p>
             <a:pPr algn="ctr">
               <a:lnSpc>
@@ -4368,13 +5556,13 @@
               </a:lnSpc>
             </a:pPr>
             <a:r>
-              <a:rPr lang="en-US" sz="3000" spc="-1" strike="noStrike">
+              <a:rPr lang="en-US" sz="3000" strike="noStrike" spc="-1" dirty="0">
                 <a:solidFill>
-                  <a:srgbClr val="ffffff"/>
+                  <a:srgbClr val="FFFFFF"/>
                 </a:solidFill>
                 <a:uFill>
                   <a:solidFill>
-                    <a:srgbClr val="ffffff"/>
+                    <a:srgbClr val="FFFFFF"/>
                   </a:solidFill>
                 </a:uFill>
                 <a:latin typeface="Agency FB"/>
@@ -4382,7 +5570,7 @@
               </a:rPr>
               <a:t>TUTORIAL</a:t>
             </a:r>
-            <a:endParaRPr/>
+            <a:endParaRPr dirty="0"/>
           </a:p>
           <a:p>
             <a:pPr algn="ctr">
@@ -4390,7 +5578,7 @@
                 <a:spcPct val="90000"/>
               </a:lnSpc>
             </a:pPr>
-            <a:endParaRPr/>
+            <a:endParaRPr dirty="0"/>
           </a:p>
         </p:txBody>
       </p:sp>
@@ -4402,7 +5590,7 @@
         </p:nvSpPr>
         <p:spPr>
           <a:xfrm>
-            <a:off x="2900160" y="4566240"/>
+            <a:off x="3221640" y="4794120"/>
             <a:ext cx="5603040" cy="553680"/>
           </a:xfrm>
           <a:prstGeom prst="rect">
@@ -4414,13 +5602,20 @@
           </a:ln>
         </p:spPr>
         <p:style>
-          <a:lnRef idx="0"/>
-          <a:fillRef idx="0"/>
-          <a:effectRef idx="0"/>
+          <a:lnRef idx="0">
+            <a:scrgbClr r="0" g="0" b="0"/>
+          </a:lnRef>
+          <a:fillRef idx="0">
+            <a:scrgbClr r="0" g="0" b="0"/>
+          </a:fillRef>
+          <a:effectRef idx="0">
+            <a:scrgbClr r="0" g="0" b="0"/>
+          </a:effectRef>
           <a:fontRef idx="minor"/>
         </p:style>
         <p:txBody>
-          <a:bodyPr lIns="90000" rIns="90000" tIns="45000" bIns="45000"/>
+          <a:bodyPr lIns="90000" tIns="45000" rIns="90000" bIns="45000"/>
+          <a:lstStyle/>
           <a:p>
             <a:pPr algn="ctr">
               <a:lnSpc>
@@ -4428,13 +5623,13 @@
               </a:lnSpc>
             </a:pPr>
             <a:r>
-              <a:rPr lang="en-US" sz="3000" spc="-1" strike="noStrike">
+              <a:rPr lang="en-US" sz="3000" strike="noStrike" spc="-1" dirty="0">
                 <a:solidFill>
-                  <a:srgbClr val="ffc000"/>
+                  <a:srgbClr val="FFC000"/>
                 </a:solidFill>
                 <a:uFill>
                   <a:solidFill>
-                    <a:srgbClr val="ffffff"/>
+                    <a:srgbClr val="FFFFFF"/>
                   </a:solidFill>
                 </a:uFill>
                 <a:latin typeface="Agency FB"/>
@@ -4442,7 +5637,7 @@
               </a:rPr>
               <a:t>TEAM “NEW ORLEANS“</a:t>
             </a:r>
-            <a:endParaRPr/>
+            <a:endParaRPr dirty="0"/>
           </a:p>
           <a:p>
             <a:pPr algn="ctr">
@@ -4450,7 +5645,7 @@
                 <a:spcPct val="90000"/>
               </a:lnSpc>
             </a:pPr>
-            <a:endParaRPr/>
+            <a:endParaRPr dirty="0"/>
           </a:p>
         </p:txBody>
       </p:sp>
@@ -4462,7 +5657,7 @@
         </p:nvSpPr>
         <p:spPr>
           <a:xfrm>
-            <a:off x="2900160" y="5126400"/>
+            <a:off x="3221640" y="5362560"/>
             <a:ext cx="5603040" cy="612360"/>
           </a:xfrm>
           <a:prstGeom prst="rect">
@@ -4474,13 +5669,20 @@
           </a:ln>
         </p:spPr>
         <p:style>
-          <a:lnRef idx="0"/>
-          <a:fillRef idx="0"/>
-          <a:effectRef idx="0"/>
+          <a:lnRef idx="0">
+            <a:scrgbClr r="0" g="0" b="0"/>
+          </a:lnRef>
+          <a:fillRef idx="0">
+            <a:scrgbClr r="0" g="0" b="0"/>
+          </a:fillRef>
+          <a:effectRef idx="0">
+            <a:scrgbClr r="0" g="0" b="0"/>
+          </a:effectRef>
           <a:fontRef idx="minor"/>
         </p:style>
         <p:txBody>
-          <a:bodyPr lIns="90000" rIns="90000" tIns="45000" bIns="45000"/>
+          <a:bodyPr lIns="90000" tIns="45000" rIns="90000" bIns="45000"/>
+          <a:lstStyle/>
           <a:p>
             <a:pPr algn="ctr">
               <a:lnSpc>
@@ -4488,13 +5690,13 @@
               </a:lnSpc>
             </a:pPr>
             <a:r>
-              <a:rPr lang="en-US" sz="3000" spc="-1" strike="noStrike">
+              <a:rPr lang="en-US" sz="3000" strike="noStrike" spc="-1" dirty="0">
                 <a:solidFill>
-                  <a:srgbClr val="ffffff"/>
+                  <a:srgbClr val="FFFFFF"/>
                 </a:solidFill>
                 <a:uFill>
                   <a:solidFill>
-                    <a:srgbClr val="ffffff"/>
+                    <a:srgbClr val="FFFFFF"/>
                   </a:solidFill>
                 </a:uFill>
                 <a:latin typeface="Agency FB"/>
@@ -4502,7 +5704,7 @@
               </a:rPr>
               <a:t>LEADER BOARD</a:t>
             </a:r>
-            <a:endParaRPr/>
+            <a:endParaRPr dirty="0"/>
           </a:p>
           <a:p>
             <a:pPr algn="ctr">
@@ -4510,12 +5712,15 @@
                 <a:spcPct val="90000"/>
               </a:lnSpc>
             </a:pPr>
-            <a:endParaRPr/>
+            <a:endParaRPr dirty="0"/>
           </a:p>
         </p:txBody>
       </p:sp>
     </p:spTree>
   </p:cSld>
+  <p:clrMapOvr>
+    <a:masterClrMapping/>
+  </p:clrMapOvr>
   <p:timing>
     <p:tnLst>
       <p:par>
@@ -4524,14 +5729,14 @@
             <p:seq>
               <p:cTn id="2" nodeType="mainSeq"/>
               <p:prevCondLst>
-                <p:cond delay="0" evt="onPrev">
+                <p:cond evt="onPrev" delay="0">
                   <p:tgtEl>
                     <p:sldTgt/>
                   </p:tgtEl>
                 </p:cond>
               </p:prevCondLst>
               <p:nextCondLst>
-                <p:cond delay="0" evt="onNext">
+                <p:cond evt="onNext" delay="0">
                   <p:tgtEl>
                     <p:sldTgt/>
                   </p:tgtEl>
@@ -4547,7 +5752,7 @@
 </file>
 
 <file path=ppt/slides/slide2.xml><?xml version="1.0" encoding="utf-8"?>
-<p:sld xmlns:a="http://schemas.openxmlformats.org/drawingml/2006/main" xmlns:p="http://schemas.openxmlformats.org/presentationml/2006/main" xmlns:r="http://schemas.openxmlformats.org/officeDocument/2006/relationships">
+<p:sld xmlns:a="http://schemas.openxmlformats.org/drawingml/2006/main" xmlns:r="http://schemas.openxmlformats.org/officeDocument/2006/relationships" xmlns:p="http://schemas.openxmlformats.org/presentationml/2006/main">
   <p:cSld>
     <p:spTree>
       <p:nvGrpSpPr>
@@ -4583,13 +5788,20 @@
           </a:ln>
         </p:spPr>
         <p:style>
-          <a:lnRef idx="0"/>
-          <a:fillRef idx="0"/>
-          <a:effectRef idx="0"/>
+          <a:lnRef idx="0">
+            <a:scrgbClr r="0" g="0" b="0"/>
+          </a:lnRef>
+          <a:fillRef idx="0">
+            <a:scrgbClr r="0" g="0" b="0"/>
+          </a:fillRef>
+          <a:effectRef idx="0">
+            <a:scrgbClr r="0" g="0" b="0"/>
+          </a:effectRef>
           <a:fontRef idx="minor"/>
         </p:style>
         <p:txBody>
-          <a:bodyPr lIns="90000" rIns="90000" tIns="45000" bIns="45000" anchor="ctr"/>
+          <a:bodyPr lIns="90000" tIns="45000" rIns="90000" bIns="45000" anchor="ctr"/>
+          <a:lstStyle/>
           <a:p>
             <a:pPr>
               <a:lnSpc>
@@ -4597,13 +5809,13 @@
               </a:lnSpc>
             </a:pPr>
             <a:r>
-              <a:rPr b="1" lang="en-US" sz="4400" spc="-1" strike="noStrike">
+              <a:rPr lang="en-US" sz="4400" b="1" strike="noStrike" spc="-1">
                 <a:solidFill>
-                  <a:srgbClr val="c00000"/>
+                  <a:srgbClr val="C00000"/>
                 </a:solidFill>
                 <a:uFill>
                   <a:solidFill>
-                    <a:srgbClr val="ffffff"/>
+                    <a:srgbClr val="FFFFFF"/>
                   </a:solidFill>
                 </a:uFill>
                 <a:latin typeface="Agency FB"/>
@@ -4623,7 +5835,7 @@
         <p:spPr>
           <a:xfrm>
             <a:off x="838080" y="1825560"/>
-            <a:ext cx="10514880" cy="4350600"/>
+            <a:ext cx="6464420" cy="4350600"/>
           </a:xfrm>
           <a:prstGeom prst="rect">
             <a:avLst/>
@@ -4634,13 +5846,20 @@
           </a:ln>
         </p:spPr>
         <p:style>
-          <a:lnRef idx="0"/>
-          <a:fillRef idx="0"/>
-          <a:effectRef idx="0"/>
+          <a:lnRef idx="0">
+            <a:scrgbClr r="0" g="0" b="0"/>
+          </a:lnRef>
+          <a:fillRef idx="0">
+            <a:scrgbClr r="0" g="0" b="0"/>
+          </a:fillRef>
+          <a:effectRef idx="0">
+            <a:scrgbClr r="0" g="0" b="0"/>
+          </a:effectRef>
           <a:fontRef idx="minor"/>
         </p:style>
         <p:txBody>
-          <a:bodyPr lIns="90000" rIns="90000" tIns="45000" bIns="45000"/>
+          <a:bodyPr lIns="90000" tIns="45000" rIns="90000" bIns="45000"/>
+          <a:lstStyle/>
           <a:p>
             <a:pPr marL="228600" indent="-227880">
               <a:lnSpc>
@@ -4650,20 +5869,48 @@
               <a:buChar char="•"/>
             </a:pPr>
             <a:r>
-              <a:rPr lang="en-US" sz="2800" spc="-1" strike="noStrike">
+              <a:rPr lang="en-US" sz="2800" strike="noStrike" spc="-1" dirty="0">
                 <a:solidFill>
                   <a:srgbClr val="000000"/>
                 </a:solidFill>
                 <a:uFill>
                   <a:solidFill>
-                    <a:srgbClr val="ffffff"/>
+                    <a:srgbClr val="FFFFFF"/>
                   </a:solidFill>
                 </a:uFill>
                 <a:latin typeface="Calibri"/>
               </a:rPr>
-              <a:t>The Undertaker is a GUI video game, written in Java and developed by team New Orleans for the Java Fundamentals teamwork at SoftUni.</a:t>
+              <a:t>The Undertaker is a GUI video game, written in Java and developed by team New Orleans for the Java Fundamentals teamwork at </a:t>
             </a:r>
-            <a:endParaRPr/>
+            <a:r>
+              <a:rPr lang="en-US" sz="2800" strike="noStrike" spc="-1" dirty="0" err="1">
+                <a:solidFill>
+                  <a:srgbClr val="000000"/>
+                </a:solidFill>
+                <a:uFill>
+                  <a:solidFill>
+                    <a:srgbClr val="FFFFFF"/>
+                  </a:solidFill>
+                </a:uFill>
+                <a:latin typeface="Calibri"/>
+              </a:rPr>
+              <a:t>SoftUni</a:t>
+            </a:r>
+            <a:r>
+              <a:rPr lang="en-US" sz="2800" strike="noStrike" spc="-1" dirty="0">
+                <a:solidFill>
+                  <a:srgbClr val="000000"/>
+                </a:solidFill>
+                <a:uFill>
+                  <a:solidFill>
+                    <a:srgbClr val="FFFFFF"/>
+                  </a:solidFill>
+                </a:uFill>
+                <a:latin typeface="Calibri"/>
+              </a:rPr>
+              <a:t>.</a:t>
+            </a:r>
+            <a:endParaRPr dirty="0"/>
           </a:p>
           <a:p>
             <a:pPr marL="228600" indent="-227880">
@@ -4674,20 +5921,20 @@
               <a:buChar char="•"/>
             </a:pPr>
             <a:r>
-              <a:rPr lang="en-US" sz="2800" spc="-1" strike="noStrike">
+              <a:rPr lang="en-US" sz="2800" strike="noStrike" spc="-1" dirty="0">
                 <a:solidFill>
                   <a:srgbClr val="000000"/>
                 </a:solidFill>
                 <a:uFill>
                   <a:solidFill>
-                    <a:srgbClr val="ffffff"/>
+                    <a:srgbClr val="FFFFFF"/>
                   </a:solidFill>
                 </a:uFill>
                 <a:latin typeface="Calibri"/>
               </a:rPr>
               <a:t>The main theme of the game is a battle between a lone soldier, who has to fight with numerous monsters, such as dragons, dinosaurs, etc.</a:t>
             </a:r>
-            <a:endParaRPr/>
+            <a:endParaRPr dirty="0"/>
           </a:p>
           <a:p>
             <a:pPr>
@@ -4695,28 +5942,644 @@
                 <a:spcPct val="100000"/>
               </a:lnSpc>
             </a:pPr>
-            <a:endParaRPr/>
+            <a:endParaRPr dirty="0"/>
+          </a:p>
+        </p:txBody>
+      </p:sp>
+      <p:pic>
+        <p:nvPicPr>
+          <p:cNvPr id="2" name="Picture 1"/>
+          <p:cNvPicPr>
+            <a:picLocks noChangeAspect="1"/>
+          </p:cNvPicPr>
+          <p:nvPr/>
+        </p:nvPicPr>
+        <p:blipFill>
+          <a:blip r:embed="rId2">
+            <a:extLst>
+              <a:ext uri="{28A0092B-C50C-407E-A947-70E740481C1C}">
+                <a14:useLocalDpi xmlns:a14="http://schemas.microsoft.com/office/drawing/2010/main" val="0"/>
+              </a:ext>
+            </a:extLst>
+          </a:blip>
+          <a:stretch>
+            <a:fillRect/>
+          </a:stretch>
+        </p:blipFill>
+        <p:spPr>
+          <a:xfrm>
+            <a:off x="9091620" y="1582756"/>
+            <a:ext cx="1695687" cy="733527"/>
+          </a:xfrm>
+          <a:prstGeom prst="rect">
+            <a:avLst/>
+          </a:prstGeom>
+        </p:spPr>
+      </p:pic>
+      <p:pic>
+        <p:nvPicPr>
+          <p:cNvPr id="3" name="Picture 2"/>
+          <p:cNvPicPr>
+            <a:picLocks noChangeAspect="1"/>
+          </p:cNvPicPr>
+          <p:nvPr/>
+        </p:nvPicPr>
+        <p:blipFill>
+          <a:blip r:embed="rId3">
+            <a:extLst>
+              <a:ext uri="{28A0092B-C50C-407E-A947-70E740481C1C}">
+                <a14:useLocalDpi xmlns:a14="http://schemas.microsoft.com/office/drawing/2010/main" val="0"/>
+              </a:ext>
+            </a:extLst>
+          </a:blip>
+          <a:stretch>
+            <a:fillRect/>
+          </a:stretch>
+        </p:blipFill>
+        <p:spPr>
+          <a:xfrm>
+            <a:off x="8977320" y="2570197"/>
+            <a:ext cx="1292435" cy="1350059"/>
+          </a:xfrm>
+          <a:prstGeom prst="rect">
+            <a:avLst/>
+          </a:prstGeom>
+        </p:spPr>
+      </p:pic>
+      <p:pic>
+        <p:nvPicPr>
+          <p:cNvPr id="4" name="Picture 3"/>
+          <p:cNvPicPr>
+            <a:picLocks noChangeAspect="1"/>
+          </p:cNvPicPr>
+          <p:nvPr/>
+        </p:nvPicPr>
+        <p:blipFill>
+          <a:blip r:embed="rId4">
+            <a:extLst>
+              <a:ext uri="{28A0092B-C50C-407E-A947-70E740481C1C}">
+                <a14:useLocalDpi xmlns:a14="http://schemas.microsoft.com/office/drawing/2010/main" val="0"/>
+              </a:ext>
+            </a:extLst>
+          </a:blip>
+          <a:stretch>
+            <a:fillRect/>
+          </a:stretch>
+        </p:blipFill>
+        <p:spPr>
+          <a:xfrm>
+            <a:off x="8240557" y="4174170"/>
+            <a:ext cx="1295501" cy="1252886"/>
+          </a:xfrm>
+          <a:prstGeom prst="rect">
+            <a:avLst/>
+          </a:prstGeom>
+        </p:spPr>
+      </p:pic>
+      <p:pic>
+        <p:nvPicPr>
+          <p:cNvPr id="6" name="Picture 5"/>
+          <p:cNvPicPr>
+            <a:picLocks noChangeAspect="1"/>
+          </p:cNvPicPr>
+          <p:nvPr/>
+        </p:nvPicPr>
+        <p:blipFill>
+          <a:blip r:embed="rId5">
+            <a:extLst>
+              <a:ext uri="{28A0092B-C50C-407E-A947-70E740481C1C}">
+                <a14:useLocalDpi xmlns:a14="http://schemas.microsoft.com/office/drawing/2010/main" val="0"/>
+              </a:ext>
+            </a:extLst>
+          </a:blip>
+          <a:stretch>
+            <a:fillRect/>
+          </a:stretch>
+        </p:blipFill>
+        <p:spPr>
+          <a:xfrm>
+            <a:off x="7060883" y="5504590"/>
+            <a:ext cx="1105054" cy="1047896"/>
+          </a:xfrm>
+          <a:prstGeom prst="rect">
+            <a:avLst/>
+          </a:prstGeom>
+        </p:spPr>
+      </p:pic>
+      <p:pic>
+        <p:nvPicPr>
+          <p:cNvPr id="8" name="Picture 7"/>
+          <p:cNvPicPr>
+            <a:picLocks noChangeAspect="1"/>
+          </p:cNvPicPr>
+          <p:nvPr/>
+        </p:nvPicPr>
+        <p:blipFill>
+          <a:blip r:embed="rId6">
+            <a:extLst>
+              <a:ext uri="{28A0092B-C50C-407E-A947-70E740481C1C}">
+                <a14:useLocalDpi xmlns:a14="http://schemas.microsoft.com/office/drawing/2010/main" val="0"/>
+              </a:ext>
+            </a:extLst>
+          </a:blip>
+          <a:stretch>
+            <a:fillRect/>
+          </a:stretch>
+        </p:blipFill>
+        <p:spPr>
+          <a:xfrm>
+            <a:off x="6095520" y="6380975"/>
+            <a:ext cx="819264" cy="438211"/>
+          </a:xfrm>
+          <a:prstGeom prst="rect">
+            <a:avLst/>
+          </a:prstGeom>
+        </p:spPr>
+      </p:pic>
+      <p:pic>
+        <p:nvPicPr>
+          <p:cNvPr id="9" name="Picture 8"/>
+          <p:cNvPicPr>
+            <a:picLocks noChangeAspect="1"/>
+          </p:cNvPicPr>
+          <p:nvPr/>
+        </p:nvPicPr>
+        <p:blipFill>
+          <a:blip r:embed="rId7">
+            <a:extLst>
+              <a:ext uri="{28A0092B-C50C-407E-A947-70E740481C1C}">
+                <a14:useLocalDpi xmlns:a14="http://schemas.microsoft.com/office/drawing/2010/main" val="0"/>
+              </a:ext>
+            </a:extLst>
+          </a:blip>
+          <a:stretch>
+            <a:fillRect/>
+          </a:stretch>
+        </p:blipFill>
+        <p:spPr>
+          <a:xfrm>
+            <a:off x="10514643" y="371794"/>
+            <a:ext cx="1676634" cy="1419423"/>
+          </a:xfrm>
+          <a:prstGeom prst="rect">
+            <a:avLst/>
+          </a:prstGeom>
+        </p:spPr>
+      </p:pic>
+      <p:sp>
+        <p:nvSpPr>
+          <p:cNvPr id="10" name="Freeform 9"/>
+          <p:cNvSpPr/>
+          <p:nvPr/>
+        </p:nvSpPr>
+        <p:spPr>
+          <a:xfrm>
+            <a:off x="9893300" y="1244261"/>
+            <a:ext cx="431800" cy="241639"/>
+          </a:xfrm>
+          <a:custGeom>
+            <a:avLst/>
+            <a:gdLst>
+              <a:gd name="connsiteX0" fmla="*/ 431800 w 431800"/>
+              <a:gd name="connsiteY0" fmla="*/ 339 h 241639"/>
+              <a:gd name="connsiteX1" fmla="*/ 215900 w 431800"/>
+              <a:gd name="connsiteY1" fmla="*/ 38439 h 241639"/>
+              <a:gd name="connsiteX2" fmla="*/ 0 w 431800"/>
+              <a:gd name="connsiteY2" fmla="*/ 241639 h 241639"/>
+              <a:gd name="connsiteX3" fmla="*/ 0 w 431800"/>
+              <a:gd name="connsiteY3" fmla="*/ 241639 h 241639"/>
+            </a:gdLst>
+            <a:ahLst/>
+            <a:cxnLst>
+              <a:cxn ang="0">
+                <a:pos x="connsiteX0" y="connsiteY0"/>
+              </a:cxn>
+              <a:cxn ang="0">
+                <a:pos x="connsiteX1" y="connsiteY1"/>
+              </a:cxn>
+              <a:cxn ang="0">
+                <a:pos x="connsiteX2" y="connsiteY2"/>
+              </a:cxn>
+              <a:cxn ang="0">
+                <a:pos x="connsiteX3" y="connsiteY3"/>
+              </a:cxn>
+            </a:cxnLst>
+            <a:rect l="l" t="t" r="r" b="b"/>
+            <a:pathLst>
+              <a:path w="431800" h="241639">
+                <a:moveTo>
+                  <a:pt x="431800" y="339"/>
+                </a:moveTo>
+                <a:cubicBezTo>
+                  <a:pt x="359833" y="-720"/>
+                  <a:pt x="287867" y="-1778"/>
+                  <a:pt x="215900" y="38439"/>
+                </a:cubicBezTo>
+                <a:cubicBezTo>
+                  <a:pt x="143933" y="78656"/>
+                  <a:pt x="0" y="241639"/>
+                  <a:pt x="0" y="241639"/>
+                </a:cubicBezTo>
+                <a:lnTo>
+                  <a:pt x="0" y="241639"/>
+                </a:lnTo>
+              </a:path>
+            </a:pathLst>
+          </a:custGeom>
+          <a:noFill/>
+          <a:ln>
+            <a:solidFill>
+              <a:srgbClr val="C00000"/>
+            </a:solidFill>
+            <a:prstDash val="sysDash"/>
+          </a:ln>
+        </p:spPr>
+        <p:style>
+          <a:lnRef idx="2">
+            <a:schemeClr val="accent1">
+              <a:shade val="50000"/>
+            </a:schemeClr>
+          </a:lnRef>
+          <a:fillRef idx="1">
+            <a:schemeClr val="accent1"/>
+          </a:fillRef>
+          <a:effectRef idx="0">
+            <a:schemeClr val="accent1"/>
+          </a:effectRef>
+          <a:fontRef idx="minor">
+            <a:schemeClr val="lt1"/>
+          </a:fontRef>
+        </p:style>
+        <p:txBody>
+          <a:bodyPr rtlCol="0" anchor="ctr"/>
+          <a:lstStyle/>
+          <a:p>
+            <a:pPr algn="ctr"/>
+            <a:endParaRPr lang="en-AU"/>
+          </a:p>
+        </p:txBody>
+      </p:sp>
+      <p:sp>
+        <p:nvSpPr>
+          <p:cNvPr id="11" name="Freeform 10"/>
+          <p:cNvSpPr/>
+          <p:nvPr/>
+        </p:nvSpPr>
+        <p:spPr>
+          <a:xfrm>
+            <a:off x="9131300" y="2209800"/>
+            <a:ext cx="165100" cy="635000"/>
+          </a:xfrm>
+          <a:custGeom>
+            <a:avLst/>
+            <a:gdLst>
+              <a:gd name="connsiteX0" fmla="*/ 165100 w 165100"/>
+              <a:gd name="connsiteY0" fmla="*/ 0 h 635000"/>
+              <a:gd name="connsiteX1" fmla="*/ 50800 w 165100"/>
+              <a:gd name="connsiteY1" fmla="*/ 177800 h 635000"/>
+              <a:gd name="connsiteX2" fmla="*/ 0 w 165100"/>
+              <a:gd name="connsiteY2" fmla="*/ 635000 h 635000"/>
+            </a:gdLst>
+            <a:ahLst/>
+            <a:cxnLst>
+              <a:cxn ang="0">
+                <a:pos x="connsiteX0" y="connsiteY0"/>
+              </a:cxn>
+              <a:cxn ang="0">
+                <a:pos x="connsiteX1" y="connsiteY1"/>
+              </a:cxn>
+              <a:cxn ang="0">
+                <a:pos x="connsiteX2" y="connsiteY2"/>
+              </a:cxn>
+            </a:cxnLst>
+            <a:rect l="l" t="t" r="r" b="b"/>
+            <a:pathLst>
+              <a:path w="165100" h="635000">
+                <a:moveTo>
+                  <a:pt x="165100" y="0"/>
+                </a:moveTo>
+                <a:cubicBezTo>
+                  <a:pt x="121708" y="35983"/>
+                  <a:pt x="78317" y="71967"/>
+                  <a:pt x="50800" y="177800"/>
+                </a:cubicBezTo>
+                <a:cubicBezTo>
+                  <a:pt x="23283" y="283633"/>
+                  <a:pt x="2117" y="548217"/>
+                  <a:pt x="0" y="635000"/>
+                </a:cubicBezTo>
+              </a:path>
+            </a:pathLst>
+          </a:custGeom>
+          <a:noFill/>
+          <a:ln>
+            <a:solidFill>
+              <a:srgbClr val="C00000"/>
+            </a:solidFill>
+            <a:prstDash val="sysDash"/>
+          </a:ln>
+        </p:spPr>
+        <p:style>
+          <a:lnRef idx="2">
+            <a:schemeClr val="accent1">
+              <a:shade val="50000"/>
+            </a:schemeClr>
+          </a:lnRef>
+          <a:fillRef idx="1">
+            <a:schemeClr val="accent1"/>
+          </a:fillRef>
+          <a:effectRef idx="0">
+            <a:schemeClr val="accent1"/>
+          </a:effectRef>
+          <a:fontRef idx="minor">
+            <a:schemeClr val="lt1"/>
+          </a:fontRef>
+        </p:style>
+        <p:txBody>
+          <a:bodyPr rtlCol="0" anchor="ctr"/>
+          <a:lstStyle/>
+          <a:p>
+            <a:pPr algn="ctr"/>
+            <a:endParaRPr lang="en-AU"/>
+          </a:p>
+        </p:txBody>
+      </p:sp>
+      <p:sp>
+        <p:nvSpPr>
+          <p:cNvPr id="12" name="Freeform 11"/>
+          <p:cNvSpPr/>
+          <p:nvPr/>
+        </p:nvSpPr>
+        <p:spPr>
+          <a:xfrm>
+            <a:off x="9105900" y="3721100"/>
+            <a:ext cx="78452" cy="596900"/>
+          </a:xfrm>
+          <a:custGeom>
+            <a:avLst/>
+            <a:gdLst>
+              <a:gd name="connsiteX0" fmla="*/ 50800 w 78452"/>
+              <a:gd name="connsiteY0" fmla="*/ 0 h 596900"/>
+              <a:gd name="connsiteX1" fmla="*/ 76200 w 78452"/>
+              <a:gd name="connsiteY1" fmla="*/ 292100 h 596900"/>
+              <a:gd name="connsiteX2" fmla="*/ 0 w 78452"/>
+              <a:gd name="connsiteY2" fmla="*/ 596900 h 596900"/>
+            </a:gdLst>
+            <a:ahLst/>
+            <a:cxnLst>
+              <a:cxn ang="0">
+                <a:pos x="connsiteX0" y="connsiteY0"/>
+              </a:cxn>
+              <a:cxn ang="0">
+                <a:pos x="connsiteX1" y="connsiteY1"/>
+              </a:cxn>
+              <a:cxn ang="0">
+                <a:pos x="connsiteX2" y="connsiteY2"/>
+              </a:cxn>
+            </a:cxnLst>
+            <a:rect l="l" t="t" r="r" b="b"/>
+            <a:pathLst>
+              <a:path w="78452" h="596900">
+                <a:moveTo>
+                  <a:pt x="50800" y="0"/>
+                </a:moveTo>
+                <a:cubicBezTo>
+                  <a:pt x="67733" y="96308"/>
+                  <a:pt x="84667" y="192617"/>
+                  <a:pt x="76200" y="292100"/>
+                </a:cubicBezTo>
+                <a:cubicBezTo>
+                  <a:pt x="67733" y="391583"/>
+                  <a:pt x="33866" y="494241"/>
+                  <a:pt x="0" y="596900"/>
+                </a:cubicBezTo>
+              </a:path>
+            </a:pathLst>
+          </a:custGeom>
+          <a:noFill/>
+          <a:ln>
+            <a:solidFill>
+              <a:srgbClr val="C00000"/>
+            </a:solidFill>
+            <a:prstDash val="sysDash"/>
+          </a:ln>
+        </p:spPr>
+        <p:style>
+          <a:lnRef idx="2">
+            <a:schemeClr val="accent1">
+              <a:shade val="50000"/>
+            </a:schemeClr>
+          </a:lnRef>
+          <a:fillRef idx="1">
+            <a:schemeClr val="accent1"/>
+          </a:fillRef>
+          <a:effectRef idx="0">
+            <a:schemeClr val="accent1"/>
+          </a:effectRef>
+          <a:fontRef idx="minor">
+            <a:schemeClr val="lt1"/>
+          </a:fontRef>
+        </p:style>
+        <p:txBody>
+          <a:bodyPr rtlCol="0" anchor="ctr"/>
+          <a:lstStyle/>
+          <a:p>
+            <a:pPr algn="ctr"/>
+            <a:endParaRPr lang="en-AU"/>
+          </a:p>
+        </p:txBody>
+      </p:sp>
+      <p:sp>
+        <p:nvSpPr>
+          <p:cNvPr id="13" name="Freeform 12"/>
+          <p:cNvSpPr/>
+          <p:nvPr/>
+        </p:nvSpPr>
+        <p:spPr>
+          <a:xfrm>
+            <a:off x="8331200" y="5473700"/>
+            <a:ext cx="264519" cy="508000"/>
+          </a:xfrm>
+          <a:custGeom>
+            <a:avLst/>
+            <a:gdLst>
+              <a:gd name="connsiteX0" fmla="*/ 241300 w 264519"/>
+              <a:gd name="connsiteY0" fmla="*/ 0 h 508000"/>
+              <a:gd name="connsiteX1" fmla="*/ 241300 w 264519"/>
+              <a:gd name="connsiteY1" fmla="*/ 241300 h 508000"/>
+              <a:gd name="connsiteX2" fmla="*/ 0 w 264519"/>
+              <a:gd name="connsiteY2" fmla="*/ 508000 h 508000"/>
+            </a:gdLst>
+            <a:ahLst/>
+            <a:cxnLst>
+              <a:cxn ang="0">
+                <a:pos x="connsiteX0" y="connsiteY0"/>
+              </a:cxn>
+              <a:cxn ang="0">
+                <a:pos x="connsiteX1" y="connsiteY1"/>
+              </a:cxn>
+              <a:cxn ang="0">
+                <a:pos x="connsiteX2" y="connsiteY2"/>
+              </a:cxn>
+            </a:cxnLst>
+            <a:rect l="l" t="t" r="r" b="b"/>
+            <a:pathLst>
+              <a:path w="264519" h="508000">
+                <a:moveTo>
+                  <a:pt x="241300" y="0"/>
+                </a:moveTo>
+                <a:cubicBezTo>
+                  <a:pt x="261408" y="78316"/>
+                  <a:pt x="281517" y="156633"/>
+                  <a:pt x="241300" y="241300"/>
+                </a:cubicBezTo>
+                <a:cubicBezTo>
+                  <a:pt x="201083" y="325967"/>
+                  <a:pt x="100541" y="416983"/>
+                  <a:pt x="0" y="508000"/>
+                </a:cubicBezTo>
+              </a:path>
+            </a:pathLst>
+          </a:custGeom>
+          <a:noFill/>
+          <a:ln>
+            <a:solidFill>
+              <a:srgbClr val="C00000"/>
+            </a:solidFill>
+            <a:prstDash val="sysDash"/>
+          </a:ln>
+        </p:spPr>
+        <p:style>
+          <a:lnRef idx="2">
+            <a:schemeClr val="accent1">
+              <a:shade val="50000"/>
+            </a:schemeClr>
+          </a:lnRef>
+          <a:fillRef idx="1">
+            <a:schemeClr val="accent1"/>
+          </a:fillRef>
+          <a:effectRef idx="0">
+            <a:schemeClr val="accent1"/>
+          </a:effectRef>
+          <a:fontRef idx="minor">
+            <a:schemeClr val="lt1"/>
+          </a:fontRef>
+        </p:style>
+        <p:txBody>
+          <a:bodyPr rtlCol="0" anchor="ctr"/>
+          <a:lstStyle/>
+          <a:p>
+            <a:pPr algn="ctr"/>
+            <a:endParaRPr lang="en-AU"/>
+          </a:p>
+        </p:txBody>
+      </p:sp>
+      <p:sp>
+        <p:nvSpPr>
+          <p:cNvPr id="14" name="Freeform 13"/>
+          <p:cNvSpPr/>
+          <p:nvPr/>
+        </p:nvSpPr>
+        <p:spPr>
+          <a:xfrm>
+            <a:off x="6578600" y="6121400"/>
+            <a:ext cx="419100" cy="127000"/>
+          </a:xfrm>
+          <a:custGeom>
+            <a:avLst/>
+            <a:gdLst>
+              <a:gd name="connsiteX0" fmla="*/ 419100 w 419100"/>
+              <a:gd name="connsiteY0" fmla="*/ 0 h 127000"/>
+              <a:gd name="connsiteX1" fmla="*/ 203200 w 419100"/>
+              <a:gd name="connsiteY1" fmla="*/ 25400 h 127000"/>
+              <a:gd name="connsiteX2" fmla="*/ 0 w 419100"/>
+              <a:gd name="connsiteY2" fmla="*/ 127000 h 127000"/>
+            </a:gdLst>
+            <a:ahLst/>
+            <a:cxnLst>
+              <a:cxn ang="0">
+                <a:pos x="connsiteX0" y="connsiteY0"/>
+              </a:cxn>
+              <a:cxn ang="0">
+                <a:pos x="connsiteX1" y="connsiteY1"/>
+              </a:cxn>
+              <a:cxn ang="0">
+                <a:pos x="connsiteX2" y="connsiteY2"/>
+              </a:cxn>
+            </a:cxnLst>
+            <a:rect l="l" t="t" r="r" b="b"/>
+            <a:pathLst>
+              <a:path w="419100" h="127000">
+                <a:moveTo>
+                  <a:pt x="419100" y="0"/>
+                </a:moveTo>
+                <a:cubicBezTo>
+                  <a:pt x="346075" y="2116"/>
+                  <a:pt x="273050" y="4233"/>
+                  <a:pt x="203200" y="25400"/>
+                </a:cubicBezTo>
+                <a:cubicBezTo>
+                  <a:pt x="133350" y="46567"/>
+                  <a:pt x="0" y="127000"/>
+                  <a:pt x="0" y="127000"/>
+                </a:cubicBezTo>
+              </a:path>
+            </a:pathLst>
+          </a:custGeom>
+          <a:noFill/>
+          <a:ln>
+            <a:solidFill>
+              <a:srgbClr val="C00000"/>
+            </a:solidFill>
+            <a:prstDash val="sysDash"/>
+          </a:ln>
+        </p:spPr>
+        <p:style>
+          <a:lnRef idx="2">
+            <a:schemeClr val="accent1">
+              <a:shade val="50000"/>
+            </a:schemeClr>
+          </a:lnRef>
+          <a:fillRef idx="1">
+            <a:schemeClr val="accent1"/>
+          </a:fillRef>
+          <a:effectRef idx="0">
+            <a:schemeClr val="accent1"/>
+          </a:effectRef>
+          <a:fontRef idx="minor">
+            <a:schemeClr val="lt1"/>
+          </a:fontRef>
+        </p:style>
+        <p:txBody>
+          <a:bodyPr rtlCol="0" anchor="ctr"/>
+          <a:lstStyle/>
+          <a:p>
+            <a:pPr algn="ctr"/>
+            <a:endParaRPr lang="en-AU"/>
           </a:p>
         </p:txBody>
       </p:sp>
     </p:spTree>
   </p:cSld>
+  <p:clrMapOvr>
+    <a:masterClrMapping/>
+  </p:clrMapOvr>
   <p:timing>
     <p:tnLst>
       <p:par>
-        <p:cTn id="3" dur="indefinite" restart="never" nodeType="tmRoot">
+        <p:cTn id="1" dur="indefinite" restart="never" nodeType="tmRoot">
           <p:childTnLst>
             <p:seq>
-              <p:cTn id="4" nodeType="mainSeq"/>
+              <p:cTn id="2" nodeType="mainSeq"/>
               <p:prevCondLst>
-                <p:cond delay="0" evt="onPrev">
+                <p:cond evt="onPrev" delay="0">
                   <p:tgtEl>
                     <p:sldTgt/>
                   </p:tgtEl>
                 </p:cond>
               </p:prevCondLst>
               <p:nextCondLst>
-                <p:cond delay="0" evt="onNext">
+                <p:cond evt="onNext" delay="0">
                   <p:tgtEl>
                     <p:sldTgt/>
                   </p:tgtEl>
@@ -4732,7 +6595,7 @@
 </file>
 
 <file path=ppt/slides/slide3.xml><?xml version="1.0" encoding="utf-8"?>
-<p:sld xmlns:a="http://schemas.openxmlformats.org/drawingml/2006/main" xmlns:p="http://schemas.openxmlformats.org/presentationml/2006/main" xmlns:r="http://schemas.openxmlformats.org/officeDocument/2006/relationships">
+<p:sld xmlns:a="http://schemas.openxmlformats.org/drawingml/2006/main" xmlns:r="http://schemas.openxmlformats.org/officeDocument/2006/relationships" xmlns:p="http://schemas.openxmlformats.org/presentationml/2006/main">
   <p:cSld>
     <p:spTree>
       <p:nvGrpSpPr>
@@ -4756,13 +6619,18 @@
         </p:nvSpPr>
         <p:spPr>
           <a:xfrm>
-            <a:off x="9782280" y="1322280"/>
+            <a:off x="9759697" y="1316715"/>
             <a:ext cx="2342520" cy="4205520"/>
           </a:xfrm>
           <a:prstGeom prst="rect">
             <a:avLst/>
           </a:prstGeom>
           <a:ln>
+            <a:solidFill>
+              <a:schemeClr val="accent3">
+                <a:lumMod val="75000"/>
+              </a:schemeClr>
+            </a:solidFill>
             <a:round/>
           </a:ln>
         </p:spPr>
@@ -4779,42 +6647,12 @@
           <a:fontRef idx="minor"/>
         </p:style>
         <p:txBody>
-          <a:bodyPr lIns="90000" rIns="90000" tIns="45000" bIns="45000" anchor="ctr"/>
-          <a:p>
-            <a:r>
-              <a:rPr lang="en-US" sz="1800" spc="-1" strike="noStrike">
-                <a:solidFill>
-                  <a:srgbClr val="000000"/>
-                </a:solidFill>
-                <a:uFill>
-                  <a:solidFill>
-                    <a:srgbClr val="ffffff"/>
-                  </a:solidFill>
-                </a:uFill>
-                <a:latin typeface="Arial"/>
-                <a:ea typeface="DejaVu Sans"/>
-              </a:rPr>
-              <a:t>- created the health class</a:t>
-            </a:r>
-            <a:endParaRPr/>
-          </a:p>
-          <a:p>
-            <a:r>
-              <a:rPr lang="en-US" sz="1800" spc="-1" strike="noStrike">
-                <a:solidFill>
-                  <a:srgbClr val="000000"/>
-                </a:solidFill>
-                <a:uFill>
-                  <a:solidFill>
-                    <a:srgbClr val="ffffff"/>
-                  </a:solidFill>
-                </a:uFill>
-                <a:latin typeface="Arial"/>
-                <a:ea typeface="DejaVu Sans"/>
-              </a:rPr>
-              <a:t>- created the scoring </a:t>
-            </a:r>
-            <a:endParaRPr/>
+          <a:bodyPr lIns="90000" tIns="45000" rIns="90000" bIns="45000" anchor="ctr"/>
+          <a:lstStyle/>
+          <a:p>
+            <a:endParaRPr sz="2200" dirty="0">
+              <a:latin typeface="Agency FB" panose="020B0503020202020204" pitchFamily="34" charset="0"/>
+            </a:endParaRPr>
           </a:p>
         </p:txBody>
       </p:sp>
@@ -4826,13 +6664,18 @@
         </p:nvSpPr>
         <p:spPr>
           <a:xfrm>
-            <a:off x="7344720" y="1322280"/>
+            <a:off x="7317360" y="1316715"/>
             <a:ext cx="2342520" cy="4205520"/>
           </a:xfrm>
           <a:prstGeom prst="rect">
             <a:avLst/>
           </a:prstGeom>
           <a:ln>
+            <a:solidFill>
+              <a:schemeClr val="accent3">
+                <a:lumMod val="75000"/>
+              </a:schemeClr>
+            </a:solidFill>
             <a:round/>
           </a:ln>
         </p:spPr>
@@ -4857,13 +6700,18 @@
         </p:nvSpPr>
         <p:spPr>
           <a:xfrm>
-            <a:off x="4965120" y="1320840"/>
+            <a:off x="4895100" y="1316715"/>
             <a:ext cx="2342520" cy="4205520"/>
           </a:xfrm>
           <a:prstGeom prst="rect">
             <a:avLst/>
           </a:prstGeom>
           <a:ln>
+            <a:solidFill>
+              <a:schemeClr val="accent3">
+                <a:lumMod val="75000"/>
+              </a:schemeClr>
+            </a:solidFill>
             <a:round/>
           </a:ln>
         </p:spPr>
@@ -4888,13 +6736,18 @@
         </p:nvSpPr>
         <p:spPr>
           <a:xfrm>
-            <a:off x="2584800" y="1350720"/>
+            <a:off x="2488860" y="1321062"/>
             <a:ext cx="2342520" cy="4205520"/>
           </a:xfrm>
           <a:prstGeom prst="rect">
             <a:avLst/>
           </a:prstGeom>
           <a:ln>
+            <a:solidFill>
+              <a:schemeClr val="accent3">
+                <a:lumMod val="75000"/>
+              </a:schemeClr>
+            </a:solidFill>
             <a:round/>
           </a:ln>
         </p:spPr>
@@ -4926,6 +6779,11 @@
             <a:avLst/>
           </a:prstGeom>
           <a:ln>
+            <a:solidFill>
+              <a:schemeClr val="accent3">
+                <a:lumMod val="75000"/>
+              </a:schemeClr>
+            </a:solidFill>
             <a:round/>
           </a:ln>
         </p:spPr>
@@ -4962,13 +6820,20 @@
           </a:ln>
         </p:spPr>
         <p:style>
-          <a:lnRef idx="0"/>
-          <a:fillRef idx="0"/>
-          <a:effectRef idx="0"/>
+          <a:lnRef idx="0">
+            <a:scrgbClr r="0" g="0" b="0"/>
+          </a:lnRef>
+          <a:fillRef idx="0">
+            <a:scrgbClr r="0" g="0" b="0"/>
+          </a:fillRef>
+          <a:effectRef idx="0">
+            <a:scrgbClr r="0" g="0" b="0"/>
+          </a:effectRef>
           <a:fontRef idx="minor"/>
         </p:style>
         <p:txBody>
-          <a:bodyPr lIns="90000" rIns="90000" tIns="45000" bIns="45000" anchor="ctr"/>
+          <a:bodyPr lIns="90000" tIns="45000" rIns="90000" bIns="45000" anchor="ctr"/>
+          <a:lstStyle/>
           <a:p>
             <a:pPr>
               <a:lnSpc>
@@ -4976,49 +6841,26 @@
               </a:lnSpc>
             </a:pPr>
             <a:r>
-              <a:rPr b="1" lang="en-US" sz="4400" spc="-1" strike="noStrike">
+              <a:rPr lang="en-US" sz="4400" b="1" strike="noStrike" spc="-1" dirty="0">
                 <a:solidFill>
-                  <a:srgbClr val="c00000"/>
+                  <a:srgbClr val="C00000"/>
                 </a:solidFill>
                 <a:uFill>
                   <a:solidFill>
-                    <a:srgbClr val="ffffff"/>
+                    <a:srgbClr val="FFFFFF"/>
                   </a:solidFill>
                 </a:uFill>
                 <a:latin typeface="Agency FB"/>
               </a:rPr>
               <a:t>THE TEAM</a:t>
             </a:r>
-            <a:endParaRPr/>
+            <a:endParaRPr dirty="0"/>
           </a:p>
         </p:txBody>
       </p:sp>
       <p:pic>
         <p:nvPicPr>
-          <p:cNvPr id="124" name="Picture 2" descr=""/>
-          <p:cNvPicPr/>
-          <p:nvPr/>
-        </p:nvPicPr>
-        <p:blipFill>
-          <a:blip r:embed="rId1"/>
-          <a:stretch/>
-        </p:blipFill>
-        <p:spPr>
-          <a:xfrm>
-            <a:off x="-308160" y="5657400"/>
-            <a:ext cx="4057560" cy="1085400"/>
-          </a:xfrm>
-          <a:prstGeom prst="rect">
-            <a:avLst/>
-          </a:prstGeom>
-          <a:ln>
-            <a:noFill/>
-          </a:ln>
-        </p:spPr>
-      </p:pic>
-      <p:pic>
-        <p:nvPicPr>
-          <p:cNvPr id="125" name="Picture 3" descr=""/>
+          <p:cNvPr id="124" name="Picture 2"/>
           <p:cNvPicPr/>
           <p:nvPr/>
         </p:nvPicPr>
@@ -5028,7 +6870,7 @@
         </p:blipFill>
         <p:spPr>
           <a:xfrm>
-            <a:off x="3750120" y="5657400"/>
+            <a:off x="-308160" y="5657400"/>
             <a:ext cx="4057560" cy="1085400"/>
           </a:xfrm>
           <a:prstGeom prst="rect">
@@ -5041,7 +6883,53 @@
       </p:pic>
       <p:pic>
         <p:nvPicPr>
-          <p:cNvPr id="126" name="Picture 4" descr=""/>
+          <p:cNvPr id="125" name="Picture 3"/>
+          <p:cNvPicPr/>
+          <p:nvPr/>
+        </p:nvPicPr>
+        <p:blipFill>
+          <a:blip r:embed="rId2"/>
+          <a:stretch/>
+        </p:blipFill>
+        <p:spPr>
+          <a:xfrm>
+            <a:off x="3750120" y="5657400"/>
+            <a:ext cx="4057560" cy="1085400"/>
+          </a:xfrm>
+          <a:prstGeom prst="rect">
+            <a:avLst/>
+          </a:prstGeom>
+          <a:ln>
+            <a:noFill/>
+          </a:ln>
+        </p:spPr>
+      </p:pic>
+      <p:pic>
+        <p:nvPicPr>
+          <p:cNvPr id="126" name="Picture 4"/>
+          <p:cNvPicPr/>
+          <p:nvPr/>
+        </p:nvPicPr>
+        <p:blipFill>
+          <a:blip r:embed="rId2"/>
+          <a:stretch/>
+        </p:blipFill>
+        <p:spPr>
+          <a:xfrm>
+            <a:off x="7988400" y="5657400"/>
+            <a:ext cx="4057560" cy="1085400"/>
+          </a:xfrm>
+          <a:prstGeom prst="rect">
+            <a:avLst/>
+          </a:prstGeom>
+          <a:ln>
+            <a:noFill/>
+          </a:ln>
+        </p:spPr>
+      </p:pic>
+      <p:pic>
+        <p:nvPicPr>
+          <p:cNvPr id="127" name="Picture 6"/>
           <p:cNvPicPr/>
           <p:nvPr/>
         </p:nvPicPr>
@@ -5051,8 +6939,8 @@
         </p:blipFill>
         <p:spPr>
           <a:xfrm>
-            <a:off x="7988400" y="5657400"/>
-            <a:ext cx="4057560" cy="1085400"/>
+            <a:off x="170280" y="1360800"/>
+            <a:ext cx="677880" cy="790920"/>
           </a:xfrm>
           <a:prstGeom prst="rect">
             <a:avLst/>
@@ -5064,7 +6952,7 @@
       </p:pic>
       <p:pic>
         <p:nvPicPr>
-          <p:cNvPr id="127" name="Picture 6" descr=""/>
+          <p:cNvPr id="128" name="Picture 13"/>
           <p:cNvPicPr/>
           <p:nvPr/>
         </p:nvPicPr>
@@ -5074,8 +6962,8 @@
         </p:blipFill>
         <p:spPr>
           <a:xfrm>
-            <a:off x="170280" y="1360800"/>
-            <a:ext cx="677880" cy="790920"/>
+            <a:off x="4965120" y="1360800"/>
+            <a:ext cx="1129320" cy="803520"/>
           </a:xfrm>
           <a:prstGeom prst="rect">
             <a:avLst/>
@@ -5087,7 +6975,7 @@
       </p:pic>
       <p:pic>
         <p:nvPicPr>
-          <p:cNvPr id="128" name="Picture 13" descr=""/>
+          <p:cNvPr id="129" name="Picture 14"/>
           <p:cNvPicPr/>
           <p:nvPr/>
         </p:nvPicPr>
@@ -5097,8 +6985,8 @@
         </p:blipFill>
         <p:spPr>
           <a:xfrm>
-            <a:off x="4965120" y="1360800"/>
-            <a:ext cx="1129320" cy="803520"/>
+            <a:off x="2638440" y="1463040"/>
+            <a:ext cx="881640" cy="678960"/>
           </a:xfrm>
           <a:prstGeom prst="rect">
             <a:avLst/>
@@ -5108,9 +6996,459 @@
           </a:ln>
         </p:spPr>
       </p:pic>
+      <p:sp>
+        <p:nvSpPr>
+          <p:cNvPr id="130" name="CustomShape 7"/>
+          <p:cNvSpPr/>
+          <p:nvPr/>
+        </p:nvSpPr>
+        <p:spPr>
+          <a:xfrm>
+            <a:off x="956520" y="1371960"/>
+            <a:ext cx="1443600" cy="1552320"/>
+          </a:xfrm>
+          <a:prstGeom prst="rect">
+            <a:avLst/>
+          </a:prstGeom>
+          <a:noFill/>
+          <a:ln>
+            <a:noFill/>
+          </a:ln>
+        </p:spPr>
+        <p:style>
+          <a:lnRef idx="0">
+            <a:scrgbClr r="0" g="0" b="0"/>
+          </a:lnRef>
+          <a:fillRef idx="0">
+            <a:scrgbClr r="0" g="0" b="0"/>
+          </a:fillRef>
+          <a:effectRef idx="0">
+            <a:scrgbClr r="0" g="0" b="0"/>
+          </a:effectRef>
+          <a:fontRef idx="minor"/>
+        </p:style>
+        <p:txBody>
+          <a:bodyPr lIns="90000" tIns="45000" rIns="90000" bIns="45000"/>
+          <a:lstStyle/>
+          <a:p>
+            <a:pPr>
+              <a:lnSpc>
+                <a:spcPct val="100000"/>
+              </a:lnSpc>
+            </a:pPr>
+            <a:r>
+              <a:rPr lang="en-US" sz="2400" b="1" strike="noStrike" spc="-1" dirty="0">
+                <a:solidFill>
+                  <a:srgbClr val="404040"/>
+                </a:solidFill>
+                <a:uFill>
+                  <a:solidFill>
+                    <a:srgbClr val="FFFFFF"/>
+                  </a:solidFill>
+                </a:uFill>
+                <a:latin typeface="Agency FB"/>
+                <a:ea typeface="DejaVu Sans"/>
+              </a:rPr>
+              <a:t>SIMEON</a:t>
+            </a:r>
+            <a:endParaRPr dirty="0"/>
+          </a:p>
+          <a:p>
+            <a:pPr>
+              <a:lnSpc>
+                <a:spcPct val="100000"/>
+              </a:lnSpc>
+            </a:pPr>
+            <a:r>
+              <a:rPr lang="en-US" sz="2400" b="1" strike="noStrike" spc="-1" dirty="0">
+                <a:solidFill>
+                  <a:srgbClr val="FFC000"/>
+                </a:solidFill>
+                <a:uFill>
+                  <a:solidFill>
+                    <a:srgbClr val="FFFFFF"/>
+                  </a:solidFill>
+                </a:uFill>
+                <a:latin typeface="Agency FB"/>
+                <a:ea typeface="DejaVu Sans"/>
+              </a:rPr>
+              <a:t>VANOV</a:t>
+            </a:r>
+            <a:endParaRPr dirty="0"/>
+          </a:p>
+          <a:p>
+            <a:pPr>
+              <a:lnSpc>
+                <a:spcPct val="100000"/>
+              </a:lnSpc>
+            </a:pPr>
+            <a:endParaRPr dirty="0"/>
+          </a:p>
+        </p:txBody>
+      </p:sp>
+      <p:sp>
+        <p:nvSpPr>
+          <p:cNvPr id="131" name="CustomShape 8"/>
+          <p:cNvSpPr/>
+          <p:nvPr/>
+        </p:nvSpPr>
+        <p:spPr>
+          <a:xfrm>
+            <a:off x="3522600" y="1472760"/>
+            <a:ext cx="1443600" cy="1918080"/>
+          </a:xfrm>
+          <a:prstGeom prst="rect">
+            <a:avLst/>
+          </a:prstGeom>
+          <a:noFill/>
+          <a:ln>
+            <a:noFill/>
+          </a:ln>
+        </p:spPr>
+        <p:style>
+          <a:lnRef idx="0">
+            <a:scrgbClr r="0" g="0" b="0"/>
+          </a:lnRef>
+          <a:fillRef idx="0">
+            <a:scrgbClr r="0" g="0" b="0"/>
+          </a:fillRef>
+          <a:effectRef idx="0">
+            <a:scrgbClr r="0" g="0" b="0"/>
+          </a:effectRef>
+          <a:fontRef idx="minor"/>
+        </p:style>
+        <p:txBody>
+          <a:bodyPr lIns="90000" tIns="45000" rIns="90000" bIns="45000"/>
+          <a:lstStyle/>
+          <a:p>
+            <a:pPr>
+              <a:lnSpc>
+                <a:spcPct val="100000"/>
+              </a:lnSpc>
+            </a:pPr>
+            <a:r>
+              <a:rPr lang="en-US" sz="2400" b="1" strike="noStrike" spc="-1">
+                <a:solidFill>
+                  <a:srgbClr val="404040"/>
+                </a:solidFill>
+                <a:uFill>
+                  <a:solidFill>
+                    <a:srgbClr val="FFFFFF"/>
+                  </a:solidFill>
+                </a:uFill>
+                <a:latin typeface="Agency FB"/>
+                <a:ea typeface="DejaVu Sans"/>
+              </a:rPr>
+              <a:t>VIKTORIA</a:t>
+            </a:r>
+            <a:endParaRPr/>
+          </a:p>
+          <a:p>
+            <a:pPr>
+              <a:lnSpc>
+                <a:spcPct val="100000"/>
+              </a:lnSpc>
+            </a:pPr>
+            <a:r>
+              <a:rPr lang="en-US" sz="2400" b="1" strike="noStrike" spc="-1">
+                <a:solidFill>
+                  <a:srgbClr val="FFC000"/>
+                </a:solidFill>
+                <a:uFill>
+                  <a:solidFill>
+                    <a:srgbClr val="FFFFFF"/>
+                  </a:solidFill>
+                </a:uFill>
+                <a:latin typeface="Agency FB"/>
+                <a:ea typeface="DejaVu Sans"/>
+              </a:rPr>
+              <a:t>TENEVA</a:t>
+            </a:r>
+            <a:endParaRPr/>
+          </a:p>
+          <a:p>
+            <a:pPr>
+              <a:lnSpc>
+                <a:spcPct val="100000"/>
+              </a:lnSpc>
+            </a:pPr>
+            <a:endParaRPr/>
+          </a:p>
+        </p:txBody>
+      </p:sp>
+      <p:sp>
+        <p:nvSpPr>
+          <p:cNvPr id="132" name="CustomShape 9"/>
+          <p:cNvSpPr/>
+          <p:nvPr/>
+        </p:nvSpPr>
+        <p:spPr>
+          <a:xfrm>
+            <a:off x="6050160" y="1472760"/>
+            <a:ext cx="1443600" cy="1918080"/>
+          </a:xfrm>
+          <a:prstGeom prst="rect">
+            <a:avLst/>
+          </a:prstGeom>
+          <a:noFill/>
+          <a:ln>
+            <a:noFill/>
+          </a:ln>
+        </p:spPr>
+        <p:style>
+          <a:lnRef idx="0">
+            <a:scrgbClr r="0" g="0" b="0"/>
+          </a:lnRef>
+          <a:fillRef idx="0">
+            <a:scrgbClr r="0" g="0" b="0"/>
+          </a:fillRef>
+          <a:effectRef idx="0">
+            <a:scrgbClr r="0" g="0" b="0"/>
+          </a:effectRef>
+          <a:fontRef idx="minor"/>
+        </p:style>
+        <p:txBody>
+          <a:bodyPr lIns="90000" tIns="45000" rIns="90000" bIns="45000"/>
+          <a:lstStyle/>
+          <a:p>
+            <a:pPr>
+              <a:lnSpc>
+                <a:spcPct val="100000"/>
+              </a:lnSpc>
+            </a:pPr>
+            <a:r>
+              <a:rPr lang="en-US" sz="2400" b="1" strike="noStrike" spc="-1">
+                <a:solidFill>
+                  <a:srgbClr val="404040"/>
+                </a:solidFill>
+                <a:uFill>
+                  <a:solidFill>
+                    <a:srgbClr val="FFFFFF"/>
+                  </a:solidFill>
+                </a:uFill>
+                <a:latin typeface="Agency FB"/>
+                <a:ea typeface="DejaVu Sans"/>
+              </a:rPr>
+              <a:t>EDWARD</a:t>
+            </a:r>
+            <a:endParaRPr/>
+          </a:p>
+          <a:p>
+            <a:pPr>
+              <a:lnSpc>
+                <a:spcPct val="100000"/>
+              </a:lnSpc>
+            </a:pPr>
+            <a:r>
+              <a:rPr lang="en-US" sz="2400" b="1" strike="noStrike" spc="-1">
+                <a:solidFill>
+                  <a:srgbClr val="FFC000"/>
+                </a:solidFill>
+                <a:uFill>
+                  <a:solidFill>
+                    <a:srgbClr val="FFFFFF"/>
+                  </a:solidFill>
+                </a:uFill>
+                <a:latin typeface="Agency FB"/>
+                <a:ea typeface="DejaVu Sans"/>
+              </a:rPr>
+              <a:t>SLAVOV</a:t>
+            </a:r>
+            <a:endParaRPr/>
+          </a:p>
+          <a:p>
+            <a:pPr>
+              <a:lnSpc>
+                <a:spcPct val="100000"/>
+              </a:lnSpc>
+            </a:pPr>
+            <a:endParaRPr/>
+          </a:p>
+        </p:txBody>
+      </p:sp>
+      <p:sp>
+        <p:nvSpPr>
+          <p:cNvPr id="133" name="CustomShape 10"/>
+          <p:cNvSpPr/>
+          <p:nvPr/>
+        </p:nvSpPr>
+        <p:spPr>
+          <a:xfrm>
+            <a:off x="8216280" y="1472760"/>
+            <a:ext cx="1443600" cy="1918080"/>
+          </a:xfrm>
+          <a:prstGeom prst="rect">
+            <a:avLst/>
+          </a:prstGeom>
+          <a:noFill/>
+          <a:ln>
+            <a:noFill/>
+          </a:ln>
+        </p:spPr>
+        <p:style>
+          <a:lnRef idx="0">
+            <a:scrgbClr r="0" g="0" b="0"/>
+          </a:lnRef>
+          <a:fillRef idx="0">
+            <a:scrgbClr r="0" g="0" b="0"/>
+          </a:fillRef>
+          <a:effectRef idx="0">
+            <a:scrgbClr r="0" g="0" b="0"/>
+          </a:effectRef>
+          <a:fontRef idx="minor"/>
+        </p:style>
+        <p:txBody>
+          <a:bodyPr lIns="90000" tIns="45000" rIns="90000" bIns="45000"/>
+          <a:lstStyle/>
+          <a:p>
+            <a:pPr>
+              <a:lnSpc>
+                <a:spcPct val="100000"/>
+              </a:lnSpc>
+            </a:pPr>
+            <a:r>
+              <a:rPr lang="en-US" sz="2400" b="1" strike="noStrike" spc="-1">
+                <a:solidFill>
+                  <a:srgbClr val="404040"/>
+                </a:solidFill>
+                <a:uFill>
+                  <a:solidFill>
+                    <a:srgbClr val="FFFFFF"/>
+                  </a:solidFill>
+                </a:uFill>
+                <a:latin typeface="Agency FB"/>
+                <a:ea typeface="DejaVu Sans"/>
+              </a:rPr>
+              <a:t>VIKTOR</a:t>
+            </a:r>
+            <a:endParaRPr/>
+          </a:p>
+          <a:p>
+            <a:pPr>
+              <a:lnSpc>
+                <a:spcPct val="100000"/>
+              </a:lnSpc>
+            </a:pPr>
+            <a:r>
+              <a:rPr lang="en-US" sz="2400" b="1" strike="noStrike" spc="-1">
+                <a:solidFill>
+                  <a:srgbClr val="FFC000"/>
+                </a:solidFill>
+                <a:uFill>
+                  <a:solidFill>
+                    <a:srgbClr val="FFFFFF"/>
+                  </a:solidFill>
+                </a:uFill>
+                <a:latin typeface="Agency FB"/>
+                <a:ea typeface="DejaVu Sans"/>
+              </a:rPr>
+              <a:t>MARINOV</a:t>
+            </a:r>
+            <a:endParaRPr/>
+          </a:p>
+          <a:p>
+            <a:pPr>
+              <a:lnSpc>
+                <a:spcPct val="100000"/>
+              </a:lnSpc>
+            </a:pPr>
+            <a:endParaRPr/>
+          </a:p>
+        </p:txBody>
+      </p:sp>
+      <p:sp>
+        <p:nvSpPr>
+          <p:cNvPr id="134" name="CustomShape 11"/>
+          <p:cNvSpPr/>
+          <p:nvPr/>
+        </p:nvSpPr>
+        <p:spPr>
+          <a:xfrm>
+            <a:off x="10603440" y="1417680"/>
+            <a:ext cx="1443600" cy="1552320"/>
+          </a:xfrm>
+          <a:prstGeom prst="rect">
+            <a:avLst/>
+          </a:prstGeom>
+          <a:noFill/>
+          <a:ln>
+            <a:noFill/>
+          </a:ln>
+        </p:spPr>
+        <p:style>
+          <a:lnRef idx="0">
+            <a:scrgbClr r="0" g="0" b="0"/>
+          </a:lnRef>
+          <a:fillRef idx="0">
+            <a:scrgbClr r="0" g="0" b="0"/>
+          </a:fillRef>
+          <a:effectRef idx="0">
+            <a:scrgbClr r="0" g="0" b="0"/>
+          </a:effectRef>
+          <a:fontRef idx="minor"/>
+        </p:style>
+        <p:txBody>
+          <a:bodyPr lIns="90000" tIns="45000" rIns="90000" bIns="45000"/>
+          <a:lstStyle/>
+          <a:p>
+            <a:pPr>
+              <a:lnSpc>
+                <a:spcPct val="100000"/>
+              </a:lnSpc>
+            </a:pPr>
+            <a:r>
+              <a:rPr lang="en-US" sz="2400" b="1" strike="noStrike" spc="-1">
+                <a:solidFill>
+                  <a:srgbClr val="404040"/>
+                </a:solidFill>
+                <a:uFill>
+                  <a:solidFill>
+                    <a:srgbClr val="FFFFFF"/>
+                  </a:solidFill>
+                </a:uFill>
+                <a:latin typeface="Agency FB"/>
+                <a:ea typeface="DejaVu Sans"/>
+              </a:rPr>
+              <a:t>KIRIL</a:t>
+            </a:r>
+            <a:endParaRPr/>
+          </a:p>
+          <a:p>
+            <a:pPr>
+              <a:lnSpc>
+                <a:spcPct val="100000"/>
+              </a:lnSpc>
+            </a:pPr>
+            <a:r>
+              <a:rPr lang="en-US" sz="2400" b="1" strike="noStrike" spc="-1">
+                <a:solidFill>
+                  <a:srgbClr val="FFC000"/>
+                </a:solidFill>
+                <a:uFill>
+                  <a:solidFill>
+                    <a:srgbClr val="FFFFFF"/>
+                  </a:solidFill>
+                </a:uFill>
+                <a:latin typeface="Agency FB"/>
+                <a:ea typeface="DejaVu Sans"/>
+              </a:rPr>
+              <a:t>TODOROV</a:t>
+            </a:r>
+            <a:endParaRPr/>
+          </a:p>
+          <a:p>
+            <a:pPr>
+              <a:lnSpc>
+                <a:spcPct val="100000"/>
+              </a:lnSpc>
+            </a:pPr>
+            <a:endParaRPr/>
+          </a:p>
+        </p:txBody>
+      </p:sp>
       <p:pic>
         <p:nvPicPr>
-          <p:cNvPr id="129" name="Picture 14" descr=""/>
+          <p:cNvPr id="135" name="Picture 31"/>
           <p:cNvPicPr/>
           <p:nvPr/>
         </p:nvPicPr>
@@ -5120,8 +7458,8 @@
         </p:blipFill>
         <p:spPr>
           <a:xfrm>
-            <a:off x="2638440" y="1463040"/>
-            <a:ext cx="881640" cy="678960"/>
+            <a:off x="7392960" y="1389600"/>
+            <a:ext cx="813240" cy="813240"/>
           </a:xfrm>
           <a:prstGeom prst="rect">
             <a:avLst/>
@@ -5131,424 +7469,9 @@
           </a:ln>
         </p:spPr>
       </p:pic>
-      <p:sp>
-        <p:nvSpPr>
-          <p:cNvPr id="130" name="CustomShape 7"/>
-          <p:cNvSpPr/>
-          <p:nvPr/>
-        </p:nvSpPr>
-        <p:spPr>
-          <a:xfrm>
-            <a:off x="956520" y="1371960"/>
-            <a:ext cx="1443600" cy="1552320"/>
-          </a:xfrm>
-          <a:prstGeom prst="rect">
-            <a:avLst/>
-          </a:prstGeom>
-          <a:noFill/>
-          <a:ln>
-            <a:noFill/>
-          </a:ln>
-        </p:spPr>
-        <p:style>
-          <a:lnRef idx="0"/>
-          <a:fillRef idx="0"/>
-          <a:effectRef idx="0"/>
-          <a:fontRef idx="minor"/>
-        </p:style>
-        <p:txBody>
-          <a:bodyPr lIns="90000" rIns="90000" tIns="45000" bIns="45000"/>
-          <a:p>
-            <a:pPr>
-              <a:lnSpc>
-                <a:spcPct val="100000"/>
-              </a:lnSpc>
-            </a:pPr>
-            <a:r>
-              <a:rPr b="1" lang="en-US" sz="2400" spc="-1" strike="noStrike">
-                <a:solidFill>
-                  <a:srgbClr val="404040"/>
-                </a:solidFill>
-                <a:uFill>
-                  <a:solidFill>
-                    <a:srgbClr val="ffffff"/>
-                  </a:solidFill>
-                </a:uFill>
-                <a:latin typeface="Agency FB"/>
-                <a:ea typeface="DejaVu Sans"/>
-              </a:rPr>
-              <a:t>SIMEON</a:t>
-            </a:r>
-            <a:endParaRPr/>
-          </a:p>
-          <a:p>
-            <a:pPr>
-              <a:lnSpc>
-                <a:spcPct val="100000"/>
-              </a:lnSpc>
-            </a:pPr>
-            <a:r>
-              <a:rPr b="1" lang="en-US" sz="2400" spc="-1" strike="noStrike">
-                <a:solidFill>
-                  <a:srgbClr val="ffc000"/>
-                </a:solidFill>
-                <a:uFill>
-                  <a:solidFill>
-                    <a:srgbClr val="ffffff"/>
-                  </a:solidFill>
-                </a:uFill>
-                <a:latin typeface="Agency FB"/>
-                <a:ea typeface="DejaVu Sans"/>
-              </a:rPr>
-              <a:t>VANOV</a:t>
-            </a:r>
-            <a:endParaRPr/>
-          </a:p>
-          <a:p>
-            <a:pPr>
-              <a:lnSpc>
-                <a:spcPct val="100000"/>
-              </a:lnSpc>
-            </a:pPr>
-            <a:endParaRPr/>
-          </a:p>
-        </p:txBody>
-      </p:sp>
-      <p:sp>
-        <p:nvSpPr>
-          <p:cNvPr id="131" name="CustomShape 8"/>
-          <p:cNvSpPr/>
-          <p:nvPr/>
-        </p:nvSpPr>
-        <p:spPr>
-          <a:xfrm>
-            <a:off x="3522600" y="1472760"/>
-            <a:ext cx="1443600" cy="1918080"/>
-          </a:xfrm>
-          <a:prstGeom prst="rect">
-            <a:avLst/>
-          </a:prstGeom>
-          <a:noFill/>
-          <a:ln>
-            <a:noFill/>
-          </a:ln>
-        </p:spPr>
-        <p:style>
-          <a:lnRef idx="0"/>
-          <a:fillRef idx="0"/>
-          <a:effectRef idx="0"/>
-          <a:fontRef idx="minor"/>
-        </p:style>
-        <p:txBody>
-          <a:bodyPr lIns="90000" rIns="90000" tIns="45000" bIns="45000"/>
-          <a:p>
-            <a:pPr>
-              <a:lnSpc>
-                <a:spcPct val="100000"/>
-              </a:lnSpc>
-            </a:pPr>
-            <a:r>
-              <a:rPr b="1" lang="en-US" sz="2400" spc="-1" strike="noStrike">
-                <a:solidFill>
-                  <a:srgbClr val="404040"/>
-                </a:solidFill>
-                <a:uFill>
-                  <a:solidFill>
-                    <a:srgbClr val="ffffff"/>
-                  </a:solidFill>
-                </a:uFill>
-                <a:latin typeface="Agency FB"/>
-                <a:ea typeface="DejaVu Sans"/>
-              </a:rPr>
-              <a:t>VIKTORIA</a:t>
-            </a:r>
-            <a:endParaRPr/>
-          </a:p>
-          <a:p>
-            <a:pPr>
-              <a:lnSpc>
-                <a:spcPct val="100000"/>
-              </a:lnSpc>
-            </a:pPr>
-            <a:r>
-              <a:rPr b="1" lang="en-US" sz="2400" spc="-1" strike="noStrike">
-                <a:solidFill>
-                  <a:srgbClr val="ffc000"/>
-                </a:solidFill>
-                <a:uFill>
-                  <a:solidFill>
-                    <a:srgbClr val="ffffff"/>
-                  </a:solidFill>
-                </a:uFill>
-                <a:latin typeface="Agency FB"/>
-                <a:ea typeface="DejaVu Sans"/>
-              </a:rPr>
-              <a:t>TENEVA</a:t>
-            </a:r>
-            <a:endParaRPr/>
-          </a:p>
-          <a:p>
-            <a:pPr>
-              <a:lnSpc>
-                <a:spcPct val="100000"/>
-              </a:lnSpc>
-            </a:pPr>
-            <a:endParaRPr/>
-          </a:p>
-        </p:txBody>
-      </p:sp>
-      <p:sp>
-        <p:nvSpPr>
-          <p:cNvPr id="132" name="CustomShape 9"/>
-          <p:cNvSpPr/>
-          <p:nvPr/>
-        </p:nvSpPr>
-        <p:spPr>
-          <a:xfrm>
-            <a:off x="6050160" y="1472760"/>
-            <a:ext cx="1443600" cy="1918080"/>
-          </a:xfrm>
-          <a:prstGeom prst="rect">
-            <a:avLst/>
-          </a:prstGeom>
-          <a:noFill/>
-          <a:ln>
-            <a:noFill/>
-          </a:ln>
-        </p:spPr>
-        <p:style>
-          <a:lnRef idx="0"/>
-          <a:fillRef idx="0"/>
-          <a:effectRef idx="0"/>
-          <a:fontRef idx="minor"/>
-        </p:style>
-        <p:txBody>
-          <a:bodyPr lIns="90000" rIns="90000" tIns="45000" bIns="45000"/>
-          <a:p>
-            <a:pPr>
-              <a:lnSpc>
-                <a:spcPct val="100000"/>
-              </a:lnSpc>
-            </a:pPr>
-            <a:r>
-              <a:rPr b="1" lang="en-US" sz="2400" spc="-1" strike="noStrike">
-                <a:solidFill>
-                  <a:srgbClr val="404040"/>
-                </a:solidFill>
-                <a:uFill>
-                  <a:solidFill>
-                    <a:srgbClr val="ffffff"/>
-                  </a:solidFill>
-                </a:uFill>
-                <a:latin typeface="Agency FB"/>
-                <a:ea typeface="DejaVu Sans"/>
-              </a:rPr>
-              <a:t>EDWARD</a:t>
-            </a:r>
-            <a:endParaRPr/>
-          </a:p>
-          <a:p>
-            <a:pPr>
-              <a:lnSpc>
-                <a:spcPct val="100000"/>
-              </a:lnSpc>
-            </a:pPr>
-            <a:r>
-              <a:rPr b="1" lang="en-US" sz="2400" spc="-1" strike="noStrike">
-                <a:solidFill>
-                  <a:srgbClr val="ffc000"/>
-                </a:solidFill>
-                <a:uFill>
-                  <a:solidFill>
-                    <a:srgbClr val="ffffff"/>
-                  </a:solidFill>
-                </a:uFill>
-                <a:latin typeface="Agency FB"/>
-                <a:ea typeface="DejaVu Sans"/>
-              </a:rPr>
-              <a:t>SLAVOV</a:t>
-            </a:r>
-            <a:endParaRPr/>
-          </a:p>
-          <a:p>
-            <a:pPr>
-              <a:lnSpc>
-                <a:spcPct val="100000"/>
-              </a:lnSpc>
-            </a:pPr>
-            <a:endParaRPr/>
-          </a:p>
-        </p:txBody>
-      </p:sp>
-      <p:sp>
-        <p:nvSpPr>
-          <p:cNvPr id="133" name="CustomShape 10"/>
-          <p:cNvSpPr/>
-          <p:nvPr/>
-        </p:nvSpPr>
-        <p:spPr>
-          <a:xfrm>
-            <a:off x="8216280" y="1472760"/>
-            <a:ext cx="1443600" cy="1918080"/>
-          </a:xfrm>
-          <a:prstGeom prst="rect">
-            <a:avLst/>
-          </a:prstGeom>
-          <a:noFill/>
-          <a:ln>
-            <a:noFill/>
-          </a:ln>
-        </p:spPr>
-        <p:style>
-          <a:lnRef idx="0"/>
-          <a:fillRef idx="0"/>
-          <a:effectRef idx="0"/>
-          <a:fontRef idx="minor"/>
-        </p:style>
-        <p:txBody>
-          <a:bodyPr lIns="90000" rIns="90000" tIns="45000" bIns="45000"/>
-          <a:p>
-            <a:pPr>
-              <a:lnSpc>
-                <a:spcPct val="100000"/>
-              </a:lnSpc>
-            </a:pPr>
-            <a:r>
-              <a:rPr b="1" lang="en-US" sz="2400" spc="-1" strike="noStrike">
-                <a:solidFill>
-                  <a:srgbClr val="404040"/>
-                </a:solidFill>
-                <a:uFill>
-                  <a:solidFill>
-                    <a:srgbClr val="ffffff"/>
-                  </a:solidFill>
-                </a:uFill>
-                <a:latin typeface="Agency FB"/>
-                <a:ea typeface="DejaVu Sans"/>
-              </a:rPr>
-              <a:t>VIKTOR</a:t>
-            </a:r>
-            <a:endParaRPr/>
-          </a:p>
-          <a:p>
-            <a:pPr>
-              <a:lnSpc>
-                <a:spcPct val="100000"/>
-              </a:lnSpc>
-            </a:pPr>
-            <a:r>
-              <a:rPr b="1" lang="en-US" sz="2400" spc="-1" strike="noStrike">
-                <a:solidFill>
-                  <a:srgbClr val="ffc000"/>
-                </a:solidFill>
-                <a:uFill>
-                  <a:solidFill>
-                    <a:srgbClr val="ffffff"/>
-                  </a:solidFill>
-                </a:uFill>
-                <a:latin typeface="Agency FB"/>
-                <a:ea typeface="DejaVu Sans"/>
-              </a:rPr>
-              <a:t>MARINOV</a:t>
-            </a:r>
-            <a:endParaRPr/>
-          </a:p>
-          <a:p>
-            <a:pPr>
-              <a:lnSpc>
-                <a:spcPct val="100000"/>
-              </a:lnSpc>
-            </a:pPr>
-            <a:endParaRPr/>
-          </a:p>
-        </p:txBody>
-      </p:sp>
-      <p:sp>
-        <p:nvSpPr>
-          <p:cNvPr id="134" name="CustomShape 11"/>
-          <p:cNvSpPr/>
-          <p:nvPr/>
-        </p:nvSpPr>
-        <p:spPr>
-          <a:xfrm>
-            <a:off x="10603440" y="1417680"/>
-            <a:ext cx="1443600" cy="1552320"/>
-          </a:xfrm>
-          <a:prstGeom prst="rect">
-            <a:avLst/>
-          </a:prstGeom>
-          <a:noFill/>
-          <a:ln>
-            <a:noFill/>
-          </a:ln>
-        </p:spPr>
-        <p:style>
-          <a:lnRef idx="0"/>
-          <a:fillRef idx="0"/>
-          <a:effectRef idx="0"/>
-          <a:fontRef idx="minor"/>
-        </p:style>
-        <p:txBody>
-          <a:bodyPr lIns="90000" rIns="90000" tIns="45000" bIns="45000"/>
-          <a:p>
-            <a:pPr>
-              <a:lnSpc>
-                <a:spcPct val="100000"/>
-              </a:lnSpc>
-            </a:pPr>
-            <a:r>
-              <a:rPr b="1" lang="en-US" sz="2400" spc="-1" strike="noStrike">
-                <a:solidFill>
-                  <a:srgbClr val="404040"/>
-                </a:solidFill>
-                <a:uFill>
-                  <a:solidFill>
-                    <a:srgbClr val="ffffff"/>
-                  </a:solidFill>
-                </a:uFill>
-                <a:latin typeface="Agency FB"/>
-                <a:ea typeface="DejaVu Sans"/>
-              </a:rPr>
-              <a:t>KIRIL</a:t>
-            </a:r>
-            <a:endParaRPr/>
-          </a:p>
-          <a:p>
-            <a:pPr>
-              <a:lnSpc>
-                <a:spcPct val="100000"/>
-              </a:lnSpc>
-            </a:pPr>
-            <a:r>
-              <a:rPr b="1" lang="en-US" sz="2400" spc="-1" strike="noStrike">
-                <a:solidFill>
-                  <a:srgbClr val="ffc000"/>
-                </a:solidFill>
-                <a:uFill>
-                  <a:solidFill>
-                    <a:srgbClr val="ffffff"/>
-                  </a:solidFill>
-                </a:uFill>
-                <a:latin typeface="Agency FB"/>
-                <a:ea typeface="DejaVu Sans"/>
-              </a:rPr>
-              <a:t>TODOROV</a:t>
-            </a:r>
-            <a:endParaRPr/>
-          </a:p>
-          <a:p>
-            <a:pPr>
-              <a:lnSpc>
-                <a:spcPct val="100000"/>
-              </a:lnSpc>
-            </a:pPr>
-            <a:endParaRPr/>
-          </a:p>
-        </p:txBody>
-      </p:sp>
       <p:pic>
         <p:nvPicPr>
-          <p:cNvPr id="135" name="Picture 31" descr=""/>
+          <p:cNvPr id="136" name="Picture 32"/>
           <p:cNvPicPr/>
           <p:nvPr/>
         </p:nvPicPr>
@@ -5558,8 +7481,8 @@
         </p:blipFill>
         <p:spPr>
           <a:xfrm>
-            <a:off x="7392960" y="1389600"/>
-            <a:ext cx="813240" cy="813240"/>
+            <a:off x="9820080" y="1463040"/>
+            <a:ext cx="782640" cy="733680"/>
           </a:xfrm>
           <a:prstGeom prst="rect">
             <a:avLst/>
@@ -5569,29 +7492,6 @@
           </a:ln>
         </p:spPr>
       </p:pic>
-      <p:pic>
-        <p:nvPicPr>
-          <p:cNvPr id="136" name="Picture 32" descr=""/>
-          <p:cNvPicPr/>
-          <p:nvPr/>
-        </p:nvPicPr>
-        <p:blipFill>
-          <a:blip r:embed="rId8"/>
-          <a:stretch/>
-        </p:blipFill>
-        <p:spPr>
-          <a:xfrm>
-            <a:off x="9820080" y="1463040"/>
-            <a:ext cx="782640" cy="733680"/>
-          </a:xfrm>
-          <a:prstGeom prst="rect">
-            <a:avLst/>
-          </a:prstGeom>
-          <a:ln>
-            <a:noFill/>
-          </a:ln>
-        </p:spPr>
-      </p:pic>
       <p:sp>
         <p:nvSpPr>
           <p:cNvPr id="137" name="CustomShape 12"/>
@@ -5600,8 +7500,8 @@
         </p:nvSpPr>
         <p:spPr>
           <a:xfrm>
-            <a:off x="7494480" y="2789640"/>
-            <a:ext cx="2036160" cy="1461600"/>
+            <a:off x="7361000" y="2409479"/>
+            <a:ext cx="2266920" cy="2038512"/>
           </a:xfrm>
           <a:prstGeom prst="rect">
             <a:avLst/>
@@ -5612,13 +7512,20 @@
           </a:ln>
         </p:spPr>
         <p:style>
-          <a:lnRef idx="0"/>
-          <a:fillRef idx="0"/>
-          <a:effectRef idx="0"/>
+          <a:lnRef idx="0">
+            <a:scrgbClr r="0" g="0" b="0"/>
+          </a:lnRef>
+          <a:fillRef idx="0">
+            <a:scrgbClr r="0" g="0" b="0"/>
+          </a:fillRef>
+          <a:effectRef idx="0">
+            <a:scrgbClr r="0" g="0" b="0"/>
+          </a:effectRef>
           <a:fontRef idx="minor"/>
         </p:style>
         <p:txBody>
-          <a:bodyPr lIns="90000" rIns="90000" tIns="45000" bIns="45000"/>
+          <a:bodyPr lIns="90000" tIns="45000" rIns="90000" bIns="45000"/>
+          <a:lstStyle/>
           <a:p>
             <a:pPr>
               <a:lnSpc>
@@ -5626,51 +7533,51 @@
               </a:lnSpc>
             </a:pPr>
             <a:r>
-              <a:rPr lang="en-US" sz="1800" spc="-1" strike="noStrike">
+              <a:rPr lang="en-US" sz="2200" strike="noStrike" spc="-1" dirty="0" smtClean="0">
                 <a:solidFill>
                   <a:srgbClr val="000000"/>
                 </a:solidFill>
                 <a:uFill>
                   <a:solidFill>
-                    <a:srgbClr val="ffffff"/>
+                    <a:srgbClr val="FFFFFF"/>
                   </a:solidFill>
                 </a:uFill>
-                <a:latin typeface="Calibri"/>
+                <a:latin typeface="Agency FB" panose="020B0503020202020204" pitchFamily="34" charset="0"/>
                 <a:ea typeface="DejaVu Sans"/>
               </a:rPr>
-              <a:t>Made player sprite sheet, moving and jumping, added bullets and basic collision,</a:t>
+              <a:t>      Made </a:t>
             </a:r>
-            <a:endParaRPr/>
-          </a:p>
-        </p:txBody>
-      </p:sp>
-      <p:sp>
-        <p:nvSpPr>
-          <p:cNvPr id="138" name="CustomShape 13"/>
-          <p:cNvSpPr/>
-          <p:nvPr/>
-        </p:nvSpPr>
-        <p:spPr>
-          <a:xfrm>
-            <a:off x="5076720" y="2798280"/>
-            <a:ext cx="2036160" cy="1461600"/>
-          </a:xfrm>
-          <a:prstGeom prst="rect">
-            <a:avLst/>
-          </a:prstGeom>
-          <a:noFill/>
-          <a:ln>
-            <a:noFill/>
-          </a:ln>
-        </p:spPr>
-        <p:style>
-          <a:lnRef idx="0"/>
-          <a:fillRef idx="0"/>
-          <a:effectRef idx="0"/>
-          <a:fontRef idx="minor"/>
-        </p:style>
-        <p:txBody>
-          <a:bodyPr lIns="90000" rIns="90000" tIns="45000" bIns="45000"/>
+            <a:r>
+              <a:rPr lang="en-US" sz="2200" strike="noStrike" spc="-1" dirty="0">
+                <a:solidFill>
+                  <a:srgbClr val="000000"/>
+                </a:solidFill>
+                <a:uFill>
+                  <a:solidFill>
+                    <a:srgbClr val="FFFFFF"/>
+                  </a:solidFill>
+                </a:uFill>
+                <a:latin typeface="Agency FB" panose="020B0503020202020204" pitchFamily="34" charset="0"/>
+                <a:ea typeface="DejaVu Sans"/>
+              </a:rPr>
+              <a:t>player sprite </a:t>
+            </a:r>
+            <a:r>
+              <a:rPr lang="en-US" sz="2200" strike="noStrike" spc="-1" dirty="0" smtClean="0">
+                <a:solidFill>
+                  <a:srgbClr val="000000"/>
+                </a:solidFill>
+                <a:uFill>
+                  <a:solidFill>
+                    <a:srgbClr val="FFFFFF"/>
+                  </a:solidFill>
+                </a:uFill>
+                <a:latin typeface="Agency FB" panose="020B0503020202020204" pitchFamily="34" charset="0"/>
+                <a:ea typeface="DejaVu Sans"/>
+              </a:rPr>
+              <a:t>sheet;</a:t>
+            </a:r>
+          </a:p>
           <a:p>
             <a:pPr>
               <a:lnSpc>
@@ -5678,21 +7585,50 @@
               </a:lnSpc>
             </a:pPr>
             <a:r>
-              <a:rPr lang="en-US" sz="1800" spc="-1" strike="noStrike">
+              <a:rPr lang="en-US" sz="2200" strike="noStrike" spc="-1" dirty="0" smtClean="0">
                 <a:solidFill>
                   <a:srgbClr val="000000"/>
                 </a:solidFill>
                 <a:uFill>
                   <a:solidFill>
-                    <a:srgbClr val="ffffff"/>
+                    <a:srgbClr val="FFFFFF"/>
                   </a:solidFill>
                 </a:uFill>
-                <a:latin typeface="Calibri"/>
+                <a:latin typeface="Agency FB" panose="020B0503020202020204" pitchFamily="34" charset="0"/>
                 <a:ea typeface="DejaVu Sans"/>
               </a:rPr>
-              <a:t>-Created main menu, tutorial and game over states</a:t>
+              <a:t>      Moving </a:t>
             </a:r>
-            <a:endParaRPr/>
+            <a:r>
+              <a:rPr lang="en-US" sz="2200" strike="noStrike" spc="-1" dirty="0">
+                <a:solidFill>
+                  <a:srgbClr val="000000"/>
+                </a:solidFill>
+                <a:uFill>
+                  <a:solidFill>
+                    <a:srgbClr val="FFFFFF"/>
+                  </a:solidFill>
+                </a:uFill>
+                <a:latin typeface="Agency FB" panose="020B0503020202020204" pitchFamily="34" charset="0"/>
+                <a:ea typeface="DejaVu Sans"/>
+              </a:rPr>
+              <a:t>and </a:t>
+            </a:r>
+            <a:r>
+              <a:rPr lang="en-US" sz="2200" strike="noStrike" spc="-1" dirty="0" smtClean="0">
+                <a:solidFill>
+                  <a:srgbClr val="000000"/>
+                </a:solidFill>
+                <a:uFill>
+                  <a:solidFill>
+                    <a:srgbClr val="FFFFFF"/>
+                  </a:solidFill>
+                </a:uFill>
+                <a:latin typeface="Agency FB" panose="020B0503020202020204" pitchFamily="34" charset="0"/>
+                <a:ea typeface="DejaVu Sans"/>
+              </a:rPr>
+              <a:t>jumping;</a:t>
+            </a:r>
           </a:p>
           <a:p>
             <a:pPr>
@@ -5701,22 +7637,90 @@
               </a:lnSpc>
             </a:pPr>
             <a:r>
-              <a:rPr lang="en-US" sz="1800" spc="-1" strike="noStrike">
+              <a:rPr lang="en-US" sz="2200" strike="noStrike" spc="-1" dirty="0" smtClean="0">
                 <a:solidFill>
                   <a:srgbClr val="000000"/>
                 </a:solidFill>
                 <a:uFill>
                   <a:solidFill>
-                    <a:srgbClr val="ffffff"/>
+                    <a:srgbClr val="FFFFFF"/>
                   </a:solidFill>
                 </a:uFill>
-                <a:latin typeface="Calibri"/>
+                <a:latin typeface="Agency FB" panose="020B0503020202020204" pitchFamily="34" charset="0"/>
                 <a:ea typeface="DejaVu Sans"/>
               </a:rPr>
-              <a:t>-Code refactoring</a:t>
+              <a:t>      Added </a:t>
             </a:r>
-            <a:endParaRPr/>
-          </a:p>
+            <a:r>
+              <a:rPr lang="en-US" sz="2200" strike="noStrike" spc="-1" dirty="0">
+                <a:solidFill>
+                  <a:srgbClr val="000000"/>
+                </a:solidFill>
+                <a:uFill>
+                  <a:solidFill>
+                    <a:srgbClr val="FFFFFF"/>
+                  </a:solidFill>
+                </a:uFill>
+                <a:latin typeface="Agency FB" panose="020B0503020202020204" pitchFamily="34" charset="0"/>
+                <a:ea typeface="DejaVu Sans"/>
+              </a:rPr>
+              <a:t>bullets and basic </a:t>
+            </a:r>
+            <a:r>
+              <a:rPr lang="en-US" sz="2200" strike="noStrike" spc="-1" dirty="0" smtClean="0">
+                <a:solidFill>
+                  <a:srgbClr val="000000"/>
+                </a:solidFill>
+                <a:uFill>
+                  <a:solidFill>
+                    <a:srgbClr val="FFFFFF"/>
+                  </a:solidFill>
+                </a:uFill>
+                <a:latin typeface="Agency FB" panose="020B0503020202020204" pitchFamily="34" charset="0"/>
+                <a:ea typeface="DejaVu Sans"/>
+              </a:rPr>
+              <a:t>collision.</a:t>
+            </a:r>
+            <a:endParaRPr sz="2200" dirty="0">
+              <a:latin typeface="Agency FB" panose="020B0503020202020204" pitchFamily="34" charset="0"/>
+            </a:endParaRPr>
+          </a:p>
+        </p:txBody>
+      </p:sp>
+      <p:sp>
+        <p:nvSpPr>
+          <p:cNvPr id="138" name="CustomShape 13"/>
+          <p:cNvSpPr/>
+          <p:nvPr/>
+        </p:nvSpPr>
+        <p:spPr>
+          <a:xfrm>
+            <a:off x="5008500" y="2409479"/>
+            <a:ext cx="2199380" cy="1933035"/>
+          </a:xfrm>
+          <a:prstGeom prst="rect">
+            <a:avLst/>
+          </a:prstGeom>
+          <a:noFill/>
+          <a:ln>
+            <a:noFill/>
+          </a:ln>
+        </p:spPr>
+        <p:style>
+          <a:lnRef idx="0">
+            <a:scrgbClr r="0" g="0" b="0"/>
+          </a:lnRef>
+          <a:fillRef idx="0">
+            <a:scrgbClr r="0" g="0" b="0"/>
+          </a:fillRef>
+          <a:effectRef idx="0">
+            <a:scrgbClr r="0" g="0" b="0"/>
+          </a:effectRef>
+          <a:fontRef idx="minor"/>
+        </p:style>
+        <p:txBody>
+          <a:bodyPr lIns="90000" tIns="45000" rIns="90000" bIns="45000"/>
+          <a:lstStyle/>
           <a:p>
             <a:pPr>
               <a:lnSpc>
@@ -5724,121 +7728,1081 @@
               </a:lnSpc>
             </a:pPr>
             <a:r>
-              <a:rPr lang="en-US" sz="1800" spc="-1" strike="noStrike">
+              <a:rPr lang="en-US" sz="2200" strike="noStrike" spc="-1" dirty="0" smtClean="0">
                 <a:solidFill>
                   <a:srgbClr val="000000"/>
                 </a:solidFill>
                 <a:uFill>
                   <a:solidFill>
-                    <a:srgbClr val="ffffff"/>
+                    <a:srgbClr val="FFFFFF"/>
                   </a:solidFill>
                 </a:uFill>
-                <a:latin typeface="Calibri"/>
+                <a:latin typeface="Agency FB" panose="020B0503020202020204" pitchFamily="34" charset="0"/>
                 <a:ea typeface="DejaVu Sans"/>
               </a:rPr>
-              <a:t>-Debugging</a:t>
+              <a:t>     Created Main </a:t>
             </a:r>
-            <a:endParaRPr/>
-          </a:p>
-        </p:txBody>
-      </p:sp>
-      <p:sp>
-        <p:nvSpPr>
-          <p:cNvPr id="139" name="CustomShape 14"/>
-          <p:cNvSpPr/>
-          <p:nvPr/>
-        </p:nvSpPr>
-        <p:spPr>
-          <a:xfrm>
-            <a:off x="153720" y="2409480"/>
-            <a:ext cx="2167920" cy="2833200"/>
-          </a:xfrm>
-          <a:prstGeom prst="rect">
-            <a:avLst/>
-          </a:prstGeom>
-          <a:noFill/>
-          <a:ln>
-            <a:noFill/>
-          </a:ln>
-        </p:spPr>
-        <p:style>
-          <a:lnRef idx="0"/>
-          <a:fillRef idx="0"/>
-          <a:effectRef idx="0"/>
-          <a:fontRef idx="minor"/>
-        </p:style>
-        <p:txBody>
-          <a:bodyPr lIns="90000" rIns="90000" tIns="45000" bIns="45000"/>
-          <a:p>
-            <a:pPr marL="285840" indent="-285120">
-              <a:lnSpc>
-                <a:spcPct val="100000"/>
-              </a:lnSpc>
-              <a:buFont typeface="StarSymbol"/>
-              <a:buChar char="-"/>
-            </a:pPr>
             <a:r>
-              <a:rPr lang="en-US" sz="1800" spc="-1" strike="noStrike">
+              <a:rPr lang="en-US" sz="2200" spc="-1" dirty="0">
                 <a:solidFill>
                   <a:srgbClr val="000000"/>
                 </a:solidFill>
                 <a:uFill>
                   <a:solidFill>
-                    <a:srgbClr val="ffffff"/>
+                    <a:srgbClr val="FFFFFF"/>
                   </a:solidFill>
                 </a:uFill>
-                <a:latin typeface="Calibri"/>
+                <a:latin typeface="Agency FB" panose="020B0503020202020204" pitchFamily="34" charset="0"/>
                 <a:ea typeface="DejaVu Sans"/>
               </a:rPr>
-              <a:t>Divided the code in different classes and states.</a:t>
+              <a:t>M</a:t>
             </a:r>
-            <a:endParaRPr/>
-          </a:p>
-          <a:p>
-            <a:pPr marL="285840" indent="-285120">
-              <a:lnSpc>
-                <a:spcPct val="100000"/>
-              </a:lnSpc>
-              <a:buFont typeface="StarSymbol"/>
-              <a:buChar char="-"/>
-            </a:pPr>
             <a:r>
-              <a:rPr lang="en-US" sz="1800" spc="-1" strike="noStrike">
+              <a:rPr lang="en-US" sz="2200" strike="noStrike" spc="-1" dirty="0" smtClean="0">
                 <a:solidFill>
                   <a:srgbClr val="000000"/>
                 </a:solidFill>
                 <a:uFill>
                   <a:solidFill>
-                    <a:srgbClr val="ffffff"/>
+                    <a:srgbClr val="FFFFFF"/>
                   </a:solidFill>
                 </a:uFill>
-                <a:latin typeface="Calibri"/>
+                <a:latin typeface="Agency FB" panose="020B0503020202020204" pitchFamily="34" charset="0"/>
                 <a:ea typeface="DejaVu Sans"/>
               </a:rPr>
-              <a:t>Created the Display, EnemyGenerator, Game, Handler, GameObject and Leaderboard classes</a:t>
+              <a:t>enu</a:t>
             </a:r>
-            <a:endParaRPr/>
-          </a:p>
-        </p:txBody>
-      </p:sp>
+            <a:r>
+              <a:rPr lang="en-US" sz="2200" strike="noStrike" spc="-1" dirty="0">
+                <a:solidFill>
+                  <a:srgbClr val="000000"/>
+                </a:solidFill>
+                <a:uFill>
+                  <a:solidFill>
+                    <a:srgbClr val="FFFFFF"/>
+                  </a:solidFill>
+                </a:uFill>
+                <a:latin typeface="Agency FB" panose="020B0503020202020204" pitchFamily="34" charset="0"/>
+                <a:ea typeface="DejaVu Sans"/>
+              </a:rPr>
+              <a:t>, </a:t>
+            </a:r>
+            <a:r>
+              <a:rPr lang="en-US" sz="2200" strike="noStrike" spc="-1" dirty="0" smtClean="0">
+                <a:solidFill>
+                  <a:srgbClr val="000000"/>
+                </a:solidFill>
+                <a:uFill>
+                  <a:solidFill>
+                    <a:srgbClr val="FFFFFF"/>
+                  </a:solidFill>
+                </a:uFill>
+                <a:latin typeface="Agency FB" panose="020B0503020202020204" pitchFamily="34" charset="0"/>
+                <a:ea typeface="DejaVu Sans"/>
+              </a:rPr>
+              <a:t>Tutorial </a:t>
+            </a:r>
+            <a:r>
+              <a:rPr lang="en-US" sz="2200" strike="noStrike" spc="-1" dirty="0">
+                <a:solidFill>
+                  <a:srgbClr val="000000"/>
+                </a:solidFill>
+                <a:uFill>
+                  <a:solidFill>
+                    <a:srgbClr val="FFFFFF"/>
+                  </a:solidFill>
+                </a:uFill>
+                <a:latin typeface="Agency FB" panose="020B0503020202020204" pitchFamily="34" charset="0"/>
+                <a:ea typeface="DejaVu Sans"/>
+              </a:rPr>
+              <a:t>and </a:t>
+            </a:r>
+            <a:r>
+              <a:rPr lang="en-US" sz="2200" strike="noStrike" spc="-1" dirty="0" smtClean="0">
+                <a:solidFill>
+                  <a:srgbClr val="000000"/>
+                </a:solidFill>
+                <a:uFill>
+                  <a:solidFill>
+                    <a:srgbClr val="FFFFFF"/>
+                  </a:solidFill>
+                </a:uFill>
+                <a:latin typeface="Agency FB" panose="020B0503020202020204" pitchFamily="34" charset="0"/>
+                <a:ea typeface="DejaVu Sans"/>
+              </a:rPr>
+              <a:t>Game </a:t>
+            </a:r>
+            <a:r>
+              <a:rPr lang="en-US" sz="2200" spc="-1" dirty="0">
+                <a:solidFill>
+                  <a:srgbClr val="000000"/>
+                </a:solidFill>
+                <a:uFill>
+                  <a:solidFill>
+                    <a:srgbClr val="FFFFFF"/>
+                  </a:solidFill>
+                </a:uFill>
+                <a:latin typeface="Agency FB" panose="020B0503020202020204" pitchFamily="34" charset="0"/>
+                <a:ea typeface="DejaVu Sans"/>
+              </a:rPr>
+              <a:t>O</a:t>
+            </a:r>
+            <a:r>
+              <a:rPr lang="en-US" sz="2200" strike="noStrike" spc="-1" dirty="0" smtClean="0">
+                <a:solidFill>
+                  <a:srgbClr val="000000"/>
+                </a:solidFill>
+                <a:uFill>
+                  <a:solidFill>
+                    <a:srgbClr val="FFFFFF"/>
+                  </a:solidFill>
+                </a:uFill>
+                <a:latin typeface="Agency FB" panose="020B0503020202020204" pitchFamily="34" charset="0"/>
+                <a:ea typeface="DejaVu Sans"/>
+              </a:rPr>
+              <a:t>ver states;</a:t>
+            </a:r>
+            <a:endParaRPr sz="2200" dirty="0">
+              <a:latin typeface="Agency FB" panose="020B0503020202020204" pitchFamily="34" charset="0"/>
+            </a:endParaRPr>
+          </a:p>
+          <a:p>
+            <a:pPr>
+              <a:lnSpc>
+                <a:spcPct val="100000"/>
+              </a:lnSpc>
+            </a:pPr>
+            <a:r>
+              <a:rPr lang="en-US" sz="2200" strike="noStrike" spc="-1" dirty="0" smtClean="0">
+                <a:solidFill>
+                  <a:srgbClr val="000000"/>
+                </a:solidFill>
+                <a:uFill>
+                  <a:solidFill>
+                    <a:srgbClr val="FFFFFF"/>
+                  </a:solidFill>
+                </a:uFill>
+                <a:latin typeface="Agency FB" panose="020B0503020202020204" pitchFamily="34" charset="0"/>
+                <a:ea typeface="DejaVu Sans"/>
+              </a:rPr>
+              <a:t>      Code refactoring;</a:t>
+            </a:r>
+            <a:endParaRPr sz="2200" dirty="0">
+              <a:latin typeface="Agency FB" panose="020B0503020202020204" pitchFamily="34" charset="0"/>
+            </a:endParaRPr>
+          </a:p>
+          <a:p>
+            <a:pPr>
+              <a:lnSpc>
+                <a:spcPct val="100000"/>
+              </a:lnSpc>
+            </a:pPr>
+            <a:r>
+              <a:rPr lang="en-US" sz="2200" spc="-1" dirty="0">
+                <a:solidFill>
+                  <a:srgbClr val="000000"/>
+                </a:solidFill>
+                <a:uFill>
+                  <a:solidFill>
+                    <a:srgbClr val="FFFFFF"/>
+                  </a:solidFill>
+                </a:uFill>
+                <a:latin typeface="Agency FB" panose="020B0503020202020204" pitchFamily="34" charset="0"/>
+                <a:ea typeface="DejaVu Sans"/>
+              </a:rPr>
+              <a:t> </a:t>
+            </a:r>
+            <a:r>
+              <a:rPr lang="en-US" sz="2200" spc="-1" dirty="0" smtClean="0">
+                <a:solidFill>
+                  <a:srgbClr val="000000"/>
+                </a:solidFill>
+                <a:uFill>
+                  <a:solidFill>
+                    <a:srgbClr val="FFFFFF"/>
+                  </a:solidFill>
+                </a:uFill>
+                <a:latin typeface="Agency FB" panose="020B0503020202020204" pitchFamily="34" charset="0"/>
+                <a:ea typeface="DejaVu Sans"/>
+              </a:rPr>
+              <a:t>     </a:t>
+            </a:r>
+            <a:r>
+              <a:rPr lang="en-US" sz="2200" strike="noStrike" spc="-1" dirty="0" smtClean="0">
+                <a:solidFill>
+                  <a:srgbClr val="000000"/>
+                </a:solidFill>
+                <a:uFill>
+                  <a:solidFill>
+                    <a:srgbClr val="FFFFFF"/>
+                  </a:solidFill>
+                </a:uFill>
+                <a:latin typeface="Agency FB" panose="020B0503020202020204" pitchFamily="34" charset="0"/>
+                <a:ea typeface="DejaVu Sans"/>
+              </a:rPr>
+              <a:t>Debugging.</a:t>
+            </a:r>
+            <a:endParaRPr sz="2200" dirty="0">
+              <a:latin typeface="Agency FB" panose="020B0503020202020204" pitchFamily="34" charset="0"/>
+            </a:endParaRPr>
+          </a:p>
+        </p:txBody>
+      </p:sp>
+      <p:sp>
+        <p:nvSpPr>
+          <p:cNvPr id="139" name="CustomShape 14"/>
+          <p:cNvSpPr/>
+          <p:nvPr/>
+        </p:nvSpPr>
+        <p:spPr>
+          <a:xfrm>
+            <a:off x="153720" y="2409480"/>
+            <a:ext cx="2225660" cy="2833200"/>
+          </a:xfrm>
+          <a:prstGeom prst="rect">
+            <a:avLst/>
+          </a:prstGeom>
+          <a:noFill/>
+          <a:ln>
+            <a:noFill/>
+          </a:ln>
+        </p:spPr>
+        <p:style>
+          <a:lnRef idx="0">
+            <a:scrgbClr r="0" g="0" b="0"/>
+          </a:lnRef>
+          <a:fillRef idx="0">
+            <a:scrgbClr r="0" g="0" b="0"/>
+          </a:fillRef>
+          <a:effectRef idx="0">
+            <a:scrgbClr r="0" g="0" b="0"/>
+          </a:effectRef>
+          <a:fontRef idx="minor"/>
+        </p:style>
+        <p:txBody>
+          <a:bodyPr lIns="90000" tIns="45000" rIns="90000" bIns="45000"/>
+          <a:lstStyle/>
+          <a:p>
+            <a:pPr marL="720">
+              <a:lnSpc>
+                <a:spcPct val="100000"/>
+              </a:lnSpc>
+            </a:pPr>
+            <a:r>
+              <a:rPr lang="en-US" sz="2200" strike="noStrike" spc="-1" dirty="0" smtClean="0">
+                <a:solidFill>
+                  <a:srgbClr val="000000"/>
+                </a:solidFill>
+                <a:uFill>
+                  <a:solidFill>
+                    <a:srgbClr val="FFFFFF"/>
+                  </a:solidFill>
+                </a:uFill>
+                <a:latin typeface="Agency FB" panose="020B0503020202020204" pitchFamily="34" charset="0"/>
+                <a:ea typeface="DejaVu Sans"/>
+              </a:rPr>
+              <a:t>     Divided </a:t>
+            </a:r>
+            <a:r>
+              <a:rPr lang="en-US" sz="2200" strike="noStrike" spc="-1" dirty="0">
+                <a:solidFill>
+                  <a:srgbClr val="000000"/>
+                </a:solidFill>
+                <a:uFill>
+                  <a:solidFill>
+                    <a:srgbClr val="FFFFFF"/>
+                  </a:solidFill>
+                </a:uFill>
+                <a:latin typeface="Agency FB" panose="020B0503020202020204" pitchFamily="34" charset="0"/>
+                <a:ea typeface="DejaVu Sans"/>
+              </a:rPr>
+              <a:t>the code in different classes and </a:t>
+            </a:r>
+            <a:r>
+              <a:rPr lang="en-US" sz="2200" strike="noStrike" spc="-1" dirty="0" smtClean="0">
+                <a:solidFill>
+                  <a:srgbClr val="000000"/>
+                </a:solidFill>
+                <a:uFill>
+                  <a:solidFill>
+                    <a:srgbClr val="FFFFFF"/>
+                  </a:solidFill>
+                </a:uFill>
+                <a:latin typeface="Agency FB" panose="020B0503020202020204" pitchFamily="34" charset="0"/>
+                <a:ea typeface="DejaVu Sans"/>
+              </a:rPr>
+              <a:t>states;</a:t>
+            </a:r>
+            <a:endParaRPr sz="2200" dirty="0">
+              <a:latin typeface="Agency FB" panose="020B0503020202020204" pitchFamily="34" charset="0"/>
+            </a:endParaRPr>
+          </a:p>
+          <a:p>
+            <a:pPr marL="720">
+              <a:lnSpc>
+                <a:spcPct val="100000"/>
+              </a:lnSpc>
+            </a:pPr>
+            <a:r>
+              <a:rPr lang="en-US" sz="2200" strike="noStrike" spc="-1" dirty="0" smtClean="0">
+                <a:solidFill>
+                  <a:srgbClr val="000000"/>
+                </a:solidFill>
+                <a:uFill>
+                  <a:solidFill>
+                    <a:srgbClr val="FFFFFF"/>
+                  </a:solidFill>
+                </a:uFill>
+                <a:latin typeface="Agency FB" panose="020B0503020202020204" pitchFamily="34" charset="0"/>
+                <a:ea typeface="DejaVu Sans"/>
+              </a:rPr>
+              <a:t>     Created the Display, </a:t>
+            </a:r>
+            <a:r>
+              <a:rPr lang="en-US" sz="2200" strike="noStrike" spc="-1" dirty="0" err="1" smtClean="0">
+                <a:solidFill>
+                  <a:srgbClr val="000000"/>
+                </a:solidFill>
+                <a:uFill>
+                  <a:solidFill>
+                    <a:srgbClr val="FFFFFF"/>
+                  </a:solidFill>
+                </a:uFill>
+                <a:latin typeface="Agency FB" panose="020B0503020202020204" pitchFamily="34" charset="0"/>
+                <a:ea typeface="DejaVu Sans"/>
+              </a:rPr>
+              <a:t>EnemyGenerator</a:t>
+            </a:r>
+            <a:r>
+              <a:rPr lang="en-US" sz="2200" strike="noStrike" spc="-1" dirty="0">
+                <a:solidFill>
+                  <a:srgbClr val="000000"/>
+                </a:solidFill>
+                <a:uFill>
+                  <a:solidFill>
+                    <a:srgbClr val="FFFFFF"/>
+                  </a:solidFill>
+                </a:uFill>
+                <a:latin typeface="Agency FB" panose="020B0503020202020204" pitchFamily="34" charset="0"/>
+                <a:ea typeface="DejaVu Sans"/>
+              </a:rPr>
+              <a:t>, </a:t>
+            </a:r>
+            <a:r>
+              <a:rPr lang="en-US" sz="2200" strike="noStrike" spc="-1" dirty="0" err="1" smtClean="0">
+                <a:solidFill>
+                  <a:srgbClr val="000000"/>
+                </a:solidFill>
+                <a:uFill>
+                  <a:solidFill>
+                    <a:srgbClr val="FFFFFF"/>
+                  </a:solidFill>
+                </a:uFill>
+                <a:latin typeface="Agency FB" panose="020B0503020202020204" pitchFamily="34" charset="0"/>
+                <a:ea typeface="DejaVu Sans"/>
+              </a:rPr>
+              <a:t>Game,Handler</a:t>
+            </a:r>
+            <a:r>
+              <a:rPr lang="en-US" sz="2200" strike="noStrike" spc="-1" dirty="0">
+                <a:solidFill>
+                  <a:srgbClr val="000000"/>
+                </a:solidFill>
+                <a:uFill>
+                  <a:solidFill>
+                    <a:srgbClr val="FFFFFF"/>
+                  </a:solidFill>
+                </a:uFill>
+                <a:latin typeface="Agency FB" panose="020B0503020202020204" pitchFamily="34" charset="0"/>
+                <a:ea typeface="DejaVu Sans"/>
+              </a:rPr>
+              <a:t>, </a:t>
+            </a:r>
+            <a:r>
+              <a:rPr lang="en-US" sz="2200" strike="noStrike" spc="-1" dirty="0" err="1">
+                <a:solidFill>
+                  <a:srgbClr val="000000"/>
+                </a:solidFill>
+                <a:uFill>
+                  <a:solidFill>
+                    <a:srgbClr val="FFFFFF"/>
+                  </a:solidFill>
+                </a:uFill>
+                <a:latin typeface="Agency FB" panose="020B0503020202020204" pitchFamily="34" charset="0"/>
+                <a:ea typeface="DejaVu Sans"/>
+              </a:rPr>
+              <a:t>GameObject</a:t>
+            </a:r>
+            <a:r>
+              <a:rPr lang="en-US" sz="2200" strike="noStrike" spc="-1" dirty="0">
+                <a:solidFill>
+                  <a:srgbClr val="000000"/>
+                </a:solidFill>
+                <a:uFill>
+                  <a:solidFill>
+                    <a:srgbClr val="FFFFFF"/>
+                  </a:solidFill>
+                </a:uFill>
+                <a:latin typeface="Agency FB" panose="020B0503020202020204" pitchFamily="34" charset="0"/>
+                <a:ea typeface="DejaVu Sans"/>
+              </a:rPr>
+              <a:t> and Leaderboard </a:t>
+            </a:r>
+            <a:r>
+              <a:rPr lang="en-US" sz="2200" strike="noStrike" spc="-1" dirty="0" smtClean="0">
+                <a:solidFill>
+                  <a:srgbClr val="000000"/>
+                </a:solidFill>
+                <a:uFill>
+                  <a:solidFill>
+                    <a:srgbClr val="FFFFFF"/>
+                  </a:solidFill>
+                </a:uFill>
+                <a:latin typeface="Agency FB" panose="020B0503020202020204" pitchFamily="34" charset="0"/>
+                <a:ea typeface="DejaVu Sans"/>
+              </a:rPr>
+              <a:t>classes.</a:t>
+            </a:r>
+            <a:endParaRPr sz="2200" dirty="0">
+              <a:latin typeface="Agency FB" panose="020B0503020202020204" pitchFamily="34" charset="0"/>
+            </a:endParaRPr>
+          </a:p>
+        </p:txBody>
+      </p:sp>
+      <p:pic>
+        <p:nvPicPr>
+          <p:cNvPr id="2" name="Picture 1"/>
+          <p:cNvPicPr>
+            <a:picLocks noChangeAspect="1"/>
+          </p:cNvPicPr>
+          <p:nvPr/>
+        </p:nvPicPr>
+        <p:blipFill>
+          <a:blip r:embed="rId8">
+            <a:extLst>
+              <a:ext uri="{28A0092B-C50C-407E-A947-70E740481C1C}">
+                <a14:useLocalDpi xmlns:a14="http://schemas.microsoft.com/office/drawing/2010/main" val="0"/>
+              </a:ext>
+            </a:extLst>
+          </a:blip>
+          <a:stretch>
+            <a:fillRect/>
+          </a:stretch>
+        </p:blipFill>
+        <p:spPr>
+          <a:xfrm>
+            <a:off x="149759" y="2455768"/>
+            <a:ext cx="320415" cy="342512"/>
+          </a:xfrm>
+          <a:prstGeom prst="rect">
+            <a:avLst/>
+          </a:prstGeom>
+        </p:spPr>
+      </p:pic>
+      <p:pic>
+        <p:nvPicPr>
+          <p:cNvPr id="25" name="Picture 24"/>
+          <p:cNvPicPr>
+            <a:picLocks noChangeAspect="1"/>
+          </p:cNvPicPr>
+          <p:nvPr/>
+        </p:nvPicPr>
+        <p:blipFill>
+          <a:blip r:embed="rId8">
+            <a:extLst>
+              <a:ext uri="{28A0092B-C50C-407E-A947-70E740481C1C}">
+                <a14:useLocalDpi xmlns:a14="http://schemas.microsoft.com/office/drawing/2010/main" val="0"/>
+              </a:ext>
+            </a:extLst>
+          </a:blip>
+          <a:stretch>
+            <a:fillRect/>
+          </a:stretch>
+        </p:blipFill>
+        <p:spPr>
+          <a:xfrm>
+            <a:off x="149758" y="3431791"/>
+            <a:ext cx="320415" cy="342512"/>
+          </a:xfrm>
+          <a:prstGeom prst="rect">
+            <a:avLst/>
+          </a:prstGeom>
+        </p:spPr>
+      </p:pic>
+      <p:pic>
+        <p:nvPicPr>
+          <p:cNvPr id="26" name="Picture 25"/>
+          <p:cNvPicPr>
+            <a:picLocks noChangeAspect="1"/>
+          </p:cNvPicPr>
+          <p:nvPr/>
+        </p:nvPicPr>
+        <p:blipFill>
+          <a:blip r:embed="rId8">
+            <a:extLst>
+              <a:ext uri="{28A0092B-C50C-407E-A947-70E740481C1C}">
+                <a14:useLocalDpi xmlns:a14="http://schemas.microsoft.com/office/drawing/2010/main" val="0"/>
+              </a:ext>
+            </a:extLst>
+          </a:blip>
+          <a:stretch>
+            <a:fillRect/>
+          </a:stretch>
+        </p:blipFill>
+        <p:spPr>
+          <a:xfrm>
+            <a:off x="4983112" y="2455768"/>
+            <a:ext cx="320415" cy="342512"/>
+          </a:xfrm>
+          <a:prstGeom prst="rect">
+            <a:avLst/>
+          </a:prstGeom>
+        </p:spPr>
+      </p:pic>
+      <p:pic>
+        <p:nvPicPr>
+          <p:cNvPr id="27" name="Picture 26"/>
+          <p:cNvPicPr>
+            <a:picLocks noChangeAspect="1"/>
+          </p:cNvPicPr>
+          <p:nvPr/>
+        </p:nvPicPr>
+        <p:blipFill>
+          <a:blip r:embed="rId8">
+            <a:extLst>
+              <a:ext uri="{28A0092B-C50C-407E-A947-70E740481C1C}">
+                <a14:useLocalDpi xmlns:a14="http://schemas.microsoft.com/office/drawing/2010/main" val="0"/>
+              </a:ext>
+            </a:extLst>
+          </a:blip>
+          <a:stretch>
+            <a:fillRect/>
+          </a:stretch>
+        </p:blipFill>
+        <p:spPr>
+          <a:xfrm>
+            <a:off x="5012220" y="3431791"/>
+            <a:ext cx="320415" cy="342512"/>
+          </a:xfrm>
+          <a:prstGeom prst="rect">
+            <a:avLst/>
+          </a:prstGeom>
+        </p:spPr>
+      </p:pic>
+      <p:pic>
+        <p:nvPicPr>
+          <p:cNvPr id="28" name="Picture 27"/>
+          <p:cNvPicPr>
+            <a:picLocks noChangeAspect="1"/>
+          </p:cNvPicPr>
+          <p:nvPr/>
+        </p:nvPicPr>
+        <p:blipFill>
+          <a:blip r:embed="rId8">
+            <a:extLst>
+              <a:ext uri="{28A0092B-C50C-407E-A947-70E740481C1C}">
+                <a14:useLocalDpi xmlns:a14="http://schemas.microsoft.com/office/drawing/2010/main" val="0"/>
+              </a:ext>
+            </a:extLst>
+          </a:blip>
+          <a:stretch>
+            <a:fillRect/>
+          </a:stretch>
+        </p:blipFill>
+        <p:spPr>
+          <a:xfrm>
+            <a:off x="5008500" y="3785144"/>
+            <a:ext cx="320415" cy="342512"/>
+          </a:xfrm>
+          <a:prstGeom prst="rect">
+            <a:avLst/>
+          </a:prstGeom>
+        </p:spPr>
+      </p:pic>
+      <p:pic>
+        <p:nvPicPr>
+          <p:cNvPr id="29" name="Picture 28"/>
+          <p:cNvPicPr>
+            <a:picLocks noChangeAspect="1"/>
+          </p:cNvPicPr>
+          <p:nvPr/>
+        </p:nvPicPr>
+        <p:blipFill>
+          <a:blip r:embed="rId8">
+            <a:extLst>
+              <a:ext uri="{28A0092B-C50C-407E-A947-70E740481C1C}">
+                <a14:useLocalDpi xmlns:a14="http://schemas.microsoft.com/office/drawing/2010/main" val="0"/>
+              </a:ext>
+            </a:extLst>
+          </a:blip>
+          <a:stretch>
+            <a:fillRect/>
+          </a:stretch>
+        </p:blipFill>
+        <p:spPr>
+          <a:xfrm>
+            <a:off x="7433632" y="2456621"/>
+            <a:ext cx="320415" cy="342512"/>
+          </a:xfrm>
+          <a:prstGeom prst="rect">
+            <a:avLst/>
+          </a:prstGeom>
+        </p:spPr>
+      </p:pic>
+      <p:pic>
+        <p:nvPicPr>
+          <p:cNvPr id="30" name="Picture 29"/>
+          <p:cNvPicPr>
+            <a:picLocks noChangeAspect="1"/>
+          </p:cNvPicPr>
+          <p:nvPr/>
+        </p:nvPicPr>
+        <p:blipFill>
+          <a:blip r:embed="rId8">
+            <a:extLst>
+              <a:ext uri="{28A0092B-C50C-407E-A947-70E740481C1C}">
+                <a14:useLocalDpi xmlns:a14="http://schemas.microsoft.com/office/drawing/2010/main" val="0"/>
+              </a:ext>
+            </a:extLst>
+          </a:blip>
+          <a:stretch>
+            <a:fillRect/>
+          </a:stretch>
+        </p:blipFill>
+        <p:spPr>
+          <a:xfrm>
+            <a:off x="7413292" y="3129284"/>
+            <a:ext cx="320415" cy="342512"/>
+          </a:xfrm>
+          <a:prstGeom prst="rect">
+            <a:avLst/>
+          </a:prstGeom>
+        </p:spPr>
+      </p:pic>
+      <p:pic>
+        <p:nvPicPr>
+          <p:cNvPr id="31" name="Picture 30"/>
+          <p:cNvPicPr>
+            <a:picLocks noChangeAspect="1"/>
+          </p:cNvPicPr>
+          <p:nvPr/>
+        </p:nvPicPr>
+        <p:blipFill>
+          <a:blip r:embed="rId8">
+            <a:extLst>
+              <a:ext uri="{28A0092B-C50C-407E-A947-70E740481C1C}">
+                <a14:useLocalDpi xmlns:a14="http://schemas.microsoft.com/office/drawing/2010/main" val="0"/>
+              </a:ext>
+            </a:extLst>
+          </a:blip>
+          <a:stretch>
+            <a:fillRect/>
+          </a:stretch>
+        </p:blipFill>
+        <p:spPr>
+          <a:xfrm>
+            <a:off x="7417591" y="3470435"/>
+            <a:ext cx="320415" cy="342512"/>
+          </a:xfrm>
+          <a:prstGeom prst="rect">
+            <a:avLst/>
+          </a:prstGeom>
+        </p:spPr>
+      </p:pic>
+      <p:sp>
+        <p:nvSpPr>
+          <p:cNvPr id="32" name="CustomShape 13"/>
+          <p:cNvSpPr/>
+          <p:nvPr/>
+        </p:nvSpPr>
+        <p:spPr>
+          <a:xfrm>
+            <a:off x="9759697" y="2449768"/>
+            <a:ext cx="2199380" cy="1933035"/>
+          </a:xfrm>
+          <a:prstGeom prst="rect">
+            <a:avLst/>
+          </a:prstGeom>
+          <a:noFill/>
+          <a:ln>
+            <a:noFill/>
+          </a:ln>
+        </p:spPr>
+        <p:style>
+          <a:lnRef idx="0">
+            <a:scrgbClr r="0" g="0" b="0"/>
+          </a:lnRef>
+          <a:fillRef idx="0">
+            <a:scrgbClr r="0" g="0" b="0"/>
+          </a:fillRef>
+          <a:effectRef idx="0">
+            <a:scrgbClr r="0" g="0" b="0"/>
+          </a:effectRef>
+          <a:fontRef idx="minor"/>
+        </p:style>
+        <p:txBody>
+          <a:bodyPr lIns="90000" tIns="45000" rIns="90000" bIns="45000"/>
+          <a:lstStyle/>
+          <a:p>
+            <a:r>
+              <a:rPr lang="en-US" sz="2200" spc="-1" dirty="0">
+                <a:solidFill>
+                  <a:srgbClr val="000000"/>
+                </a:solidFill>
+                <a:uFill>
+                  <a:solidFill>
+                    <a:srgbClr val="FFFFFF"/>
+                  </a:solidFill>
+                </a:uFill>
+                <a:latin typeface="Agency FB" panose="020B0503020202020204" pitchFamily="34" charset="0"/>
+              </a:rPr>
+              <a:t>     </a:t>
+            </a:r>
+            <a:r>
+              <a:rPr lang="en-US" sz="2200" spc="-1" dirty="0" smtClean="0">
+                <a:solidFill>
+                  <a:srgbClr val="000000"/>
+                </a:solidFill>
+                <a:uFill>
+                  <a:solidFill>
+                    <a:srgbClr val="FFFFFF"/>
+                  </a:solidFill>
+                </a:uFill>
+                <a:latin typeface="Agency FB" panose="020B0503020202020204" pitchFamily="34" charset="0"/>
+              </a:rPr>
+              <a:t>Created </a:t>
+            </a:r>
+            <a:r>
+              <a:rPr lang="en-US" sz="2200" spc="-1" dirty="0">
+                <a:solidFill>
+                  <a:srgbClr val="000000"/>
+                </a:solidFill>
+                <a:uFill>
+                  <a:solidFill>
+                    <a:srgbClr val="FFFFFF"/>
+                  </a:solidFill>
+                </a:uFill>
+                <a:latin typeface="Agency FB" panose="020B0503020202020204" pitchFamily="34" charset="0"/>
+              </a:rPr>
+              <a:t>the health </a:t>
+            </a:r>
+            <a:r>
+              <a:rPr lang="en-US" sz="2200" spc="-1" dirty="0" smtClean="0">
+                <a:solidFill>
+                  <a:srgbClr val="000000"/>
+                </a:solidFill>
+                <a:uFill>
+                  <a:solidFill>
+                    <a:srgbClr val="FFFFFF"/>
+                  </a:solidFill>
+                </a:uFill>
+                <a:latin typeface="Agency FB" panose="020B0503020202020204" pitchFamily="34" charset="0"/>
+              </a:rPr>
+              <a:t>class</a:t>
+            </a:r>
+            <a:r>
+              <a:rPr lang="en-US" sz="2200" strike="noStrike" spc="-1" dirty="0" smtClean="0">
+                <a:solidFill>
+                  <a:srgbClr val="000000"/>
+                </a:solidFill>
+                <a:uFill>
+                  <a:solidFill>
+                    <a:srgbClr val="FFFFFF"/>
+                  </a:solidFill>
+                </a:uFill>
+                <a:latin typeface="Agency FB" panose="020B0503020202020204" pitchFamily="34" charset="0"/>
+                <a:ea typeface="DejaVu Sans"/>
+              </a:rPr>
+              <a:t>;</a:t>
+            </a:r>
+            <a:endParaRPr sz="2200" dirty="0">
+              <a:latin typeface="Agency FB" panose="020B0503020202020204" pitchFamily="34" charset="0"/>
+            </a:endParaRPr>
+          </a:p>
+          <a:p>
+            <a:pPr>
+              <a:lnSpc>
+                <a:spcPct val="100000"/>
+              </a:lnSpc>
+            </a:pPr>
+            <a:r>
+              <a:rPr lang="en-US" sz="2200" strike="noStrike" spc="-1" dirty="0" smtClean="0">
+                <a:solidFill>
+                  <a:srgbClr val="000000"/>
+                </a:solidFill>
+                <a:uFill>
+                  <a:solidFill>
+                    <a:srgbClr val="FFFFFF"/>
+                  </a:solidFill>
+                </a:uFill>
+                <a:latin typeface="Agency FB" panose="020B0503020202020204" pitchFamily="34" charset="0"/>
+                <a:ea typeface="DejaVu Sans"/>
+              </a:rPr>
+              <a:t>      Scoring Class.</a:t>
+            </a:r>
+            <a:endParaRPr sz="2200" dirty="0">
+              <a:latin typeface="Agency FB" panose="020B0503020202020204" pitchFamily="34" charset="0"/>
+            </a:endParaRPr>
+          </a:p>
+        </p:txBody>
+      </p:sp>
+      <p:pic>
+        <p:nvPicPr>
+          <p:cNvPr id="33" name="Picture 32"/>
+          <p:cNvPicPr>
+            <a:picLocks noChangeAspect="1"/>
+          </p:cNvPicPr>
+          <p:nvPr/>
+        </p:nvPicPr>
+        <p:blipFill>
+          <a:blip r:embed="rId8">
+            <a:extLst>
+              <a:ext uri="{28A0092B-C50C-407E-A947-70E740481C1C}">
+                <a14:useLocalDpi xmlns:a14="http://schemas.microsoft.com/office/drawing/2010/main" val="0"/>
+              </a:ext>
+            </a:extLst>
+          </a:blip>
+          <a:stretch>
+            <a:fillRect/>
+          </a:stretch>
+        </p:blipFill>
+        <p:spPr>
+          <a:xfrm>
+            <a:off x="9822038" y="2456621"/>
+            <a:ext cx="320415" cy="342512"/>
+          </a:xfrm>
+          <a:prstGeom prst="rect">
+            <a:avLst/>
+          </a:prstGeom>
+        </p:spPr>
+      </p:pic>
+      <p:pic>
+        <p:nvPicPr>
+          <p:cNvPr id="34" name="Picture 33"/>
+          <p:cNvPicPr>
+            <a:picLocks noChangeAspect="1"/>
+          </p:cNvPicPr>
+          <p:nvPr/>
+        </p:nvPicPr>
+        <p:blipFill>
+          <a:blip r:embed="rId8">
+            <a:extLst>
+              <a:ext uri="{28A0092B-C50C-407E-A947-70E740481C1C}">
+                <a14:useLocalDpi xmlns:a14="http://schemas.microsoft.com/office/drawing/2010/main" val="0"/>
+              </a:ext>
+            </a:extLst>
+          </a:blip>
+          <a:stretch>
+            <a:fillRect/>
+          </a:stretch>
+        </p:blipFill>
+        <p:spPr>
+          <a:xfrm>
+            <a:off x="9822038" y="3159852"/>
+            <a:ext cx="320415" cy="342512"/>
+          </a:xfrm>
+          <a:prstGeom prst="rect">
+            <a:avLst/>
+          </a:prstGeom>
+        </p:spPr>
+      </p:pic>
+      <p:sp>
+        <p:nvSpPr>
+          <p:cNvPr id="35" name="CustomShape 13"/>
+          <p:cNvSpPr/>
+          <p:nvPr/>
+        </p:nvSpPr>
+        <p:spPr>
+          <a:xfrm>
+            <a:off x="2552616" y="2449767"/>
+            <a:ext cx="2199380" cy="2973133"/>
+          </a:xfrm>
+          <a:prstGeom prst="rect">
+            <a:avLst/>
+          </a:prstGeom>
+          <a:noFill/>
+          <a:ln>
+            <a:noFill/>
+          </a:ln>
+        </p:spPr>
+        <p:style>
+          <a:lnRef idx="0">
+            <a:scrgbClr r="0" g="0" b="0"/>
+          </a:lnRef>
+          <a:fillRef idx="0">
+            <a:scrgbClr r="0" g="0" b="0"/>
+          </a:fillRef>
+          <a:effectRef idx="0">
+            <a:scrgbClr r="0" g="0" b="0"/>
+          </a:effectRef>
+          <a:fontRef idx="minor"/>
+        </p:style>
+        <p:txBody>
+          <a:bodyPr lIns="90000" tIns="45000" rIns="90000" bIns="45000"/>
+          <a:lstStyle/>
+          <a:p>
+            <a:pPr>
+              <a:lnSpc>
+                <a:spcPct val="100000"/>
+              </a:lnSpc>
+            </a:pPr>
+            <a:r>
+              <a:rPr lang="en-US" sz="2200" strike="noStrike" spc="-1" dirty="0" smtClean="0">
+                <a:solidFill>
+                  <a:srgbClr val="000000"/>
+                </a:solidFill>
+                <a:uFill>
+                  <a:solidFill>
+                    <a:srgbClr val="FFFFFF"/>
+                  </a:solidFill>
+                </a:uFill>
+                <a:latin typeface="Agency FB" panose="020B0503020202020204" pitchFamily="34" charset="0"/>
+                <a:ea typeface="DejaVu Sans"/>
+              </a:rPr>
+              <a:t>     Enemies classes creation – Dinosaur, Flying Dragon, Octopus, </a:t>
+            </a:r>
+            <a:r>
+              <a:rPr lang="en-US" sz="2200" strike="noStrike" spc="-1" dirty="0" err="1" smtClean="0">
+                <a:solidFill>
+                  <a:srgbClr val="000000"/>
+                </a:solidFill>
+                <a:uFill>
+                  <a:solidFill>
+                    <a:srgbClr val="FFFFFF"/>
+                  </a:solidFill>
+                </a:uFill>
+                <a:latin typeface="Agency FB" panose="020B0503020202020204" pitchFamily="34" charset="0"/>
+                <a:ea typeface="DejaVu Sans"/>
+              </a:rPr>
+              <a:t>Octopus_T</a:t>
+            </a:r>
+            <a:r>
+              <a:rPr lang="en-US" sz="2200" strike="noStrike" spc="-1" dirty="0" smtClean="0">
+                <a:solidFill>
+                  <a:srgbClr val="000000"/>
+                </a:solidFill>
+                <a:uFill>
+                  <a:solidFill>
+                    <a:srgbClr val="FFFFFF"/>
+                  </a:solidFill>
+                </a:uFill>
+                <a:latin typeface="Agency FB" panose="020B0503020202020204" pitchFamily="34" charset="0"/>
+                <a:ea typeface="DejaVu Sans"/>
+              </a:rPr>
+              <a:t> including attacking logic and movement design;</a:t>
+            </a:r>
+            <a:endParaRPr sz="2200" dirty="0">
+              <a:latin typeface="Agency FB" panose="020B0503020202020204" pitchFamily="34" charset="0"/>
+            </a:endParaRPr>
+          </a:p>
+          <a:p>
+            <a:pPr>
+              <a:lnSpc>
+                <a:spcPct val="100000"/>
+              </a:lnSpc>
+            </a:pPr>
+            <a:r>
+              <a:rPr lang="en-US" sz="2200" strike="noStrike" spc="-1" dirty="0" smtClean="0">
+                <a:solidFill>
+                  <a:srgbClr val="000000"/>
+                </a:solidFill>
+                <a:uFill>
+                  <a:solidFill>
+                    <a:srgbClr val="FFFFFF"/>
+                  </a:solidFill>
+                </a:uFill>
+                <a:latin typeface="Agency FB" panose="020B0503020202020204" pitchFamily="34" charset="0"/>
+                <a:ea typeface="DejaVu Sans"/>
+              </a:rPr>
+              <a:t>       Health bar improvements.</a:t>
+            </a:r>
+            <a:endParaRPr sz="2200" dirty="0">
+              <a:latin typeface="Agency FB" panose="020B0503020202020204" pitchFamily="34" charset="0"/>
+            </a:endParaRPr>
+          </a:p>
+        </p:txBody>
+      </p:sp>
+      <p:pic>
+        <p:nvPicPr>
+          <p:cNvPr id="36" name="Picture 35"/>
+          <p:cNvPicPr>
+            <a:picLocks noChangeAspect="1"/>
+          </p:cNvPicPr>
+          <p:nvPr/>
+        </p:nvPicPr>
+        <p:blipFill>
+          <a:blip r:embed="rId8">
+            <a:extLst>
+              <a:ext uri="{28A0092B-C50C-407E-A947-70E740481C1C}">
+                <a14:useLocalDpi xmlns:a14="http://schemas.microsoft.com/office/drawing/2010/main" val="0"/>
+              </a:ext>
+            </a:extLst>
+          </a:blip>
+          <a:stretch>
+            <a:fillRect/>
+          </a:stretch>
+        </p:blipFill>
+        <p:spPr>
+          <a:xfrm>
+            <a:off x="2571278" y="2474606"/>
+            <a:ext cx="320415" cy="342512"/>
+          </a:xfrm>
+          <a:prstGeom prst="rect">
+            <a:avLst/>
+          </a:prstGeom>
+        </p:spPr>
+      </p:pic>
+      <p:pic>
+        <p:nvPicPr>
+          <p:cNvPr id="37" name="Picture 36"/>
+          <p:cNvPicPr>
+            <a:picLocks noChangeAspect="1"/>
+          </p:cNvPicPr>
+          <p:nvPr/>
+        </p:nvPicPr>
+        <p:blipFill>
+          <a:blip r:embed="rId8">
+            <a:extLst>
+              <a:ext uri="{28A0092B-C50C-407E-A947-70E740481C1C}">
+                <a14:useLocalDpi xmlns:a14="http://schemas.microsoft.com/office/drawing/2010/main" val="0"/>
+              </a:ext>
+            </a:extLst>
+          </a:blip>
+          <a:stretch>
+            <a:fillRect/>
+          </a:stretch>
+        </p:blipFill>
+        <p:spPr>
+          <a:xfrm>
+            <a:off x="2638440" y="4900168"/>
+            <a:ext cx="320415" cy="342512"/>
+          </a:xfrm>
+          <a:prstGeom prst="rect">
+            <a:avLst/>
+          </a:prstGeom>
+        </p:spPr>
+      </p:pic>
     </p:spTree>
   </p:cSld>
+  <p:clrMapOvr>
+    <a:masterClrMapping/>
+  </p:clrMapOvr>
   <p:timing>
     <p:tnLst>
       <p:par>
-        <p:cTn id="5" dur="indefinite" restart="never" nodeType="tmRoot">
+        <p:cTn id="1" dur="indefinite" restart="never" nodeType="tmRoot">
           <p:childTnLst>
             <p:seq>
-              <p:cTn id="6" nodeType="mainSeq"/>
+              <p:cTn id="2" nodeType="mainSeq"/>
               <p:prevCondLst>
-                <p:cond delay="0" evt="onPrev">
+                <p:cond evt="onPrev" delay="0">
                   <p:tgtEl>
                     <p:sldTgt/>
                   </p:tgtEl>
                 </p:cond>
               </p:prevCondLst>
               <p:nextCondLst>
-                <p:cond delay="0" evt="onNext">
+                <p:cond evt="onNext" delay="0">
                   <p:tgtEl>
                     <p:sldTgt/>
                   </p:tgtEl>
@@ -5854,16 +8818,17 @@
 </file>
 
 <file path=ppt/slides/slide4.xml><?xml version="1.0" encoding="utf-8"?>
-<p:sld xmlns:a="http://schemas.openxmlformats.org/drawingml/2006/main" xmlns:p="http://schemas.openxmlformats.org/presentationml/2006/main" xmlns:r="http://schemas.openxmlformats.org/officeDocument/2006/relationships">
+<p:sld xmlns:a="http://schemas.openxmlformats.org/drawingml/2006/main" xmlns:r="http://schemas.openxmlformats.org/officeDocument/2006/relationships" xmlns:p="http://schemas.openxmlformats.org/presentationml/2006/main">
   <p:cSld>
     <p:bg>
       <p:bgPr>
         <a:blipFill>
-          <a:blip r:embed="rId1"/>
+          <a:blip r:embed="rId2"/>
           <a:stretch>
             <a:fillRect/>
           </a:stretch>
         </a:blipFill>
+        <a:effectLst/>
       </p:bgPr>
     </p:bg>
     <p:spTree>
@@ -5882,12 +8847,12 @@
       </p:grpSpPr>
       <p:pic>
         <p:nvPicPr>
-          <p:cNvPr id="140" name="Picture 2" descr=""/>
+          <p:cNvPr id="140" name="Picture 2"/>
           <p:cNvPicPr/>
           <p:nvPr/>
         </p:nvPicPr>
         <p:blipFill>
-          <a:blip r:embed="rId2"/>
+          <a:blip r:embed="rId3"/>
           <a:stretch/>
         </p:blipFill>
         <p:spPr>
@@ -5911,8 +8876,8 @@
         </p:nvSpPr>
         <p:spPr>
           <a:xfrm>
-            <a:off x="948240" y="5331600"/>
-            <a:ext cx="10411560" cy="699480"/>
+            <a:off x="3107240" y="5230000"/>
+            <a:ext cx="6328860" cy="699480"/>
           </a:xfrm>
           <a:prstGeom prst="rect">
             <a:avLst/>
@@ -5923,13 +8888,20 @@
           </a:ln>
         </p:spPr>
         <p:style>
-          <a:lnRef idx="0"/>
-          <a:fillRef idx="0"/>
-          <a:effectRef idx="0"/>
+          <a:lnRef idx="0">
+            <a:scrgbClr r="0" g="0" b="0"/>
+          </a:lnRef>
+          <a:fillRef idx="0">
+            <a:scrgbClr r="0" g="0" b="0"/>
+          </a:fillRef>
+          <a:effectRef idx="0">
+            <a:scrgbClr r="0" g="0" b="0"/>
+          </a:effectRef>
           <a:fontRef idx="minor"/>
         </p:style>
         <p:txBody>
-          <a:bodyPr wrap="none" lIns="90000" rIns="90000" tIns="45000" bIns="45000"/>
+          <a:bodyPr wrap="none" lIns="90000" tIns="45000" rIns="90000" bIns="45000"/>
+          <a:lstStyle/>
           <a:p>
             <a:pPr>
               <a:lnSpc>
@@ -5937,42 +8909,47 @@
               </a:lnSpc>
             </a:pPr>
             <a:r>
-              <a:rPr lang="en-US" sz="4000" spc="-1" strike="noStrike">
+              <a:rPr lang="en-US" sz="4000" strike="noStrike" spc="-1" dirty="0">
                 <a:solidFill>
-                  <a:srgbClr val="ffffff"/>
+                  <a:srgbClr val="FFFFFF"/>
                 </a:solidFill>
                 <a:uFill>
                   <a:solidFill>
-                    <a:srgbClr val="ffffff"/>
+                    <a:srgbClr val="FFFFFF"/>
                   </a:solidFill>
                 </a:uFill>
-                <a:latin typeface="Agency FB"/>
+                <a:latin typeface="Agency FB" panose="020B0503020202020204" pitchFamily="34" charset="0"/>
                 <a:ea typeface="DejaVu Sans"/>
               </a:rPr>
               <a:t>AND THANK YOU FOR YOUR ATTENTION!</a:t>
             </a:r>
-            <a:endParaRPr/>
+            <a:endParaRPr dirty="0">
+              <a:latin typeface="Agency FB" panose="020B0503020202020204" pitchFamily="34" charset="0"/>
+            </a:endParaRPr>
           </a:p>
         </p:txBody>
       </p:sp>
     </p:spTree>
   </p:cSld>
+  <p:clrMapOvr>
+    <a:masterClrMapping/>
+  </p:clrMapOvr>
   <p:timing>
     <p:tnLst>
       <p:par>
-        <p:cTn id="7" dur="indefinite" restart="never" nodeType="tmRoot">
+        <p:cTn id="1" dur="indefinite" restart="never" nodeType="tmRoot">
           <p:childTnLst>
             <p:seq>
-              <p:cTn id="8" nodeType="mainSeq"/>
+              <p:cTn id="2" nodeType="mainSeq"/>
               <p:prevCondLst>
-                <p:cond delay="0" evt="onPrev">
+                <p:cond evt="onPrev" delay="0">
                   <p:tgtEl>
                     <p:sldTgt/>
                   </p:tgtEl>
                 </p:cond>
               </p:prevCondLst>
               <p:nextCondLst>
-                <p:cond delay="0" evt="onNext">
+                <p:cond evt="onNext" delay="0">
                   <p:tgtEl>
                     <p:sldTgt/>
                   </p:tgtEl>
@@ -5998,46 +8975,106 @@
         <a:sysClr val="window" lastClr="FFFFFF"/>
       </a:lt1>
       <a:dk2>
-        <a:srgbClr val="1F497D"/>
+        <a:srgbClr val="44546A"/>
       </a:dk2>
       <a:lt2>
-        <a:srgbClr val="EEECE1"/>
+        <a:srgbClr val="E7E6E6"/>
       </a:lt2>
       <a:accent1>
-        <a:srgbClr val="4F81BD"/>
+        <a:srgbClr val="5B9BD5"/>
       </a:accent1>
       <a:accent2>
-        <a:srgbClr val="C0504D"/>
+        <a:srgbClr val="ED7D31"/>
       </a:accent2>
       <a:accent3>
-        <a:srgbClr val="9BBB59"/>
+        <a:srgbClr val="A5A5A5"/>
       </a:accent3>
       <a:accent4>
-        <a:srgbClr val="8064A2"/>
+        <a:srgbClr val="FFC000"/>
       </a:accent4>
       <a:accent5>
-        <a:srgbClr val="4BACC6"/>
+        <a:srgbClr val="4472C4"/>
       </a:accent5>
       <a:accent6>
-        <a:srgbClr val="F79646"/>
+        <a:srgbClr val="70AD47"/>
       </a:accent6>
       <a:hlink>
-        <a:srgbClr val="0000FF"/>
+        <a:srgbClr val="0563C1"/>
       </a:hlink>
       <a:folHlink>
-        <a:srgbClr val="800080"/>
+        <a:srgbClr val="954F72"/>
       </a:folHlink>
     </a:clrScheme>
     <a:fontScheme name="Office">
       <a:majorFont>
-        <a:latin typeface="Arial"/>
-        <a:ea typeface="DejaVu Sans"/>
-        <a:cs typeface="DejaVu Sans"/>
+        <a:latin typeface="Calibri Light" panose="020F0302020204030204"/>
+        <a:ea typeface=""/>
+        <a:cs typeface=""/>
+        <a:font script="Jpan" typeface="ＭＳ Ｐゴシック"/>
+        <a:font script="Hang" typeface="맑은 고딕"/>
+        <a:font script="Hans" typeface="宋体"/>
+        <a:font script="Hant" typeface="新細明體"/>
+        <a:font script="Arab" typeface="Times New Roman"/>
+        <a:font script="Hebr" typeface="Times New Roman"/>
+        <a:font script="Thai" typeface="Angsana New"/>
+        <a:font script="Ethi" typeface="Nyala"/>
+        <a:font script="Beng" typeface="Vrinda"/>
+        <a:font script="Gujr" typeface="Shruti"/>
+        <a:font script="Khmr" typeface="MoolBoran"/>
+        <a:font script="Knda" typeface="Tunga"/>
+        <a:font script="Guru" typeface="Raavi"/>
+        <a:font script="Cans" typeface="Euphemia"/>
+        <a:font script="Cher" typeface="Plantagenet Cherokee"/>
+        <a:font script="Yiii" typeface="Microsoft Yi Baiti"/>
+        <a:font script="Tibt" typeface="Microsoft Himalaya"/>
+        <a:font script="Thaa" typeface="MV Boli"/>
+        <a:font script="Deva" typeface="Mangal"/>
+        <a:font script="Telu" typeface="Gautami"/>
+        <a:font script="Taml" typeface="Latha"/>
+        <a:font script="Syrc" typeface="Estrangelo Edessa"/>
+        <a:font script="Orya" typeface="Kalinga"/>
+        <a:font script="Mlym" typeface="Kartika"/>
+        <a:font script="Laoo" typeface="DokChampa"/>
+        <a:font script="Sinh" typeface="Iskoola Pota"/>
+        <a:font script="Mong" typeface="Mongolian Baiti"/>
+        <a:font script="Viet" typeface="Times New Roman"/>
+        <a:font script="Uigh" typeface="Microsoft Uighur"/>
+        <a:font script="Geor" typeface="Sylfaen"/>
       </a:majorFont>
       <a:minorFont>
-        <a:latin typeface="Arial"/>
-        <a:ea typeface="DejaVu Sans"/>
-        <a:cs typeface="DejaVu Sans"/>
+        <a:latin typeface="Calibri" panose="020F0502020204030204"/>
+        <a:ea typeface=""/>
+        <a:cs typeface=""/>
+        <a:font script="Jpan" typeface="ＭＳ Ｐゴシック"/>
+        <a:font script="Hang" typeface="맑은 고딕"/>
+        <a:font script="Hans" typeface="宋体"/>
+        <a:font script="Hant" typeface="新細明體"/>
+        <a:font script="Arab" typeface="Arial"/>
+        <a:font script="Hebr" typeface="Arial"/>
+        <a:font script="Thai" typeface="Cordia New"/>
+        <a:font script="Ethi" typeface="Nyala"/>
+        <a:font script="Beng" typeface="Vrinda"/>
+        <a:font script="Gujr" typeface="Shruti"/>
+        <a:font script="Khmr" typeface="DaunPenh"/>
+        <a:font script="Knda" typeface="Tunga"/>
+        <a:font script="Guru" typeface="Raavi"/>
+        <a:font script="Cans" typeface="Euphemia"/>
+        <a:font script="Cher" typeface="Plantagenet Cherokee"/>
+        <a:font script="Yiii" typeface="Microsoft Yi Baiti"/>
+        <a:font script="Tibt" typeface="Microsoft Himalaya"/>
+        <a:font script="Thaa" typeface="MV Boli"/>
+        <a:font script="Deva" typeface="Mangal"/>
+        <a:font script="Telu" typeface="Gautami"/>
+        <a:font script="Taml" typeface="Latha"/>
+        <a:font script="Syrc" typeface="Estrangelo Edessa"/>
+        <a:font script="Orya" typeface="Kalinga"/>
+        <a:font script="Mlym" typeface="Kartika"/>
+        <a:font script="Laoo" typeface="DokChampa"/>
+        <a:font script="Sinh" typeface="Iskoola Pota"/>
+        <a:font script="Mong" typeface="Mongolian Baiti"/>
+        <a:font script="Viet" typeface="Arial"/>
+        <a:font script="Uigh" typeface="Microsoft Uighur"/>
+        <a:font script="Geor" typeface="Sylfaen"/>
       </a:minorFont>
     </a:fontScheme>
     <a:fmtScheme name="Office">
@@ -6049,164 +9086,142 @@
           <a:gsLst>
             <a:gs pos="0">
               <a:schemeClr val="phClr">
-                <a:tint val="50000"/>
-                <a:satMod val="300000"/>
+                <a:lumMod val="110000"/>
+                <a:satMod val="105000"/>
+                <a:tint val="67000"/>
               </a:schemeClr>
             </a:gs>
-            <a:gs pos="35000">
+            <a:gs pos="50000">
               <a:schemeClr val="phClr">
-                <a:tint val="37000"/>
-                <a:satMod val="300000"/>
+                <a:lumMod val="105000"/>
+                <a:satMod val="103000"/>
+                <a:tint val="73000"/>
               </a:schemeClr>
             </a:gs>
             <a:gs pos="100000">
               <a:schemeClr val="phClr">
-                <a:tint val="15000"/>
-                <a:satMod val="350000"/>
+                <a:lumMod val="105000"/>
+                <a:satMod val="109000"/>
+                <a:tint val="81000"/>
               </a:schemeClr>
             </a:gs>
           </a:gsLst>
-          <a:lin ang="16200000" scaled="1"/>
+          <a:lin ang="5400000" scaled="0"/>
         </a:gradFill>
         <a:gradFill rotWithShape="1">
           <a:gsLst>
             <a:gs pos="0">
               <a:schemeClr val="phClr">
-                <a:shade val="51000"/>
-                <a:satMod val="130000"/>
+                <a:satMod val="103000"/>
+                <a:lumMod val="102000"/>
+                <a:tint val="94000"/>
               </a:schemeClr>
             </a:gs>
-            <a:gs pos="80000">
+            <a:gs pos="50000">
               <a:schemeClr val="phClr">
-                <a:shade val="93000"/>
-                <a:satMod val="130000"/>
+                <a:satMod val="110000"/>
+                <a:lumMod val="100000"/>
+                <a:shade val="100000"/>
               </a:schemeClr>
             </a:gs>
             <a:gs pos="100000">
               <a:schemeClr val="phClr">
-                <a:shade val="94000"/>
-                <a:satMod val="135000"/>
+                <a:lumMod val="99000"/>
+                <a:satMod val="120000"/>
+                <a:shade val="78000"/>
               </a:schemeClr>
             </a:gs>
           </a:gsLst>
-          <a:lin ang="16200000" scaled="0"/>
+          <a:lin ang="5400000" scaled="0"/>
         </a:gradFill>
       </a:fillStyleLst>
       <a:lnStyleLst>
-        <a:ln w="9525" cap="flat" cmpd="sng" algn="ctr">
-          <a:solidFill>
-            <a:schemeClr val="phClr">
-              <a:shade val="95000"/>
-              <a:satMod val="105000"/>
-            </a:schemeClr>
-          </a:solidFill>
-          <a:prstDash val="solid"/>
-        </a:ln>
-        <a:ln w="25400" cap="flat" cmpd="sng" algn="ctr">
+        <a:ln w="6350" cap="flat" cmpd="sng" algn="ctr">
           <a:solidFill>
             <a:schemeClr val="phClr"/>
           </a:solidFill>
           <a:prstDash val="solid"/>
+          <a:miter lim="800000"/>
         </a:ln>
-        <a:ln w="38100" cap="flat" cmpd="sng" algn="ctr">
+        <a:ln w="12700" cap="flat" cmpd="sng" algn="ctr">
           <a:solidFill>
             <a:schemeClr val="phClr"/>
           </a:solidFill>
           <a:prstDash val="solid"/>
+          <a:miter lim="800000"/>
+        </a:ln>
+        <a:ln w="19050" cap="flat" cmpd="sng" algn="ctr">
+          <a:solidFill>
+            <a:schemeClr val="phClr"/>
+          </a:solidFill>
+          <a:prstDash val="solid"/>
+          <a:miter lim="800000"/>
         </a:ln>
       </a:lnStyleLst>
       <a:effectStyleLst>
         <a:effectStyle>
+          <a:effectLst/>
+        </a:effectStyle>
+        <a:effectStyle>
+          <a:effectLst/>
+        </a:effectStyle>
+        <a:effectStyle>
           <a:effectLst>
-            <a:outerShdw blurRad="40000" dist="20000" dir="5400000" rotWithShape="0">
+            <a:outerShdw blurRad="57150" dist="19050" dir="5400000" algn="ctr" rotWithShape="0">
               <a:srgbClr val="000000">
-                <a:alpha val="38000"/>
+                <a:alpha val="63000"/>
               </a:srgbClr>
             </a:outerShdw>
           </a:effectLst>
-        </a:effectStyle>
-        <a:effectStyle>
-          <a:effectLst>
-            <a:outerShdw blurRad="40000" dist="23000" dir="5400000" rotWithShape="0">
-              <a:srgbClr val="000000">
-                <a:alpha val="35000"/>
-              </a:srgbClr>
-            </a:outerShdw>
-          </a:effectLst>
-        </a:effectStyle>
-        <a:effectStyle>
-          <a:effectLst>
-            <a:outerShdw blurRad="40000" dist="23000" dir="5400000" rotWithShape="0">
-              <a:srgbClr val="000000">
-                <a:alpha val="35000"/>
-              </a:srgbClr>
-            </a:outerShdw>
-          </a:effectLst>
-          <a:scene3d>
-            <a:camera prst="orthographicFront">
-              <a:rot lat="0" lon="0" rev="0"/>
-            </a:camera>
-            <a:lightRig rig="threePt" dir="t">
-              <a:rot lat="0" lon="0" rev="1200000"/>
-            </a:lightRig>
-          </a:scene3d>
-          <a:sp3d>
-            <a:bevelT w="63500" h="25400"/>
-          </a:sp3d>
         </a:effectStyle>
       </a:effectStyleLst>
       <a:bgFillStyleLst>
         <a:solidFill>
           <a:schemeClr val="phClr"/>
         </a:solidFill>
+        <a:solidFill>
+          <a:schemeClr val="phClr">
+            <a:tint val="95000"/>
+            <a:satMod val="170000"/>
+          </a:schemeClr>
+        </a:solidFill>
         <a:gradFill rotWithShape="1">
           <a:gsLst>
             <a:gs pos="0">
               <a:schemeClr val="phClr">
-                <a:tint val="40000"/>
-                <a:satMod val="350000"/>
+                <a:tint val="93000"/>
+                <a:satMod val="150000"/>
+                <a:shade val="98000"/>
+                <a:lumMod val="102000"/>
               </a:schemeClr>
             </a:gs>
-            <a:gs pos="40000">
+            <a:gs pos="50000">
               <a:schemeClr val="phClr">
-                <a:tint val="45000"/>
-                <a:shade val="99000"/>
-                <a:satMod val="350000"/>
+                <a:tint val="98000"/>
+                <a:satMod val="130000"/>
+                <a:shade val="90000"/>
+                <a:lumMod val="103000"/>
               </a:schemeClr>
             </a:gs>
             <a:gs pos="100000">
               <a:schemeClr val="phClr">
-                <a:shade val="20000"/>
-                <a:satMod val="255000"/>
+                <a:shade val="63000"/>
+                <a:satMod val="120000"/>
               </a:schemeClr>
             </a:gs>
           </a:gsLst>
-          <a:path path="circle">
-            <a:fillToRect l="50000" t="-80000" r="50000" b="180000"/>
-          </a:path>
-        </a:gradFill>
-        <a:gradFill rotWithShape="1">
-          <a:gsLst>
-            <a:gs pos="0">
-              <a:schemeClr val="phClr">
-                <a:tint val="80000"/>
-                <a:satMod val="300000"/>
-              </a:schemeClr>
-            </a:gs>
-            <a:gs pos="100000">
-              <a:schemeClr val="phClr">
-                <a:shade val="30000"/>
-                <a:satMod val="200000"/>
-              </a:schemeClr>
-            </a:gs>
-          </a:gsLst>
-          <a:path path="circle">
-            <a:fillToRect l="50000" t="50000" r="50000" b="50000"/>
-          </a:path>
+          <a:lin ang="5400000" scaled="0"/>
         </a:gradFill>
       </a:bgFillStyleLst>
     </a:fmtScheme>
   </a:themeElements>
+  <a:objectDefaults/>
+  <a:extraClrSchemeLst/>
+  <a:extLst>
+    <a:ext uri="{05A4C25C-085E-4340-85A3-A5531E510DB2}">
+      <thm15:themeFamily xmlns:thm15="http://schemas.microsoft.com/office/thememl/2012/main" name="Office Theme" id="{62F939B6-93AF-4DB8-9C6B-D6C7DFDC589F}" vid="{4A3C46E8-61CC-4603-A589-7422A47A8E4A}"/>
+    </a:ext>
+  </a:extLst>
 </a:theme>
 </file>
 
@@ -6430,6 +9445,8 @@
       </a:bgFillStyleLst>
     </a:fmtScheme>
   </a:themeElements>
+  <a:objectDefaults/>
+  <a:extraClrSchemeLst/>
 </a:theme>
 </file>
 
@@ -6653,5 +9670,7 @@
       </a:bgFillStyleLst>
     </a:fmtScheme>
   </a:themeElements>
+  <a:objectDefaults/>
+  <a:extraClrSchemeLst/>
 </a:theme>
 </file>